--- a/signals_and_systems/signals/pictures/pictures.pptx
+++ b/signals_and_systems/signals/pictures/pictures.pptx
@@ -8,6 +8,8 @@
     <p:sldId id="256" r:id="rId2"/>
     <p:sldId id="257" r:id="rId3"/>
     <p:sldId id="258" r:id="rId4"/>
+    <p:sldId id="259" r:id="rId5"/>
+    <p:sldId id="260" r:id="rId6"/>
   </p:sldIdLst>
   <p:sldSz cx="12192000" cy="6858000"/>
   <p:notesSz cx="6858000" cy="9144000"/>
@@ -106,6 +108,11 @@
       </a:defRPr>
     </a:lvl9pPr>
   </p:defaultTextStyle>
+  <p:extLst>
+    <p:ext uri="{EFAFB233-063F-42B5-8137-9DF3F51BA10A}">
+      <p15:sldGuideLst xmlns:p15="http://schemas.microsoft.com/office/powerpoint/2012/main"/>
+    </p:ext>
+  </p:extLst>
 </p:presentation>
 </file>
 
@@ -258,7 +265,7 @@
           <a:p>
             <a:fld id="{B10F6587-41BA-BF40-9DBB-A8B5303664B6}" type="datetimeFigureOut">
               <a:rPr lang="en-US" smtClean="0"/>
-              <a:t>11/30/22</a:t>
+              <a:t>12/1/22</a:t>
             </a:fld>
             <a:endParaRPr lang="en-US"/>
           </a:p>
@@ -458,7 +465,7 @@
           <a:p>
             <a:fld id="{B10F6587-41BA-BF40-9DBB-A8B5303664B6}" type="datetimeFigureOut">
               <a:rPr lang="en-US" smtClean="0"/>
-              <a:t>11/30/22</a:t>
+              <a:t>12/1/22</a:t>
             </a:fld>
             <a:endParaRPr lang="en-US"/>
           </a:p>
@@ -668,7 +675,7 @@
           <a:p>
             <a:fld id="{B10F6587-41BA-BF40-9DBB-A8B5303664B6}" type="datetimeFigureOut">
               <a:rPr lang="en-US" smtClean="0"/>
-              <a:t>11/30/22</a:t>
+              <a:t>12/1/22</a:t>
             </a:fld>
             <a:endParaRPr lang="en-US"/>
           </a:p>
@@ -868,7 +875,7 @@
           <a:p>
             <a:fld id="{B10F6587-41BA-BF40-9DBB-A8B5303664B6}" type="datetimeFigureOut">
               <a:rPr lang="en-US" smtClean="0"/>
-              <a:t>11/30/22</a:t>
+              <a:t>12/1/22</a:t>
             </a:fld>
             <a:endParaRPr lang="en-US"/>
           </a:p>
@@ -1144,7 +1151,7 @@
           <a:p>
             <a:fld id="{B10F6587-41BA-BF40-9DBB-A8B5303664B6}" type="datetimeFigureOut">
               <a:rPr lang="en-US" smtClean="0"/>
-              <a:t>11/30/22</a:t>
+              <a:t>12/1/22</a:t>
             </a:fld>
             <a:endParaRPr lang="en-US"/>
           </a:p>
@@ -1412,7 +1419,7 @@
           <a:p>
             <a:fld id="{B10F6587-41BA-BF40-9DBB-A8B5303664B6}" type="datetimeFigureOut">
               <a:rPr lang="en-US" smtClean="0"/>
-              <a:t>11/30/22</a:t>
+              <a:t>12/1/22</a:t>
             </a:fld>
             <a:endParaRPr lang="en-US"/>
           </a:p>
@@ -1827,7 +1834,7 @@
           <a:p>
             <a:fld id="{B10F6587-41BA-BF40-9DBB-A8B5303664B6}" type="datetimeFigureOut">
               <a:rPr lang="en-US" smtClean="0"/>
-              <a:t>11/30/22</a:t>
+              <a:t>12/1/22</a:t>
             </a:fld>
             <a:endParaRPr lang="en-US"/>
           </a:p>
@@ -1969,7 +1976,7 @@
           <a:p>
             <a:fld id="{B10F6587-41BA-BF40-9DBB-A8B5303664B6}" type="datetimeFigureOut">
               <a:rPr lang="en-US" smtClean="0"/>
-              <a:t>11/30/22</a:t>
+              <a:t>12/1/22</a:t>
             </a:fld>
             <a:endParaRPr lang="en-US"/>
           </a:p>
@@ -2082,7 +2089,7 @@
           <a:p>
             <a:fld id="{B10F6587-41BA-BF40-9DBB-A8B5303664B6}" type="datetimeFigureOut">
               <a:rPr lang="en-US" smtClean="0"/>
-              <a:t>11/30/22</a:t>
+              <a:t>12/1/22</a:t>
             </a:fld>
             <a:endParaRPr lang="en-US"/>
           </a:p>
@@ -2395,7 +2402,7 @@
           <a:p>
             <a:fld id="{B10F6587-41BA-BF40-9DBB-A8B5303664B6}" type="datetimeFigureOut">
               <a:rPr lang="en-US" smtClean="0"/>
-              <a:t>11/30/22</a:t>
+              <a:t>12/1/22</a:t>
             </a:fld>
             <a:endParaRPr lang="en-US"/>
           </a:p>
@@ -2684,7 +2691,7 @@
           <a:p>
             <a:fld id="{B10F6587-41BA-BF40-9DBB-A8B5303664B6}" type="datetimeFigureOut">
               <a:rPr lang="en-US" smtClean="0"/>
-              <a:t>11/30/22</a:t>
+              <a:t>12/1/22</a:t>
             </a:fld>
             <a:endParaRPr lang="en-US"/>
           </a:p>
@@ -2927,7 +2934,7 @@
           <a:p>
             <a:fld id="{B10F6587-41BA-BF40-9DBB-A8B5303664B6}" type="datetimeFigureOut">
               <a:rPr lang="en-US" smtClean="0"/>
-              <a:t>11/30/22</a:t>
+              <a:t>12/1/22</a:t>
             </a:fld>
             <a:endParaRPr lang="en-US"/>
           </a:p>
@@ -3422,8 +3429,8 @@
           </a:fontRef>
         </p:style>
       </p:cxnSp>
-      <mc:AlternateContent xmlns:mc="http://schemas.openxmlformats.org/markup-compatibility/2006">
-        <mc:Choice xmlns:a14="http://schemas.microsoft.com/office/drawing/2010/main" Requires="a14">
+      <mc:AlternateContent xmlns:mc="http://schemas.openxmlformats.org/markup-compatibility/2006" xmlns:a14="http://schemas.microsoft.com/office/drawing/2010/main">
+        <mc:Choice Requires="a14">
           <p:sp>
             <p:nvSpPr>
               <p:cNvPr id="8" name="TextBox 7">
@@ -3452,6 +3459,7 @@
               </a:bodyPr>
               <a:lstStyle/>
               <a:p>
+                <a:pPr/>
                 <a14:m>
                   <m:oMathPara xmlns:m="http://schemas.openxmlformats.org/officeDocument/2006/math">
                     <m:oMathParaPr>
@@ -3472,7 +3480,7 @@
             </p:txBody>
           </p:sp>
         </mc:Choice>
-        <mc:Fallback>
+        <mc:Fallback xmlns="">
           <p:sp>
             <p:nvSpPr>
               <p:cNvPr id="8" name="TextBox 7">
@@ -3517,8 +3525,8 @@
           </p:sp>
         </mc:Fallback>
       </mc:AlternateContent>
-      <mc:AlternateContent xmlns:mc="http://schemas.openxmlformats.org/markup-compatibility/2006">
-        <mc:Choice xmlns:a14="http://schemas.microsoft.com/office/drawing/2010/main" Requires="a14">
+      <mc:AlternateContent xmlns:mc="http://schemas.openxmlformats.org/markup-compatibility/2006" xmlns:a14="http://schemas.microsoft.com/office/drawing/2010/main">
+        <mc:Choice Requires="a14">
           <p:sp>
             <p:nvSpPr>
               <p:cNvPr id="9" name="TextBox 8">
@@ -3547,6 +3555,7 @@
               </a:bodyPr>
               <a:lstStyle/>
               <a:p>
+                <a:pPr/>
                 <a14:m>
                   <m:oMathPara xmlns:m="http://schemas.openxmlformats.org/officeDocument/2006/math">
                     <m:oMathParaPr>
@@ -3585,7 +3594,7 @@
             </p:txBody>
           </p:sp>
         </mc:Choice>
-        <mc:Fallback>
+        <mc:Fallback xmlns="">
           <p:sp>
             <p:nvSpPr>
               <p:cNvPr id="9" name="TextBox 8">
@@ -3840,8 +3849,8 @@
             </a:fontRef>
           </p:style>
         </p:cxnSp>
-        <mc:AlternateContent xmlns:mc="http://schemas.openxmlformats.org/markup-compatibility/2006">
-          <mc:Choice xmlns:a14="http://schemas.microsoft.com/office/drawing/2010/main" Requires="a14">
+        <mc:AlternateContent xmlns:mc="http://schemas.openxmlformats.org/markup-compatibility/2006" xmlns:a14="http://schemas.microsoft.com/office/drawing/2010/main">
+          <mc:Choice Requires="a14">
             <p:sp>
               <p:nvSpPr>
                 <p:cNvPr id="13" name="TextBox 12">
@@ -3870,6 +3879,7 @@
                 </a:bodyPr>
                 <a:lstStyle/>
                 <a:p>
+                  <a:pPr/>
                   <a14:m>
                     <m:oMathPara xmlns:m="http://schemas.openxmlformats.org/officeDocument/2006/math">
                       <m:oMathParaPr>
@@ -3890,7 +3900,7 @@
               </p:txBody>
             </p:sp>
           </mc:Choice>
-          <mc:Fallback>
+          <mc:Fallback xmlns="">
             <p:sp>
               <p:nvSpPr>
                 <p:cNvPr id="13" name="TextBox 12">
@@ -3935,8 +3945,8 @@
             </p:sp>
           </mc:Fallback>
         </mc:AlternateContent>
-        <mc:AlternateContent xmlns:mc="http://schemas.openxmlformats.org/markup-compatibility/2006">
-          <mc:Choice xmlns:a14="http://schemas.microsoft.com/office/drawing/2010/main" Requires="a14">
+        <mc:AlternateContent xmlns:mc="http://schemas.openxmlformats.org/markup-compatibility/2006" xmlns:a14="http://schemas.microsoft.com/office/drawing/2010/main">
+          <mc:Choice Requires="a14">
             <p:sp>
               <p:nvSpPr>
                 <p:cNvPr id="14" name="TextBox 13">
@@ -3965,6 +3975,7 @@
                 </a:bodyPr>
                 <a:lstStyle/>
                 <a:p>
+                  <a:pPr/>
                   <a14:m>
                     <m:oMathPara xmlns:m="http://schemas.openxmlformats.org/officeDocument/2006/math">
                       <m:oMathParaPr>
@@ -4003,7 +4014,7 @@
               </p:txBody>
             </p:sp>
           </mc:Choice>
-          <mc:Fallback>
+          <mc:Fallback xmlns="">
             <p:sp>
               <p:nvSpPr>
                 <p:cNvPr id="14" name="TextBox 13">
@@ -4124,8 +4135,8 @@
             </a:fontRef>
           </p:style>
         </p:cxnSp>
-        <mc:AlternateContent xmlns:mc="http://schemas.openxmlformats.org/markup-compatibility/2006">
-          <mc:Choice xmlns:a14="http://schemas.microsoft.com/office/drawing/2010/main" Requires="a14">
+        <mc:AlternateContent xmlns:mc="http://schemas.openxmlformats.org/markup-compatibility/2006" xmlns:a14="http://schemas.microsoft.com/office/drawing/2010/main">
+          <mc:Choice Requires="a14">
             <p:sp>
               <p:nvSpPr>
                 <p:cNvPr id="22" name="TextBox 21">
@@ -4154,6 +4165,7 @@
                 </a:bodyPr>
                 <a:lstStyle/>
                 <a:p>
+                  <a:pPr/>
                   <a14:m>
                     <m:oMathPara xmlns:m="http://schemas.openxmlformats.org/officeDocument/2006/math">
                       <m:oMathParaPr>
@@ -4174,7 +4186,7 @@
               </p:txBody>
             </p:sp>
           </mc:Choice>
-          <mc:Fallback>
+          <mc:Fallback xmlns="">
             <p:sp>
               <p:nvSpPr>
                 <p:cNvPr id="22" name="TextBox 21">
@@ -4219,8 +4231,8 @@
             </p:sp>
           </mc:Fallback>
         </mc:AlternateContent>
-        <mc:AlternateContent xmlns:mc="http://schemas.openxmlformats.org/markup-compatibility/2006">
-          <mc:Choice xmlns:a14="http://schemas.microsoft.com/office/drawing/2010/main" Requires="a14">
+        <mc:AlternateContent xmlns:mc="http://schemas.openxmlformats.org/markup-compatibility/2006" xmlns:a14="http://schemas.microsoft.com/office/drawing/2010/main">
+          <mc:Choice Requires="a14">
             <p:sp>
               <p:nvSpPr>
                 <p:cNvPr id="23" name="TextBox 22">
@@ -4249,6 +4261,7 @@
                 </a:bodyPr>
                 <a:lstStyle/>
                 <a:p>
+                  <a:pPr/>
                   <a14:m>
                     <m:oMathPara xmlns:m="http://schemas.openxmlformats.org/officeDocument/2006/math">
                       <m:oMathParaPr>
@@ -4269,7 +4282,7 @@
               </p:txBody>
             </p:sp>
           </mc:Choice>
-          <mc:Fallback>
+          <mc:Fallback xmlns="">
             <p:sp>
               <p:nvSpPr>
                 <p:cNvPr id="23" name="TextBox 22">
@@ -4314,8 +4327,8 @@
             </p:sp>
           </mc:Fallback>
         </mc:AlternateContent>
-        <mc:AlternateContent xmlns:mc="http://schemas.openxmlformats.org/markup-compatibility/2006">
-          <mc:Choice xmlns:a14="http://schemas.microsoft.com/office/drawing/2010/main" Requires="a14">
+        <mc:AlternateContent xmlns:mc="http://schemas.openxmlformats.org/markup-compatibility/2006" xmlns:a14="http://schemas.microsoft.com/office/drawing/2010/main">
+          <mc:Choice Requires="a14">
             <p:sp>
               <p:nvSpPr>
                 <p:cNvPr id="24" name="TextBox 23">
@@ -4344,6 +4357,7 @@
                 </a:bodyPr>
                 <a:lstStyle/>
                 <a:p>
+                  <a:pPr/>
                   <a14:m>
                     <m:oMathPara xmlns:m="http://schemas.openxmlformats.org/officeDocument/2006/math">
                       <m:oMathParaPr>
@@ -4364,7 +4378,7 @@
               </p:txBody>
             </p:sp>
           </mc:Choice>
-          <mc:Fallback>
+          <mc:Fallback xmlns="">
             <p:sp>
               <p:nvSpPr>
                 <p:cNvPr id="24" name="TextBox 23">
@@ -4409,8 +4423,8 @@
             </p:sp>
           </mc:Fallback>
         </mc:AlternateContent>
-        <mc:AlternateContent xmlns:mc="http://schemas.openxmlformats.org/markup-compatibility/2006">
-          <mc:Choice xmlns:a14="http://schemas.microsoft.com/office/drawing/2010/main" Requires="a14">
+        <mc:AlternateContent xmlns:mc="http://schemas.openxmlformats.org/markup-compatibility/2006" xmlns:a14="http://schemas.microsoft.com/office/drawing/2010/main">
+          <mc:Choice Requires="a14">
             <p:sp>
               <p:nvSpPr>
                 <p:cNvPr id="25" name="TextBox 24">
@@ -4439,6 +4453,7 @@
                 </a:bodyPr>
                 <a:lstStyle/>
                 <a:p>
+                  <a:pPr/>
                   <a14:m>
                     <m:oMathPara xmlns:m="http://schemas.openxmlformats.org/officeDocument/2006/math">
                       <m:oMathParaPr>
@@ -4459,7 +4474,7 @@
               </p:txBody>
             </p:sp>
           </mc:Choice>
-          <mc:Fallback>
+          <mc:Fallback xmlns="">
             <p:sp>
               <p:nvSpPr>
                 <p:cNvPr id="25" name="TextBox 24">
@@ -4504,8 +4519,8 @@
             </p:sp>
           </mc:Fallback>
         </mc:AlternateContent>
-        <mc:AlternateContent xmlns:mc="http://schemas.openxmlformats.org/markup-compatibility/2006">
-          <mc:Choice xmlns:a14="http://schemas.microsoft.com/office/drawing/2010/main" Requires="a14">
+        <mc:AlternateContent xmlns:mc="http://schemas.openxmlformats.org/markup-compatibility/2006" xmlns:a14="http://schemas.microsoft.com/office/drawing/2010/main">
+          <mc:Choice Requires="a14">
             <p:sp>
               <p:nvSpPr>
                 <p:cNvPr id="26" name="TextBox 25">
@@ -4534,6 +4549,7 @@
                 </a:bodyPr>
                 <a:lstStyle/>
                 <a:p>
+                  <a:pPr/>
                   <a14:m>
                     <m:oMathPara xmlns:m="http://schemas.openxmlformats.org/officeDocument/2006/math">
                       <m:oMathParaPr>
@@ -4554,7 +4570,7 @@
               </p:txBody>
             </p:sp>
           </mc:Choice>
-          <mc:Fallback>
+          <mc:Fallback xmlns="">
             <p:sp>
               <p:nvSpPr>
                 <p:cNvPr id="26" name="TextBox 25">
@@ -4599,8 +4615,8 @@
             </p:sp>
           </mc:Fallback>
         </mc:AlternateContent>
-        <mc:AlternateContent xmlns:mc="http://schemas.openxmlformats.org/markup-compatibility/2006">
-          <mc:Choice xmlns:a14="http://schemas.microsoft.com/office/drawing/2010/main" Requires="a14">
+        <mc:AlternateContent xmlns:mc="http://schemas.openxmlformats.org/markup-compatibility/2006" xmlns:a14="http://schemas.microsoft.com/office/drawing/2010/main">
+          <mc:Choice Requires="a14">
             <p:sp>
               <p:nvSpPr>
                 <p:cNvPr id="27" name="TextBox 26">
@@ -4629,6 +4645,7 @@
                 </a:bodyPr>
                 <a:lstStyle/>
                 <a:p>
+                  <a:pPr/>
                   <a14:m>
                     <m:oMathPara xmlns:m="http://schemas.openxmlformats.org/officeDocument/2006/math">
                       <m:oMathParaPr>
@@ -4649,7 +4666,7 @@
               </p:txBody>
             </p:sp>
           </mc:Choice>
-          <mc:Fallback>
+          <mc:Fallback xmlns="">
             <p:sp>
               <p:nvSpPr>
                 <p:cNvPr id="27" name="TextBox 26">
@@ -4694,8 +4711,8 @@
             </p:sp>
           </mc:Fallback>
         </mc:AlternateContent>
-        <mc:AlternateContent xmlns:mc="http://schemas.openxmlformats.org/markup-compatibility/2006">
-          <mc:Choice xmlns:a14="http://schemas.microsoft.com/office/drawing/2010/main" Requires="a14">
+        <mc:AlternateContent xmlns:mc="http://schemas.openxmlformats.org/markup-compatibility/2006" xmlns:a14="http://schemas.microsoft.com/office/drawing/2010/main">
+          <mc:Choice Requires="a14">
             <p:sp>
               <p:nvSpPr>
                 <p:cNvPr id="28" name="TextBox 27">
@@ -4724,6 +4741,7 @@
                 </a:bodyPr>
                 <a:lstStyle/>
                 <a:p>
+                  <a:pPr/>
                   <a14:m>
                     <m:oMathPara xmlns:m="http://schemas.openxmlformats.org/officeDocument/2006/math">
                       <m:oMathParaPr>
@@ -4744,7 +4762,7 @@
               </p:txBody>
             </p:sp>
           </mc:Choice>
-          <mc:Fallback>
+          <mc:Fallback xmlns="">
             <p:sp>
               <p:nvSpPr>
                 <p:cNvPr id="28" name="TextBox 27">
@@ -4789,8 +4807,8 @@
             </p:sp>
           </mc:Fallback>
         </mc:AlternateContent>
-        <mc:AlternateContent xmlns:mc="http://schemas.openxmlformats.org/markup-compatibility/2006">
-          <mc:Choice xmlns:a14="http://schemas.microsoft.com/office/drawing/2010/main" Requires="a14">
+        <mc:AlternateContent xmlns:mc="http://schemas.openxmlformats.org/markup-compatibility/2006" xmlns:a14="http://schemas.microsoft.com/office/drawing/2010/main">
+          <mc:Choice Requires="a14">
             <p:sp>
               <p:nvSpPr>
                 <p:cNvPr id="29" name="TextBox 28">
@@ -4819,6 +4837,7 @@
                 </a:bodyPr>
                 <a:lstStyle/>
                 <a:p>
+                  <a:pPr/>
                   <a14:m>
                     <m:oMathPara xmlns:m="http://schemas.openxmlformats.org/officeDocument/2006/math">
                       <m:oMathParaPr>
@@ -4839,7 +4858,7 @@
               </p:txBody>
             </p:sp>
           </mc:Choice>
-          <mc:Fallback>
+          <mc:Fallback xmlns="">
             <p:sp>
               <p:nvSpPr>
                 <p:cNvPr id="29" name="TextBox 28">
@@ -4884,8 +4903,8 @@
             </p:sp>
           </mc:Fallback>
         </mc:AlternateContent>
-        <mc:AlternateContent xmlns:mc="http://schemas.openxmlformats.org/markup-compatibility/2006">
-          <mc:Choice xmlns:a14="http://schemas.microsoft.com/office/drawing/2010/main" Requires="a14">
+        <mc:AlternateContent xmlns:mc="http://schemas.openxmlformats.org/markup-compatibility/2006" xmlns:a14="http://schemas.microsoft.com/office/drawing/2010/main">
+          <mc:Choice Requires="a14">
             <p:sp>
               <p:nvSpPr>
                 <p:cNvPr id="30" name="TextBox 29">
@@ -4914,6 +4933,7 @@
                 </a:bodyPr>
                 <a:lstStyle/>
                 <a:p>
+                  <a:pPr/>
                   <a14:m>
                     <m:oMathPara xmlns:m="http://schemas.openxmlformats.org/officeDocument/2006/math">
                       <m:oMathParaPr>
@@ -4934,7 +4954,7 @@
               </p:txBody>
             </p:sp>
           </mc:Choice>
-          <mc:Fallback>
+          <mc:Fallback xmlns="">
             <p:sp>
               <p:nvSpPr>
                 <p:cNvPr id="30" name="TextBox 29">
@@ -4979,8 +4999,8 @@
             </p:sp>
           </mc:Fallback>
         </mc:AlternateContent>
-        <mc:AlternateContent xmlns:mc="http://schemas.openxmlformats.org/markup-compatibility/2006">
-          <mc:Choice xmlns:a14="http://schemas.microsoft.com/office/drawing/2010/main" Requires="a14">
+        <mc:AlternateContent xmlns:mc="http://schemas.openxmlformats.org/markup-compatibility/2006" xmlns:a14="http://schemas.microsoft.com/office/drawing/2010/main">
+          <mc:Choice Requires="a14">
             <p:sp>
               <p:nvSpPr>
                 <p:cNvPr id="31" name="TextBox 30">
@@ -5009,6 +5029,7 @@
                 </a:bodyPr>
                 <a:lstStyle/>
                 <a:p>
+                  <a:pPr/>
                   <a14:m>
                     <m:oMathPara xmlns:m="http://schemas.openxmlformats.org/officeDocument/2006/math">
                       <m:oMathParaPr>
@@ -5029,7 +5050,7 @@
               </p:txBody>
             </p:sp>
           </mc:Choice>
-          <mc:Fallback>
+          <mc:Fallback xmlns="">
             <p:sp>
               <p:nvSpPr>
                 <p:cNvPr id="31" name="TextBox 30">
@@ -5074,8 +5095,8 @@
             </p:sp>
           </mc:Fallback>
         </mc:AlternateContent>
-        <mc:AlternateContent xmlns:mc="http://schemas.openxmlformats.org/markup-compatibility/2006">
-          <mc:Choice xmlns:a14="http://schemas.microsoft.com/office/drawing/2010/main" Requires="a14">
+        <mc:AlternateContent xmlns:mc="http://schemas.openxmlformats.org/markup-compatibility/2006" xmlns:a14="http://schemas.microsoft.com/office/drawing/2010/main">
+          <mc:Choice Requires="a14">
             <p:sp>
               <p:nvSpPr>
                 <p:cNvPr id="32" name="TextBox 31">
@@ -5104,6 +5125,7 @@
                 </a:bodyPr>
                 <a:lstStyle/>
                 <a:p>
+                  <a:pPr/>
                   <a14:m>
                     <m:oMathPara xmlns:m="http://schemas.openxmlformats.org/officeDocument/2006/math">
                       <m:oMathParaPr>
@@ -5124,7 +5146,7 @@
               </p:txBody>
             </p:sp>
           </mc:Choice>
-          <mc:Fallback>
+          <mc:Fallback xmlns="">
             <p:sp>
               <p:nvSpPr>
                 <p:cNvPr id="32" name="TextBox 31">
@@ -5169,8 +5191,8 @@
             </p:sp>
           </mc:Fallback>
         </mc:AlternateContent>
-        <mc:AlternateContent xmlns:mc="http://schemas.openxmlformats.org/markup-compatibility/2006">
-          <mc:Choice xmlns:a14="http://schemas.microsoft.com/office/drawing/2010/main" Requires="a14">
+        <mc:AlternateContent xmlns:mc="http://schemas.openxmlformats.org/markup-compatibility/2006" xmlns:a14="http://schemas.microsoft.com/office/drawing/2010/main">
+          <mc:Choice Requires="a14">
             <p:sp>
               <p:nvSpPr>
                 <p:cNvPr id="33" name="TextBox 32">
@@ -5199,6 +5221,7 @@
                 </a:bodyPr>
                 <a:lstStyle/>
                 <a:p>
+                  <a:pPr/>
                   <a14:m>
                     <m:oMathPara xmlns:m="http://schemas.openxmlformats.org/officeDocument/2006/math">
                       <m:oMathParaPr>
@@ -5219,7 +5242,7 @@
               </p:txBody>
             </p:sp>
           </mc:Choice>
-          <mc:Fallback>
+          <mc:Fallback xmlns="">
             <p:sp>
               <p:nvSpPr>
                 <p:cNvPr id="33" name="TextBox 32">
@@ -5264,8 +5287,8 @@
             </p:sp>
           </mc:Fallback>
         </mc:AlternateContent>
-        <mc:AlternateContent xmlns:mc="http://schemas.openxmlformats.org/markup-compatibility/2006">
-          <mc:Choice xmlns:a14="http://schemas.microsoft.com/office/drawing/2010/main" Requires="a14">
+        <mc:AlternateContent xmlns:mc="http://schemas.openxmlformats.org/markup-compatibility/2006" xmlns:a14="http://schemas.microsoft.com/office/drawing/2010/main">
+          <mc:Choice Requires="a14">
             <p:sp>
               <p:nvSpPr>
                 <p:cNvPr id="34" name="TextBox 33">
@@ -5294,6 +5317,7 @@
                 </a:bodyPr>
                 <a:lstStyle/>
                 <a:p>
+                  <a:pPr/>
                   <a14:m>
                     <m:oMathPara xmlns:m="http://schemas.openxmlformats.org/officeDocument/2006/math">
                       <m:oMathParaPr>
@@ -5314,7 +5338,7 @@
               </p:txBody>
             </p:sp>
           </mc:Choice>
-          <mc:Fallback>
+          <mc:Fallback xmlns="">
             <p:sp>
               <p:nvSpPr>
                 <p:cNvPr id="34" name="TextBox 33">
@@ -5359,8 +5383,8 @@
             </p:sp>
           </mc:Fallback>
         </mc:AlternateContent>
-        <mc:AlternateContent xmlns:mc="http://schemas.openxmlformats.org/markup-compatibility/2006">
-          <mc:Choice xmlns:a14="http://schemas.microsoft.com/office/drawing/2010/main" Requires="a14">
+        <mc:AlternateContent xmlns:mc="http://schemas.openxmlformats.org/markup-compatibility/2006" xmlns:a14="http://schemas.microsoft.com/office/drawing/2010/main">
+          <mc:Choice Requires="a14">
             <p:sp>
               <p:nvSpPr>
                 <p:cNvPr id="35" name="TextBox 34">
@@ -5389,6 +5413,7 @@
                 </a:bodyPr>
                 <a:lstStyle/>
                 <a:p>
+                  <a:pPr/>
                   <a14:m>
                     <m:oMathPara xmlns:m="http://schemas.openxmlformats.org/officeDocument/2006/math">
                       <m:oMathParaPr>
@@ -5409,7 +5434,7 @@
               </p:txBody>
             </p:sp>
           </mc:Choice>
-          <mc:Fallback>
+          <mc:Fallback xmlns="">
             <p:sp>
               <p:nvSpPr>
                 <p:cNvPr id="35" name="TextBox 34">
@@ -6538,8 +6563,8 @@
             </a:fontRef>
           </p:style>
         </p:cxnSp>
-        <mc:AlternateContent xmlns:mc="http://schemas.openxmlformats.org/markup-compatibility/2006">
-          <mc:Choice xmlns:a14="http://schemas.microsoft.com/office/drawing/2010/main" Requires="a14">
+        <mc:AlternateContent xmlns:mc="http://schemas.openxmlformats.org/markup-compatibility/2006" xmlns:a14="http://schemas.microsoft.com/office/drawing/2010/main">
+          <mc:Choice Requires="a14">
             <p:sp>
               <p:nvSpPr>
                 <p:cNvPr id="83" name="TextBox 82">
@@ -6568,6 +6593,7 @@
                 </a:bodyPr>
                 <a:lstStyle/>
                 <a:p>
+                  <a:pPr/>
                   <a14:m>
                     <m:oMathPara xmlns:m="http://schemas.openxmlformats.org/officeDocument/2006/math">
                       <m:oMathParaPr>
@@ -6588,7 +6614,7 @@
               </p:txBody>
             </p:sp>
           </mc:Choice>
-          <mc:Fallback>
+          <mc:Fallback xmlns="">
             <p:sp>
               <p:nvSpPr>
                 <p:cNvPr id="83" name="TextBox 82">
@@ -6633,8 +6659,8 @@
             </p:sp>
           </mc:Fallback>
         </mc:AlternateContent>
-        <mc:AlternateContent xmlns:mc="http://schemas.openxmlformats.org/markup-compatibility/2006">
-          <mc:Choice xmlns:a14="http://schemas.microsoft.com/office/drawing/2010/main" Requires="a14">
+        <mc:AlternateContent xmlns:mc="http://schemas.openxmlformats.org/markup-compatibility/2006" xmlns:a14="http://schemas.microsoft.com/office/drawing/2010/main">
+          <mc:Choice Requires="a14">
             <p:sp>
               <p:nvSpPr>
                 <p:cNvPr id="84" name="TextBox 83">
@@ -6663,6 +6689,7 @@
                 </a:bodyPr>
                 <a:lstStyle/>
                 <a:p>
+                  <a:pPr/>
                   <a14:m>
                     <m:oMathPara xmlns:m="http://schemas.openxmlformats.org/officeDocument/2006/math">
                       <m:oMathParaPr>
@@ -6701,7 +6728,7 @@
               </p:txBody>
             </p:sp>
           </mc:Choice>
-          <mc:Fallback>
+          <mc:Fallback xmlns="">
             <p:sp>
               <p:nvSpPr>
                 <p:cNvPr id="84" name="TextBox 83">
@@ -7178,8 +7205,8 @@
             </a:fontRef>
           </p:style>
         </p:cxnSp>
-        <mc:AlternateContent xmlns:mc="http://schemas.openxmlformats.org/markup-compatibility/2006">
-          <mc:Choice xmlns:a14="http://schemas.microsoft.com/office/drawing/2010/main" Requires="a14">
+        <mc:AlternateContent xmlns:mc="http://schemas.openxmlformats.org/markup-compatibility/2006" xmlns:a14="http://schemas.microsoft.com/office/drawing/2010/main">
+          <mc:Choice Requires="a14">
             <p:sp>
               <p:nvSpPr>
                 <p:cNvPr id="112" name="TextBox 111">
@@ -7208,6 +7235,7 @@
                 </a:bodyPr>
                 <a:lstStyle/>
                 <a:p>
+                  <a:pPr/>
                   <a14:m>
                     <m:oMathPara xmlns:m="http://schemas.openxmlformats.org/officeDocument/2006/math">
                       <m:oMathParaPr>
@@ -7228,7 +7256,7 @@
               </p:txBody>
             </p:sp>
           </mc:Choice>
-          <mc:Fallback>
+          <mc:Fallback xmlns="">
             <p:sp>
               <p:nvSpPr>
                 <p:cNvPr id="112" name="TextBox 111">
@@ -7273,8 +7301,8 @@
             </p:sp>
           </mc:Fallback>
         </mc:AlternateContent>
-        <mc:AlternateContent xmlns:mc="http://schemas.openxmlformats.org/markup-compatibility/2006">
-          <mc:Choice xmlns:a14="http://schemas.microsoft.com/office/drawing/2010/main" Requires="a14">
+        <mc:AlternateContent xmlns:mc="http://schemas.openxmlformats.org/markup-compatibility/2006" xmlns:a14="http://schemas.microsoft.com/office/drawing/2010/main">
+          <mc:Choice Requires="a14">
             <p:sp>
               <p:nvSpPr>
                 <p:cNvPr id="113" name="TextBox 112">
@@ -7303,6 +7331,7 @@
                 </a:bodyPr>
                 <a:lstStyle/>
                 <a:p>
+                  <a:pPr/>
                   <a14:m>
                     <m:oMathPara xmlns:m="http://schemas.openxmlformats.org/officeDocument/2006/math">
                       <m:oMathParaPr>
@@ -7323,7 +7352,7 @@
               </p:txBody>
             </p:sp>
           </mc:Choice>
-          <mc:Fallback>
+          <mc:Fallback xmlns="">
             <p:sp>
               <p:nvSpPr>
                 <p:cNvPr id="113" name="TextBox 112">
@@ -7368,8 +7397,8 @@
             </p:sp>
           </mc:Fallback>
         </mc:AlternateContent>
-        <mc:AlternateContent xmlns:mc="http://schemas.openxmlformats.org/markup-compatibility/2006">
-          <mc:Choice xmlns:a14="http://schemas.microsoft.com/office/drawing/2010/main" Requires="a14">
+        <mc:AlternateContent xmlns:mc="http://schemas.openxmlformats.org/markup-compatibility/2006" xmlns:a14="http://schemas.microsoft.com/office/drawing/2010/main">
+          <mc:Choice Requires="a14">
             <p:sp>
               <p:nvSpPr>
                 <p:cNvPr id="114" name="TextBox 113">
@@ -7398,6 +7427,7 @@
                 </a:bodyPr>
                 <a:lstStyle/>
                 <a:p>
+                  <a:pPr/>
                   <a14:m>
                     <m:oMathPara xmlns:m="http://schemas.openxmlformats.org/officeDocument/2006/math">
                       <m:oMathParaPr>
@@ -7418,7 +7448,7 @@
               </p:txBody>
             </p:sp>
           </mc:Choice>
-          <mc:Fallback>
+          <mc:Fallback xmlns="">
             <p:sp>
               <p:nvSpPr>
                 <p:cNvPr id="114" name="TextBox 113">
@@ -7463,8 +7493,8 @@
             </p:sp>
           </mc:Fallback>
         </mc:AlternateContent>
-        <mc:AlternateContent xmlns:mc="http://schemas.openxmlformats.org/markup-compatibility/2006">
-          <mc:Choice xmlns:a14="http://schemas.microsoft.com/office/drawing/2010/main" Requires="a14">
+        <mc:AlternateContent xmlns:mc="http://schemas.openxmlformats.org/markup-compatibility/2006" xmlns:a14="http://schemas.microsoft.com/office/drawing/2010/main">
+          <mc:Choice Requires="a14">
             <p:sp>
               <p:nvSpPr>
                 <p:cNvPr id="115" name="TextBox 114">
@@ -7493,6 +7523,7 @@
                 </a:bodyPr>
                 <a:lstStyle/>
                 <a:p>
+                  <a:pPr/>
                   <a14:m>
                     <m:oMathPara xmlns:m="http://schemas.openxmlformats.org/officeDocument/2006/math">
                       <m:oMathParaPr>
@@ -7513,7 +7544,7 @@
               </p:txBody>
             </p:sp>
           </mc:Choice>
-          <mc:Fallback>
+          <mc:Fallback xmlns="">
             <p:sp>
               <p:nvSpPr>
                 <p:cNvPr id="115" name="TextBox 114">
@@ -7558,8 +7589,8 @@
             </p:sp>
           </mc:Fallback>
         </mc:AlternateContent>
-        <mc:AlternateContent xmlns:mc="http://schemas.openxmlformats.org/markup-compatibility/2006">
-          <mc:Choice xmlns:a14="http://schemas.microsoft.com/office/drawing/2010/main" Requires="a14">
+        <mc:AlternateContent xmlns:mc="http://schemas.openxmlformats.org/markup-compatibility/2006" xmlns:a14="http://schemas.microsoft.com/office/drawing/2010/main">
+          <mc:Choice Requires="a14">
             <p:sp>
               <p:nvSpPr>
                 <p:cNvPr id="116" name="TextBox 115">
@@ -7588,6 +7619,7 @@
                 </a:bodyPr>
                 <a:lstStyle/>
                 <a:p>
+                  <a:pPr/>
                   <a14:m>
                     <m:oMathPara xmlns:m="http://schemas.openxmlformats.org/officeDocument/2006/math">
                       <m:oMathParaPr>
@@ -7608,7 +7640,7 @@
               </p:txBody>
             </p:sp>
           </mc:Choice>
-          <mc:Fallback>
+          <mc:Fallback xmlns="">
             <p:sp>
               <p:nvSpPr>
                 <p:cNvPr id="116" name="TextBox 115">
@@ -7653,8 +7685,8 @@
             </p:sp>
           </mc:Fallback>
         </mc:AlternateContent>
-        <mc:AlternateContent xmlns:mc="http://schemas.openxmlformats.org/markup-compatibility/2006">
-          <mc:Choice xmlns:a14="http://schemas.microsoft.com/office/drawing/2010/main" Requires="a14">
+        <mc:AlternateContent xmlns:mc="http://schemas.openxmlformats.org/markup-compatibility/2006" xmlns:a14="http://schemas.microsoft.com/office/drawing/2010/main">
+          <mc:Choice Requires="a14">
             <p:sp>
               <p:nvSpPr>
                 <p:cNvPr id="117" name="TextBox 116">
@@ -7683,6 +7715,7 @@
                 </a:bodyPr>
                 <a:lstStyle/>
                 <a:p>
+                  <a:pPr/>
                   <a14:m>
                     <m:oMathPara xmlns:m="http://schemas.openxmlformats.org/officeDocument/2006/math">
                       <m:oMathParaPr>
@@ -7703,7 +7736,7 @@
               </p:txBody>
             </p:sp>
           </mc:Choice>
-          <mc:Fallback>
+          <mc:Fallback xmlns="">
             <p:sp>
               <p:nvSpPr>
                 <p:cNvPr id="117" name="TextBox 116">
@@ -7748,8 +7781,8 @@
             </p:sp>
           </mc:Fallback>
         </mc:AlternateContent>
-        <mc:AlternateContent xmlns:mc="http://schemas.openxmlformats.org/markup-compatibility/2006">
-          <mc:Choice xmlns:a14="http://schemas.microsoft.com/office/drawing/2010/main" Requires="a14">
+        <mc:AlternateContent xmlns:mc="http://schemas.openxmlformats.org/markup-compatibility/2006" xmlns:a14="http://schemas.microsoft.com/office/drawing/2010/main">
+          <mc:Choice Requires="a14">
             <p:sp>
               <p:nvSpPr>
                 <p:cNvPr id="118" name="TextBox 117">
@@ -7778,6 +7811,7 @@
                 </a:bodyPr>
                 <a:lstStyle/>
                 <a:p>
+                  <a:pPr/>
                   <a14:m>
                     <m:oMathPara xmlns:m="http://schemas.openxmlformats.org/officeDocument/2006/math">
                       <m:oMathParaPr>
@@ -7798,7 +7832,7 @@
               </p:txBody>
             </p:sp>
           </mc:Choice>
-          <mc:Fallback>
+          <mc:Fallback xmlns="">
             <p:sp>
               <p:nvSpPr>
                 <p:cNvPr id="118" name="TextBox 117">
@@ -7960,8 +7994,8 @@
             </a:fontRef>
           </p:style>
         </p:cxnSp>
-        <mc:AlternateContent xmlns:mc="http://schemas.openxmlformats.org/markup-compatibility/2006">
-          <mc:Choice xmlns:a14="http://schemas.microsoft.com/office/drawing/2010/main" Requires="a14">
+        <mc:AlternateContent xmlns:mc="http://schemas.openxmlformats.org/markup-compatibility/2006" xmlns:a14="http://schemas.microsoft.com/office/drawing/2010/main">
+          <mc:Choice Requires="a14">
             <p:sp>
               <p:nvSpPr>
                 <p:cNvPr id="122" name="TextBox 121">
@@ -7990,6 +8024,7 @@
                 </a:bodyPr>
                 <a:lstStyle/>
                 <a:p>
+                  <a:pPr/>
                   <a14:m>
                     <m:oMathPara xmlns:m="http://schemas.openxmlformats.org/officeDocument/2006/math">
                       <m:oMathParaPr>
@@ -8010,7 +8045,7 @@
               </p:txBody>
             </p:sp>
           </mc:Choice>
-          <mc:Fallback>
+          <mc:Fallback xmlns="">
             <p:sp>
               <p:nvSpPr>
                 <p:cNvPr id="122" name="TextBox 121">
@@ -8055,8 +8090,8 @@
             </p:sp>
           </mc:Fallback>
         </mc:AlternateContent>
-        <mc:AlternateContent xmlns:mc="http://schemas.openxmlformats.org/markup-compatibility/2006">
-          <mc:Choice xmlns:a14="http://schemas.microsoft.com/office/drawing/2010/main" Requires="a14">
+        <mc:AlternateContent xmlns:mc="http://schemas.openxmlformats.org/markup-compatibility/2006" xmlns:a14="http://schemas.microsoft.com/office/drawing/2010/main">
+          <mc:Choice Requires="a14">
             <p:sp>
               <p:nvSpPr>
                 <p:cNvPr id="123" name="TextBox 122">
@@ -8085,6 +8120,7 @@
                 </a:bodyPr>
                 <a:lstStyle/>
                 <a:p>
+                  <a:pPr/>
                   <a14:m>
                     <m:oMathPara xmlns:m="http://schemas.openxmlformats.org/officeDocument/2006/math">
                       <m:oMathParaPr>
@@ -8105,7 +8141,7 @@
               </p:txBody>
             </p:sp>
           </mc:Choice>
-          <mc:Fallback>
+          <mc:Fallback xmlns="">
             <p:sp>
               <p:nvSpPr>
                 <p:cNvPr id="123" name="TextBox 122">
@@ -8281,8 +8317,8 @@
             </a:fontRef>
           </p:style>
         </p:cxnSp>
-        <mc:AlternateContent xmlns:mc="http://schemas.openxmlformats.org/markup-compatibility/2006">
-          <mc:Choice xmlns:a14="http://schemas.microsoft.com/office/drawing/2010/main" Requires="a14">
+        <mc:AlternateContent xmlns:mc="http://schemas.openxmlformats.org/markup-compatibility/2006" xmlns:a14="http://schemas.microsoft.com/office/drawing/2010/main">
+          <mc:Choice Requires="a14">
             <p:sp>
               <p:nvSpPr>
                 <p:cNvPr id="5" name="TextBox 4">
@@ -8311,6 +8347,7 @@
                 </a:bodyPr>
                 <a:lstStyle/>
                 <a:p>
+                  <a:pPr/>
                   <a14:m>
                     <m:oMathPara xmlns:m="http://schemas.openxmlformats.org/officeDocument/2006/math">
                       <m:oMathParaPr>
@@ -8331,7 +8368,7 @@
               </p:txBody>
             </p:sp>
           </mc:Choice>
-          <mc:Fallback>
+          <mc:Fallback xmlns="">
             <p:sp>
               <p:nvSpPr>
                 <p:cNvPr id="5" name="TextBox 4">
@@ -8376,8 +8413,8 @@
             </p:sp>
           </mc:Fallback>
         </mc:AlternateContent>
-        <mc:AlternateContent xmlns:mc="http://schemas.openxmlformats.org/markup-compatibility/2006">
-          <mc:Choice xmlns:a14="http://schemas.microsoft.com/office/drawing/2010/main" Requires="a14">
+        <mc:AlternateContent xmlns:mc="http://schemas.openxmlformats.org/markup-compatibility/2006" xmlns:a14="http://schemas.microsoft.com/office/drawing/2010/main">
+          <mc:Choice Requires="a14">
             <p:sp>
               <p:nvSpPr>
                 <p:cNvPr id="6" name="TextBox 5">
@@ -8406,6 +8443,7 @@
                 </a:bodyPr>
                 <a:lstStyle/>
                 <a:p>
+                  <a:pPr/>
                   <a14:m>
                     <m:oMathPara xmlns:m="http://schemas.openxmlformats.org/officeDocument/2006/math">
                       <m:oMathParaPr>
@@ -8444,7 +8482,7 @@
               </p:txBody>
             </p:sp>
           </mc:Choice>
-          <mc:Fallback>
+          <mc:Fallback xmlns="">
             <p:sp>
               <p:nvSpPr>
                 <p:cNvPr id="6" name="TextBox 5">
@@ -8597,8 +8635,8 @@
             </p:style>
           </p:cxnSp>
         </p:grpSp>
-        <mc:AlternateContent xmlns:mc="http://schemas.openxmlformats.org/markup-compatibility/2006">
-          <mc:Choice xmlns:a14="http://schemas.microsoft.com/office/drawing/2010/main" Requires="a14">
+        <mc:AlternateContent xmlns:mc="http://schemas.openxmlformats.org/markup-compatibility/2006" xmlns:a14="http://schemas.microsoft.com/office/drawing/2010/main">
+          <mc:Choice Requires="a14">
             <p:sp>
               <p:nvSpPr>
                 <p:cNvPr id="19" name="TextBox 18">
@@ -8627,6 +8665,7 @@
                 </a:bodyPr>
                 <a:lstStyle/>
                 <a:p>
+                  <a:pPr/>
                   <a14:m>
                     <m:oMathPara xmlns:m="http://schemas.openxmlformats.org/officeDocument/2006/math">
                       <m:oMathParaPr>
@@ -8647,7 +8686,7 @@
               </p:txBody>
             </p:sp>
           </mc:Choice>
-          <mc:Fallback>
+          <mc:Fallback xmlns="">
             <p:sp>
               <p:nvSpPr>
                 <p:cNvPr id="19" name="TextBox 18">
@@ -8902,8 +8941,8 @@
             </a:fontRef>
           </p:style>
         </p:cxnSp>
-        <mc:AlternateContent xmlns:mc="http://schemas.openxmlformats.org/markup-compatibility/2006">
-          <mc:Choice xmlns:a14="http://schemas.microsoft.com/office/drawing/2010/main" Requires="a14">
+        <mc:AlternateContent xmlns:mc="http://schemas.openxmlformats.org/markup-compatibility/2006" xmlns:a14="http://schemas.microsoft.com/office/drawing/2010/main">
+          <mc:Choice Requires="a14">
             <p:sp>
               <p:nvSpPr>
                 <p:cNvPr id="39" name="TextBox 38">
@@ -8932,6 +8971,7 @@
                 </a:bodyPr>
                 <a:lstStyle/>
                 <a:p>
+                  <a:pPr/>
                   <a14:m>
                     <m:oMathPara xmlns:m="http://schemas.openxmlformats.org/officeDocument/2006/math">
                       <m:oMathParaPr>
@@ -8952,7 +8992,7 @@
               </p:txBody>
             </p:sp>
           </mc:Choice>
-          <mc:Fallback>
+          <mc:Fallback xmlns="">
             <p:sp>
               <p:nvSpPr>
                 <p:cNvPr id="39" name="TextBox 38">
@@ -8997,8 +9037,8 @@
             </p:sp>
           </mc:Fallback>
         </mc:AlternateContent>
-        <mc:AlternateContent xmlns:mc="http://schemas.openxmlformats.org/markup-compatibility/2006">
-          <mc:Choice xmlns:a14="http://schemas.microsoft.com/office/drawing/2010/main" Requires="a14">
+        <mc:AlternateContent xmlns:mc="http://schemas.openxmlformats.org/markup-compatibility/2006" xmlns:a14="http://schemas.microsoft.com/office/drawing/2010/main">
+          <mc:Choice Requires="a14">
             <p:sp>
               <p:nvSpPr>
                 <p:cNvPr id="40" name="TextBox 39">
@@ -9027,6 +9067,7 @@
                 </a:bodyPr>
                 <a:lstStyle/>
                 <a:p>
+                  <a:pPr/>
                   <a14:m>
                     <m:oMathPara xmlns:m="http://schemas.openxmlformats.org/officeDocument/2006/math">
                       <m:oMathParaPr>
@@ -9065,7 +9106,7 @@
               </p:txBody>
             </p:sp>
           </mc:Choice>
-          <mc:Fallback>
+          <mc:Fallback xmlns="">
             <p:sp>
               <p:nvSpPr>
                 <p:cNvPr id="40" name="TextBox 39">
@@ -9218,8 +9259,8 @@
             </p:style>
           </p:cxnSp>
         </p:grpSp>
-        <mc:AlternateContent xmlns:mc="http://schemas.openxmlformats.org/markup-compatibility/2006">
-          <mc:Choice xmlns:a14="http://schemas.microsoft.com/office/drawing/2010/main" Requires="a14">
+        <mc:AlternateContent xmlns:mc="http://schemas.openxmlformats.org/markup-compatibility/2006" xmlns:a14="http://schemas.microsoft.com/office/drawing/2010/main">
+          <mc:Choice Requires="a14">
             <p:sp>
               <p:nvSpPr>
                 <p:cNvPr id="42" name="TextBox 41">
@@ -9248,6 +9289,7 @@
                 </a:bodyPr>
                 <a:lstStyle/>
                 <a:p>
+                  <a:pPr/>
                   <a14:m>
                     <m:oMathPara xmlns:m="http://schemas.openxmlformats.org/officeDocument/2006/math">
                       <m:oMathParaPr>
@@ -9268,7 +9310,7 @@
               </p:txBody>
             </p:sp>
           </mc:Choice>
-          <mc:Fallback>
+          <mc:Fallback xmlns="">
             <p:sp>
               <p:nvSpPr>
                 <p:cNvPr id="42" name="TextBox 41">
@@ -9421,6 +9463,500 @@
           </p:cxnSp>
         </p:grpSp>
       </p:grpSp>
+      <p:cxnSp>
+        <p:nvCxnSpPr>
+          <p:cNvPr id="7" name="Straight Arrow Connector 6">
+            <a:extLst>
+              <a:ext uri="{FF2B5EF4-FFF2-40B4-BE49-F238E27FC236}">
+                <a16:creationId xmlns:a16="http://schemas.microsoft.com/office/drawing/2014/main" id="{F5E2B710-9396-DCFF-4E93-D0F388617219}"/>
+              </a:ext>
+            </a:extLst>
+          </p:cNvPr>
+          <p:cNvCxnSpPr>
+            <a:cxnSpLocks/>
+          </p:cNvCxnSpPr>
+          <p:nvPr/>
+        </p:nvCxnSpPr>
+        <p:spPr>
+          <a:xfrm>
+            <a:off x="2792627" y="5634280"/>
+            <a:ext cx="2981010" cy="11685"/>
+          </a:xfrm>
+          <a:prstGeom prst="straightConnector1">
+            <a:avLst/>
+          </a:prstGeom>
+          <a:ln w="12700">
+            <a:tailEnd type="triangle"/>
+          </a:ln>
+        </p:spPr>
+        <p:style>
+          <a:lnRef idx="1">
+            <a:schemeClr val="accent1"/>
+          </a:lnRef>
+          <a:fillRef idx="0">
+            <a:schemeClr val="accent1"/>
+          </a:fillRef>
+          <a:effectRef idx="0">
+            <a:schemeClr val="accent1"/>
+          </a:effectRef>
+          <a:fontRef idx="minor">
+            <a:schemeClr val="tx1"/>
+          </a:fontRef>
+        </p:style>
+      </p:cxnSp>
+      <p:cxnSp>
+        <p:nvCxnSpPr>
+          <p:cNvPr id="8" name="Straight Arrow Connector 7">
+            <a:extLst>
+              <a:ext uri="{FF2B5EF4-FFF2-40B4-BE49-F238E27FC236}">
+                <a16:creationId xmlns:a16="http://schemas.microsoft.com/office/drawing/2014/main" id="{E6669A4D-D84A-C670-9828-F74A70F2B0C7}"/>
+              </a:ext>
+            </a:extLst>
+          </p:cNvPr>
+          <p:cNvCxnSpPr/>
+          <p:nvPr/>
+        </p:nvCxnSpPr>
+        <p:spPr>
+          <a:xfrm flipV="1">
+            <a:off x="3658144" y="3615191"/>
+            <a:ext cx="0" cy="2020614"/>
+          </a:xfrm>
+          <a:prstGeom prst="straightConnector1">
+            <a:avLst/>
+          </a:prstGeom>
+          <a:ln w="12700">
+            <a:tailEnd type="triangle"/>
+          </a:ln>
+        </p:spPr>
+        <p:style>
+          <a:lnRef idx="1">
+            <a:schemeClr val="accent1"/>
+          </a:lnRef>
+          <a:fillRef idx="0">
+            <a:schemeClr val="accent1"/>
+          </a:fillRef>
+          <a:effectRef idx="0">
+            <a:schemeClr val="accent1"/>
+          </a:effectRef>
+          <a:fontRef idx="minor">
+            <a:schemeClr val="tx1"/>
+          </a:fontRef>
+        </p:style>
+      </p:cxnSp>
+      <mc:AlternateContent xmlns:mc="http://schemas.openxmlformats.org/markup-compatibility/2006">
+        <mc:Choice xmlns:a14="http://schemas.microsoft.com/office/drawing/2010/main" Requires="a14">
+          <p:sp>
+            <p:nvSpPr>
+              <p:cNvPr id="9" name="TextBox 8">
+                <a:extLst>
+                  <a:ext uri="{FF2B5EF4-FFF2-40B4-BE49-F238E27FC236}">
+                    <a16:creationId xmlns:a16="http://schemas.microsoft.com/office/drawing/2014/main" id="{30784EC5-41F7-4ACF-E521-434F2C7479CB}"/>
+                  </a:ext>
+                </a:extLst>
+              </p:cNvPr>
+              <p:cNvSpPr txBox="1"/>
+              <p:nvPr/>
+            </p:nvSpPr>
+            <p:spPr>
+              <a:xfrm>
+                <a:off x="5445263" y="5635805"/>
+                <a:ext cx="334579" cy="369332"/>
+              </a:xfrm>
+              <a:prstGeom prst="rect">
+                <a:avLst/>
+              </a:prstGeom>
+              <a:noFill/>
+            </p:spPr>
+            <p:txBody>
+              <a:bodyPr wrap="none" rtlCol="0">
+                <a:spAutoFit/>
+              </a:bodyPr>
+              <a:lstStyle/>
+              <a:p>
+                <a:pPr/>
+                <a14:m>
+                  <m:oMathPara xmlns:m="http://schemas.openxmlformats.org/officeDocument/2006/math">
+                    <m:oMathParaPr>
+                      <m:jc m:val="centerGroup"/>
+                    </m:oMathParaPr>
+                    <m:oMath xmlns:m="http://schemas.openxmlformats.org/officeDocument/2006/math">
+                      <m:r>
+                        <a:rPr lang="en-GB" b="0" i="1" smtClean="0">
+                          <a:latin typeface="Cambria Math" panose="02040503050406030204" pitchFamily="18" charset="0"/>
+                        </a:rPr>
+                        <m:t>𝑡</m:t>
+                      </m:r>
+                    </m:oMath>
+                  </m:oMathPara>
+                </a14:m>
+                <a:endParaRPr lang="en-US" dirty="0"/>
+              </a:p>
+            </p:txBody>
+          </p:sp>
+        </mc:Choice>
+        <mc:Fallback>
+          <p:sp>
+            <p:nvSpPr>
+              <p:cNvPr id="9" name="TextBox 8">
+                <a:extLst>
+                  <a:ext uri="{FF2B5EF4-FFF2-40B4-BE49-F238E27FC236}">
+                    <a16:creationId xmlns:a16="http://schemas.microsoft.com/office/drawing/2014/main" id="{30784EC5-41F7-4ACF-E521-434F2C7479CB}"/>
+                  </a:ext>
+                </a:extLst>
+              </p:cNvPr>
+              <p:cNvSpPr txBox="1">
+                <a:spLocks noRot="1" noChangeAspect="1" noMove="1" noResize="1" noEditPoints="1" noAdjustHandles="1" noChangeArrowheads="1" noChangeShapeType="1" noTextEdit="1"/>
+              </p:cNvSpPr>
+              <p:nvPr/>
+            </p:nvSpPr>
+            <p:spPr>
+              <a:xfrm>
+                <a:off x="5445263" y="5635805"/>
+                <a:ext cx="334579" cy="369332"/>
+              </a:xfrm>
+              <a:prstGeom prst="rect">
+                <a:avLst/>
+              </a:prstGeom>
+              <a:blipFill>
+                <a:blip r:embed="rId8"/>
+                <a:stretch>
+                  <a:fillRect/>
+                </a:stretch>
+              </a:blipFill>
+            </p:spPr>
+            <p:txBody>
+              <a:bodyPr/>
+              <a:lstStyle/>
+              <a:p>
+                <a:r>
+                  <a:rPr lang="en-US">
+                    <a:noFill/>
+                  </a:rPr>
+                  <a:t> </a:t>
+                </a:r>
+              </a:p>
+            </p:txBody>
+          </p:sp>
+        </mc:Fallback>
+      </mc:AlternateContent>
+      <mc:AlternateContent xmlns:mc="http://schemas.openxmlformats.org/markup-compatibility/2006">
+        <mc:Choice xmlns:a14="http://schemas.microsoft.com/office/drawing/2010/main" Requires="a14">
+          <p:sp>
+            <p:nvSpPr>
+              <p:cNvPr id="10" name="TextBox 9">
+                <a:extLst>
+                  <a:ext uri="{FF2B5EF4-FFF2-40B4-BE49-F238E27FC236}">
+                    <a16:creationId xmlns:a16="http://schemas.microsoft.com/office/drawing/2014/main" id="{21D5FE3D-2BE8-31D0-8CD9-9020236B0875}"/>
+                  </a:ext>
+                </a:extLst>
+              </p:cNvPr>
+              <p:cNvSpPr txBox="1"/>
+              <p:nvPr/>
+            </p:nvSpPr>
+            <p:spPr>
+              <a:xfrm>
+                <a:off x="3666549" y="3440684"/>
+                <a:ext cx="657359" cy="369332"/>
+              </a:xfrm>
+              <a:prstGeom prst="rect">
+                <a:avLst/>
+              </a:prstGeom>
+              <a:noFill/>
+            </p:spPr>
+            <p:txBody>
+              <a:bodyPr wrap="none" rtlCol="0">
+                <a:spAutoFit/>
+              </a:bodyPr>
+              <a:lstStyle/>
+              <a:p>
+                <a:pPr/>
+                <a14:m>
+                  <m:oMathPara xmlns:m="http://schemas.openxmlformats.org/officeDocument/2006/math">
+                    <m:oMathParaPr>
+                      <m:jc m:val="centerGroup"/>
+                    </m:oMathParaPr>
+                    <m:oMath xmlns:m="http://schemas.openxmlformats.org/officeDocument/2006/math">
+                      <m:r>
+                        <a:rPr lang="en-GB" b="0" i="1" smtClean="0">
+                          <a:latin typeface="Cambria Math" panose="02040503050406030204" pitchFamily="18" charset="0"/>
+                        </a:rPr>
+                        <m:t>𝑥</m:t>
+                      </m:r>
+                      <m:r>
+                        <a:rPr lang="en-GB" b="0" i="1" smtClean="0">
+                          <a:latin typeface="Cambria Math" panose="02040503050406030204" pitchFamily="18" charset="0"/>
+                        </a:rPr>
+                        <m:t>(</m:t>
+                      </m:r>
+                      <m:r>
+                        <a:rPr lang="en-GB" b="0" i="1" smtClean="0">
+                          <a:latin typeface="Cambria Math" panose="02040503050406030204" pitchFamily="18" charset="0"/>
+                        </a:rPr>
+                        <m:t>𝑡</m:t>
+                      </m:r>
+                      <m:r>
+                        <a:rPr lang="en-GB" b="0" i="1" smtClean="0">
+                          <a:latin typeface="Cambria Math" panose="02040503050406030204" pitchFamily="18" charset="0"/>
+                        </a:rPr>
+                        <m:t>)</m:t>
+                      </m:r>
+                    </m:oMath>
+                  </m:oMathPara>
+                </a14:m>
+                <a:endParaRPr lang="en-US" dirty="0"/>
+              </a:p>
+            </p:txBody>
+          </p:sp>
+        </mc:Choice>
+        <mc:Fallback>
+          <p:sp>
+            <p:nvSpPr>
+              <p:cNvPr id="10" name="TextBox 9">
+                <a:extLst>
+                  <a:ext uri="{FF2B5EF4-FFF2-40B4-BE49-F238E27FC236}">
+                    <a16:creationId xmlns:a16="http://schemas.microsoft.com/office/drawing/2014/main" id="{21D5FE3D-2BE8-31D0-8CD9-9020236B0875}"/>
+                  </a:ext>
+                </a:extLst>
+              </p:cNvPr>
+              <p:cNvSpPr txBox="1">
+                <a:spLocks noRot="1" noChangeAspect="1" noMove="1" noResize="1" noEditPoints="1" noAdjustHandles="1" noChangeArrowheads="1" noChangeShapeType="1" noTextEdit="1"/>
+              </p:cNvSpPr>
+              <p:nvPr/>
+            </p:nvSpPr>
+            <p:spPr>
+              <a:xfrm>
+                <a:off x="3666549" y="3440684"/>
+                <a:ext cx="657359" cy="369332"/>
+              </a:xfrm>
+              <a:prstGeom prst="rect">
+                <a:avLst/>
+              </a:prstGeom>
+              <a:blipFill>
+                <a:blip r:embed="rId9"/>
+                <a:stretch>
+                  <a:fillRect b="-16667"/>
+                </a:stretch>
+              </a:blipFill>
+            </p:spPr>
+            <p:txBody>
+              <a:bodyPr/>
+              <a:lstStyle/>
+              <a:p>
+                <a:r>
+                  <a:rPr lang="en-US">
+                    <a:noFill/>
+                  </a:rPr>
+                  <a:t> </a:t>
+                </a:r>
+              </a:p>
+            </p:txBody>
+          </p:sp>
+        </mc:Fallback>
+      </mc:AlternateContent>
+      <p:grpSp>
+        <p:nvGrpSpPr>
+          <p:cNvPr id="11" name="Group 10">
+            <a:extLst>
+              <a:ext uri="{FF2B5EF4-FFF2-40B4-BE49-F238E27FC236}">
+                <a16:creationId xmlns:a16="http://schemas.microsoft.com/office/drawing/2014/main" id="{6D1910C6-1F48-A58B-135F-650CFE095AB3}"/>
+              </a:ext>
+            </a:extLst>
+          </p:cNvPr>
+          <p:cNvGrpSpPr/>
+          <p:nvPr/>
+        </p:nvGrpSpPr>
+        <p:grpSpPr>
+          <a:xfrm>
+            <a:off x="3674082" y="4686106"/>
+            <a:ext cx="1084438" cy="959859"/>
+            <a:chOff x="3260475" y="2109969"/>
+            <a:chExt cx="1084438" cy="959859"/>
+          </a:xfrm>
+        </p:grpSpPr>
+        <p:cxnSp>
+          <p:nvCxnSpPr>
+            <p:cNvPr id="18" name="Straight Connector 17">
+              <a:extLst>
+                <a:ext uri="{FF2B5EF4-FFF2-40B4-BE49-F238E27FC236}">
+                  <a16:creationId xmlns:a16="http://schemas.microsoft.com/office/drawing/2014/main" id="{9AE89300-03E6-083B-A90A-FE02EB550E0D}"/>
+                </a:ext>
+              </a:extLst>
+            </p:cNvPr>
+            <p:cNvCxnSpPr>
+              <a:cxnSpLocks/>
+            </p:cNvCxnSpPr>
+            <p:nvPr/>
+          </p:nvCxnSpPr>
+          <p:spPr>
+            <a:xfrm>
+              <a:off x="4337301" y="2109969"/>
+              <a:ext cx="0" cy="959859"/>
+            </a:xfrm>
+            <a:prstGeom prst="line">
+              <a:avLst/>
+            </a:prstGeom>
+            <a:ln w="25400">
+              <a:solidFill>
+                <a:schemeClr val="accent6"/>
+              </a:solidFill>
+            </a:ln>
+          </p:spPr>
+          <p:style>
+            <a:lnRef idx="1">
+              <a:schemeClr val="accent1"/>
+            </a:lnRef>
+            <a:fillRef idx="0">
+              <a:schemeClr val="accent1"/>
+            </a:fillRef>
+            <a:effectRef idx="0">
+              <a:schemeClr val="accent1"/>
+            </a:effectRef>
+            <a:fontRef idx="minor">
+              <a:schemeClr val="tx1"/>
+            </a:fontRef>
+          </p:style>
+        </p:cxnSp>
+        <p:cxnSp>
+          <p:nvCxnSpPr>
+            <p:cNvPr id="20" name="Straight Connector 19">
+              <a:extLst>
+                <a:ext uri="{FF2B5EF4-FFF2-40B4-BE49-F238E27FC236}">
+                  <a16:creationId xmlns:a16="http://schemas.microsoft.com/office/drawing/2014/main" id="{0D4D10E1-F766-CC32-BD0B-B2A81B0EE4C6}"/>
+                </a:ext>
+              </a:extLst>
+            </p:cNvPr>
+            <p:cNvCxnSpPr>
+              <a:cxnSpLocks/>
+              <a:stCxn id="12" idx="0"/>
+            </p:cNvCxnSpPr>
+            <p:nvPr/>
+          </p:nvCxnSpPr>
+          <p:spPr>
+            <a:xfrm flipV="1">
+              <a:off x="3260475" y="2118982"/>
+              <a:ext cx="1084438" cy="939161"/>
+            </a:xfrm>
+            <a:prstGeom prst="line">
+              <a:avLst/>
+            </a:prstGeom>
+            <a:ln w="25400">
+              <a:solidFill>
+                <a:schemeClr val="accent6"/>
+              </a:solidFill>
+            </a:ln>
+          </p:spPr>
+          <p:style>
+            <a:lnRef idx="1">
+              <a:schemeClr val="accent1"/>
+            </a:lnRef>
+            <a:fillRef idx="0">
+              <a:schemeClr val="accent1"/>
+            </a:fillRef>
+            <a:effectRef idx="0">
+              <a:schemeClr val="accent1"/>
+            </a:effectRef>
+            <a:fontRef idx="minor">
+              <a:schemeClr val="tx1"/>
+            </a:fontRef>
+          </p:style>
+        </p:cxnSp>
+      </p:grpSp>
+      <mc:AlternateContent xmlns:mc="http://schemas.openxmlformats.org/markup-compatibility/2006">
+        <mc:Choice xmlns:a14="http://schemas.microsoft.com/office/drawing/2010/main" Requires="a14">
+          <p:sp>
+            <p:nvSpPr>
+              <p:cNvPr id="12" name="TextBox 11">
+                <a:extLst>
+                  <a:ext uri="{FF2B5EF4-FFF2-40B4-BE49-F238E27FC236}">
+                    <a16:creationId xmlns:a16="http://schemas.microsoft.com/office/drawing/2014/main" id="{5AD3411D-406B-F206-406C-84A3E5B4EE69}"/>
+                  </a:ext>
+                </a:extLst>
+              </p:cNvPr>
+              <p:cNvSpPr txBox="1"/>
+              <p:nvPr/>
+            </p:nvSpPr>
+            <p:spPr>
+              <a:xfrm>
+                <a:off x="3491179" y="5634280"/>
+                <a:ext cx="365806" cy="369332"/>
+              </a:xfrm>
+              <a:prstGeom prst="rect">
+                <a:avLst/>
+              </a:prstGeom>
+              <a:noFill/>
+            </p:spPr>
+            <p:txBody>
+              <a:bodyPr wrap="none" rtlCol="0">
+                <a:spAutoFit/>
+              </a:bodyPr>
+              <a:lstStyle/>
+              <a:p>
+                <a:pPr/>
+                <a14:m>
+                  <m:oMathPara xmlns:m="http://schemas.openxmlformats.org/officeDocument/2006/math">
+                    <m:oMathParaPr>
+                      <m:jc m:val="centerGroup"/>
+                    </m:oMathParaPr>
+                    <m:oMath xmlns:m="http://schemas.openxmlformats.org/officeDocument/2006/math">
+                      <m:r>
+                        <a:rPr lang="en-GB" b="0" i="1" smtClean="0">
+                          <a:latin typeface="Cambria Math" panose="02040503050406030204" pitchFamily="18" charset="0"/>
+                        </a:rPr>
+                        <m:t>0</m:t>
+                      </m:r>
+                    </m:oMath>
+                  </m:oMathPara>
+                </a14:m>
+                <a:endParaRPr lang="en-US" dirty="0"/>
+              </a:p>
+            </p:txBody>
+          </p:sp>
+        </mc:Choice>
+        <mc:Fallback>
+          <p:sp>
+            <p:nvSpPr>
+              <p:cNvPr id="12" name="TextBox 11">
+                <a:extLst>
+                  <a:ext uri="{FF2B5EF4-FFF2-40B4-BE49-F238E27FC236}">
+                    <a16:creationId xmlns:a16="http://schemas.microsoft.com/office/drawing/2014/main" id="{5AD3411D-406B-F206-406C-84A3E5B4EE69}"/>
+                  </a:ext>
+                </a:extLst>
+              </p:cNvPr>
+              <p:cNvSpPr txBox="1">
+                <a:spLocks noRot="1" noChangeAspect="1" noMove="1" noResize="1" noEditPoints="1" noAdjustHandles="1" noChangeArrowheads="1" noChangeShapeType="1" noTextEdit="1"/>
+              </p:cNvSpPr>
+              <p:nvPr/>
+            </p:nvSpPr>
+            <p:spPr>
+              <a:xfrm>
+                <a:off x="3491179" y="5634280"/>
+                <a:ext cx="365806" cy="369332"/>
+              </a:xfrm>
+              <a:prstGeom prst="rect">
+                <a:avLst/>
+              </a:prstGeom>
+              <a:blipFill>
+                <a:blip r:embed="rId10"/>
+                <a:stretch>
+                  <a:fillRect/>
+                </a:stretch>
+              </a:blipFill>
+            </p:spPr>
+            <p:txBody>
+              <a:bodyPr/>
+              <a:lstStyle/>
+              <a:p>
+                <a:r>
+                  <a:rPr lang="en-US">
+                    <a:noFill/>
+                  </a:rPr>
+                  <a:t> </a:t>
+                </a:r>
+              </a:p>
+            </p:txBody>
+          </p:sp>
+        </mc:Fallback>
+      </mc:AlternateContent>
     </p:spTree>
     <p:extLst>
       <p:ext uri="{BB962C8B-B14F-4D97-AF65-F5344CB8AC3E}">
@@ -9549,8 +10085,8 @@
             </a:fontRef>
           </p:style>
         </p:cxnSp>
-        <mc:AlternateContent xmlns:mc="http://schemas.openxmlformats.org/markup-compatibility/2006">
-          <mc:Choice xmlns:a14="http://schemas.microsoft.com/office/drawing/2010/main" Requires="a14">
+        <mc:AlternateContent xmlns:mc="http://schemas.openxmlformats.org/markup-compatibility/2006" xmlns:a14="http://schemas.microsoft.com/office/drawing/2010/main">
+          <mc:Choice Requires="a14">
             <p:sp>
               <p:nvSpPr>
                 <p:cNvPr id="5" name="TextBox 4">
@@ -9579,6 +10115,7 @@
                 </a:bodyPr>
                 <a:lstStyle/>
                 <a:p>
+                  <a:pPr/>
                   <a14:m>
                     <m:oMathPara xmlns:m="http://schemas.openxmlformats.org/officeDocument/2006/math">
                       <m:oMathParaPr>
@@ -9599,7 +10136,7 @@
               </p:txBody>
             </p:sp>
           </mc:Choice>
-          <mc:Fallback>
+          <mc:Fallback xmlns="">
             <p:sp>
               <p:nvSpPr>
                 <p:cNvPr id="5" name="TextBox 4">
@@ -9644,8 +10181,8 @@
             </p:sp>
           </mc:Fallback>
         </mc:AlternateContent>
-        <mc:AlternateContent xmlns:mc="http://schemas.openxmlformats.org/markup-compatibility/2006">
-          <mc:Choice xmlns:a14="http://schemas.microsoft.com/office/drawing/2010/main" Requires="a14">
+        <mc:AlternateContent xmlns:mc="http://schemas.openxmlformats.org/markup-compatibility/2006" xmlns:a14="http://schemas.microsoft.com/office/drawing/2010/main">
+          <mc:Choice Requires="a14">
             <p:sp>
               <p:nvSpPr>
                 <p:cNvPr id="6" name="TextBox 5">
@@ -9674,6 +10211,7 @@
                 </a:bodyPr>
                 <a:lstStyle/>
                 <a:p>
+                  <a:pPr/>
                   <a14:m>
                     <m:oMathPara xmlns:m="http://schemas.openxmlformats.org/officeDocument/2006/math">
                       <m:oMathParaPr>
@@ -9712,7 +10250,7 @@
               </p:txBody>
             </p:sp>
           </mc:Choice>
-          <mc:Fallback>
+          <mc:Fallback xmlns="">
             <p:sp>
               <p:nvSpPr>
                 <p:cNvPr id="6" name="TextBox 5">
@@ -10189,8 +10727,8 @@
             </a:fontRef>
           </p:style>
         </p:cxnSp>
-        <mc:AlternateContent xmlns:mc="http://schemas.openxmlformats.org/markup-compatibility/2006">
-          <mc:Choice xmlns:a14="http://schemas.microsoft.com/office/drawing/2010/main" Requires="a14">
+        <mc:AlternateContent xmlns:mc="http://schemas.openxmlformats.org/markup-compatibility/2006" xmlns:a14="http://schemas.microsoft.com/office/drawing/2010/main">
+          <mc:Choice Requires="a14">
             <p:sp>
               <p:nvSpPr>
                 <p:cNvPr id="18" name="TextBox 17">
@@ -10219,6 +10757,7 @@
                 </a:bodyPr>
                 <a:lstStyle/>
                 <a:p>
+                  <a:pPr/>
                   <a14:m>
                     <m:oMathPara xmlns:m="http://schemas.openxmlformats.org/officeDocument/2006/math">
                       <m:oMathParaPr>
@@ -10239,7 +10778,7 @@
               </p:txBody>
             </p:sp>
           </mc:Choice>
-          <mc:Fallback>
+          <mc:Fallback xmlns="">
             <p:sp>
               <p:nvSpPr>
                 <p:cNvPr id="18" name="TextBox 17">
@@ -10284,8 +10823,8 @@
             </p:sp>
           </mc:Fallback>
         </mc:AlternateContent>
-        <mc:AlternateContent xmlns:mc="http://schemas.openxmlformats.org/markup-compatibility/2006">
-          <mc:Choice xmlns:a14="http://schemas.microsoft.com/office/drawing/2010/main" Requires="a14">
+        <mc:AlternateContent xmlns:mc="http://schemas.openxmlformats.org/markup-compatibility/2006" xmlns:a14="http://schemas.microsoft.com/office/drawing/2010/main">
+          <mc:Choice Requires="a14">
             <p:sp>
               <p:nvSpPr>
                 <p:cNvPr id="19" name="TextBox 18">
@@ -10314,6 +10853,7 @@
                 </a:bodyPr>
                 <a:lstStyle/>
                 <a:p>
+                  <a:pPr/>
                   <a14:m>
                     <m:oMathPara xmlns:m="http://schemas.openxmlformats.org/officeDocument/2006/math">
                       <m:oMathParaPr>
@@ -10334,7 +10874,7 @@
               </p:txBody>
             </p:sp>
           </mc:Choice>
-          <mc:Fallback>
+          <mc:Fallback xmlns="">
             <p:sp>
               <p:nvSpPr>
                 <p:cNvPr id="19" name="TextBox 18">
@@ -10379,8 +10919,8 @@
             </p:sp>
           </mc:Fallback>
         </mc:AlternateContent>
-        <mc:AlternateContent xmlns:mc="http://schemas.openxmlformats.org/markup-compatibility/2006">
-          <mc:Choice xmlns:a14="http://schemas.microsoft.com/office/drawing/2010/main" Requires="a14">
+        <mc:AlternateContent xmlns:mc="http://schemas.openxmlformats.org/markup-compatibility/2006" xmlns:a14="http://schemas.microsoft.com/office/drawing/2010/main">
+          <mc:Choice Requires="a14">
             <p:sp>
               <p:nvSpPr>
                 <p:cNvPr id="20" name="TextBox 19">
@@ -10409,6 +10949,7 @@
                 </a:bodyPr>
                 <a:lstStyle/>
                 <a:p>
+                  <a:pPr/>
                   <a14:m>
                     <m:oMathPara xmlns:m="http://schemas.openxmlformats.org/officeDocument/2006/math">
                       <m:oMathParaPr>
@@ -10429,7 +10970,7 @@
               </p:txBody>
             </p:sp>
           </mc:Choice>
-          <mc:Fallback>
+          <mc:Fallback xmlns="">
             <p:sp>
               <p:nvSpPr>
                 <p:cNvPr id="20" name="TextBox 19">
@@ -10474,8 +11015,8 @@
             </p:sp>
           </mc:Fallback>
         </mc:AlternateContent>
-        <mc:AlternateContent xmlns:mc="http://schemas.openxmlformats.org/markup-compatibility/2006">
-          <mc:Choice xmlns:a14="http://schemas.microsoft.com/office/drawing/2010/main" Requires="a14">
+        <mc:AlternateContent xmlns:mc="http://schemas.openxmlformats.org/markup-compatibility/2006" xmlns:a14="http://schemas.microsoft.com/office/drawing/2010/main">
+          <mc:Choice Requires="a14">
             <p:sp>
               <p:nvSpPr>
                 <p:cNvPr id="21" name="TextBox 20">
@@ -10504,6 +11045,7 @@
                 </a:bodyPr>
                 <a:lstStyle/>
                 <a:p>
+                  <a:pPr/>
                   <a14:m>
                     <m:oMathPara xmlns:m="http://schemas.openxmlformats.org/officeDocument/2006/math">
                       <m:oMathParaPr>
@@ -10524,7 +11066,7 @@
               </p:txBody>
             </p:sp>
           </mc:Choice>
-          <mc:Fallback>
+          <mc:Fallback xmlns="">
             <p:sp>
               <p:nvSpPr>
                 <p:cNvPr id="21" name="TextBox 20">
@@ -10569,8 +11111,8 @@
             </p:sp>
           </mc:Fallback>
         </mc:AlternateContent>
-        <mc:AlternateContent xmlns:mc="http://schemas.openxmlformats.org/markup-compatibility/2006">
-          <mc:Choice xmlns:a14="http://schemas.microsoft.com/office/drawing/2010/main" Requires="a14">
+        <mc:AlternateContent xmlns:mc="http://schemas.openxmlformats.org/markup-compatibility/2006" xmlns:a14="http://schemas.microsoft.com/office/drawing/2010/main">
+          <mc:Choice Requires="a14">
             <p:sp>
               <p:nvSpPr>
                 <p:cNvPr id="22" name="TextBox 21">
@@ -10599,6 +11141,7 @@
                 </a:bodyPr>
                 <a:lstStyle/>
                 <a:p>
+                  <a:pPr/>
                   <a14:m>
                     <m:oMathPara xmlns:m="http://schemas.openxmlformats.org/officeDocument/2006/math">
                       <m:oMathParaPr>
@@ -10619,7 +11162,7 @@
               </p:txBody>
             </p:sp>
           </mc:Choice>
-          <mc:Fallback>
+          <mc:Fallback xmlns="">
             <p:sp>
               <p:nvSpPr>
                 <p:cNvPr id="22" name="TextBox 21">
@@ -10664,8 +11207,8 @@
             </p:sp>
           </mc:Fallback>
         </mc:AlternateContent>
-        <mc:AlternateContent xmlns:mc="http://schemas.openxmlformats.org/markup-compatibility/2006">
-          <mc:Choice xmlns:a14="http://schemas.microsoft.com/office/drawing/2010/main" Requires="a14">
+        <mc:AlternateContent xmlns:mc="http://schemas.openxmlformats.org/markup-compatibility/2006" xmlns:a14="http://schemas.microsoft.com/office/drawing/2010/main">
+          <mc:Choice Requires="a14">
             <p:sp>
               <p:nvSpPr>
                 <p:cNvPr id="23" name="TextBox 22">
@@ -10694,6 +11237,7 @@
                 </a:bodyPr>
                 <a:lstStyle/>
                 <a:p>
+                  <a:pPr/>
                   <a14:m>
                     <m:oMathPara xmlns:m="http://schemas.openxmlformats.org/officeDocument/2006/math">
                       <m:oMathParaPr>
@@ -10714,7 +11258,7 @@
               </p:txBody>
             </p:sp>
           </mc:Choice>
-          <mc:Fallback>
+          <mc:Fallback xmlns="">
             <p:sp>
               <p:nvSpPr>
                 <p:cNvPr id="23" name="TextBox 22">
@@ -10759,8 +11303,8 @@
             </p:sp>
           </mc:Fallback>
         </mc:AlternateContent>
-        <mc:AlternateContent xmlns:mc="http://schemas.openxmlformats.org/markup-compatibility/2006">
-          <mc:Choice xmlns:a14="http://schemas.microsoft.com/office/drawing/2010/main" Requires="a14">
+        <mc:AlternateContent xmlns:mc="http://schemas.openxmlformats.org/markup-compatibility/2006" xmlns:a14="http://schemas.microsoft.com/office/drawing/2010/main">
+          <mc:Choice Requires="a14">
             <p:sp>
               <p:nvSpPr>
                 <p:cNvPr id="24" name="TextBox 23">
@@ -10789,6 +11333,7 @@
                 </a:bodyPr>
                 <a:lstStyle/>
                 <a:p>
+                  <a:pPr/>
                   <a14:m>
                     <m:oMathPara xmlns:m="http://schemas.openxmlformats.org/officeDocument/2006/math">
                       <m:oMathParaPr>
@@ -10809,7 +11354,7 @@
               </p:txBody>
             </p:sp>
           </mc:Choice>
-          <mc:Fallback>
+          <mc:Fallback xmlns="">
             <p:sp>
               <p:nvSpPr>
                 <p:cNvPr id="24" name="TextBox 23">
@@ -11125,8 +11670,8 @@
             </a:fontRef>
           </p:style>
         </p:cxnSp>
-        <mc:AlternateContent xmlns:mc="http://schemas.openxmlformats.org/markup-compatibility/2006">
-          <mc:Choice xmlns:a14="http://schemas.microsoft.com/office/drawing/2010/main" Requires="a14">
+        <mc:AlternateContent xmlns:mc="http://schemas.openxmlformats.org/markup-compatibility/2006" xmlns:a14="http://schemas.microsoft.com/office/drawing/2010/main">
+          <mc:Choice Requires="a14">
             <p:sp>
               <p:nvSpPr>
                 <p:cNvPr id="38" name="TextBox 37">
@@ -11155,6 +11700,7 @@
                 </a:bodyPr>
                 <a:lstStyle/>
                 <a:p>
+                  <a:pPr/>
                   <a14:m>
                     <m:oMathPara xmlns:m="http://schemas.openxmlformats.org/officeDocument/2006/math">
                       <m:oMathParaPr>
@@ -11175,7 +11721,7 @@
               </p:txBody>
             </p:sp>
           </mc:Choice>
-          <mc:Fallback>
+          <mc:Fallback xmlns="">
             <p:sp>
               <p:nvSpPr>
                 <p:cNvPr id="38" name="TextBox 37">
@@ -11220,8 +11766,8 @@
             </p:sp>
           </mc:Fallback>
         </mc:AlternateContent>
-        <mc:AlternateContent xmlns:mc="http://schemas.openxmlformats.org/markup-compatibility/2006">
-          <mc:Choice xmlns:a14="http://schemas.microsoft.com/office/drawing/2010/main" Requires="a14">
+        <mc:AlternateContent xmlns:mc="http://schemas.openxmlformats.org/markup-compatibility/2006" xmlns:a14="http://schemas.microsoft.com/office/drawing/2010/main">
+          <mc:Choice Requires="a14">
             <p:sp>
               <p:nvSpPr>
                 <p:cNvPr id="39" name="TextBox 38">
@@ -11250,6 +11796,7 @@
                 </a:bodyPr>
                 <a:lstStyle/>
                 <a:p>
+                  <a:pPr/>
                   <a14:m>
                     <m:oMathPara xmlns:m="http://schemas.openxmlformats.org/officeDocument/2006/math">
                       <m:oMathParaPr>
@@ -11288,7 +11835,7 @@
               </p:txBody>
             </p:sp>
           </mc:Choice>
-          <mc:Fallback>
+          <mc:Fallback xmlns="">
             <p:sp>
               <p:nvSpPr>
                 <p:cNvPr id="39" name="TextBox 38">
@@ -11450,8 +11997,8 @@
             </a:fontRef>
           </p:style>
         </p:cxnSp>
-        <mc:AlternateContent xmlns:mc="http://schemas.openxmlformats.org/markup-compatibility/2006">
-          <mc:Choice xmlns:a14="http://schemas.microsoft.com/office/drawing/2010/main" Requires="a14">
+        <mc:AlternateContent xmlns:mc="http://schemas.openxmlformats.org/markup-compatibility/2006" xmlns:a14="http://schemas.microsoft.com/office/drawing/2010/main">
+          <mc:Choice Requires="a14">
             <p:sp>
               <p:nvSpPr>
                 <p:cNvPr id="51" name="TextBox 50">
@@ -11480,6 +12027,7 @@
                 </a:bodyPr>
                 <a:lstStyle/>
                 <a:p>
+                  <a:pPr/>
                   <a14:m>
                     <m:oMathPara xmlns:m="http://schemas.openxmlformats.org/officeDocument/2006/math">
                       <m:oMathParaPr>
@@ -11500,7 +12048,7 @@
               </p:txBody>
             </p:sp>
           </mc:Choice>
-          <mc:Fallback>
+          <mc:Fallback xmlns="">
             <p:sp>
               <p:nvSpPr>
                 <p:cNvPr id="51" name="TextBox 50">
@@ -11545,8 +12093,8 @@
             </p:sp>
           </mc:Fallback>
         </mc:AlternateContent>
-        <mc:AlternateContent xmlns:mc="http://schemas.openxmlformats.org/markup-compatibility/2006">
-          <mc:Choice xmlns:a14="http://schemas.microsoft.com/office/drawing/2010/main" Requires="a14">
+        <mc:AlternateContent xmlns:mc="http://schemas.openxmlformats.org/markup-compatibility/2006" xmlns:a14="http://schemas.microsoft.com/office/drawing/2010/main">
+          <mc:Choice Requires="a14">
             <p:sp>
               <p:nvSpPr>
                 <p:cNvPr id="52" name="TextBox 51">
@@ -11575,6 +12123,7 @@
                 </a:bodyPr>
                 <a:lstStyle/>
                 <a:p>
+                  <a:pPr/>
                   <a14:m>
                     <m:oMathPara xmlns:m="http://schemas.openxmlformats.org/officeDocument/2006/math">
                       <m:oMathParaPr>
@@ -11595,7 +12144,7 @@
               </p:txBody>
             </p:sp>
           </mc:Choice>
-          <mc:Fallback>
+          <mc:Fallback xmlns="">
             <p:sp>
               <p:nvSpPr>
                 <p:cNvPr id="52" name="TextBox 51">
@@ -11766,8 +12315,8 @@
             </a:p>
           </p:txBody>
         </p:sp>
-        <mc:AlternateContent xmlns:mc="http://schemas.openxmlformats.org/markup-compatibility/2006">
-          <mc:Choice xmlns:a14="http://schemas.microsoft.com/office/drawing/2010/main" Requires="a14">
+        <mc:AlternateContent xmlns:mc="http://schemas.openxmlformats.org/markup-compatibility/2006" xmlns:a14="http://schemas.microsoft.com/office/drawing/2010/main">
+          <mc:Choice Requires="a14">
             <p:sp>
               <p:nvSpPr>
                 <p:cNvPr id="84" name="TextBox 83">
@@ -11796,6 +12345,7 @@
                 </a:bodyPr>
                 <a:lstStyle/>
                 <a:p>
+                  <a:pPr/>
                   <a14:m>
                     <m:oMathPara xmlns:m="http://schemas.openxmlformats.org/officeDocument/2006/math">
                       <m:oMathParaPr>
@@ -11847,7 +12397,7 @@
               </p:txBody>
             </p:sp>
           </mc:Choice>
-          <mc:Fallback>
+          <mc:Fallback xmlns="">
             <p:sp>
               <p:nvSpPr>
                 <p:cNvPr id="84" name="TextBox 83">
@@ -11936,6 +12486,3260 @@
     <p:extLst>
       <p:ext uri="{BB962C8B-B14F-4D97-AF65-F5344CB8AC3E}">
         <p14:creationId xmlns:p14="http://schemas.microsoft.com/office/powerpoint/2010/main" val="4011137824"/>
+      </p:ext>
+    </p:extLst>
+  </p:cSld>
+  <p:clrMapOvr>
+    <a:masterClrMapping/>
+  </p:clrMapOvr>
+</p:sld>
+</file>
+
+<file path=ppt/slides/slide4.xml><?xml version="1.0" encoding="utf-8"?>
+<p:sld xmlns:a="http://schemas.openxmlformats.org/drawingml/2006/main" xmlns:r="http://schemas.openxmlformats.org/officeDocument/2006/relationships" xmlns:p="http://schemas.openxmlformats.org/presentationml/2006/main">
+  <p:cSld>
+    <p:spTree>
+      <p:nvGrpSpPr>
+        <p:cNvPr id="1" name=""/>
+        <p:cNvGrpSpPr/>
+        <p:nvPr/>
+      </p:nvGrpSpPr>
+      <p:grpSpPr>
+        <a:xfrm>
+          <a:off x="0" y="0"/>
+          <a:ext cx="0" cy="0"/>
+          <a:chOff x="0" y="0"/>
+          <a:chExt cx="0" cy="0"/>
+        </a:xfrm>
+      </p:grpSpPr>
+      <p:grpSp>
+        <p:nvGrpSpPr>
+          <p:cNvPr id="48" name="Group 47">
+            <a:extLst>
+              <a:ext uri="{FF2B5EF4-FFF2-40B4-BE49-F238E27FC236}">
+                <a16:creationId xmlns:a16="http://schemas.microsoft.com/office/drawing/2014/main" id="{C7654DCD-195E-0AAA-B2E6-B13ADE3432C3}"/>
+              </a:ext>
+            </a:extLst>
+          </p:cNvPr>
+          <p:cNvGrpSpPr/>
+          <p:nvPr/>
+        </p:nvGrpSpPr>
+        <p:grpSpPr>
+          <a:xfrm>
+            <a:off x="296562" y="830756"/>
+            <a:ext cx="7661189" cy="2655270"/>
+            <a:chOff x="296562" y="830756"/>
+            <a:chExt cx="7661189" cy="2655270"/>
+          </a:xfrm>
+        </p:grpSpPr>
+        <p:cxnSp>
+          <p:nvCxnSpPr>
+            <p:cNvPr id="5" name="Straight Arrow Connector 4">
+              <a:extLst>
+                <a:ext uri="{FF2B5EF4-FFF2-40B4-BE49-F238E27FC236}">
+                  <a16:creationId xmlns:a16="http://schemas.microsoft.com/office/drawing/2014/main" id="{74467FF9-65D6-E0F3-4655-A259D0AA321E}"/>
+                </a:ext>
+              </a:extLst>
+            </p:cNvPr>
+            <p:cNvCxnSpPr>
+              <a:cxnSpLocks/>
+            </p:cNvCxnSpPr>
+            <p:nvPr/>
+          </p:nvCxnSpPr>
+          <p:spPr>
+            <a:xfrm>
+              <a:off x="296562" y="3036037"/>
+              <a:ext cx="7661189" cy="0"/>
+            </a:xfrm>
+            <a:prstGeom prst="straightConnector1">
+              <a:avLst/>
+            </a:prstGeom>
+            <a:ln w="12700">
+              <a:tailEnd type="triangle"/>
+            </a:ln>
+          </p:spPr>
+          <p:style>
+            <a:lnRef idx="1">
+              <a:schemeClr val="accent1"/>
+            </a:lnRef>
+            <a:fillRef idx="0">
+              <a:schemeClr val="accent1"/>
+            </a:fillRef>
+            <a:effectRef idx="0">
+              <a:schemeClr val="accent1"/>
+            </a:effectRef>
+            <a:fontRef idx="minor">
+              <a:schemeClr val="tx1"/>
+            </a:fontRef>
+          </p:style>
+        </p:cxnSp>
+        <p:cxnSp>
+          <p:nvCxnSpPr>
+            <p:cNvPr id="6" name="Straight Arrow Connector 5">
+              <a:extLst>
+                <a:ext uri="{FF2B5EF4-FFF2-40B4-BE49-F238E27FC236}">
+                  <a16:creationId xmlns:a16="http://schemas.microsoft.com/office/drawing/2014/main" id="{EAA8FA1D-4A85-09EE-1D64-8E36B3A0D366}"/>
+                </a:ext>
+              </a:extLst>
+            </p:cNvPr>
+            <p:cNvCxnSpPr/>
+            <p:nvPr/>
+          </p:nvCxnSpPr>
+          <p:spPr>
+            <a:xfrm flipV="1">
+              <a:off x="3791861" y="1005263"/>
+              <a:ext cx="0" cy="2020614"/>
+            </a:xfrm>
+            <a:prstGeom prst="straightConnector1">
+              <a:avLst/>
+            </a:prstGeom>
+            <a:ln w="12700">
+              <a:tailEnd type="triangle"/>
+            </a:ln>
+          </p:spPr>
+          <p:style>
+            <a:lnRef idx="1">
+              <a:schemeClr val="accent1"/>
+            </a:lnRef>
+            <a:fillRef idx="0">
+              <a:schemeClr val="accent1"/>
+            </a:fillRef>
+            <a:effectRef idx="0">
+              <a:schemeClr val="accent1"/>
+            </a:effectRef>
+            <a:fontRef idx="minor">
+              <a:schemeClr val="tx1"/>
+            </a:fontRef>
+          </p:style>
+        </p:cxnSp>
+        <mc:AlternateContent xmlns:mc="http://schemas.openxmlformats.org/markup-compatibility/2006" xmlns:a14="http://schemas.microsoft.com/office/drawing/2010/main">
+          <mc:Choice Requires="a14">
+            <p:sp>
+              <p:nvSpPr>
+                <p:cNvPr id="7" name="TextBox 6">
+                  <a:extLst>
+                    <a:ext uri="{FF2B5EF4-FFF2-40B4-BE49-F238E27FC236}">
+                      <a16:creationId xmlns:a16="http://schemas.microsoft.com/office/drawing/2014/main" id="{5E01C314-A5A8-B160-5492-39B975232106}"/>
+                    </a:ext>
+                  </a:extLst>
+                </p:cNvPr>
+                <p:cNvSpPr txBox="1"/>
+                <p:nvPr/>
+              </p:nvSpPr>
+              <p:spPr>
+                <a:xfrm>
+                  <a:off x="7623172" y="3069643"/>
+                  <a:ext cx="334579" cy="369332"/>
+                </a:xfrm>
+                <a:prstGeom prst="rect">
+                  <a:avLst/>
+                </a:prstGeom>
+                <a:noFill/>
+              </p:spPr>
+              <p:txBody>
+                <a:bodyPr wrap="none" rtlCol="0">
+                  <a:spAutoFit/>
+                </a:bodyPr>
+                <a:lstStyle/>
+                <a:p>
+                  <a:pPr/>
+                  <a14:m>
+                    <m:oMathPara xmlns:m="http://schemas.openxmlformats.org/officeDocument/2006/math">
+                      <m:oMathParaPr>
+                        <m:jc m:val="centerGroup"/>
+                      </m:oMathParaPr>
+                      <m:oMath xmlns:m="http://schemas.openxmlformats.org/officeDocument/2006/math">
+                        <m:r>
+                          <a:rPr lang="en-GB" b="0" i="1" smtClean="0">
+                            <a:latin typeface="Cambria Math" panose="02040503050406030204" pitchFamily="18" charset="0"/>
+                          </a:rPr>
+                          <m:t>𝑡</m:t>
+                        </m:r>
+                      </m:oMath>
+                    </m:oMathPara>
+                  </a14:m>
+                  <a:endParaRPr lang="en-US" dirty="0"/>
+                </a:p>
+              </p:txBody>
+            </p:sp>
+          </mc:Choice>
+          <mc:Fallback xmlns="">
+            <p:sp>
+              <p:nvSpPr>
+                <p:cNvPr id="7" name="TextBox 6">
+                  <a:extLst>
+                    <a:ext uri="{FF2B5EF4-FFF2-40B4-BE49-F238E27FC236}">
+                      <a16:creationId xmlns:a16="http://schemas.microsoft.com/office/drawing/2014/main" id="{5E01C314-A5A8-B160-5492-39B975232106}"/>
+                    </a:ext>
+                  </a:extLst>
+                </p:cNvPr>
+                <p:cNvSpPr txBox="1">
+                  <a:spLocks noRot="1" noChangeAspect="1" noMove="1" noResize="1" noEditPoints="1" noAdjustHandles="1" noChangeArrowheads="1" noChangeShapeType="1" noTextEdit="1"/>
+                </p:cNvSpPr>
+                <p:nvPr/>
+              </p:nvSpPr>
+              <p:spPr>
+                <a:xfrm>
+                  <a:off x="7623172" y="3069643"/>
+                  <a:ext cx="334579" cy="369332"/>
+                </a:xfrm>
+                <a:prstGeom prst="rect">
+                  <a:avLst/>
+                </a:prstGeom>
+                <a:blipFill>
+                  <a:blip r:embed="rId2"/>
+                  <a:stretch>
+                    <a:fillRect/>
+                  </a:stretch>
+                </a:blipFill>
+              </p:spPr>
+              <p:txBody>
+                <a:bodyPr/>
+                <a:lstStyle/>
+                <a:p>
+                  <a:r>
+                    <a:rPr lang="en-US">
+                      <a:noFill/>
+                    </a:rPr>
+                    <a:t> </a:t>
+                  </a:r>
+                </a:p>
+              </p:txBody>
+            </p:sp>
+          </mc:Fallback>
+        </mc:AlternateContent>
+        <mc:AlternateContent xmlns:mc="http://schemas.openxmlformats.org/markup-compatibility/2006" xmlns:a14="http://schemas.microsoft.com/office/drawing/2010/main">
+          <mc:Choice Requires="a14">
+            <p:sp>
+              <p:nvSpPr>
+                <p:cNvPr id="8" name="TextBox 7">
+                  <a:extLst>
+                    <a:ext uri="{FF2B5EF4-FFF2-40B4-BE49-F238E27FC236}">
+                      <a16:creationId xmlns:a16="http://schemas.microsoft.com/office/drawing/2014/main" id="{3F302E69-5811-82B8-9058-DAB27E66699A}"/>
+                    </a:ext>
+                  </a:extLst>
+                </p:cNvPr>
+                <p:cNvSpPr txBox="1"/>
+                <p:nvPr/>
+              </p:nvSpPr>
+              <p:spPr>
+                <a:xfrm>
+                  <a:off x="3800266" y="830756"/>
+                  <a:ext cx="657359" cy="369332"/>
+                </a:xfrm>
+                <a:prstGeom prst="rect">
+                  <a:avLst/>
+                </a:prstGeom>
+                <a:noFill/>
+              </p:spPr>
+              <p:txBody>
+                <a:bodyPr wrap="none" rtlCol="0">
+                  <a:spAutoFit/>
+                </a:bodyPr>
+                <a:lstStyle/>
+                <a:p>
+                  <a:pPr/>
+                  <a14:m>
+                    <m:oMathPara xmlns:m="http://schemas.openxmlformats.org/officeDocument/2006/math">
+                      <m:oMathParaPr>
+                        <m:jc m:val="centerGroup"/>
+                      </m:oMathParaPr>
+                      <m:oMath xmlns:m="http://schemas.openxmlformats.org/officeDocument/2006/math">
+                        <m:r>
+                          <a:rPr lang="en-GB" b="0" i="1" smtClean="0">
+                            <a:latin typeface="Cambria Math" panose="02040503050406030204" pitchFamily="18" charset="0"/>
+                          </a:rPr>
+                          <m:t>𝑥</m:t>
+                        </m:r>
+                        <m:r>
+                          <a:rPr lang="en-GB" b="0" i="1" smtClean="0">
+                            <a:latin typeface="Cambria Math" panose="02040503050406030204" pitchFamily="18" charset="0"/>
+                          </a:rPr>
+                          <m:t>(</m:t>
+                        </m:r>
+                        <m:r>
+                          <a:rPr lang="en-GB" b="0" i="1" smtClean="0">
+                            <a:latin typeface="Cambria Math" panose="02040503050406030204" pitchFamily="18" charset="0"/>
+                          </a:rPr>
+                          <m:t>𝑡</m:t>
+                        </m:r>
+                        <m:r>
+                          <a:rPr lang="en-GB" b="0" i="1" smtClean="0">
+                            <a:latin typeface="Cambria Math" panose="02040503050406030204" pitchFamily="18" charset="0"/>
+                          </a:rPr>
+                          <m:t>)</m:t>
+                        </m:r>
+                      </m:oMath>
+                    </m:oMathPara>
+                  </a14:m>
+                  <a:endParaRPr lang="en-US" dirty="0"/>
+                </a:p>
+              </p:txBody>
+            </p:sp>
+          </mc:Choice>
+          <mc:Fallback xmlns="">
+            <p:sp>
+              <p:nvSpPr>
+                <p:cNvPr id="8" name="TextBox 7">
+                  <a:extLst>
+                    <a:ext uri="{FF2B5EF4-FFF2-40B4-BE49-F238E27FC236}">
+                      <a16:creationId xmlns:a16="http://schemas.microsoft.com/office/drawing/2014/main" id="{3F302E69-5811-82B8-9058-DAB27E66699A}"/>
+                    </a:ext>
+                  </a:extLst>
+                </p:cNvPr>
+                <p:cNvSpPr txBox="1">
+                  <a:spLocks noRot="1" noChangeAspect="1" noMove="1" noResize="1" noEditPoints="1" noAdjustHandles="1" noChangeArrowheads="1" noChangeShapeType="1" noTextEdit="1"/>
+                </p:cNvSpPr>
+                <p:nvPr/>
+              </p:nvSpPr>
+              <p:spPr>
+                <a:xfrm>
+                  <a:off x="3800266" y="830756"/>
+                  <a:ext cx="657359" cy="369332"/>
+                </a:xfrm>
+                <a:prstGeom prst="rect">
+                  <a:avLst/>
+                </a:prstGeom>
+                <a:blipFill>
+                  <a:blip r:embed="rId3"/>
+                  <a:stretch>
+                    <a:fillRect b="-13333"/>
+                  </a:stretch>
+                </a:blipFill>
+              </p:spPr>
+              <p:txBody>
+                <a:bodyPr/>
+                <a:lstStyle/>
+                <a:p>
+                  <a:r>
+                    <a:rPr lang="en-US">
+                      <a:noFill/>
+                    </a:rPr>
+                    <a:t> </a:t>
+                  </a:r>
+                </a:p>
+              </p:txBody>
+            </p:sp>
+          </mc:Fallback>
+        </mc:AlternateContent>
+        <mc:AlternateContent xmlns:mc="http://schemas.openxmlformats.org/markup-compatibility/2006" xmlns:a14="http://schemas.microsoft.com/office/drawing/2010/main">
+          <mc:Choice Requires="a14">
+            <p:sp>
+              <p:nvSpPr>
+                <p:cNvPr id="10" name="TextBox 9">
+                  <a:extLst>
+                    <a:ext uri="{FF2B5EF4-FFF2-40B4-BE49-F238E27FC236}">
+                      <a16:creationId xmlns:a16="http://schemas.microsoft.com/office/drawing/2014/main" id="{1A285606-D8F5-8C11-3EB9-530E8390F72D}"/>
+                    </a:ext>
+                  </a:extLst>
+                </p:cNvPr>
+                <p:cNvSpPr txBox="1"/>
+                <p:nvPr/>
+              </p:nvSpPr>
+              <p:spPr>
+                <a:xfrm>
+                  <a:off x="3624896" y="3116694"/>
+                  <a:ext cx="365806" cy="369332"/>
+                </a:xfrm>
+                <a:prstGeom prst="rect">
+                  <a:avLst/>
+                </a:prstGeom>
+                <a:noFill/>
+              </p:spPr>
+              <p:txBody>
+                <a:bodyPr wrap="none" rtlCol="0">
+                  <a:spAutoFit/>
+                </a:bodyPr>
+                <a:lstStyle/>
+                <a:p>
+                  <a:pPr/>
+                  <a14:m>
+                    <m:oMathPara xmlns:m="http://schemas.openxmlformats.org/officeDocument/2006/math">
+                      <m:oMathParaPr>
+                        <m:jc m:val="centerGroup"/>
+                      </m:oMathParaPr>
+                      <m:oMath xmlns:m="http://schemas.openxmlformats.org/officeDocument/2006/math">
+                        <m:r>
+                          <a:rPr lang="en-GB" b="0" i="1" smtClean="0">
+                            <a:latin typeface="Cambria Math" panose="02040503050406030204" pitchFamily="18" charset="0"/>
+                          </a:rPr>
+                          <m:t>0</m:t>
+                        </m:r>
+                      </m:oMath>
+                    </m:oMathPara>
+                  </a14:m>
+                  <a:endParaRPr lang="en-US" dirty="0"/>
+                </a:p>
+              </p:txBody>
+            </p:sp>
+          </mc:Choice>
+          <mc:Fallback xmlns="">
+            <p:sp>
+              <p:nvSpPr>
+                <p:cNvPr id="10" name="TextBox 9">
+                  <a:extLst>
+                    <a:ext uri="{FF2B5EF4-FFF2-40B4-BE49-F238E27FC236}">
+                      <a16:creationId xmlns:a16="http://schemas.microsoft.com/office/drawing/2014/main" id="{1A285606-D8F5-8C11-3EB9-530E8390F72D}"/>
+                    </a:ext>
+                  </a:extLst>
+                </p:cNvPr>
+                <p:cNvSpPr txBox="1">
+                  <a:spLocks noRot="1" noChangeAspect="1" noMove="1" noResize="1" noEditPoints="1" noAdjustHandles="1" noChangeArrowheads="1" noChangeShapeType="1" noTextEdit="1"/>
+                </p:cNvSpPr>
+                <p:nvPr/>
+              </p:nvSpPr>
+              <p:spPr>
+                <a:xfrm>
+                  <a:off x="3624896" y="3116694"/>
+                  <a:ext cx="365806" cy="369332"/>
+                </a:xfrm>
+                <a:prstGeom prst="rect">
+                  <a:avLst/>
+                </a:prstGeom>
+                <a:blipFill>
+                  <a:blip r:embed="rId4"/>
+                  <a:stretch>
+                    <a:fillRect/>
+                  </a:stretch>
+                </a:blipFill>
+              </p:spPr>
+              <p:txBody>
+                <a:bodyPr/>
+                <a:lstStyle/>
+                <a:p>
+                  <a:r>
+                    <a:rPr lang="en-US">
+                      <a:noFill/>
+                    </a:rPr>
+                    <a:t> </a:t>
+                  </a:r>
+                </a:p>
+              </p:txBody>
+            </p:sp>
+          </mc:Fallback>
+        </mc:AlternateContent>
+        <p:grpSp>
+          <p:nvGrpSpPr>
+            <p:cNvPr id="17" name="Group 16">
+              <a:extLst>
+                <a:ext uri="{FF2B5EF4-FFF2-40B4-BE49-F238E27FC236}">
+                  <a16:creationId xmlns:a16="http://schemas.microsoft.com/office/drawing/2014/main" id="{7B32BF94-DE56-6F41-FA25-3CBE92C6D4C7}"/>
+                </a:ext>
+              </a:extLst>
+            </p:cNvPr>
+            <p:cNvGrpSpPr/>
+            <p:nvPr/>
+          </p:nvGrpSpPr>
+          <p:grpSpPr>
+            <a:xfrm>
+              <a:off x="2723361" y="2086721"/>
+              <a:ext cx="1084438" cy="959859"/>
+              <a:chOff x="3807799" y="2076178"/>
+              <a:chExt cx="1084438" cy="959859"/>
+            </a:xfrm>
+          </p:grpSpPr>
+          <p:cxnSp>
+            <p:nvCxnSpPr>
+              <p:cNvPr id="18" name="Straight Connector 17">
+                <a:extLst>
+                  <a:ext uri="{FF2B5EF4-FFF2-40B4-BE49-F238E27FC236}">
+                    <a16:creationId xmlns:a16="http://schemas.microsoft.com/office/drawing/2014/main" id="{180CE73C-9FBA-2312-5943-3FE3ADCCCD86}"/>
+                  </a:ext>
+                </a:extLst>
+              </p:cNvPr>
+              <p:cNvCxnSpPr>
+                <a:cxnSpLocks/>
+              </p:cNvCxnSpPr>
+              <p:nvPr/>
+            </p:nvCxnSpPr>
+            <p:spPr>
+              <a:xfrm>
+                <a:off x="4884625" y="2076178"/>
+                <a:ext cx="0" cy="959859"/>
+              </a:xfrm>
+              <a:prstGeom prst="line">
+                <a:avLst/>
+              </a:prstGeom>
+              <a:ln w="25400">
+                <a:solidFill>
+                  <a:schemeClr val="accent6"/>
+                </a:solidFill>
+              </a:ln>
+            </p:spPr>
+            <p:style>
+              <a:lnRef idx="1">
+                <a:schemeClr val="accent1"/>
+              </a:lnRef>
+              <a:fillRef idx="0">
+                <a:schemeClr val="accent1"/>
+              </a:fillRef>
+              <a:effectRef idx="0">
+                <a:schemeClr val="accent1"/>
+              </a:effectRef>
+              <a:fontRef idx="minor">
+                <a:schemeClr val="tx1"/>
+              </a:fontRef>
+            </p:style>
+          </p:cxnSp>
+          <p:cxnSp>
+            <p:nvCxnSpPr>
+              <p:cNvPr id="19" name="Straight Connector 18">
+                <a:extLst>
+                  <a:ext uri="{FF2B5EF4-FFF2-40B4-BE49-F238E27FC236}">
+                    <a16:creationId xmlns:a16="http://schemas.microsoft.com/office/drawing/2014/main" id="{E73FBED4-2AD4-2564-65CA-9E33D96DA69E}"/>
+                  </a:ext>
+                </a:extLst>
+              </p:cNvPr>
+              <p:cNvCxnSpPr>
+                <a:cxnSpLocks/>
+              </p:cNvCxnSpPr>
+              <p:nvPr/>
+            </p:nvCxnSpPr>
+            <p:spPr>
+              <a:xfrm flipV="1">
+                <a:off x="3807799" y="2085191"/>
+                <a:ext cx="1084438" cy="939161"/>
+              </a:xfrm>
+              <a:prstGeom prst="line">
+                <a:avLst/>
+              </a:prstGeom>
+              <a:ln w="25400">
+                <a:solidFill>
+                  <a:schemeClr val="accent6"/>
+                </a:solidFill>
+              </a:ln>
+            </p:spPr>
+            <p:style>
+              <a:lnRef idx="1">
+                <a:schemeClr val="accent1"/>
+              </a:lnRef>
+              <a:fillRef idx="0">
+                <a:schemeClr val="accent1"/>
+              </a:fillRef>
+              <a:effectRef idx="0">
+                <a:schemeClr val="accent1"/>
+              </a:effectRef>
+              <a:fontRef idx="minor">
+                <a:schemeClr val="tx1"/>
+              </a:fontRef>
+            </p:style>
+          </p:cxnSp>
+        </p:grpSp>
+        <p:grpSp>
+          <p:nvGrpSpPr>
+            <p:cNvPr id="20" name="Group 19">
+              <a:extLst>
+                <a:ext uri="{FF2B5EF4-FFF2-40B4-BE49-F238E27FC236}">
+                  <a16:creationId xmlns:a16="http://schemas.microsoft.com/office/drawing/2014/main" id="{B3C51C6F-0345-3BEB-791E-2BEB5928CC51}"/>
+                </a:ext>
+              </a:extLst>
+            </p:cNvPr>
+            <p:cNvGrpSpPr/>
+            <p:nvPr/>
+          </p:nvGrpSpPr>
+          <p:grpSpPr>
+            <a:xfrm>
+              <a:off x="3795964" y="2082693"/>
+              <a:ext cx="2168353" cy="965267"/>
+              <a:chOff x="2723884" y="2074194"/>
+              <a:chExt cx="2168353" cy="965267"/>
+            </a:xfrm>
+          </p:grpSpPr>
+          <p:cxnSp>
+            <p:nvCxnSpPr>
+              <p:cNvPr id="21" name="Straight Connector 20">
+                <a:extLst>
+                  <a:ext uri="{FF2B5EF4-FFF2-40B4-BE49-F238E27FC236}">
+                    <a16:creationId xmlns:a16="http://schemas.microsoft.com/office/drawing/2014/main" id="{7B2D45F8-4B49-6D05-2959-7041748E64BC}"/>
+                  </a:ext>
+                </a:extLst>
+              </p:cNvPr>
+              <p:cNvCxnSpPr>
+                <a:cxnSpLocks/>
+              </p:cNvCxnSpPr>
+              <p:nvPr/>
+            </p:nvCxnSpPr>
+            <p:spPr>
+              <a:xfrm>
+                <a:off x="4884625" y="2076178"/>
+                <a:ext cx="0" cy="959859"/>
+              </a:xfrm>
+              <a:prstGeom prst="line">
+                <a:avLst/>
+              </a:prstGeom>
+              <a:ln w="25400">
+                <a:solidFill>
+                  <a:schemeClr val="accent6"/>
+                </a:solidFill>
+              </a:ln>
+            </p:spPr>
+            <p:style>
+              <a:lnRef idx="1">
+                <a:schemeClr val="accent1"/>
+              </a:lnRef>
+              <a:fillRef idx="0">
+                <a:schemeClr val="accent1"/>
+              </a:fillRef>
+              <a:effectRef idx="0">
+                <a:schemeClr val="accent1"/>
+              </a:effectRef>
+              <a:fontRef idx="minor">
+                <a:schemeClr val="tx1"/>
+              </a:fontRef>
+            </p:style>
+          </p:cxnSp>
+          <p:cxnSp>
+            <p:nvCxnSpPr>
+              <p:cNvPr id="22" name="Straight Connector 21">
+                <a:extLst>
+                  <a:ext uri="{FF2B5EF4-FFF2-40B4-BE49-F238E27FC236}">
+                    <a16:creationId xmlns:a16="http://schemas.microsoft.com/office/drawing/2014/main" id="{F6357DF4-985C-F9F1-BA4C-759B4602012C}"/>
+                  </a:ext>
+                </a:extLst>
+              </p:cNvPr>
+              <p:cNvCxnSpPr>
+                <a:cxnSpLocks/>
+              </p:cNvCxnSpPr>
+              <p:nvPr/>
+            </p:nvCxnSpPr>
+            <p:spPr>
+              <a:xfrm flipV="1">
+                <a:off x="3807799" y="2085191"/>
+                <a:ext cx="1084438" cy="939161"/>
+              </a:xfrm>
+              <a:prstGeom prst="line">
+                <a:avLst/>
+              </a:prstGeom>
+              <a:ln w="25400">
+                <a:solidFill>
+                  <a:schemeClr val="accent6"/>
+                </a:solidFill>
+              </a:ln>
+            </p:spPr>
+            <p:style>
+              <a:lnRef idx="1">
+                <a:schemeClr val="accent1"/>
+              </a:lnRef>
+              <a:fillRef idx="0">
+                <a:schemeClr val="accent1"/>
+              </a:fillRef>
+              <a:effectRef idx="0">
+                <a:schemeClr val="accent1"/>
+              </a:effectRef>
+              <a:fontRef idx="minor">
+                <a:schemeClr val="tx1"/>
+              </a:fontRef>
+            </p:style>
+          </p:cxnSp>
+          <p:cxnSp>
+            <p:nvCxnSpPr>
+              <p:cNvPr id="46" name="Straight Connector 45">
+                <a:extLst>
+                  <a:ext uri="{FF2B5EF4-FFF2-40B4-BE49-F238E27FC236}">
+                    <a16:creationId xmlns:a16="http://schemas.microsoft.com/office/drawing/2014/main" id="{BB774926-D035-4C80-D487-728A97A766C3}"/>
+                  </a:ext>
+                </a:extLst>
+              </p:cNvPr>
+              <p:cNvCxnSpPr>
+                <a:cxnSpLocks/>
+              </p:cNvCxnSpPr>
+              <p:nvPr/>
+            </p:nvCxnSpPr>
+            <p:spPr>
+              <a:xfrm flipV="1">
+                <a:off x="2723884" y="2100300"/>
+                <a:ext cx="1084438" cy="939161"/>
+              </a:xfrm>
+              <a:prstGeom prst="line">
+                <a:avLst/>
+              </a:prstGeom>
+              <a:ln w="25400">
+                <a:solidFill>
+                  <a:schemeClr val="accent6"/>
+                </a:solidFill>
+              </a:ln>
+            </p:spPr>
+            <p:style>
+              <a:lnRef idx="1">
+                <a:schemeClr val="accent1"/>
+              </a:lnRef>
+              <a:fillRef idx="0">
+                <a:schemeClr val="accent1"/>
+              </a:fillRef>
+              <a:effectRef idx="0">
+                <a:schemeClr val="accent1"/>
+              </a:effectRef>
+              <a:fontRef idx="minor">
+                <a:schemeClr val="tx1"/>
+              </a:fontRef>
+            </p:style>
+          </p:cxnSp>
+          <p:cxnSp>
+            <p:nvCxnSpPr>
+              <p:cNvPr id="47" name="Straight Connector 46">
+                <a:extLst>
+                  <a:ext uri="{FF2B5EF4-FFF2-40B4-BE49-F238E27FC236}">
+                    <a16:creationId xmlns:a16="http://schemas.microsoft.com/office/drawing/2014/main" id="{8F368B70-1B99-F98E-27BC-49C632B0C70C}"/>
+                  </a:ext>
+                </a:extLst>
+              </p:cNvPr>
+              <p:cNvCxnSpPr>
+                <a:cxnSpLocks/>
+              </p:cNvCxnSpPr>
+              <p:nvPr/>
+            </p:nvCxnSpPr>
+            <p:spPr>
+              <a:xfrm>
+                <a:off x="3814781" y="2074194"/>
+                <a:ext cx="0" cy="959859"/>
+              </a:xfrm>
+              <a:prstGeom prst="line">
+                <a:avLst/>
+              </a:prstGeom>
+              <a:ln w="25400">
+                <a:solidFill>
+                  <a:schemeClr val="accent6"/>
+                </a:solidFill>
+              </a:ln>
+            </p:spPr>
+            <p:style>
+              <a:lnRef idx="1">
+                <a:schemeClr val="accent1"/>
+              </a:lnRef>
+              <a:fillRef idx="0">
+                <a:schemeClr val="accent1"/>
+              </a:fillRef>
+              <a:effectRef idx="0">
+                <a:schemeClr val="accent1"/>
+              </a:effectRef>
+              <a:fontRef idx="minor">
+                <a:schemeClr val="tx1"/>
+              </a:fontRef>
+            </p:style>
+          </p:cxnSp>
+        </p:grpSp>
+        <p:grpSp>
+          <p:nvGrpSpPr>
+            <p:cNvPr id="23" name="Group 22">
+              <a:extLst>
+                <a:ext uri="{FF2B5EF4-FFF2-40B4-BE49-F238E27FC236}">
+                  <a16:creationId xmlns:a16="http://schemas.microsoft.com/office/drawing/2014/main" id="{5175F93D-85CF-CF2B-8B91-CAB5E36BBA41}"/>
+                </a:ext>
+              </a:extLst>
+            </p:cNvPr>
+            <p:cNvGrpSpPr/>
+            <p:nvPr/>
+          </p:nvGrpSpPr>
+          <p:grpSpPr>
+            <a:xfrm>
+              <a:off x="1652308" y="2082669"/>
+              <a:ext cx="1084438" cy="959859"/>
+              <a:chOff x="3807799" y="2076178"/>
+              <a:chExt cx="1084438" cy="959859"/>
+            </a:xfrm>
+          </p:grpSpPr>
+          <p:cxnSp>
+            <p:nvCxnSpPr>
+              <p:cNvPr id="24" name="Straight Connector 23">
+                <a:extLst>
+                  <a:ext uri="{FF2B5EF4-FFF2-40B4-BE49-F238E27FC236}">
+                    <a16:creationId xmlns:a16="http://schemas.microsoft.com/office/drawing/2014/main" id="{03C48F4C-DC5A-FAFF-E74C-3F12CFF3AEA2}"/>
+                  </a:ext>
+                </a:extLst>
+              </p:cNvPr>
+              <p:cNvCxnSpPr>
+                <a:cxnSpLocks/>
+              </p:cNvCxnSpPr>
+              <p:nvPr/>
+            </p:nvCxnSpPr>
+            <p:spPr>
+              <a:xfrm>
+                <a:off x="4884625" y="2076178"/>
+                <a:ext cx="0" cy="959859"/>
+              </a:xfrm>
+              <a:prstGeom prst="line">
+                <a:avLst/>
+              </a:prstGeom>
+              <a:ln w="25400">
+                <a:solidFill>
+                  <a:schemeClr val="accent6"/>
+                </a:solidFill>
+              </a:ln>
+            </p:spPr>
+            <p:style>
+              <a:lnRef idx="1">
+                <a:schemeClr val="accent1"/>
+              </a:lnRef>
+              <a:fillRef idx="0">
+                <a:schemeClr val="accent1"/>
+              </a:fillRef>
+              <a:effectRef idx="0">
+                <a:schemeClr val="accent1"/>
+              </a:effectRef>
+              <a:fontRef idx="minor">
+                <a:schemeClr val="tx1"/>
+              </a:fontRef>
+            </p:style>
+          </p:cxnSp>
+          <p:cxnSp>
+            <p:nvCxnSpPr>
+              <p:cNvPr id="25" name="Straight Connector 24">
+                <a:extLst>
+                  <a:ext uri="{FF2B5EF4-FFF2-40B4-BE49-F238E27FC236}">
+                    <a16:creationId xmlns:a16="http://schemas.microsoft.com/office/drawing/2014/main" id="{CF16A2C1-DDFF-559A-F563-4D22CB16B6FD}"/>
+                  </a:ext>
+                </a:extLst>
+              </p:cNvPr>
+              <p:cNvCxnSpPr>
+                <a:cxnSpLocks/>
+              </p:cNvCxnSpPr>
+              <p:nvPr/>
+            </p:nvCxnSpPr>
+            <p:spPr>
+              <a:xfrm flipV="1">
+                <a:off x="3807799" y="2085191"/>
+                <a:ext cx="1084438" cy="939161"/>
+              </a:xfrm>
+              <a:prstGeom prst="line">
+                <a:avLst/>
+              </a:prstGeom>
+              <a:ln w="25400">
+                <a:solidFill>
+                  <a:schemeClr val="accent6"/>
+                </a:solidFill>
+              </a:ln>
+            </p:spPr>
+            <p:style>
+              <a:lnRef idx="1">
+                <a:schemeClr val="accent1"/>
+              </a:lnRef>
+              <a:fillRef idx="0">
+                <a:schemeClr val="accent1"/>
+              </a:fillRef>
+              <a:effectRef idx="0">
+                <a:schemeClr val="accent1"/>
+              </a:effectRef>
+              <a:fontRef idx="minor">
+                <a:schemeClr val="tx1"/>
+              </a:fontRef>
+            </p:style>
+          </p:cxnSp>
+        </p:grpSp>
+        <p:grpSp>
+          <p:nvGrpSpPr>
+            <p:cNvPr id="26" name="Group 25">
+              <a:extLst>
+                <a:ext uri="{FF2B5EF4-FFF2-40B4-BE49-F238E27FC236}">
+                  <a16:creationId xmlns:a16="http://schemas.microsoft.com/office/drawing/2014/main" id="{B2E34C55-BA97-8E6B-ECC4-069C5EEA0B11}"/>
+                </a:ext>
+              </a:extLst>
+            </p:cNvPr>
+            <p:cNvGrpSpPr/>
+            <p:nvPr/>
+          </p:nvGrpSpPr>
+          <p:grpSpPr>
+            <a:xfrm>
+              <a:off x="547765" y="2076803"/>
+              <a:ext cx="1084438" cy="959859"/>
+              <a:chOff x="3807799" y="2076178"/>
+              <a:chExt cx="1084438" cy="959859"/>
+            </a:xfrm>
+          </p:grpSpPr>
+          <p:cxnSp>
+            <p:nvCxnSpPr>
+              <p:cNvPr id="27" name="Straight Connector 26">
+                <a:extLst>
+                  <a:ext uri="{FF2B5EF4-FFF2-40B4-BE49-F238E27FC236}">
+                    <a16:creationId xmlns:a16="http://schemas.microsoft.com/office/drawing/2014/main" id="{CE907E15-FC3B-84A2-B67F-E33BFB334698}"/>
+                  </a:ext>
+                </a:extLst>
+              </p:cNvPr>
+              <p:cNvCxnSpPr>
+                <a:cxnSpLocks/>
+              </p:cNvCxnSpPr>
+              <p:nvPr/>
+            </p:nvCxnSpPr>
+            <p:spPr>
+              <a:xfrm>
+                <a:off x="4884625" y="2076178"/>
+                <a:ext cx="0" cy="959859"/>
+              </a:xfrm>
+              <a:prstGeom prst="line">
+                <a:avLst/>
+              </a:prstGeom>
+              <a:ln w="25400">
+                <a:solidFill>
+                  <a:schemeClr val="accent6"/>
+                </a:solidFill>
+              </a:ln>
+            </p:spPr>
+            <p:style>
+              <a:lnRef idx="1">
+                <a:schemeClr val="accent1"/>
+              </a:lnRef>
+              <a:fillRef idx="0">
+                <a:schemeClr val="accent1"/>
+              </a:fillRef>
+              <a:effectRef idx="0">
+                <a:schemeClr val="accent1"/>
+              </a:effectRef>
+              <a:fontRef idx="minor">
+                <a:schemeClr val="tx1"/>
+              </a:fontRef>
+            </p:style>
+          </p:cxnSp>
+          <p:cxnSp>
+            <p:nvCxnSpPr>
+              <p:cNvPr id="28" name="Straight Connector 27">
+                <a:extLst>
+                  <a:ext uri="{FF2B5EF4-FFF2-40B4-BE49-F238E27FC236}">
+                    <a16:creationId xmlns:a16="http://schemas.microsoft.com/office/drawing/2014/main" id="{97766B61-4318-567D-50E8-3B46FC5E0C66}"/>
+                  </a:ext>
+                </a:extLst>
+              </p:cNvPr>
+              <p:cNvCxnSpPr>
+                <a:cxnSpLocks/>
+              </p:cNvCxnSpPr>
+              <p:nvPr/>
+            </p:nvCxnSpPr>
+            <p:spPr>
+              <a:xfrm flipV="1">
+                <a:off x="3807799" y="2085191"/>
+                <a:ext cx="1084438" cy="939161"/>
+              </a:xfrm>
+              <a:prstGeom prst="line">
+                <a:avLst/>
+              </a:prstGeom>
+              <a:ln w="25400">
+                <a:solidFill>
+                  <a:schemeClr val="accent6"/>
+                </a:solidFill>
+              </a:ln>
+            </p:spPr>
+            <p:style>
+              <a:lnRef idx="1">
+                <a:schemeClr val="accent1"/>
+              </a:lnRef>
+              <a:fillRef idx="0">
+                <a:schemeClr val="accent1"/>
+              </a:fillRef>
+              <a:effectRef idx="0">
+                <a:schemeClr val="accent1"/>
+              </a:effectRef>
+              <a:fontRef idx="minor">
+                <a:schemeClr val="tx1"/>
+              </a:fontRef>
+            </p:style>
+          </p:cxnSp>
+        </p:grpSp>
+        <p:cxnSp>
+          <p:nvCxnSpPr>
+            <p:cNvPr id="31" name="Straight Connector 30">
+              <a:extLst>
+                <a:ext uri="{FF2B5EF4-FFF2-40B4-BE49-F238E27FC236}">
+                  <a16:creationId xmlns:a16="http://schemas.microsoft.com/office/drawing/2014/main" id="{CB6CA1C3-BFB4-A59B-D27B-A4B805634FA2}"/>
+                </a:ext>
+              </a:extLst>
+            </p:cNvPr>
+            <p:cNvCxnSpPr>
+              <a:cxnSpLocks/>
+            </p:cNvCxnSpPr>
+            <p:nvPr/>
+          </p:nvCxnSpPr>
+          <p:spPr>
+            <a:xfrm flipV="1">
+              <a:off x="7080218" y="2739437"/>
+              <a:ext cx="315495" cy="273230"/>
+            </a:xfrm>
+            <a:prstGeom prst="line">
+              <a:avLst/>
+            </a:prstGeom>
+            <a:ln w="25400">
+              <a:solidFill>
+                <a:schemeClr val="accent6"/>
+              </a:solidFill>
+            </a:ln>
+          </p:spPr>
+          <p:style>
+            <a:lnRef idx="1">
+              <a:schemeClr val="accent1"/>
+            </a:lnRef>
+            <a:fillRef idx="0">
+              <a:schemeClr val="accent1"/>
+            </a:fillRef>
+            <a:effectRef idx="0">
+              <a:schemeClr val="accent1"/>
+            </a:effectRef>
+            <a:fontRef idx="minor">
+              <a:schemeClr val="tx1"/>
+            </a:fontRef>
+          </p:style>
+        </p:cxnSp>
+        <p:grpSp>
+          <p:nvGrpSpPr>
+            <p:cNvPr id="32" name="Group 31">
+              <a:extLst>
+                <a:ext uri="{FF2B5EF4-FFF2-40B4-BE49-F238E27FC236}">
+                  <a16:creationId xmlns:a16="http://schemas.microsoft.com/office/drawing/2014/main" id="{D2525761-A31F-8986-B175-3353ECF8A722}"/>
+                </a:ext>
+              </a:extLst>
+            </p:cNvPr>
+            <p:cNvGrpSpPr/>
+            <p:nvPr/>
+          </p:nvGrpSpPr>
+          <p:grpSpPr>
+            <a:xfrm>
+              <a:off x="5972642" y="2064493"/>
+              <a:ext cx="1084438" cy="959859"/>
+              <a:chOff x="3807799" y="2076178"/>
+              <a:chExt cx="1084438" cy="959859"/>
+            </a:xfrm>
+          </p:grpSpPr>
+          <p:cxnSp>
+            <p:nvCxnSpPr>
+              <p:cNvPr id="33" name="Straight Connector 32">
+                <a:extLst>
+                  <a:ext uri="{FF2B5EF4-FFF2-40B4-BE49-F238E27FC236}">
+                    <a16:creationId xmlns:a16="http://schemas.microsoft.com/office/drawing/2014/main" id="{C5512ACC-0A8A-7699-8A89-2B791C8E2440}"/>
+                  </a:ext>
+                </a:extLst>
+              </p:cNvPr>
+              <p:cNvCxnSpPr>
+                <a:cxnSpLocks/>
+              </p:cNvCxnSpPr>
+              <p:nvPr/>
+            </p:nvCxnSpPr>
+            <p:spPr>
+              <a:xfrm>
+                <a:off x="4884625" y="2076178"/>
+                <a:ext cx="0" cy="959859"/>
+              </a:xfrm>
+              <a:prstGeom prst="line">
+                <a:avLst/>
+              </a:prstGeom>
+              <a:ln w="25400">
+                <a:solidFill>
+                  <a:schemeClr val="accent6"/>
+                </a:solidFill>
+              </a:ln>
+            </p:spPr>
+            <p:style>
+              <a:lnRef idx="1">
+                <a:schemeClr val="accent1"/>
+              </a:lnRef>
+              <a:fillRef idx="0">
+                <a:schemeClr val="accent1"/>
+              </a:fillRef>
+              <a:effectRef idx="0">
+                <a:schemeClr val="accent1"/>
+              </a:effectRef>
+              <a:fontRef idx="minor">
+                <a:schemeClr val="tx1"/>
+              </a:fontRef>
+            </p:style>
+          </p:cxnSp>
+          <p:cxnSp>
+            <p:nvCxnSpPr>
+              <p:cNvPr id="34" name="Straight Connector 33">
+                <a:extLst>
+                  <a:ext uri="{FF2B5EF4-FFF2-40B4-BE49-F238E27FC236}">
+                    <a16:creationId xmlns:a16="http://schemas.microsoft.com/office/drawing/2014/main" id="{6C444A4D-6434-0D01-702C-B1C700E84178}"/>
+                  </a:ext>
+                </a:extLst>
+              </p:cNvPr>
+              <p:cNvCxnSpPr>
+                <a:cxnSpLocks/>
+              </p:cNvCxnSpPr>
+              <p:nvPr/>
+            </p:nvCxnSpPr>
+            <p:spPr>
+              <a:xfrm flipV="1">
+                <a:off x="3807799" y="2085191"/>
+                <a:ext cx="1084438" cy="939161"/>
+              </a:xfrm>
+              <a:prstGeom prst="line">
+                <a:avLst/>
+              </a:prstGeom>
+              <a:ln w="25400">
+                <a:solidFill>
+                  <a:schemeClr val="accent6"/>
+                </a:solidFill>
+              </a:ln>
+            </p:spPr>
+            <p:style>
+              <a:lnRef idx="1">
+                <a:schemeClr val="accent1"/>
+              </a:lnRef>
+              <a:fillRef idx="0">
+                <a:schemeClr val="accent1"/>
+              </a:fillRef>
+              <a:effectRef idx="0">
+                <a:schemeClr val="accent1"/>
+              </a:effectRef>
+              <a:fontRef idx="minor">
+                <a:schemeClr val="tx1"/>
+              </a:fontRef>
+            </p:style>
+          </p:cxnSp>
+        </p:grpSp>
+        <mc:AlternateContent xmlns:mc="http://schemas.openxmlformats.org/markup-compatibility/2006" xmlns:a14="http://schemas.microsoft.com/office/drawing/2010/main">
+          <mc:Choice Requires="a14">
+            <p:sp>
+              <p:nvSpPr>
+                <p:cNvPr id="40" name="TextBox 39">
+                  <a:extLst>
+                    <a:ext uri="{FF2B5EF4-FFF2-40B4-BE49-F238E27FC236}">
+                      <a16:creationId xmlns:a16="http://schemas.microsoft.com/office/drawing/2014/main" id="{CFCC01C2-6B35-15A0-D229-B6FE72262847}"/>
+                    </a:ext>
+                  </a:extLst>
+                </p:cNvPr>
+                <p:cNvSpPr txBox="1"/>
+                <p:nvPr/>
+              </p:nvSpPr>
+              <p:spPr>
+                <a:xfrm>
+                  <a:off x="1199916" y="3116694"/>
+                  <a:ext cx="681853" cy="369332"/>
+                </a:xfrm>
+                <a:prstGeom prst="rect">
+                  <a:avLst/>
+                </a:prstGeom>
+                <a:noFill/>
+              </p:spPr>
+              <p:txBody>
+                <a:bodyPr wrap="none" rtlCol="0">
+                  <a:spAutoFit/>
+                </a:bodyPr>
+                <a:lstStyle/>
+                <a:p>
+                  <a:pPr/>
+                  <a14:m>
+                    <m:oMathPara xmlns:m="http://schemas.openxmlformats.org/officeDocument/2006/math">
+                      <m:oMathParaPr>
+                        <m:jc m:val="centerGroup"/>
+                      </m:oMathParaPr>
+                      <m:oMath xmlns:m="http://schemas.openxmlformats.org/officeDocument/2006/math">
+                        <m:r>
+                          <a:rPr lang="en-GB" b="0" i="1" dirty="0" smtClean="0">
+                            <a:latin typeface="Cambria Math" panose="02040503050406030204" pitchFamily="18" charset="0"/>
+                          </a:rPr>
+                          <m:t>−2</m:t>
+                        </m:r>
+                        <m:r>
+                          <a:rPr lang="en-US" i="1" dirty="0" smtClean="0">
+                            <a:latin typeface="Cambria Math" panose="02040503050406030204" pitchFamily="18" charset="0"/>
+                          </a:rPr>
+                          <m:t>𝑇</m:t>
+                        </m:r>
+                      </m:oMath>
+                    </m:oMathPara>
+                  </a14:m>
+                  <a:endParaRPr lang="en-US" dirty="0"/>
+                </a:p>
+              </p:txBody>
+            </p:sp>
+          </mc:Choice>
+          <mc:Fallback xmlns="">
+            <p:sp>
+              <p:nvSpPr>
+                <p:cNvPr id="40" name="TextBox 39">
+                  <a:extLst>
+                    <a:ext uri="{FF2B5EF4-FFF2-40B4-BE49-F238E27FC236}">
+                      <a16:creationId xmlns:a16="http://schemas.microsoft.com/office/drawing/2014/main" id="{CFCC01C2-6B35-15A0-D229-B6FE72262847}"/>
+                    </a:ext>
+                  </a:extLst>
+                </p:cNvPr>
+                <p:cNvSpPr txBox="1">
+                  <a:spLocks noRot="1" noChangeAspect="1" noMove="1" noResize="1" noEditPoints="1" noAdjustHandles="1" noChangeArrowheads="1" noChangeShapeType="1" noTextEdit="1"/>
+                </p:cNvSpPr>
+                <p:nvPr/>
+              </p:nvSpPr>
+              <p:spPr>
+                <a:xfrm>
+                  <a:off x="1199916" y="3116694"/>
+                  <a:ext cx="681853" cy="369332"/>
+                </a:xfrm>
+                <a:prstGeom prst="rect">
+                  <a:avLst/>
+                </a:prstGeom>
+                <a:blipFill>
+                  <a:blip r:embed="rId5"/>
+                  <a:stretch>
+                    <a:fillRect/>
+                  </a:stretch>
+                </a:blipFill>
+              </p:spPr>
+              <p:txBody>
+                <a:bodyPr/>
+                <a:lstStyle/>
+                <a:p>
+                  <a:r>
+                    <a:rPr lang="en-US">
+                      <a:noFill/>
+                    </a:rPr>
+                    <a:t> </a:t>
+                  </a:r>
+                </a:p>
+              </p:txBody>
+            </p:sp>
+          </mc:Fallback>
+        </mc:AlternateContent>
+        <mc:AlternateContent xmlns:mc="http://schemas.openxmlformats.org/markup-compatibility/2006" xmlns:a14="http://schemas.microsoft.com/office/drawing/2010/main">
+          <mc:Choice Requires="a14">
+            <p:sp>
+              <p:nvSpPr>
+                <p:cNvPr id="41" name="TextBox 40">
+                  <a:extLst>
+                    <a:ext uri="{FF2B5EF4-FFF2-40B4-BE49-F238E27FC236}">
+                      <a16:creationId xmlns:a16="http://schemas.microsoft.com/office/drawing/2014/main" id="{3184C7AF-53DF-EAD3-14D9-B2E262B72ECE}"/>
+                    </a:ext>
+                  </a:extLst>
+                </p:cNvPr>
+                <p:cNvSpPr txBox="1"/>
+                <p:nvPr/>
+              </p:nvSpPr>
+              <p:spPr>
+                <a:xfrm>
+                  <a:off x="5709952" y="3116694"/>
+                  <a:ext cx="508729" cy="369332"/>
+                </a:xfrm>
+                <a:prstGeom prst="rect">
+                  <a:avLst/>
+                </a:prstGeom>
+                <a:noFill/>
+              </p:spPr>
+              <p:txBody>
+                <a:bodyPr wrap="none" rtlCol="0">
+                  <a:spAutoFit/>
+                </a:bodyPr>
+                <a:lstStyle/>
+                <a:p>
+                  <a:pPr/>
+                  <a14:m>
+                    <m:oMathPara xmlns:m="http://schemas.openxmlformats.org/officeDocument/2006/math">
+                      <m:oMathParaPr>
+                        <m:jc m:val="centerGroup"/>
+                      </m:oMathParaPr>
+                      <m:oMath xmlns:m="http://schemas.openxmlformats.org/officeDocument/2006/math">
+                        <m:r>
+                          <a:rPr lang="en-GB" b="0" i="1" dirty="0" smtClean="0">
+                            <a:latin typeface="Cambria Math" panose="02040503050406030204" pitchFamily="18" charset="0"/>
+                          </a:rPr>
+                          <m:t>2</m:t>
+                        </m:r>
+                        <m:r>
+                          <a:rPr lang="en-US" i="1" dirty="0" smtClean="0">
+                            <a:latin typeface="Cambria Math" panose="02040503050406030204" pitchFamily="18" charset="0"/>
+                          </a:rPr>
+                          <m:t>𝑇</m:t>
+                        </m:r>
+                      </m:oMath>
+                    </m:oMathPara>
+                  </a14:m>
+                  <a:endParaRPr lang="en-US" dirty="0"/>
+                </a:p>
+              </p:txBody>
+            </p:sp>
+          </mc:Choice>
+          <mc:Fallback xmlns="">
+            <p:sp>
+              <p:nvSpPr>
+                <p:cNvPr id="41" name="TextBox 40">
+                  <a:extLst>
+                    <a:ext uri="{FF2B5EF4-FFF2-40B4-BE49-F238E27FC236}">
+                      <a16:creationId xmlns:a16="http://schemas.microsoft.com/office/drawing/2014/main" id="{3184C7AF-53DF-EAD3-14D9-B2E262B72ECE}"/>
+                    </a:ext>
+                  </a:extLst>
+                </p:cNvPr>
+                <p:cNvSpPr txBox="1">
+                  <a:spLocks noRot="1" noChangeAspect="1" noMove="1" noResize="1" noEditPoints="1" noAdjustHandles="1" noChangeArrowheads="1" noChangeShapeType="1" noTextEdit="1"/>
+                </p:cNvSpPr>
+                <p:nvPr/>
+              </p:nvSpPr>
+              <p:spPr>
+                <a:xfrm>
+                  <a:off x="5709952" y="3116694"/>
+                  <a:ext cx="508729" cy="369332"/>
+                </a:xfrm>
+                <a:prstGeom prst="rect">
+                  <a:avLst/>
+                </a:prstGeom>
+                <a:blipFill>
+                  <a:blip r:embed="rId6"/>
+                  <a:stretch>
+                    <a:fillRect/>
+                  </a:stretch>
+                </a:blipFill>
+              </p:spPr>
+              <p:txBody>
+                <a:bodyPr/>
+                <a:lstStyle/>
+                <a:p>
+                  <a:r>
+                    <a:rPr lang="en-US">
+                      <a:noFill/>
+                    </a:rPr>
+                    <a:t> </a:t>
+                  </a:r>
+                </a:p>
+              </p:txBody>
+            </p:sp>
+          </mc:Fallback>
+        </mc:AlternateContent>
+        <mc:AlternateContent xmlns:mc="http://schemas.openxmlformats.org/markup-compatibility/2006" xmlns:a14="http://schemas.microsoft.com/office/drawing/2010/main">
+          <mc:Choice Requires="a14">
+            <p:sp>
+              <p:nvSpPr>
+                <p:cNvPr id="42" name="TextBox 41">
+                  <a:extLst>
+                    <a:ext uri="{FF2B5EF4-FFF2-40B4-BE49-F238E27FC236}">
+                      <a16:creationId xmlns:a16="http://schemas.microsoft.com/office/drawing/2014/main" id="{292D515A-A05D-8471-8E23-2CE6214DA76B}"/>
+                    </a:ext>
+                  </a:extLst>
+                </p:cNvPr>
+                <p:cNvSpPr txBox="1"/>
+                <p:nvPr/>
+              </p:nvSpPr>
+              <p:spPr>
+                <a:xfrm>
+                  <a:off x="6795103" y="3116694"/>
+                  <a:ext cx="508729" cy="369332"/>
+                </a:xfrm>
+                <a:prstGeom prst="rect">
+                  <a:avLst/>
+                </a:prstGeom>
+                <a:noFill/>
+              </p:spPr>
+              <p:txBody>
+                <a:bodyPr wrap="none" rtlCol="0">
+                  <a:spAutoFit/>
+                </a:bodyPr>
+                <a:lstStyle/>
+                <a:p>
+                  <a:pPr/>
+                  <a14:m>
+                    <m:oMathPara xmlns:m="http://schemas.openxmlformats.org/officeDocument/2006/math">
+                      <m:oMathParaPr>
+                        <m:jc m:val="centerGroup"/>
+                      </m:oMathParaPr>
+                      <m:oMath xmlns:m="http://schemas.openxmlformats.org/officeDocument/2006/math">
+                        <m:r>
+                          <a:rPr lang="en-GB" b="0" i="1" dirty="0" smtClean="0">
+                            <a:latin typeface="Cambria Math" panose="02040503050406030204" pitchFamily="18" charset="0"/>
+                          </a:rPr>
+                          <m:t>3</m:t>
+                        </m:r>
+                        <m:r>
+                          <a:rPr lang="en-US" i="1" dirty="0" smtClean="0">
+                            <a:latin typeface="Cambria Math" panose="02040503050406030204" pitchFamily="18" charset="0"/>
+                          </a:rPr>
+                          <m:t>𝑇</m:t>
+                        </m:r>
+                      </m:oMath>
+                    </m:oMathPara>
+                  </a14:m>
+                  <a:endParaRPr lang="en-US" dirty="0"/>
+                </a:p>
+              </p:txBody>
+            </p:sp>
+          </mc:Choice>
+          <mc:Fallback xmlns="">
+            <p:sp>
+              <p:nvSpPr>
+                <p:cNvPr id="42" name="TextBox 41">
+                  <a:extLst>
+                    <a:ext uri="{FF2B5EF4-FFF2-40B4-BE49-F238E27FC236}">
+                      <a16:creationId xmlns:a16="http://schemas.microsoft.com/office/drawing/2014/main" id="{292D515A-A05D-8471-8E23-2CE6214DA76B}"/>
+                    </a:ext>
+                  </a:extLst>
+                </p:cNvPr>
+                <p:cNvSpPr txBox="1">
+                  <a:spLocks noRot="1" noChangeAspect="1" noMove="1" noResize="1" noEditPoints="1" noAdjustHandles="1" noChangeArrowheads="1" noChangeShapeType="1" noTextEdit="1"/>
+                </p:cNvSpPr>
+                <p:nvPr/>
+              </p:nvSpPr>
+              <p:spPr>
+                <a:xfrm>
+                  <a:off x="6795103" y="3116694"/>
+                  <a:ext cx="508729" cy="369332"/>
+                </a:xfrm>
+                <a:prstGeom prst="rect">
+                  <a:avLst/>
+                </a:prstGeom>
+                <a:blipFill>
+                  <a:blip r:embed="rId7"/>
+                  <a:stretch>
+                    <a:fillRect/>
+                  </a:stretch>
+                </a:blipFill>
+              </p:spPr>
+              <p:txBody>
+                <a:bodyPr/>
+                <a:lstStyle/>
+                <a:p>
+                  <a:r>
+                    <a:rPr lang="en-US">
+                      <a:noFill/>
+                    </a:rPr>
+                    <a:t> </a:t>
+                  </a:r>
+                </a:p>
+              </p:txBody>
+            </p:sp>
+          </mc:Fallback>
+        </mc:AlternateContent>
+        <mc:AlternateContent xmlns:mc="http://schemas.openxmlformats.org/markup-compatibility/2006" xmlns:a14="http://schemas.microsoft.com/office/drawing/2010/main">
+          <mc:Choice Requires="a14">
+            <p:sp>
+              <p:nvSpPr>
+                <p:cNvPr id="43" name="TextBox 42">
+                  <a:extLst>
+                    <a:ext uri="{FF2B5EF4-FFF2-40B4-BE49-F238E27FC236}">
+                      <a16:creationId xmlns:a16="http://schemas.microsoft.com/office/drawing/2014/main" id="{5D84DFF8-90ED-C760-C76D-4B5D5E469B13}"/>
+                    </a:ext>
+                  </a:extLst>
+                </p:cNvPr>
+                <p:cNvSpPr txBox="1"/>
+                <p:nvPr/>
+              </p:nvSpPr>
+              <p:spPr>
+                <a:xfrm>
+                  <a:off x="2365368" y="3116694"/>
+                  <a:ext cx="553613" cy="369332"/>
+                </a:xfrm>
+                <a:prstGeom prst="rect">
+                  <a:avLst/>
+                </a:prstGeom>
+                <a:noFill/>
+              </p:spPr>
+              <p:txBody>
+                <a:bodyPr wrap="none" rtlCol="0">
+                  <a:spAutoFit/>
+                </a:bodyPr>
+                <a:lstStyle/>
+                <a:p>
+                  <a:pPr/>
+                  <a14:m>
+                    <m:oMathPara xmlns:m="http://schemas.openxmlformats.org/officeDocument/2006/math">
+                      <m:oMathParaPr>
+                        <m:jc m:val="centerGroup"/>
+                      </m:oMathParaPr>
+                      <m:oMath xmlns:m="http://schemas.openxmlformats.org/officeDocument/2006/math">
+                        <m:r>
+                          <a:rPr lang="en-GB" b="0" i="1" dirty="0" smtClean="0">
+                            <a:latin typeface="Cambria Math" panose="02040503050406030204" pitchFamily="18" charset="0"/>
+                          </a:rPr>
+                          <m:t>−</m:t>
+                        </m:r>
+                        <m:r>
+                          <a:rPr lang="en-US" i="1" dirty="0" smtClean="0">
+                            <a:latin typeface="Cambria Math" panose="02040503050406030204" pitchFamily="18" charset="0"/>
+                          </a:rPr>
+                          <m:t>𝑇</m:t>
+                        </m:r>
+                      </m:oMath>
+                    </m:oMathPara>
+                  </a14:m>
+                  <a:endParaRPr lang="en-US" dirty="0"/>
+                </a:p>
+              </p:txBody>
+            </p:sp>
+          </mc:Choice>
+          <mc:Fallback xmlns="">
+            <p:sp>
+              <p:nvSpPr>
+                <p:cNvPr id="43" name="TextBox 42">
+                  <a:extLst>
+                    <a:ext uri="{FF2B5EF4-FFF2-40B4-BE49-F238E27FC236}">
+                      <a16:creationId xmlns:a16="http://schemas.microsoft.com/office/drawing/2014/main" id="{5D84DFF8-90ED-C760-C76D-4B5D5E469B13}"/>
+                    </a:ext>
+                  </a:extLst>
+                </p:cNvPr>
+                <p:cNvSpPr txBox="1">
+                  <a:spLocks noRot="1" noChangeAspect="1" noMove="1" noResize="1" noEditPoints="1" noAdjustHandles="1" noChangeArrowheads="1" noChangeShapeType="1" noTextEdit="1"/>
+                </p:cNvSpPr>
+                <p:nvPr/>
+              </p:nvSpPr>
+              <p:spPr>
+                <a:xfrm>
+                  <a:off x="2365368" y="3116694"/>
+                  <a:ext cx="553613" cy="369332"/>
+                </a:xfrm>
+                <a:prstGeom prst="rect">
+                  <a:avLst/>
+                </a:prstGeom>
+                <a:blipFill>
+                  <a:blip r:embed="rId8"/>
+                  <a:stretch>
+                    <a:fillRect/>
+                  </a:stretch>
+                </a:blipFill>
+              </p:spPr>
+              <p:txBody>
+                <a:bodyPr/>
+                <a:lstStyle/>
+                <a:p>
+                  <a:r>
+                    <a:rPr lang="en-US">
+                      <a:noFill/>
+                    </a:rPr>
+                    <a:t> </a:t>
+                  </a:r>
+                </a:p>
+              </p:txBody>
+            </p:sp>
+          </mc:Fallback>
+        </mc:AlternateContent>
+        <mc:AlternateContent xmlns:mc="http://schemas.openxmlformats.org/markup-compatibility/2006" xmlns:a14="http://schemas.microsoft.com/office/drawing/2010/main">
+          <mc:Choice Requires="a14">
+            <p:sp>
+              <p:nvSpPr>
+                <p:cNvPr id="45" name="TextBox 44">
+                  <a:extLst>
+                    <a:ext uri="{FF2B5EF4-FFF2-40B4-BE49-F238E27FC236}">
+                      <a16:creationId xmlns:a16="http://schemas.microsoft.com/office/drawing/2014/main" id="{C9B0DD8D-97B4-4D65-51DC-8CFB182AD230}"/>
+                    </a:ext>
+                  </a:extLst>
+                </p:cNvPr>
+                <p:cNvSpPr txBox="1"/>
+                <p:nvPr/>
+              </p:nvSpPr>
+              <p:spPr>
+                <a:xfrm>
+                  <a:off x="4696617" y="3116694"/>
+                  <a:ext cx="380489" cy="369332"/>
+                </a:xfrm>
+                <a:prstGeom prst="rect">
+                  <a:avLst/>
+                </a:prstGeom>
+                <a:noFill/>
+              </p:spPr>
+              <p:txBody>
+                <a:bodyPr wrap="none" rtlCol="0">
+                  <a:spAutoFit/>
+                </a:bodyPr>
+                <a:lstStyle/>
+                <a:p>
+                  <a:pPr/>
+                  <a14:m>
+                    <m:oMathPara xmlns:m="http://schemas.openxmlformats.org/officeDocument/2006/math">
+                      <m:oMathParaPr>
+                        <m:jc m:val="centerGroup"/>
+                      </m:oMathParaPr>
+                      <m:oMath xmlns:m="http://schemas.openxmlformats.org/officeDocument/2006/math">
+                        <m:r>
+                          <a:rPr lang="en-US" i="1" dirty="0" smtClean="0">
+                            <a:latin typeface="Cambria Math" panose="02040503050406030204" pitchFamily="18" charset="0"/>
+                          </a:rPr>
+                          <m:t>𝑇</m:t>
+                        </m:r>
+                      </m:oMath>
+                    </m:oMathPara>
+                  </a14:m>
+                  <a:endParaRPr lang="en-US" dirty="0"/>
+                </a:p>
+              </p:txBody>
+            </p:sp>
+          </mc:Choice>
+          <mc:Fallback xmlns="">
+            <p:sp>
+              <p:nvSpPr>
+                <p:cNvPr id="45" name="TextBox 44">
+                  <a:extLst>
+                    <a:ext uri="{FF2B5EF4-FFF2-40B4-BE49-F238E27FC236}">
+                      <a16:creationId xmlns:a16="http://schemas.microsoft.com/office/drawing/2014/main" id="{C9B0DD8D-97B4-4D65-51DC-8CFB182AD230}"/>
+                    </a:ext>
+                  </a:extLst>
+                </p:cNvPr>
+                <p:cNvSpPr txBox="1">
+                  <a:spLocks noRot="1" noChangeAspect="1" noMove="1" noResize="1" noEditPoints="1" noAdjustHandles="1" noChangeArrowheads="1" noChangeShapeType="1" noTextEdit="1"/>
+                </p:cNvSpPr>
+                <p:nvPr/>
+              </p:nvSpPr>
+              <p:spPr>
+                <a:xfrm>
+                  <a:off x="4696617" y="3116694"/>
+                  <a:ext cx="380489" cy="369332"/>
+                </a:xfrm>
+                <a:prstGeom prst="rect">
+                  <a:avLst/>
+                </a:prstGeom>
+                <a:blipFill>
+                  <a:blip r:embed="rId9"/>
+                  <a:stretch>
+                    <a:fillRect/>
+                  </a:stretch>
+                </a:blipFill>
+              </p:spPr>
+              <p:txBody>
+                <a:bodyPr/>
+                <a:lstStyle/>
+                <a:p>
+                  <a:r>
+                    <a:rPr lang="en-US">
+                      <a:noFill/>
+                    </a:rPr>
+                    <a:t> </a:t>
+                  </a:r>
+                </a:p>
+              </p:txBody>
+            </p:sp>
+          </mc:Fallback>
+        </mc:AlternateContent>
+      </p:grpSp>
+      <p:cxnSp>
+        <p:nvCxnSpPr>
+          <p:cNvPr id="3" name="Straight Arrow Connector 2">
+            <a:extLst>
+              <a:ext uri="{FF2B5EF4-FFF2-40B4-BE49-F238E27FC236}">
+                <a16:creationId xmlns:a16="http://schemas.microsoft.com/office/drawing/2014/main" id="{BE859E68-39DC-CB48-1F19-1DE5AFBB743A}"/>
+              </a:ext>
+            </a:extLst>
+          </p:cNvPr>
+          <p:cNvCxnSpPr>
+            <a:cxnSpLocks/>
+          </p:cNvCxnSpPr>
+          <p:nvPr/>
+        </p:nvCxnSpPr>
+        <p:spPr>
+          <a:xfrm>
+            <a:off x="296562" y="5730851"/>
+            <a:ext cx="7661189" cy="0"/>
+          </a:xfrm>
+          <a:prstGeom prst="straightConnector1">
+            <a:avLst/>
+          </a:prstGeom>
+          <a:ln w="12700">
+            <a:tailEnd type="triangle"/>
+          </a:ln>
+        </p:spPr>
+        <p:style>
+          <a:lnRef idx="1">
+            <a:schemeClr val="accent1"/>
+          </a:lnRef>
+          <a:fillRef idx="0">
+            <a:schemeClr val="accent1"/>
+          </a:fillRef>
+          <a:effectRef idx="0">
+            <a:schemeClr val="accent1"/>
+          </a:effectRef>
+          <a:fontRef idx="minor">
+            <a:schemeClr val="tx1"/>
+          </a:fontRef>
+        </p:style>
+      </p:cxnSp>
+      <p:cxnSp>
+        <p:nvCxnSpPr>
+          <p:cNvPr id="4" name="Straight Arrow Connector 3">
+            <a:extLst>
+              <a:ext uri="{FF2B5EF4-FFF2-40B4-BE49-F238E27FC236}">
+                <a16:creationId xmlns:a16="http://schemas.microsoft.com/office/drawing/2014/main" id="{B6411D97-BDD6-117C-C044-F81D78B9BBF1}"/>
+              </a:ext>
+            </a:extLst>
+          </p:cNvPr>
+          <p:cNvCxnSpPr/>
+          <p:nvPr/>
+        </p:nvCxnSpPr>
+        <p:spPr>
+          <a:xfrm flipV="1">
+            <a:off x="3791861" y="3700077"/>
+            <a:ext cx="0" cy="2020614"/>
+          </a:xfrm>
+          <a:prstGeom prst="straightConnector1">
+            <a:avLst/>
+          </a:prstGeom>
+          <a:ln w="12700">
+            <a:tailEnd type="triangle"/>
+          </a:ln>
+        </p:spPr>
+        <p:style>
+          <a:lnRef idx="1">
+            <a:schemeClr val="accent1"/>
+          </a:lnRef>
+          <a:fillRef idx="0">
+            <a:schemeClr val="accent1"/>
+          </a:fillRef>
+          <a:effectRef idx="0">
+            <a:schemeClr val="accent1"/>
+          </a:effectRef>
+          <a:fontRef idx="minor">
+            <a:schemeClr val="tx1"/>
+          </a:fontRef>
+        </p:style>
+      </p:cxnSp>
+      <mc:AlternateContent xmlns:mc="http://schemas.openxmlformats.org/markup-compatibility/2006">
+        <mc:Choice xmlns:a14="http://schemas.microsoft.com/office/drawing/2010/main" Requires="a14">
+          <p:sp>
+            <p:nvSpPr>
+              <p:cNvPr id="9" name="TextBox 8">
+                <a:extLst>
+                  <a:ext uri="{FF2B5EF4-FFF2-40B4-BE49-F238E27FC236}">
+                    <a16:creationId xmlns:a16="http://schemas.microsoft.com/office/drawing/2014/main" id="{1962B8F7-F50B-CF4B-2113-8F7419495B2A}"/>
+                  </a:ext>
+                </a:extLst>
+              </p:cNvPr>
+              <p:cNvSpPr txBox="1"/>
+              <p:nvPr/>
+            </p:nvSpPr>
+            <p:spPr>
+              <a:xfrm>
+                <a:off x="7623172" y="5764457"/>
+                <a:ext cx="334579" cy="369332"/>
+              </a:xfrm>
+              <a:prstGeom prst="rect">
+                <a:avLst/>
+              </a:prstGeom>
+              <a:noFill/>
+            </p:spPr>
+            <p:txBody>
+              <a:bodyPr wrap="none" rtlCol="0">
+                <a:spAutoFit/>
+              </a:bodyPr>
+              <a:lstStyle/>
+              <a:p>
+                <a:pPr/>
+                <a14:m>
+                  <m:oMathPara xmlns:m="http://schemas.openxmlformats.org/officeDocument/2006/math">
+                    <m:oMathParaPr>
+                      <m:jc m:val="centerGroup"/>
+                    </m:oMathParaPr>
+                    <m:oMath xmlns:m="http://schemas.openxmlformats.org/officeDocument/2006/math">
+                      <m:r>
+                        <a:rPr lang="en-GB" b="0" i="1" smtClean="0">
+                          <a:latin typeface="Cambria Math" panose="02040503050406030204" pitchFamily="18" charset="0"/>
+                        </a:rPr>
+                        <m:t>𝑡</m:t>
+                      </m:r>
+                    </m:oMath>
+                  </m:oMathPara>
+                </a14:m>
+                <a:endParaRPr lang="en-US" dirty="0"/>
+              </a:p>
+            </p:txBody>
+          </p:sp>
+        </mc:Choice>
+        <mc:Fallback>
+          <p:sp>
+            <p:nvSpPr>
+              <p:cNvPr id="9" name="TextBox 8">
+                <a:extLst>
+                  <a:ext uri="{FF2B5EF4-FFF2-40B4-BE49-F238E27FC236}">
+                    <a16:creationId xmlns:a16="http://schemas.microsoft.com/office/drawing/2014/main" id="{1962B8F7-F50B-CF4B-2113-8F7419495B2A}"/>
+                  </a:ext>
+                </a:extLst>
+              </p:cNvPr>
+              <p:cNvSpPr txBox="1">
+                <a:spLocks noRot="1" noChangeAspect="1" noMove="1" noResize="1" noEditPoints="1" noAdjustHandles="1" noChangeArrowheads="1" noChangeShapeType="1" noTextEdit="1"/>
+              </p:cNvSpPr>
+              <p:nvPr/>
+            </p:nvSpPr>
+            <p:spPr>
+              <a:xfrm>
+                <a:off x="7623172" y="5764457"/>
+                <a:ext cx="334579" cy="369332"/>
+              </a:xfrm>
+              <a:prstGeom prst="rect">
+                <a:avLst/>
+              </a:prstGeom>
+              <a:blipFill>
+                <a:blip r:embed="rId10"/>
+                <a:stretch>
+                  <a:fillRect/>
+                </a:stretch>
+              </a:blipFill>
+            </p:spPr>
+            <p:txBody>
+              <a:bodyPr/>
+              <a:lstStyle/>
+              <a:p>
+                <a:r>
+                  <a:rPr lang="en-US">
+                    <a:noFill/>
+                  </a:rPr>
+                  <a:t> </a:t>
+                </a:r>
+              </a:p>
+            </p:txBody>
+          </p:sp>
+        </mc:Fallback>
+      </mc:AlternateContent>
+      <mc:AlternateContent xmlns:mc="http://schemas.openxmlformats.org/markup-compatibility/2006">
+        <mc:Choice xmlns:a14="http://schemas.microsoft.com/office/drawing/2010/main" Requires="a14">
+          <p:sp>
+            <p:nvSpPr>
+              <p:cNvPr id="11" name="TextBox 10">
+                <a:extLst>
+                  <a:ext uri="{FF2B5EF4-FFF2-40B4-BE49-F238E27FC236}">
+                    <a16:creationId xmlns:a16="http://schemas.microsoft.com/office/drawing/2014/main" id="{A4055D77-6ECD-F82D-C0FD-0997716DFF8B}"/>
+                  </a:ext>
+                </a:extLst>
+              </p:cNvPr>
+              <p:cNvSpPr txBox="1"/>
+              <p:nvPr/>
+            </p:nvSpPr>
+            <p:spPr>
+              <a:xfrm>
+                <a:off x="3800266" y="3525570"/>
+                <a:ext cx="657359" cy="369332"/>
+              </a:xfrm>
+              <a:prstGeom prst="rect">
+                <a:avLst/>
+              </a:prstGeom>
+              <a:noFill/>
+            </p:spPr>
+            <p:txBody>
+              <a:bodyPr wrap="none" rtlCol="0">
+                <a:spAutoFit/>
+              </a:bodyPr>
+              <a:lstStyle/>
+              <a:p>
+                <a:pPr/>
+                <a14:m>
+                  <m:oMathPara xmlns:m="http://schemas.openxmlformats.org/officeDocument/2006/math">
+                    <m:oMathParaPr>
+                      <m:jc m:val="centerGroup"/>
+                    </m:oMathParaPr>
+                    <m:oMath xmlns:m="http://schemas.openxmlformats.org/officeDocument/2006/math">
+                      <m:r>
+                        <a:rPr lang="en-GB" b="0" i="1" smtClean="0">
+                          <a:latin typeface="Cambria Math" panose="02040503050406030204" pitchFamily="18" charset="0"/>
+                        </a:rPr>
+                        <m:t>𝑥</m:t>
+                      </m:r>
+                      <m:r>
+                        <a:rPr lang="en-GB" b="0" i="1" smtClean="0">
+                          <a:latin typeface="Cambria Math" panose="02040503050406030204" pitchFamily="18" charset="0"/>
+                        </a:rPr>
+                        <m:t>(</m:t>
+                      </m:r>
+                      <m:r>
+                        <a:rPr lang="en-GB" b="0" i="1" smtClean="0">
+                          <a:latin typeface="Cambria Math" panose="02040503050406030204" pitchFamily="18" charset="0"/>
+                        </a:rPr>
+                        <m:t>𝑡</m:t>
+                      </m:r>
+                      <m:r>
+                        <a:rPr lang="en-GB" b="0" i="1" smtClean="0">
+                          <a:latin typeface="Cambria Math" panose="02040503050406030204" pitchFamily="18" charset="0"/>
+                        </a:rPr>
+                        <m:t>)</m:t>
+                      </m:r>
+                    </m:oMath>
+                  </m:oMathPara>
+                </a14:m>
+                <a:endParaRPr lang="en-US" dirty="0"/>
+              </a:p>
+            </p:txBody>
+          </p:sp>
+        </mc:Choice>
+        <mc:Fallback>
+          <p:sp>
+            <p:nvSpPr>
+              <p:cNvPr id="11" name="TextBox 10">
+                <a:extLst>
+                  <a:ext uri="{FF2B5EF4-FFF2-40B4-BE49-F238E27FC236}">
+                    <a16:creationId xmlns:a16="http://schemas.microsoft.com/office/drawing/2014/main" id="{A4055D77-6ECD-F82D-C0FD-0997716DFF8B}"/>
+                  </a:ext>
+                </a:extLst>
+              </p:cNvPr>
+              <p:cNvSpPr txBox="1">
+                <a:spLocks noRot="1" noChangeAspect="1" noMove="1" noResize="1" noEditPoints="1" noAdjustHandles="1" noChangeArrowheads="1" noChangeShapeType="1" noTextEdit="1"/>
+              </p:cNvSpPr>
+              <p:nvPr/>
+            </p:nvSpPr>
+            <p:spPr>
+              <a:xfrm>
+                <a:off x="3800266" y="3525570"/>
+                <a:ext cx="657359" cy="369332"/>
+              </a:xfrm>
+              <a:prstGeom prst="rect">
+                <a:avLst/>
+              </a:prstGeom>
+              <a:blipFill>
+                <a:blip r:embed="rId11"/>
+                <a:stretch>
+                  <a:fillRect b="-16667"/>
+                </a:stretch>
+              </a:blipFill>
+            </p:spPr>
+            <p:txBody>
+              <a:bodyPr/>
+              <a:lstStyle/>
+              <a:p>
+                <a:r>
+                  <a:rPr lang="en-US">
+                    <a:noFill/>
+                  </a:rPr>
+                  <a:t> </a:t>
+                </a:r>
+              </a:p>
+            </p:txBody>
+          </p:sp>
+        </mc:Fallback>
+      </mc:AlternateContent>
+      <mc:AlternateContent xmlns:mc="http://schemas.openxmlformats.org/markup-compatibility/2006">
+        <mc:Choice xmlns:a14="http://schemas.microsoft.com/office/drawing/2010/main" Requires="a14">
+          <p:sp>
+            <p:nvSpPr>
+              <p:cNvPr id="12" name="TextBox 11">
+                <a:extLst>
+                  <a:ext uri="{FF2B5EF4-FFF2-40B4-BE49-F238E27FC236}">
+                    <a16:creationId xmlns:a16="http://schemas.microsoft.com/office/drawing/2014/main" id="{B2E5C535-7561-731B-6EF7-E3DFD9F5C27C}"/>
+                  </a:ext>
+                </a:extLst>
+              </p:cNvPr>
+              <p:cNvSpPr txBox="1"/>
+              <p:nvPr/>
+            </p:nvSpPr>
+            <p:spPr>
+              <a:xfrm>
+                <a:off x="3624896" y="5811508"/>
+                <a:ext cx="365806" cy="369332"/>
+              </a:xfrm>
+              <a:prstGeom prst="rect">
+                <a:avLst/>
+              </a:prstGeom>
+              <a:noFill/>
+            </p:spPr>
+            <p:txBody>
+              <a:bodyPr wrap="none" rtlCol="0">
+                <a:spAutoFit/>
+              </a:bodyPr>
+              <a:lstStyle/>
+              <a:p>
+                <a:pPr/>
+                <a14:m>
+                  <m:oMathPara xmlns:m="http://schemas.openxmlformats.org/officeDocument/2006/math">
+                    <m:oMathParaPr>
+                      <m:jc m:val="centerGroup"/>
+                    </m:oMathParaPr>
+                    <m:oMath xmlns:m="http://schemas.openxmlformats.org/officeDocument/2006/math">
+                      <m:r>
+                        <a:rPr lang="en-GB" b="0" i="1" smtClean="0">
+                          <a:latin typeface="Cambria Math" panose="02040503050406030204" pitchFamily="18" charset="0"/>
+                        </a:rPr>
+                        <m:t>0</m:t>
+                      </m:r>
+                    </m:oMath>
+                  </m:oMathPara>
+                </a14:m>
+                <a:endParaRPr lang="en-US" dirty="0"/>
+              </a:p>
+            </p:txBody>
+          </p:sp>
+        </mc:Choice>
+        <mc:Fallback>
+          <p:sp>
+            <p:nvSpPr>
+              <p:cNvPr id="12" name="TextBox 11">
+                <a:extLst>
+                  <a:ext uri="{FF2B5EF4-FFF2-40B4-BE49-F238E27FC236}">
+                    <a16:creationId xmlns:a16="http://schemas.microsoft.com/office/drawing/2014/main" id="{B2E5C535-7561-731B-6EF7-E3DFD9F5C27C}"/>
+                  </a:ext>
+                </a:extLst>
+              </p:cNvPr>
+              <p:cNvSpPr txBox="1">
+                <a:spLocks noRot="1" noChangeAspect="1" noMove="1" noResize="1" noEditPoints="1" noAdjustHandles="1" noChangeArrowheads="1" noChangeShapeType="1" noTextEdit="1"/>
+              </p:cNvSpPr>
+              <p:nvPr/>
+            </p:nvSpPr>
+            <p:spPr>
+              <a:xfrm>
+                <a:off x="3624896" y="5811508"/>
+                <a:ext cx="365806" cy="369332"/>
+              </a:xfrm>
+              <a:prstGeom prst="rect">
+                <a:avLst/>
+              </a:prstGeom>
+              <a:blipFill>
+                <a:blip r:embed="rId12"/>
+                <a:stretch>
+                  <a:fillRect/>
+                </a:stretch>
+              </a:blipFill>
+            </p:spPr>
+            <p:txBody>
+              <a:bodyPr/>
+              <a:lstStyle/>
+              <a:p>
+                <a:r>
+                  <a:rPr lang="en-US">
+                    <a:noFill/>
+                  </a:rPr>
+                  <a:t> </a:t>
+                </a:r>
+              </a:p>
+            </p:txBody>
+          </p:sp>
+        </mc:Fallback>
+      </mc:AlternateContent>
+      <p:cxnSp>
+        <p:nvCxnSpPr>
+          <p:cNvPr id="61" name="Straight Connector 60">
+            <a:extLst>
+              <a:ext uri="{FF2B5EF4-FFF2-40B4-BE49-F238E27FC236}">
+                <a16:creationId xmlns:a16="http://schemas.microsoft.com/office/drawing/2014/main" id="{8DAA1B44-69E4-85AA-7A69-5E46E2411319}"/>
+              </a:ext>
+            </a:extLst>
+          </p:cNvPr>
+          <p:cNvCxnSpPr/>
+          <p:nvPr/>
+        </p:nvCxnSpPr>
+        <p:spPr>
+          <a:xfrm>
+            <a:off x="296562" y="4540469"/>
+            <a:ext cx="7586197" cy="0"/>
+          </a:xfrm>
+          <a:prstGeom prst="line">
+            <a:avLst/>
+          </a:prstGeom>
+          <a:ln w="25400">
+            <a:solidFill>
+              <a:schemeClr val="accent6"/>
+            </a:solidFill>
+          </a:ln>
+        </p:spPr>
+        <p:style>
+          <a:lnRef idx="1">
+            <a:schemeClr val="accent1"/>
+          </a:lnRef>
+          <a:fillRef idx="0">
+            <a:schemeClr val="accent1"/>
+          </a:fillRef>
+          <a:effectRef idx="0">
+            <a:schemeClr val="accent1"/>
+          </a:effectRef>
+          <a:fontRef idx="minor">
+            <a:schemeClr val="tx1"/>
+          </a:fontRef>
+        </p:style>
+      </p:cxnSp>
+      <mc:AlternateContent xmlns:mc="http://schemas.openxmlformats.org/markup-compatibility/2006">
+        <mc:Choice xmlns:a14="http://schemas.microsoft.com/office/drawing/2010/main" Requires="a14">
+          <p:sp>
+            <p:nvSpPr>
+              <p:cNvPr id="63" name="TextBox 62">
+                <a:extLst>
+                  <a:ext uri="{FF2B5EF4-FFF2-40B4-BE49-F238E27FC236}">
+                    <a16:creationId xmlns:a16="http://schemas.microsoft.com/office/drawing/2014/main" id="{D0AB05CB-FC2E-BCD8-ABA4-53BC23D6E848}"/>
+                  </a:ext>
+                </a:extLst>
+              </p:cNvPr>
+              <p:cNvSpPr txBox="1"/>
+              <p:nvPr/>
+            </p:nvSpPr>
+            <p:spPr>
+              <a:xfrm>
+                <a:off x="3791861" y="4171137"/>
+                <a:ext cx="1071062" cy="369332"/>
+              </a:xfrm>
+              <a:prstGeom prst="rect">
+                <a:avLst/>
+              </a:prstGeom>
+              <a:noFill/>
+            </p:spPr>
+            <p:txBody>
+              <a:bodyPr wrap="none" rtlCol="0">
+                <a:spAutoFit/>
+              </a:bodyPr>
+              <a:lstStyle/>
+              <a:p>
+                <a14:m>
+                  <m:oMathPara xmlns:m="http://schemas.openxmlformats.org/officeDocument/2006/math">
+                    <m:oMathParaPr>
+                      <m:jc m:val="centerGroup"/>
+                    </m:oMathParaPr>
+                    <m:oMath xmlns:m="http://schemas.openxmlformats.org/officeDocument/2006/math">
+                      <m:r>
+                        <a:rPr lang="en-GB" b="0" i="1" smtClean="0">
+                          <a:latin typeface="Cambria Math" panose="02040503050406030204" pitchFamily="18" charset="0"/>
+                        </a:rPr>
+                        <m:t>𝑥</m:t>
+                      </m:r>
+                      <m:d>
+                        <m:dPr>
+                          <m:ctrlPr>
+                            <a:rPr lang="en-GB" b="0" i="1" smtClean="0">
+                              <a:latin typeface="Cambria Math" panose="02040503050406030204" pitchFamily="18" charset="0"/>
+                            </a:rPr>
+                          </m:ctrlPr>
+                        </m:dPr>
+                        <m:e>
+                          <m:r>
+                            <a:rPr lang="en-GB" b="0" i="1" smtClean="0">
+                              <a:latin typeface="Cambria Math" panose="02040503050406030204" pitchFamily="18" charset="0"/>
+                            </a:rPr>
+                            <m:t>𝑡</m:t>
+                          </m:r>
+                        </m:e>
+                      </m:d>
+                      <m:r>
+                        <a:rPr lang="en-GB" b="0" i="1" smtClean="0">
+                          <a:latin typeface="Cambria Math" panose="02040503050406030204" pitchFamily="18" charset="0"/>
+                        </a:rPr>
+                        <m:t>=</m:t>
+                      </m:r>
+                      <m:r>
+                        <a:rPr lang="en-GB" b="0" i="1" smtClean="0">
+                          <a:latin typeface="Cambria Math" panose="02040503050406030204" pitchFamily="18" charset="0"/>
+                        </a:rPr>
+                        <m:t>𝑐</m:t>
+                      </m:r>
+                    </m:oMath>
+                  </m:oMathPara>
+                </a14:m>
+                <a:endParaRPr lang="en-US" dirty="0"/>
+              </a:p>
+            </p:txBody>
+          </p:sp>
+        </mc:Choice>
+        <mc:Fallback>
+          <p:sp>
+            <p:nvSpPr>
+              <p:cNvPr id="63" name="TextBox 62">
+                <a:extLst>
+                  <a:ext uri="{FF2B5EF4-FFF2-40B4-BE49-F238E27FC236}">
+                    <a16:creationId xmlns:a16="http://schemas.microsoft.com/office/drawing/2014/main" id="{D0AB05CB-FC2E-BCD8-ABA4-53BC23D6E848}"/>
+                  </a:ext>
+                </a:extLst>
+              </p:cNvPr>
+              <p:cNvSpPr txBox="1">
+                <a:spLocks noRot="1" noChangeAspect="1" noMove="1" noResize="1" noEditPoints="1" noAdjustHandles="1" noChangeArrowheads="1" noChangeShapeType="1" noTextEdit="1"/>
+              </p:cNvSpPr>
+              <p:nvPr/>
+            </p:nvSpPr>
+            <p:spPr>
+              <a:xfrm>
+                <a:off x="3791861" y="4171137"/>
+                <a:ext cx="1071062" cy="369332"/>
+              </a:xfrm>
+              <a:prstGeom prst="rect">
+                <a:avLst/>
+              </a:prstGeom>
+              <a:blipFill>
+                <a:blip r:embed="rId13"/>
+                <a:stretch>
+                  <a:fillRect/>
+                </a:stretch>
+              </a:blipFill>
+            </p:spPr>
+            <p:txBody>
+              <a:bodyPr/>
+              <a:lstStyle/>
+              <a:p>
+                <a:r>
+                  <a:rPr lang="en-US">
+                    <a:noFill/>
+                  </a:rPr>
+                  <a:t> </a:t>
+                </a:r>
+              </a:p>
+            </p:txBody>
+          </p:sp>
+        </mc:Fallback>
+      </mc:AlternateContent>
+    </p:spTree>
+    <p:extLst>
+      <p:ext uri="{BB962C8B-B14F-4D97-AF65-F5344CB8AC3E}">
+        <p14:creationId xmlns:p14="http://schemas.microsoft.com/office/powerpoint/2010/main" val="4137410714"/>
+      </p:ext>
+    </p:extLst>
+  </p:cSld>
+  <p:clrMapOvr>
+    <a:masterClrMapping/>
+  </p:clrMapOvr>
+</p:sld>
+</file>
+
+<file path=ppt/slides/slide5.xml><?xml version="1.0" encoding="utf-8"?>
+<p:sld xmlns:a="http://schemas.openxmlformats.org/drawingml/2006/main" xmlns:r="http://schemas.openxmlformats.org/officeDocument/2006/relationships" xmlns:p="http://schemas.openxmlformats.org/presentationml/2006/main">
+  <p:cSld>
+    <p:spTree>
+      <p:nvGrpSpPr>
+        <p:cNvPr id="1" name=""/>
+        <p:cNvGrpSpPr/>
+        <p:nvPr/>
+      </p:nvGrpSpPr>
+      <p:grpSpPr>
+        <a:xfrm>
+          <a:off x="0" y="0"/>
+          <a:ext cx="0" cy="0"/>
+          <a:chOff x="0" y="0"/>
+          <a:chExt cx="0" cy="0"/>
+        </a:xfrm>
+      </p:grpSpPr>
+      <p:sp>
+        <p:nvSpPr>
+          <p:cNvPr id="2" name="Rectangle 1">
+            <a:extLst>
+              <a:ext uri="{FF2B5EF4-FFF2-40B4-BE49-F238E27FC236}">
+                <a16:creationId xmlns:a16="http://schemas.microsoft.com/office/drawing/2014/main" id="{01F942D6-5224-2917-6EB9-D5E7749A14A7}"/>
+              </a:ext>
+            </a:extLst>
+          </p:cNvPr>
+          <p:cNvSpPr/>
+          <p:nvPr/>
+        </p:nvSpPr>
+        <p:spPr>
+          <a:xfrm>
+            <a:off x="4905632" y="2224216"/>
+            <a:ext cx="407773" cy="1087395"/>
+          </a:xfrm>
+          <a:prstGeom prst="rect">
+            <a:avLst/>
+          </a:prstGeom>
+          <a:noFill/>
+          <a:ln w="19050"/>
+        </p:spPr>
+        <p:style>
+          <a:lnRef idx="2">
+            <a:schemeClr val="accent1">
+              <a:shade val="50000"/>
+            </a:schemeClr>
+          </a:lnRef>
+          <a:fillRef idx="1">
+            <a:schemeClr val="accent1"/>
+          </a:fillRef>
+          <a:effectRef idx="0">
+            <a:schemeClr val="accent1"/>
+          </a:effectRef>
+          <a:fontRef idx="minor">
+            <a:schemeClr val="lt1"/>
+          </a:fontRef>
+        </p:style>
+        <p:txBody>
+          <a:bodyPr rtlCol="0" anchor="ctr"/>
+          <a:lstStyle/>
+          <a:p>
+            <a:pPr algn="ctr"/>
+            <a:endParaRPr lang="en-US"/>
+          </a:p>
+        </p:txBody>
+      </p:sp>
+      <mc:AlternateContent xmlns:mc="http://schemas.openxmlformats.org/markup-compatibility/2006">
+        <mc:Choice xmlns:a14="http://schemas.microsoft.com/office/drawing/2010/main" Requires="a14">
+          <p:sp>
+            <p:nvSpPr>
+              <p:cNvPr id="4" name="Oval 3">
+                <a:extLst>
+                  <a:ext uri="{FF2B5EF4-FFF2-40B4-BE49-F238E27FC236}">
+                    <a16:creationId xmlns:a16="http://schemas.microsoft.com/office/drawing/2014/main" id="{454DDBBA-8688-3A27-DE00-4D6675573309}"/>
+                  </a:ext>
+                </a:extLst>
+              </p:cNvPr>
+              <p:cNvSpPr/>
+              <p:nvPr/>
+            </p:nvSpPr>
+            <p:spPr>
+              <a:xfrm>
+                <a:off x="2953265" y="2434281"/>
+                <a:ext cx="667265" cy="667265"/>
+              </a:xfrm>
+              <a:prstGeom prst="ellipse">
+                <a:avLst/>
+              </a:prstGeom>
+              <a:noFill/>
+            </p:spPr>
+            <p:style>
+              <a:lnRef idx="2">
+                <a:schemeClr val="accent1">
+                  <a:shade val="50000"/>
+                </a:schemeClr>
+              </a:lnRef>
+              <a:fillRef idx="1">
+                <a:schemeClr val="accent1"/>
+              </a:fillRef>
+              <a:effectRef idx="0">
+                <a:schemeClr val="accent1"/>
+              </a:effectRef>
+              <a:fontRef idx="minor">
+                <a:schemeClr val="lt1"/>
+              </a:fontRef>
+            </p:style>
+            <p:txBody>
+              <a:bodyPr rtlCol="0" anchor="ctr"/>
+              <a:lstStyle/>
+              <a:p>
+                <a:pPr algn="ctr"/>
+                <a14:m>
+                  <m:oMathPara xmlns:m="http://schemas.openxmlformats.org/officeDocument/2006/math">
+                    <m:oMathParaPr>
+                      <m:jc m:val="center"/>
+                    </m:oMathParaPr>
+                    <m:oMath xmlns:m="http://schemas.openxmlformats.org/officeDocument/2006/math">
+                      <m:r>
+                        <a:rPr lang="en-GB" b="0" i="1" smtClean="0">
+                          <a:solidFill>
+                            <a:schemeClr val="tx1"/>
+                          </a:solidFill>
+                          <a:latin typeface="Cambria Math" panose="02040503050406030204" pitchFamily="18" charset="0"/>
+                        </a:rPr>
+                        <m:t>𝑣</m:t>
+                      </m:r>
+                      <m:r>
+                        <a:rPr lang="en-GB" b="0" i="1" smtClean="0">
+                          <a:solidFill>
+                            <a:schemeClr val="tx1"/>
+                          </a:solidFill>
+                          <a:latin typeface="Cambria Math" panose="02040503050406030204" pitchFamily="18" charset="0"/>
+                        </a:rPr>
+                        <m:t>(</m:t>
+                      </m:r>
+                      <m:r>
+                        <a:rPr lang="en-GB" b="0" i="1" smtClean="0">
+                          <a:solidFill>
+                            <a:schemeClr val="tx1"/>
+                          </a:solidFill>
+                          <a:latin typeface="Cambria Math" panose="02040503050406030204" pitchFamily="18" charset="0"/>
+                        </a:rPr>
+                        <m:t>𝑡</m:t>
+                      </m:r>
+                      <m:r>
+                        <a:rPr lang="en-GB" b="0" i="1" smtClean="0">
+                          <a:solidFill>
+                            <a:schemeClr val="tx1"/>
+                          </a:solidFill>
+                          <a:latin typeface="Cambria Math" panose="02040503050406030204" pitchFamily="18" charset="0"/>
+                        </a:rPr>
+                        <m:t>)</m:t>
+                      </m:r>
+                    </m:oMath>
+                  </m:oMathPara>
+                </a14:m>
+                <a:endParaRPr lang="en-US" dirty="0">
+                  <a:solidFill>
+                    <a:schemeClr val="tx1"/>
+                  </a:solidFill>
+                </a:endParaRPr>
+              </a:p>
+            </p:txBody>
+          </p:sp>
+        </mc:Choice>
+        <mc:Fallback>
+          <p:sp>
+            <p:nvSpPr>
+              <p:cNvPr id="4" name="Oval 3">
+                <a:extLst>
+                  <a:ext uri="{FF2B5EF4-FFF2-40B4-BE49-F238E27FC236}">
+                    <a16:creationId xmlns:a16="http://schemas.microsoft.com/office/drawing/2014/main" id="{454DDBBA-8688-3A27-DE00-4D6675573309}"/>
+                  </a:ext>
+                </a:extLst>
+              </p:cNvPr>
+              <p:cNvSpPr>
+                <a:spLocks noRot="1" noChangeAspect="1" noMove="1" noResize="1" noEditPoints="1" noAdjustHandles="1" noChangeArrowheads="1" noChangeShapeType="1" noTextEdit="1"/>
+              </p:cNvSpPr>
+              <p:nvPr/>
+            </p:nvSpPr>
+            <p:spPr>
+              <a:xfrm>
+                <a:off x="2953265" y="2434281"/>
+                <a:ext cx="667265" cy="667265"/>
+              </a:xfrm>
+              <a:prstGeom prst="ellipse">
+                <a:avLst/>
+              </a:prstGeom>
+              <a:blipFill>
+                <a:blip r:embed="rId2"/>
+                <a:stretch>
+                  <a:fillRect/>
+                </a:stretch>
+              </a:blipFill>
+            </p:spPr>
+            <p:txBody>
+              <a:bodyPr/>
+              <a:lstStyle/>
+              <a:p>
+                <a:r>
+                  <a:rPr lang="en-US">
+                    <a:noFill/>
+                  </a:rPr>
+                  <a:t> </a:t>
+                </a:r>
+              </a:p>
+            </p:txBody>
+          </p:sp>
+        </mc:Fallback>
+      </mc:AlternateContent>
+      <mc:AlternateContent xmlns:mc="http://schemas.openxmlformats.org/markup-compatibility/2006">
+        <mc:Choice xmlns:a14="http://schemas.microsoft.com/office/drawing/2010/main" Requires="a14">
+          <p:sp>
+            <p:nvSpPr>
+              <p:cNvPr id="5" name="TextBox 4">
+                <a:extLst>
+                  <a:ext uri="{FF2B5EF4-FFF2-40B4-BE49-F238E27FC236}">
+                    <a16:creationId xmlns:a16="http://schemas.microsoft.com/office/drawing/2014/main" id="{E6894801-A2F7-0B9D-8253-742C7D2F715A}"/>
+                  </a:ext>
+                </a:extLst>
+              </p:cNvPr>
+              <p:cNvSpPr txBox="1"/>
+              <p:nvPr/>
+            </p:nvSpPr>
+            <p:spPr>
+              <a:xfrm>
+                <a:off x="2838147" y="2187146"/>
+                <a:ext cx="410690" cy="369332"/>
+              </a:xfrm>
+              <a:prstGeom prst="rect">
+                <a:avLst/>
+              </a:prstGeom>
+              <a:noFill/>
+            </p:spPr>
+            <p:txBody>
+              <a:bodyPr wrap="none" rtlCol="0">
+                <a:spAutoFit/>
+              </a:bodyPr>
+              <a:lstStyle/>
+              <a:p>
+                <a14:m>
+                  <m:oMathPara xmlns:m="http://schemas.openxmlformats.org/officeDocument/2006/math">
+                    <m:oMathParaPr>
+                      <m:jc m:val="centerGroup"/>
+                    </m:oMathParaPr>
+                    <m:oMath xmlns:m="http://schemas.openxmlformats.org/officeDocument/2006/math">
+                      <m:r>
+                        <a:rPr lang="en-US" i="1" dirty="0" smtClean="0">
+                          <a:latin typeface="Cambria Math" panose="02040503050406030204" pitchFamily="18" charset="0"/>
+                        </a:rPr>
+                        <m:t>+</m:t>
+                      </m:r>
+                    </m:oMath>
+                  </m:oMathPara>
+                </a14:m>
+                <a:endParaRPr lang="en-US" dirty="0"/>
+              </a:p>
+            </p:txBody>
+          </p:sp>
+        </mc:Choice>
+        <mc:Fallback>
+          <p:sp>
+            <p:nvSpPr>
+              <p:cNvPr id="5" name="TextBox 4">
+                <a:extLst>
+                  <a:ext uri="{FF2B5EF4-FFF2-40B4-BE49-F238E27FC236}">
+                    <a16:creationId xmlns:a16="http://schemas.microsoft.com/office/drawing/2014/main" id="{E6894801-A2F7-0B9D-8253-742C7D2F715A}"/>
+                  </a:ext>
+                </a:extLst>
+              </p:cNvPr>
+              <p:cNvSpPr txBox="1">
+                <a:spLocks noRot="1" noChangeAspect="1" noMove="1" noResize="1" noEditPoints="1" noAdjustHandles="1" noChangeArrowheads="1" noChangeShapeType="1" noTextEdit="1"/>
+              </p:cNvSpPr>
+              <p:nvPr/>
+            </p:nvSpPr>
+            <p:spPr>
+              <a:xfrm>
+                <a:off x="2838147" y="2187146"/>
+                <a:ext cx="410690" cy="369332"/>
+              </a:xfrm>
+              <a:prstGeom prst="rect">
+                <a:avLst/>
+              </a:prstGeom>
+              <a:blipFill>
+                <a:blip r:embed="rId3"/>
+                <a:stretch>
+                  <a:fillRect/>
+                </a:stretch>
+              </a:blipFill>
+            </p:spPr>
+            <p:txBody>
+              <a:bodyPr/>
+              <a:lstStyle/>
+              <a:p>
+                <a:r>
+                  <a:rPr lang="en-US">
+                    <a:noFill/>
+                  </a:rPr>
+                  <a:t> </a:t>
+                </a:r>
+              </a:p>
+            </p:txBody>
+          </p:sp>
+        </mc:Fallback>
+      </mc:AlternateContent>
+      <mc:AlternateContent xmlns:mc="http://schemas.openxmlformats.org/markup-compatibility/2006">
+        <mc:Choice xmlns:a14="http://schemas.microsoft.com/office/drawing/2010/main" Requires="a14">
+          <p:sp>
+            <p:nvSpPr>
+              <p:cNvPr id="6" name="TextBox 5">
+                <a:extLst>
+                  <a:ext uri="{FF2B5EF4-FFF2-40B4-BE49-F238E27FC236}">
+                    <a16:creationId xmlns:a16="http://schemas.microsoft.com/office/drawing/2014/main" id="{D53B85A5-388D-B89A-68CC-C829D22D28AC}"/>
+                  </a:ext>
+                </a:extLst>
+              </p:cNvPr>
+              <p:cNvSpPr txBox="1"/>
+              <p:nvPr/>
+            </p:nvSpPr>
+            <p:spPr>
+              <a:xfrm>
+                <a:off x="2838147" y="3076833"/>
+                <a:ext cx="410690" cy="369332"/>
+              </a:xfrm>
+              <a:prstGeom prst="rect">
+                <a:avLst/>
+              </a:prstGeom>
+              <a:noFill/>
+            </p:spPr>
+            <p:txBody>
+              <a:bodyPr wrap="none" rtlCol="0">
+                <a:spAutoFit/>
+              </a:bodyPr>
+              <a:lstStyle/>
+              <a:p>
+                <a14:m>
+                  <m:oMathPara xmlns:m="http://schemas.openxmlformats.org/officeDocument/2006/math">
+                    <m:oMathParaPr>
+                      <m:jc m:val="centerGroup"/>
+                    </m:oMathParaPr>
+                    <m:oMath xmlns:m="http://schemas.openxmlformats.org/officeDocument/2006/math">
+                      <m:r>
+                        <a:rPr lang="en-US" i="1" dirty="0" smtClean="0">
+                          <a:latin typeface="Cambria Math" panose="02040503050406030204" pitchFamily="18" charset="0"/>
+                        </a:rPr>
+                        <m:t>−</m:t>
+                      </m:r>
+                    </m:oMath>
+                  </m:oMathPara>
+                </a14:m>
+                <a:endParaRPr lang="en-US" dirty="0"/>
+              </a:p>
+            </p:txBody>
+          </p:sp>
+        </mc:Choice>
+        <mc:Fallback>
+          <p:sp>
+            <p:nvSpPr>
+              <p:cNvPr id="6" name="TextBox 5">
+                <a:extLst>
+                  <a:ext uri="{FF2B5EF4-FFF2-40B4-BE49-F238E27FC236}">
+                    <a16:creationId xmlns:a16="http://schemas.microsoft.com/office/drawing/2014/main" id="{D53B85A5-388D-B89A-68CC-C829D22D28AC}"/>
+                  </a:ext>
+                </a:extLst>
+              </p:cNvPr>
+              <p:cNvSpPr txBox="1">
+                <a:spLocks noRot="1" noChangeAspect="1" noMove="1" noResize="1" noEditPoints="1" noAdjustHandles="1" noChangeArrowheads="1" noChangeShapeType="1" noTextEdit="1"/>
+              </p:cNvSpPr>
+              <p:nvPr/>
+            </p:nvSpPr>
+            <p:spPr>
+              <a:xfrm>
+                <a:off x="2838147" y="3076833"/>
+                <a:ext cx="410690" cy="369332"/>
+              </a:xfrm>
+              <a:prstGeom prst="rect">
+                <a:avLst/>
+              </a:prstGeom>
+              <a:blipFill>
+                <a:blip r:embed="rId4"/>
+                <a:stretch>
+                  <a:fillRect/>
+                </a:stretch>
+              </a:blipFill>
+            </p:spPr>
+            <p:txBody>
+              <a:bodyPr/>
+              <a:lstStyle/>
+              <a:p>
+                <a:r>
+                  <a:rPr lang="en-US">
+                    <a:noFill/>
+                  </a:rPr>
+                  <a:t> </a:t>
+                </a:r>
+              </a:p>
+            </p:txBody>
+          </p:sp>
+        </mc:Fallback>
+      </mc:AlternateContent>
+      <mc:AlternateContent xmlns:mc="http://schemas.openxmlformats.org/markup-compatibility/2006">
+        <mc:Choice xmlns:a14="http://schemas.microsoft.com/office/drawing/2010/main" Requires="a14">
+          <p:sp>
+            <p:nvSpPr>
+              <p:cNvPr id="7" name="TextBox 6">
+                <a:extLst>
+                  <a:ext uri="{FF2B5EF4-FFF2-40B4-BE49-F238E27FC236}">
+                    <a16:creationId xmlns:a16="http://schemas.microsoft.com/office/drawing/2014/main" id="{3D931E40-5176-9643-AD82-8CEBB298C9C2}"/>
+                  </a:ext>
+                </a:extLst>
+              </p:cNvPr>
+              <p:cNvSpPr txBox="1"/>
+              <p:nvPr/>
+            </p:nvSpPr>
+            <p:spPr>
+              <a:xfrm>
+                <a:off x="5585254" y="2583247"/>
+                <a:ext cx="391774" cy="369332"/>
+              </a:xfrm>
+              <a:prstGeom prst="rect">
+                <a:avLst/>
+              </a:prstGeom>
+              <a:noFill/>
+            </p:spPr>
+            <p:txBody>
+              <a:bodyPr wrap="none" rtlCol="0">
+                <a:spAutoFit/>
+              </a:bodyPr>
+              <a:lstStyle/>
+              <a:p>
+                <a14:m>
+                  <m:oMathPara xmlns:m="http://schemas.openxmlformats.org/officeDocument/2006/math">
+                    <m:oMathParaPr>
+                      <m:jc m:val="centerGroup"/>
+                    </m:oMathParaPr>
+                    <m:oMath xmlns:m="http://schemas.openxmlformats.org/officeDocument/2006/math">
+                      <m:r>
+                        <a:rPr lang="en-GB" b="0" i="1" smtClean="0">
+                          <a:latin typeface="Cambria Math" panose="02040503050406030204" pitchFamily="18" charset="0"/>
+                        </a:rPr>
+                        <m:t>𝑅</m:t>
+                      </m:r>
+                    </m:oMath>
+                  </m:oMathPara>
+                </a14:m>
+                <a:endParaRPr lang="en-US" dirty="0"/>
+              </a:p>
+            </p:txBody>
+          </p:sp>
+        </mc:Choice>
+        <mc:Fallback>
+          <p:sp>
+            <p:nvSpPr>
+              <p:cNvPr id="7" name="TextBox 6">
+                <a:extLst>
+                  <a:ext uri="{FF2B5EF4-FFF2-40B4-BE49-F238E27FC236}">
+                    <a16:creationId xmlns:a16="http://schemas.microsoft.com/office/drawing/2014/main" id="{3D931E40-5176-9643-AD82-8CEBB298C9C2}"/>
+                  </a:ext>
+                </a:extLst>
+              </p:cNvPr>
+              <p:cNvSpPr txBox="1">
+                <a:spLocks noRot="1" noChangeAspect="1" noMove="1" noResize="1" noEditPoints="1" noAdjustHandles="1" noChangeArrowheads="1" noChangeShapeType="1" noTextEdit="1"/>
+              </p:cNvSpPr>
+              <p:nvPr/>
+            </p:nvSpPr>
+            <p:spPr>
+              <a:xfrm>
+                <a:off x="5585254" y="2583247"/>
+                <a:ext cx="391774" cy="369332"/>
+              </a:xfrm>
+              <a:prstGeom prst="rect">
+                <a:avLst/>
+              </a:prstGeom>
+              <a:blipFill>
+                <a:blip r:embed="rId5"/>
+                <a:stretch>
+                  <a:fillRect/>
+                </a:stretch>
+              </a:blipFill>
+            </p:spPr>
+            <p:txBody>
+              <a:bodyPr/>
+              <a:lstStyle/>
+              <a:p>
+                <a:r>
+                  <a:rPr lang="en-US">
+                    <a:noFill/>
+                  </a:rPr>
+                  <a:t> </a:t>
+                </a:r>
+              </a:p>
+            </p:txBody>
+          </p:sp>
+        </mc:Fallback>
+      </mc:AlternateContent>
+      <p:cxnSp>
+        <p:nvCxnSpPr>
+          <p:cNvPr id="9" name="Straight Connector 8">
+            <a:extLst>
+              <a:ext uri="{FF2B5EF4-FFF2-40B4-BE49-F238E27FC236}">
+                <a16:creationId xmlns:a16="http://schemas.microsoft.com/office/drawing/2014/main" id="{A51FCF94-5767-0934-E8D7-5217577D2F7E}"/>
+              </a:ext>
+            </a:extLst>
+          </p:cNvPr>
+          <p:cNvCxnSpPr>
+            <a:cxnSpLocks/>
+          </p:cNvCxnSpPr>
+          <p:nvPr/>
+        </p:nvCxnSpPr>
+        <p:spPr>
+          <a:xfrm flipV="1">
+            <a:off x="3286897" y="1445741"/>
+            <a:ext cx="0" cy="988540"/>
+          </a:xfrm>
+          <a:prstGeom prst="line">
+            <a:avLst/>
+          </a:prstGeom>
+          <a:ln w="19050">
+            <a:solidFill>
+              <a:schemeClr val="accent1"/>
+            </a:solidFill>
+          </a:ln>
+        </p:spPr>
+        <p:style>
+          <a:lnRef idx="1">
+            <a:schemeClr val="dk1"/>
+          </a:lnRef>
+          <a:fillRef idx="0">
+            <a:schemeClr val="dk1"/>
+          </a:fillRef>
+          <a:effectRef idx="0">
+            <a:schemeClr val="dk1"/>
+          </a:effectRef>
+          <a:fontRef idx="minor">
+            <a:schemeClr val="tx1"/>
+          </a:fontRef>
+        </p:style>
+      </p:cxnSp>
+      <p:cxnSp>
+        <p:nvCxnSpPr>
+          <p:cNvPr id="12" name="Straight Connector 11">
+            <a:extLst>
+              <a:ext uri="{FF2B5EF4-FFF2-40B4-BE49-F238E27FC236}">
+                <a16:creationId xmlns:a16="http://schemas.microsoft.com/office/drawing/2014/main" id="{FC8D84A3-C07A-97F9-077C-2375805B0D45}"/>
+              </a:ext>
+            </a:extLst>
+          </p:cNvPr>
+          <p:cNvCxnSpPr/>
+          <p:nvPr/>
+        </p:nvCxnSpPr>
+        <p:spPr>
+          <a:xfrm>
+            <a:off x="3286897" y="1445741"/>
+            <a:ext cx="1822621" cy="0"/>
+          </a:xfrm>
+          <a:prstGeom prst="line">
+            <a:avLst/>
+          </a:prstGeom>
+          <a:ln w="19050">
+            <a:solidFill>
+              <a:schemeClr val="accent1"/>
+            </a:solidFill>
+          </a:ln>
+        </p:spPr>
+        <p:style>
+          <a:lnRef idx="1">
+            <a:schemeClr val="accent1"/>
+          </a:lnRef>
+          <a:fillRef idx="0">
+            <a:schemeClr val="accent1"/>
+          </a:fillRef>
+          <a:effectRef idx="0">
+            <a:schemeClr val="accent1"/>
+          </a:effectRef>
+          <a:fontRef idx="minor">
+            <a:schemeClr val="tx1"/>
+          </a:fontRef>
+        </p:style>
+      </p:cxnSp>
+      <p:cxnSp>
+        <p:nvCxnSpPr>
+          <p:cNvPr id="14" name="Straight Connector 13">
+            <a:extLst>
+              <a:ext uri="{FF2B5EF4-FFF2-40B4-BE49-F238E27FC236}">
+                <a16:creationId xmlns:a16="http://schemas.microsoft.com/office/drawing/2014/main" id="{E5CF3BA0-C777-89C5-4C9F-4AADE971C184}"/>
+              </a:ext>
+            </a:extLst>
+          </p:cNvPr>
+          <p:cNvCxnSpPr>
+            <a:stCxn id="2" idx="0"/>
+          </p:cNvCxnSpPr>
+          <p:nvPr/>
+        </p:nvCxnSpPr>
+        <p:spPr>
+          <a:xfrm flipH="1" flipV="1">
+            <a:off x="5109518" y="1445741"/>
+            <a:ext cx="1" cy="778475"/>
+          </a:xfrm>
+          <a:prstGeom prst="line">
+            <a:avLst/>
+          </a:prstGeom>
+          <a:ln w="19050">
+            <a:solidFill>
+              <a:schemeClr val="accent1"/>
+            </a:solidFill>
+          </a:ln>
+        </p:spPr>
+        <p:style>
+          <a:lnRef idx="1">
+            <a:schemeClr val="accent1"/>
+          </a:lnRef>
+          <a:fillRef idx="0">
+            <a:schemeClr val="accent1"/>
+          </a:fillRef>
+          <a:effectRef idx="0">
+            <a:schemeClr val="accent1"/>
+          </a:effectRef>
+          <a:fontRef idx="minor">
+            <a:schemeClr val="tx1"/>
+          </a:fontRef>
+        </p:style>
+      </p:cxnSp>
+      <p:cxnSp>
+        <p:nvCxnSpPr>
+          <p:cNvPr id="15" name="Straight Connector 14">
+            <a:extLst>
+              <a:ext uri="{FF2B5EF4-FFF2-40B4-BE49-F238E27FC236}">
+                <a16:creationId xmlns:a16="http://schemas.microsoft.com/office/drawing/2014/main" id="{6F2DB5BC-05DB-37FE-80A1-31ED92A5FDAA}"/>
+              </a:ext>
+            </a:extLst>
+          </p:cNvPr>
+          <p:cNvCxnSpPr>
+            <a:cxnSpLocks/>
+          </p:cNvCxnSpPr>
+          <p:nvPr/>
+        </p:nvCxnSpPr>
+        <p:spPr>
+          <a:xfrm flipH="1">
+            <a:off x="3286897" y="3101546"/>
+            <a:ext cx="0" cy="988540"/>
+          </a:xfrm>
+          <a:prstGeom prst="line">
+            <a:avLst/>
+          </a:prstGeom>
+          <a:ln w="19050">
+            <a:solidFill>
+              <a:schemeClr val="accent1"/>
+            </a:solidFill>
+          </a:ln>
+        </p:spPr>
+        <p:style>
+          <a:lnRef idx="1">
+            <a:schemeClr val="dk1"/>
+          </a:lnRef>
+          <a:fillRef idx="0">
+            <a:schemeClr val="dk1"/>
+          </a:fillRef>
+          <a:effectRef idx="0">
+            <a:schemeClr val="dk1"/>
+          </a:effectRef>
+          <a:fontRef idx="minor">
+            <a:schemeClr val="tx1"/>
+          </a:fontRef>
+        </p:style>
+      </p:cxnSp>
+      <p:cxnSp>
+        <p:nvCxnSpPr>
+          <p:cNvPr id="16" name="Straight Connector 15">
+            <a:extLst>
+              <a:ext uri="{FF2B5EF4-FFF2-40B4-BE49-F238E27FC236}">
+                <a16:creationId xmlns:a16="http://schemas.microsoft.com/office/drawing/2014/main" id="{AA46062E-1684-9E40-471A-BDAA1F29C8D4}"/>
+              </a:ext>
+            </a:extLst>
+          </p:cNvPr>
+          <p:cNvCxnSpPr>
+            <a:cxnSpLocks/>
+          </p:cNvCxnSpPr>
+          <p:nvPr/>
+        </p:nvCxnSpPr>
+        <p:spPr>
+          <a:xfrm flipH="1" flipV="1">
+            <a:off x="3286897" y="4090086"/>
+            <a:ext cx="1822621" cy="0"/>
+          </a:xfrm>
+          <a:prstGeom prst="line">
+            <a:avLst/>
+          </a:prstGeom>
+          <a:ln w="19050">
+            <a:solidFill>
+              <a:schemeClr val="accent1"/>
+            </a:solidFill>
+          </a:ln>
+        </p:spPr>
+        <p:style>
+          <a:lnRef idx="1">
+            <a:schemeClr val="accent1"/>
+          </a:lnRef>
+          <a:fillRef idx="0">
+            <a:schemeClr val="accent1"/>
+          </a:fillRef>
+          <a:effectRef idx="0">
+            <a:schemeClr val="accent1"/>
+          </a:effectRef>
+          <a:fontRef idx="minor">
+            <a:schemeClr val="tx1"/>
+          </a:fontRef>
+        </p:style>
+      </p:cxnSp>
+      <p:cxnSp>
+        <p:nvCxnSpPr>
+          <p:cNvPr id="17" name="Straight Connector 16">
+            <a:extLst>
+              <a:ext uri="{FF2B5EF4-FFF2-40B4-BE49-F238E27FC236}">
+                <a16:creationId xmlns:a16="http://schemas.microsoft.com/office/drawing/2014/main" id="{2F7A5D88-E50E-413B-D37C-AAC1F899B496}"/>
+              </a:ext>
+            </a:extLst>
+          </p:cNvPr>
+          <p:cNvCxnSpPr>
+            <a:cxnSpLocks/>
+          </p:cNvCxnSpPr>
+          <p:nvPr/>
+        </p:nvCxnSpPr>
+        <p:spPr>
+          <a:xfrm>
+            <a:off x="5109518" y="3311611"/>
+            <a:ext cx="1" cy="778475"/>
+          </a:xfrm>
+          <a:prstGeom prst="line">
+            <a:avLst/>
+          </a:prstGeom>
+          <a:ln w="19050">
+            <a:solidFill>
+              <a:schemeClr val="accent1"/>
+            </a:solidFill>
+          </a:ln>
+        </p:spPr>
+        <p:style>
+          <a:lnRef idx="1">
+            <a:schemeClr val="accent1"/>
+          </a:lnRef>
+          <a:fillRef idx="0">
+            <a:schemeClr val="accent1"/>
+          </a:fillRef>
+          <a:effectRef idx="0">
+            <a:schemeClr val="accent1"/>
+          </a:effectRef>
+          <a:fontRef idx="minor">
+            <a:schemeClr val="tx1"/>
+          </a:fontRef>
+        </p:style>
+      </p:cxnSp>
+      <p:cxnSp>
+        <p:nvCxnSpPr>
+          <p:cNvPr id="19" name="Straight Connector 18">
+            <a:extLst>
+              <a:ext uri="{FF2B5EF4-FFF2-40B4-BE49-F238E27FC236}">
+                <a16:creationId xmlns:a16="http://schemas.microsoft.com/office/drawing/2014/main" id="{1501F9ED-2D7B-6561-546F-3B9D52DD24B8}"/>
+              </a:ext>
+            </a:extLst>
+          </p:cNvPr>
+          <p:cNvCxnSpPr>
+            <a:cxnSpLocks/>
+          </p:cNvCxnSpPr>
+          <p:nvPr/>
+        </p:nvCxnSpPr>
+        <p:spPr>
+          <a:xfrm>
+            <a:off x="4182762" y="4090086"/>
+            <a:ext cx="0" cy="395417"/>
+          </a:xfrm>
+          <a:prstGeom prst="line">
+            <a:avLst/>
+          </a:prstGeom>
+          <a:ln w="15875">
+            <a:solidFill>
+              <a:schemeClr val="accent1"/>
+            </a:solidFill>
+          </a:ln>
+        </p:spPr>
+        <p:style>
+          <a:lnRef idx="1">
+            <a:schemeClr val="accent1"/>
+          </a:lnRef>
+          <a:fillRef idx="0">
+            <a:schemeClr val="accent1"/>
+          </a:fillRef>
+          <a:effectRef idx="0">
+            <a:schemeClr val="accent1"/>
+          </a:effectRef>
+          <a:fontRef idx="minor">
+            <a:schemeClr val="tx1"/>
+          </a:fontRef>
+        </p:style>
+      </p:cxnSp>
+      <p:cxnSp>
+        <p:nvCxnSpPr>
+          <p:cNvPr id="21" name="Straight Connector 20">
+            <a:extLst>
+              <a:ext uri="{FF2B5EF4-FFF2-40B4-BE49-F238E27FC236}">
+                <a16:creationId xmlns:a16="http://schemas.microsoft.com/office/drawing/2014/main" id="{AB55C5D5-3258-9587-C391-B23315042CB1}"/>
+              </a:ext>
+            </a:extLst>
+          </p:cNvPr>
+          <p:cNvCxnSpPr>
+            <a:cxnSpLocks/>
+          </p:cNvCxnSpPr>
+          <p:nvPr/>
+        </p:nvCxnSpPr>
+        <p:spPr>
+          <a:xfrm>
+            <a:off x="3744097" y="4485503"/>
+            <a:ext cx="877330" cy="0"/>
+          </a:xfrm>
+          <a:prstGeom prst="line">
+            <a:avLst/>
+          </a:prstGeom>
+          <a:ln w="15875">
+            <a:solidFill>
+              <a:schemeClr val="accent1"/>
+            </a:solidFill>
+          </a:ln>
+        </p:spPr>
+        <p:style>
+          <a:lnRef idx="1">
+            <a:schemeClr val="accent1"/>
+          </a:lnRef>
+          <a:fillRef idx="0">
+            <a:schemeClr val="accent1"/>
+          </a:fillRef>
+          <a:effectRef idx="0">
+            <a:schemeClr val="accent1"/>
+          </a:effectRef>
+          <a:fontRef idx="minor">
+            <a:schemeClr val="tx1"/>
+          </a:fontRef>
+        </p:style>
+      </p:cxnSp>
+      <p:cxnSp>
+        <p:nvCxnSpPr>
+          <p:cNvPr id="22" name="Straight Connector 21">
+            <a:extLst>
+              <a:ext uri="{FF2B5EF4-FFF2-40B4-BE49-F238E27FC236}">
+                <a16:creationId xmlns:a16="http://schemas.microsoft.com/office/drawing/2014/main" id="{AB8524D3-B79B-0B9A-0EF2-34E41B0CB6D9}"/>
+              </a:ext>
+            </a:extLst>
+          </p:cNvPr>
+          <p:cNvCxnSpPr>
+            <a:cxnSpLocks/>
+          </p:cNvCxnSpPr>
+          <p:nvPr/>
+        </p:nvCxnSpPr>
+        <p:spPr>
+          <a:xfrm>
+            <a:off x="3925330" y="4662616"/>
+            <a:ext cx="514865" cy="0"/>
+          </a:xfrm>
+          <a:prstGeom prst="line">
+            <a:avLst/>
+          </a:prstGeom>
+          <a:ln w="15875">
+            <a:solidFill>
+              <a:schemeClr val="accent1"/>
+            </a:solidFill>
+          </a:ln>
+        </p:spPr>
+        <p:style>
+          <a:lnRef idx="1">
+            <a:schemeClr val="accent1"/>
+          </a:lnRef>
+          <a:fillRef idx="0">
+            <a:schemeClr val="accent1"/>
+          </a:fillRef>
+          <a:effectRef idx="0">
+            <a:schemeClr val="accent1"/>
+          </a:effectRef>
+          <a:fontRef idx="minor">
+            <a:schemeClr val="tx1"/>
+          </a:fontRef>
+        </p:style>
+      </p:cxnSp>
+      <p:cxnSp>
+        <p:nvCxnSpPr>
+          <p:cNvPr id="24" name="Straight Connector 23">
+            <a:extLst>
+              <a:ext uri="{FF2B5EF4-FFF2-40B4-BE49-F238E27FC236}">
+                <a16:creationId xmlns:a16="http://schemas.microsoft.com/office/drawing/2014/main" id="{FF20D665-3AE6-1B17-7181-6F1BAC5F3827}"/>
+              </a:ext>
+            </a:extLst>
+          </p:cNvPr>
+          <p:cNvCxnSpPr>
+            <a:cxnSpLocks/>
+          </p:cNvCxnSpPr>
+          <p:nvPr/>
+        </p:nvCxnSpPr>
+        <p:spPr>
+          <a:xfrm>
+            <a:off x="4108107" y="4839729"/>
+            <a:ext cx="149311" cy="0"/>
+          </a:xfrm>
+          <a:prstGeom prst="line">
+            <a:avLst/>
+          </a:prstGeom>
+          <a:ln w="15875">
+            <a:solidFill>
+              <a:schemeClr val="accent1"/>
+            </a:solidFill>
+          </a:ln>
+        </p:spPr>
+        <p:style>
+          <a:lnRef idx="1">
+            <a:schemeClr val="accent1"/>
+          </a:lnRef>
+          <a:fillRef idx="0">
+            <a:schemeClr val="accent1"/>
+          </a:fillRef>
+          <a:effectRef idx="0">
+            <a:schemeClr val="accent1"/>
+          </a:effectRef>
+          <a:fontRef idx="minor">
+            <a:schemeClr val="tx1"/>
+          </a:fontRef>
+        </p:style>
+      </p:cxnSp>
+      <mc:AlternateContent xmlns:mc="http://schemas.openxmlformats.org/markup-compatibility/2006">
+        <mc:Choice xmlns:a14="http://schemas.microsoft.com/office/drawing/2010/main" Requires="a14">
+          <p:sp>
+            <p:nvSpPr>
+              <p:cNvPr id="28" name="TextBox 27">
+                <a:extLst>
+                  <a:ext uri="{FF2B5EF4-FFF2-40B4-BE49-F238E27FC236}">
+                    <a16:creationId xmlns:a16="http://schemas.microsoft.com/office/drawing/2014/main" id="{8CA7E18D-77F4-1431-88D3-B6B5F3BA5A36}"/>
+                  </a:ext>
+                </a:extLst>
+              </p:cNvPr>
+              <p:cNvSpPr txBox="1"/>
+              <p:nvPr/>
+            </p:nvSpPr>
+            <p:spPr>
+              <a:xfrm>
+                <a:off x="3880866" y="2867111"/>
+                <a:ext cx="607987" cy="369332"/>
+              </a:xfrm>
+              <a:prstGeom prst="rect">
+                <a:avLst/>
+              </a:prstGeom>
+              <a:noFill/>
+            </p:spPr>
+            <p:txBody>
+              <a:bodyPr wrap="none" rtlCol="0">
+                <a:spAutoFit/>
+              </a:bodyPr>
+              <a:lstStyle/>
+              <a:p>
+                <a14:m>
+                  <m:oMathPara xmlns:m="http://schemas.openxmlformats.org/officeDocument/2006/math">
+                    <m:oMathParaPr>
+                      <m:jc m:val="centerGroup"/>
+                    </m:oMathParaPr>
+                    <m:oMath xmlns:m="http://schemas.openxmlformats.org/officeDocument/2006/math">
+                      <m:r>
+                        <a:rPr lang="en-US" i="1" dirty="0" smtClean="0">
+                          <a:latin typeface="Cambria Math" panose="02040503050406030204" pitchFamily="18" charset="0"/>
+                        </a:rPr>
+                        <m:t>𝑖</m:t>
+                      </m:r>
+                      <m:r>
+                        <a:rPr lang="en-GB" b="0" i="1" dirty="0" smtClean="0">
+                          <a:latin typeface="Cambria Math" panose="02040503050406030204" pitchFamily="18" charset="0"/>
+                        </a:rPr>
+                        <m:t>(</m:t>
+                      </m:r>
+                      <m:r>
+                        <a:rPr lang="en-GB" b="0" i="1" dirty="0" smtClean="0">
+                          <a:latin typeface="Cambria Math" panose="02040503050406030204" pitchFamily="18" charset="0"/>
+                        </a:rPr>
+                        <m:t>𝑡</m:t>
+                      </m:r>
+                      <m:r>
+                        <a:rPr lang="en-GB" b="0" i="1" dirty="0" smtClean="0">
+                          <a:latin typeface="Cambria Math" panose="02040503050406030204" pitchFamily="18" charset="0"/>
+                        </a:rPr>
+                        <m:t>)</m:t>
+                      </m:r>
+                    </m:oMath>
+                  </m:oMathPara>
+                </a14:m>
+                <a:endParaRPr lang="en-US" dirty="0"/>
+              </a:p>
+            </p:txBody>
+          </p:sp>
+        </mc:Choice>
+        <mc:Fallback>
+          <p:sp>
+            <p:nvSpPr>
+              <p:cNvPr id="28" name="TextBox 27">
+                <a:extLst>
+                  <a:ext uri="{FF2B5EF4-FFF2-40B4-BE49-F238E27FC236}">
+                    <a16:creationId xmlns:a16="http://schemas.microsoft.com/office/drawing/2014/main" id="{8CA7E18D-77F4-1431-88D3-B6B5F3BA5A36}"/>
+                  </a:ext>
+                </a:extLst>
+              </p:cNvPr>
+              <p:cNvSpPr txBox="1">
+                <a:spLocks noRot="1" noChangeAspect="1" noMove="1" noResize="1" noEditPoints="1" noAdjustHandles="1" noChangeArrowheads="1" noChangeShapeType="1" noTextEdit="1"/>
+              </p:cNvSpPr>
+              <p:nvPr/>
+            </p:nvSpPr>
+            <p:spPr>
+              <a:xfrm>
+                <a:off x="3880866" y="2867111"/>
+                <a:ext cx="607987" cy="369332"/>
+              </a:xfrm>
+              <a:prstGeom prst="rect">
+                <a:avLst/>
+              </a:prstGeom>
+              <a:blipFill>
+                <a:blip r:embed="rId6"/>
+                <a:stretch>
+                  <a:fillRect b="-16667"/>
+                </a:stretch>
+              </a:blipFill>
+            </p:spPr>
+            <p:txBody>
+              <a:bodyPr/>
+              <a:lstStyle/>
+              <a:p>
+                <a:r>
+                  <a:rPr lang="en-US">
+                    <a:noFill/>
+                  </a:rPr>
+                  <a:t> </a:t>
+                </a:r>
+              </a:p>
+            </p:txBody>
+          </p:sp>
+        </mc:Fallback>
+      </mc:AlternateContent>
+      <p:sp>
+        <p:nvSpPr>
+          <p:cNvPr id="29" name="Circular Arrow 28">
+            <a:extLst>
+              <a:ext uri="{FF2B5EF4-FFF2-40B4-BE49-F238E27FC236}">
+                <a16:creationId xmlns:a16="http://schemas.microsoft.com/office/drawing/2014/main" id="{DD1D3EED-F729-1D7C-07DA-5E23BF3E29E5}"/>
+              </a:ext>
+            </a:extLst>
+          </p:cNvPr>
+          <p:cNvSpPr/>
+          <p:nvPr/>
+        </p:nvSpPr>
+        <p:spPr>
+          <a:xfrm>
+            <a:off x="3925330" y="2371812"/>
+            <a:ext cx="514865" cy="939799"/>
+          </a:xfrm>
+          <a:prstGeom prst="circularArrow">
+            <a:avLst/>
+          </a:prstGeom>
+        </p:spPr>
+        <p:style>
+          <a:lnRef idx="2">
+            <a:schemeClr val="accent1">
+              <a:shade val="50000"/>
+            </a:schemeClr>
+          </a:lnRef>
+          <a:fillRef idx="1">
+            <a:schemeClr val="accent1"/>
+          </a:fillRef>
+          <a:effectRef idx="0">
+            <a:schemeClr val="accent1"/>
+          </a:effectRef>
+          <a:fontRef idx="minor">
+            <a:schemeClr val="lt1"/>
+          </a:fontRef>
+        </p:style>
+        <p:txBody>
+          <a:bodyPr rtlCol="0" anchor="ctr"/>
+          <a:lstStyle/>
+          <a:p>
+            <a:pPr algn="ctr"/>
+            <a:endParaRPr lang="en-US">
+              <a:solidFill>
+                <a:schemeClr val="tx1"/>
+              </a:solidFill>
+            </a:endParaRPr>
+          </a:p>
+        </p:txBody>
+      </p:sp>
+    </p:spTree>
+    <p:extLst>
+      <p:ext uri="{BB962C8B-B14F-4D97-AF65-F5344CB8AC3E}">
+        <p14:creationId xmlns:p14="http://schemas.microsoft.com/office/powerpoint/2010/main" val="566100111"/>
       </p:ext>
     </p:extLst>
   </p:cSld>

--- a/signals_and_systems/signals/pictures/pictures.pptx
+++ b/signals_and_systems/signals/pictures/pictures.pptx
@@ -10,6 +10,7 @@
     <p:sldId id="258" r:id="rId4"/>
     <p:sldId id="259" r:id="rId5"/>
     <p:sldId id="260" r:id="rId6"/>
+    <p:sldId id="261" r:id="rId7"/>
   </p:sldIdLst>
   <p:sldSz cx="12192000" cy="6858000"/>
   <p:notesSz cx="6858000" cy="9144000"/>
@@ -265,7 +266,7 @@
           <a:p>
             <a:fld id="{B10F6587-41BA-BF40-9DBB-A8B5303664B6}" type="datetimeFigureOut">
               <a:rPr lang="en-US" smtClean="0"/>
-              <a:t>12/1/22</a:t>
+              <a:t>12/2/22</a:t>
             </a:fld>
             <a:endParaRPr lang="en-US"/>
           </a:p>
@@ -465,7 +466,7 @@
           <a:p>
             <a:fld id="{B10F6587-41BA-BF40-9DBB-A8B5303664B6}" type="datetimeFigureOut">
               <a:rPr lang="en-US" smtClean="0"/>
-              <a:t>12/1/22</a:t>
+              <a:t>12/2/22</a:t>
             </a:fld>
             <a:endParaRPr lang="en-US"/>
           </a:p>
@@ -675,7 +676,7 @@
           <a:p>
             <a:fld id="{B10F6587-41BA-BF40-9DBB-A8B5303664B6}" type="datetimeFigureOut">
               <a:rPr lang="en-US" smtClean="0"/>
-              <a:t>12/1/22</a:t>
+              <a:t>12/2/22</a:t>
             </a:fld>
             <a:endParaRPr lang="en-US"/>
           </a:p>
@@ -875,7 +876,7 @@
           <a:p>
             <a:fld id="{B10F6587-41BA-BF40-9DBB-A8B5303664B6}" type="datetimeFigureOut">
               <a:rPr lang="en-US" smtClean="0"/>
-              <a:t>12/1/22</a:t>
+              <a:t>12/2/22</a:t>
             </a:fld>
             <a:endParaRPr lang="en-US"/>
           </a:p>
@@ -1151,7 +1152,7 @@
           <a:p>
             <a:fld id="{B10F6587-41BA-BF40-9DBB-A8B5303664B6}" type="datetimeFigureOut">
               <a:rPr lang="en-US" smtClean="0"/>
-              <a:t>12/1/22</a:t>
+              <a:t>12/2/22</a:t>
             </a:fld>
             <a:endParaRPr lang="en-US"/>
           </a:p>
@@ -1419,7 +1420,7 @@
           <a:p>
             <a:fld id="{B10F6587-41BA-BF40-9DBB-A8B5303664B6}" type="datetimeFigureOut">
               <a:rPr lang="en-US" smtClean="0"/>
-              <a:t>12/1/22</a:t>
+              <a:t>12/2/22</a:t>
             </a:fld>
             <a:endParaRPr lang="en-US"/>
           </a:p>
@@ -1834,7 +1835,7 @@
           <a:p>
             <a:fld id="{B10F6587-41BA-BF40-9DBB-A8B5303664B6}" type="datetimeFigureOut">
               <a:rPr lang="en-US" smtClean="0"/>
-              <a:t>12/1/22</a:t>
+              <a:t>12/2/22</a:t>
             </a:fld>
             <a:endParaRPr lang="en-US"/>
           </a:p>
@@ -1976,7 +1977,7 @@
           <a:p>
             <a:fld id="{B10F6587-41BA-BF40-9DBB-A8B5303664B6}" type="datetimeFigureOut">
               <a:rPr lang="en-US" smtClean="0"/>
-              <a:t>12/1/22</a:t>
+              <a:t>12/2/22</a:t>
             </a:fld>
             <a:endParaRPr lang="en-US"/>
           </a:p>
@@ -2089,7 +2090,7 @@
           <a:p>
             <a:fld id="{B10F6587-41BA-BF40-9DBB-A8B5303664B6}" type="datetimeFigureOut">
               <a:rPr lang="en-US" smtClean="0"/>
-              <a:t>12/1/22</a:t>
+              <a:t>12/2/22</a:t>
             </a:fld>
             <a:endParaRPr lang="en-US"/>
           </a:p>
@@ -2402,7 +2403,7 @@
           <a:p>
             <a:fld id="{B10F6587-41BA-BF40-9DBB-A8B5303664B6}" type="datetimeFigureOut">
               <a:rPr lang="en-US" smtClean="0"/>
-              <a:t>12/1/22</a:t>
+              <a:t>12/2/22</a:t>
             </a:fld>
             <a:endParaRPr lang="en-US"/>
           </a:p>
@@ -2691,7 +2692,7 @@
           <a:p>
             <a:fld id="{B10F6587-41BA-BF40-9DBB-A8B5303664B6}" type="datetimeFigureOut">
               <a:rPr lang="en-US" smtClean="0"/>
-              <a:t>12/1/22</a:t>
+              <a:t>12/2/22</a:t>
             </a:fld>
             <a:endParaRPr lang="en-US"/>
           </a:p>
@@ -2934,7 +2935,7 @@
           <a:p>
             <a:fld id="{B10F6587-41BA-BF40-9DBB-A8B5303664B6}" type="datetimeFigureOut">
               <a:rPr lang="en-US" smtClean="0"/>
-              <a:t>12/1/22</a:t>
+              <a:t>12/2/22</a:t>
             </a:fld>
             <a:endParaRPr lang="en-US"/>
           </a:p>
@@ -9543,8 +9544,8 @@
           </a:fontRef>
         </p:style>
       </p:cxnSp>
-      <mc:AlternateContent xmlns:mc="http://schemas.openxmlformats.org/markup-compatibility/2006">
-        <mc:Choice xmlns:a14="http://schemas.microsoft.com/office/drawing/2010/main" Requires="a14">
+      <mc:AlternateContent xmlns:mc="http://schemas.openxmlformats.org/markup-compatibility/2006" xmlns:a14="http://schemas.microsoft.com/office/drawing/2010/main">
+        <mc:Choice Requires="a14">
           <p:sp>
             <p:nvSpPr>
               <p:cNvPr id="9" name="TextBox 8">
@@ -9594,7 +9595,7 @@
             </p:txBody>
           </p:sp>
         </mc:Choice>
-        <mc:Fallback>
+        <mc:Fallback xmlns="">
           <p:sp>
             <p:nvSpPr>
               <p:cNvPr id="9" name="TextBox 8">
@@ -9639,8 +9640,8 @@
           </p:sp>
         </mc:Fallback>
       </mc:AlternateContent>
-      <mc:AlternateContent xmlns:mc="http://schemas.openxmlformats.org/markup-compatibility/2006">
-        <mc:Choice xmlns:a14="http://schemas.microsoft.com/office/drawing/2010/main" Requires="a14">
+      <mc:AlternateContent xmlns:mc="http://schemas.openxmlformats.org/markup-compatibility/2006" xmlns:a14="http://schemas.microsoft.com/office/drawing/2010/main">
+        <mc:Choice Requires="a14">
           <p:sp>
             <p:nvSpPr>
               <p:cNvPr id="10" name="TextBox 9">
@@ -9708,7 +9709,7 @@
             </p:txBody>
           </p:sp>
         </mc:Choice>
-        <mc:Fallback>
+        <mc:Fallback xmlns="">
           <p:sp>
             <p:nvSpPr>
               <p:cNvPr id="10" name="TextBox 9">
@@ -9861,8 +9862,8 @@
           </p:style>
         </p:cxnSp>
       </p:grpSp>
-      <mc:AlternateContent xmlns:mc="http://schemas.openxmlformats.org/markup-compatibility/2006">
-        <mc:Choice xmlns:a14="http://schemas.microsoft.com/office/drawing/2010/main" Requires="a14">
+      <mc:AlternateContent xmlns:mc="http://schemas.openxmlformats.org/markup-compatibility/2006" xmlns:a14="http://schemas.microsoft.com/office/drawing/2010/main">
+        <mc:Choice Requires="a14">
           <p:sp>
             <p:nvSpPr>
               <p:cNvPr id="12" name="TextBox 11">
@@ -9912,7 +9913,7 @@
             </p:txBody>
           </p:sp>
         </mc:Choice>
-        <mc:Fallback>
+        <mc:Fallback xmlns="">
           <p:sp>
             <p:nvSpPr>
               <p:cNvPr id="12" name="TextBox 11">
@@ -14167,8 +14168,8 @@
           </a:fontRef>
         </p:style>
       </p:cxnSp>
-      <mc:AlternateContent xmlns:mc="http://schemas.openxmlformats.org/markup-compatibility/2006">
-        <mc:Choice xmlns:a14="http://schemas.microsoft.com/office/drawing/2010/main" Requires="a14">
+      <mc:AlternateContent xmlns:mc="http://schemas.openxmlformats.org/markup-compatibility/2006" xmlns:a14="http://schemas.microsoft.com/office/drawing/2010/main">
+        <mc:Choice Requires="a14">
           <p:sp>
             <p:nvSpPr>
               <p:cNvPr id="9" name="TextBox 8">
@@ -14218,7 +14219,7 @@
             </p:txBody>
           </p:sp>
         </mc:Choice>
-        <mc:Fallback>
+        <mc:Fallback xmlns="">
           <p:sp>
             <p:nvSpPr>
               <p:cNvPr id="9" name="TextBox 8">
@@ -14263,8 +14264,8 @@
           </p:sp>
         </mc:Fallback>
       </mc:AlternateContent>
-      <mc:AlternateContent xmlns:mc="http://schemas.openxmlformats.org/markup-compatibility/2006">
-        <mc:Choice xmlns:a14="http://schemas.microsoft.com/office/drawing/2010/main" Requires="a14">
+      <mc:AlternateContent xmlns:mc="http://schemas.openxmlformats.org/markup-compatibility/2006" xmlns:a14="http://schemas.microsoft.com/office/drawing/2010/main">
+        <mc:Choice Requires="a14">
           <p:sp>
             <p:nvSpPr>
               <p:cNvPr id="11" name="TextBox 10">
@@ -14332,7 +14333,7 @@
             </p:txBody>
           </p:sp>
         </mc:Choice>
-        <mc:Fallback>
+        <mc:Fallback xmlns="">
           <p:sp>
             <p:nvSpPr>
               <p:cNvPr id="11" name="TextBox 10">
@@ -14377,8 +14378,8 @@
           </p:sp>
         </mc:Fallback>
       </mc:AlternateContent>
-      <mc:AlternateContent xmlns:mc="http://schemas.openxmlformats.org/markup-compatibility/2006">
-        <mc:Choice xmlns:a14="http://schemas.microsoft.com/office/drawing/2010/main" Requires="a14">
+      <mc:AlternateContent xmlns:mc="http://schemas.openxmlformats.org/markup-compatibility/2006" xmlns:a14="http://schemas.microsoft.com/office/drawing/2010/main">
+        <mc:Choice Requires="a14">
           <p:sp>
             <p:nvSpPr>
               <p:cNvPr id="12" name="TextBox 11">
@@ -14428,7 +14429,7 @@
             </p:txBody>
           </p:sp>
         </mc:Choice>
-        <mc:Fallback>
+        <mc:Fallback xmlns="">
           <p:sp>
             <p:nvSpPr>
               <p:cNvPr id="12" name="TextBox 11">
@@ -14514,8 +14515,8 @@
           </a:fontRef>
         </p:style>
       </p:cxnSp>
-      <mc:AlternateContent xmlns:mc="http://schemas.openxmlformats.org/markup-compatibility/2006">
-        <mc:Choice xmlns:a14="http://schemas.microsoft.com/office/drawing/2010/main" Requires="a14">
+      <mc:AlternateContent xmlns:mc="http://schemas.openxmlformats.org/markup-compatibility/2006" xmlns:a14="http://schemas.microsoft.com/office/drawing/2010/main">
+        <mc:Choice Requires="a14">
           <p:sp>
             <p:nvSpPr>
               <p:cNvPr id="63" name="TextBox 62">
@@ -14544,6 +14545,7 @@
               </a:bodyPr>
               <a:lstStyle/>
               <a:p>
+                <a:pPr/>
                 <a14:m>
                   <m:oMathPara xmlns:m="http://schemas.openxmlformats.org/officeDocument/2006/math">
                     <m:oMathParaPr>
@@ -14593,7 +14595,7 @@
             </p:txBody>
           </p:sp>
         </mc:Choice>
-        <mc:Fallback>
+        <mc:Fallback xmlns="">
           <p:sp>
             <p:nvSpPr>
               <p:cNvPr id="63" name="TextBox 62">
@@ -14716,8 +14718,8 @@
           </a:p>
         </p:txBody>
       </p:sp>
-      <mc:AlternateContent xmlns:mc="http://schemas.openxmlformats.org/markup-compatibility/2006">
-        <mc:Choice xmlns:a14="http://schemas.microsoft.com/office/drawing/2010/main" Requires="a14">
+      <mc:AlternateContent xmlns:mc="http://schemas.openxmlformats.org/markup-compatibility/2006" xmlns:a14="http://schemas.microsoft.com/office/drawing/2010/main">
+        <mc:Choice Requires="a14">
           <p:sp>
             <p:nvSpPr>
               <p:cNvPr id="4" name="Oval 3">
@@ -14815,7 +14817,7 @@
             </p:txBody>
           </p:sp>
         </mc:Choice>
-        <mc:Fallback>
+        <mc:Fallback xmlns="">
           <p:sp>
             <p:nvSpPr>
               <p:cNvPr id="4" name="Oval 3">
@@ -14860,8 +14862,8 @@
           </p:sp>
         </mc:Fallback>
       </mc:AlternateContent>
-      <mc:AlternateContent xmlns:mc="http://schemas.openxmlformats.org/markup-compatibility/2006">
-        <mc:Choice xmlns:a14="http://schemas.microsoft.com/office/drawing/2010/main" Requires="a14">
+      <mc:AlternateContent xmlns:mc="http://schemas.openxmlformats.org/markup-compatibility/2006" xmlns:a14="http://schemas.microsoft.com/office/drawing/2010/main">
+        <mc:Choice Requires="a14">
           <p:sp>
             <p:nvSpPr>
               <p:cNvPr id="5" name="TextBox 4">
@@ -14890,6 +14892,7 @@
               </a:bodyPr>
               <a:lstStyle/>
               <a:p>
+                <a:pPr/>
                 <a14:m>
                   <m:oMathPara xmlns:m="http://schemas.openxmlformats.org/officeDocument/2006/math">
                     <m:oMathParaPr>
@@ -14910,7 +14913,7 @@
             </p:txBody>
           </p:sp>
         </mc:Choice>
-        <mc:Fallback>
+        <mc:Fallback xmlns="">
           <p:sp>
             <p:nvSpPr>
               <p:cNvPr id="5" name="TextBox 4">
@@ -14955,8 +14958,8 @@
           </p:sp>
         </mc:Fallback>
       </mc:AlternateContent>
-      <mc:AlternateContent xmlns:mc="http://schemas.openxmlformats.org/markup-compatibility/2006">
-        <mc:Choice xmlns:a14="http://schemas.microsoft.com/office/drawing/2010/main" Requires="a14">
+      <mc:AlternateContent xmlns:mc="http://schemas.openxmlformats.org/markup-compatibility/2006" xmlns:a14="http://schemas.microsoft.com/office/drawing/2010/main">
+        <mc:Choice Requires="a14">
           <p:sp>
             <p:nvSpPr>
               <p:cNvPr id="6" name="TextBox 5">
@@ -14985,6 +14988,7 @@
               </a:bodyPr>
               <a:lstStyle/>
               <a:p>
+                <a:pPr/>
                 <a14:m>
                   <m:oMathPara xmlns:m="http://schemas.openxmlformats.org/officeDocument/2006/math">
                     <m:oMathParaPr>
@@ -15005,7 +15009,7 @@
             </p:txBody>
           </p:sp>
         </mc:Choice>
-        <mc:Fallback>
+        <mc:Fallback xmlns="">
           <p:sp>
             <p:nvSpPr>
               <p:cNvPr id="6" name="TextBox 5">
@@ -15050,8 +15054,8 @@
           </p:sp>
         </mc:Fallback>
       </mc:AlternateContent>
-      <mc:AlternateContent xmlns:mc="http://schemas.openxmlformats.org/markup-compatibility/2006">
-        <mc:Choice xmlns:a14="http://schemas.microsoft.com/office/drawing/2010/main" Requires="a14">
+      <mc:AlternateContent xmlns:mc="http://schemas.openxmlformats.org/markup-compatibility/2006" xmlns:a14="http://schemas.microsoft.com/office/drawing/2010/main">
+        <mc:Choice Requires="a14">
           <p:sp>
             <p:nvSpPr>
               <p:cNvPr id="7" name="TextBox 6">
@@ -15080,6 +15084,7 @@
               </a:bodyPr>
               <a:lstStyle/>
               <a:p>
+                <a:pPr/>
                 <a14:m>
                   <m:oMathPara xmlns:m="http://schemas.openxmlformats.org/officeDocument/2006/math">
                     <m:oMathParaPr>
@@ -15100,7 +15105,7 @@
             </p:txBody>
           </p:sp>
         </mc:Choice>
-        <mc:Fallback>
+        <mc:Fallback xmlns="">
           <p:sp>
             <p:nvSpPr>
               <p:cNvPr id="7" name="TextBox 6">
@@ -15573,8 +15578,8 @@
           </a:fontRef>
         </p:style>
       </p:cxnSp>
-      <mc:AlternateContent xmlns:mc="http://schemas.openxmlformats.org/markup-compatibility/2006">
-        <mc:Choice xmlns:a14="http://schemas.microsoft.com/office/drawing/2010/main" Requires="a14">
+      <mc:AlternateContent xmlns:mc="http://schemas.openxmlformats.org/markup-compatibility/2006" xmlns:a14="http://schemas.microsoft.com/office/drawing/2010/main">
+        <mc:Choice Requires="a14">
           <p:sp>
             <p:nvSpPr>
               <p:cNvPr id="28" name="TextBox 27">
@@ -15603,6 +15608,7 @@
               </a:bodyPr>
               <a:lstStyle/>
               <a:p>
+                <a:pPr/>
                 <a14:m>
                   <m:oMathPara xmlns:m="http://schemas.openxmlformats.org/officeDocument/2006/math">
                     <m:oMathParaPr>
@@ -15641,7 +15647,7 @@
             </p:txBody>
           </p:sp>
         </mc:Choice>
-        <mc:Fallback>
+        <mc:Fallback xmlns="">
           <p:sp>
             <p:nvSpPr>
               <p:cNvPr id="28" name="TextBox 27">
@@ -15740,6 +15746,914 @@
     <p:extLst>
       <p:ext uri="{BB962C8B-B14F-4D97-AF65-F5344CB8AC3E}">
         <p14:creationId xmlns:p14="http://schemas.microsoft.com/office/powerpoint/2010/main" val="566100111"/>
+      </p:ext>
+    </p:extLst>
+  </p:cSld>
+  <p:clrMapOvr>
+    <a:masterClrMapping/>
+  </p:clrMapOvr>
+</p:sld>
+</file>
+
+<file path=ppt/slides/slide6.xml><?xml version="1.0" encoding="utf-8"?>
+<p:sld xmlns:a="http://schemas.openxmlformats.org/drawingml/2006/main" xmlns:r="http://schemas.openxmlformats.org/officeDocument/2006/relationships" xmlns:p="http://schemas.openxmlformats.org/presentationml/2006/main">
+  <p:cSld>
+    <p:spTree>
+      <p:nvGrpSpPr>
+        <p:cNvPr id="1" name=""/>
+        <p:cNvGrpSpPr/>
+        <p:nvPr/>
+      </p:nvGrpSpPr>
+      <p:grpSpPr>
+        <a:xfrm>
+          <a:off x="0" y="0"/>
+          <a:ext cx="0" cy="0"/>
+          <a:chOff x="0" y="0"/>
+          <a:chExt cx="0" cy="0"/>
+        </a:xfrm>
+      </p:grpSpPr>
+      <p:grpSp>
+        <p:nvGrpSpPr>
+          <p:cNvPr id="28" name="Group 27">
+            <a:extLst>
+              <a:ext uri="{FF2B5EF4-FFF2-40B4-BE49-F238E27FC236}">
+                <a16:creationId xmlns:a16="http://schemas.microsoft.com/office/drawing/2014/main" id="{E0EE4E9A-8E09-A96D-CE86-65B9DF6A884B}"/>
+              </a:ext>
+            </a:extLst>
+          </p:cNvPr>
+          <p:cNvGrpSpPr/>
+          <p:nvPr/>
+        </p:nvGrpSpPr>
+        <p:grpSpPr>
+          <a:xfrm>
+            <a:off x="1798055" y="0"/>
+            <a:ext cx="3994635" cy="4819134"/>
+            <a:chOff x="1798055" y="0"/>
+            <a:chExt cx="3994635" cy="4819134"/>
+          </a:xfrm>
+        </p:grpSpPr>
+        <p:sp>
+          <p:nvSpPr>
+            <p:cNvPr id="14" name="Rectangle 13">
+              <a:extLst>
+                <a:ext uri="{FF2B5EF4-FFF2-40B4-BE49-F238E27FC236}">
+                  <a16:creationId xmlns:a16="http://schemas.microsoft.com/office/drawing/2014/main" id="{0F236A19-95E0-ECA7-11F9-7C522A7E0B0F}"/>
+                </a:ext>
+              </a:extLst>
+            </p:cNvPr>
+            <p:cNvSpPr/>
+            <p:nvPr/>
+          </p:nvSpPr>
+          <p:spPr>
+            <a:xfrm>
+              <a:off x="2914657" y="3776945"/>
+              <a:ext cx="1755227" cy="567155"/>
+            </a:xfrm>
+            <a:prstGeom prst="rect">
+              <a:avLst/>
+            </a:prstGeom>
+            <a:noFill/>
+            <a:ln w="12700">
+              <a:solidFill>
+                <a:schemeClr val="accent6"/>
+              </a:solidFill>
+            </a:ln>
+          </p:spPr>
+          <p:style>
+            <a:lnRef idx="2">
+              <a:schemeClr val="accent1">
+                <a:shade val="50000"/>
+              </a:schemeClr>
+            </a:lnRef>
+            <a:fillRef idx="1">
+              <a:schemeClr val="accent1"/>
+            </a:fillRef>
+            <a:effectRef idx="0">
+              <a:schemeClr val="accent1"/>
+            </a:effectRef>
+            <a:fontRef idx="minor">
+              <a:schemeClr val="lt1"/>
+            </a:fontRef>
+          </p:style>
+          <p:txBody>
+            <a:bodyPr rtlCol="0" anchor="ctr"/>
+            <a:lstStyle/>
+            <a:p>
+              <a:pPr algn="ctr"/>
+              <a:endParaRPr lang="en-US"/>
+            </a:p>
+          </p:txBody>
+        </p:sp>
+        <p:cxnSp>
+          <p:nvCxnSpPr>
+            <p:cNvPr id="3" name="Straight Arrow Connector 2">
+              <a:extLst>
+                <a:ext uri="{FF2B5EF4-FFF2-40B4-BE49-F238E27FC236}">
+                  <a16:creationId xmlns:a16="http://schemas.microsoft.com/office/drawing/2014/main" id="{23C343FF-9A81-AED8-FF6B-7CE74F68E53E}"/>
+                </a:ext>
+              </a:extLst>
+            </p:cNvPr>
+            <p:cNvCxnSpPr>
+              <a:cxnSpLocks/>
+            </p:cNvCxnSpPr>
+            <p:nvPr/>
+          </p:nvCxnSpPr>
+          <p:spPr>
+            <a:xfrm>
+              <a:off x="1798055" y="4352054"/>
+              <a:ext cx="3988430" cy="0"/>
+            </a:xfrm>
+            <a:prstGeom prst="straightConnector1">
+              <a:avLst/>
+            </a:prstGeom>
+            <a:ln w="12700">
+              <a:tailEnd type="triangle"/>
+            </a:ln>
+          </p:spPr>
+          <p:style>
+            <a:lnRef idx="1">
+              <a:schemeClr val="accent1"/>
+            </a:lnRef>
+            <a:fillRef idx="0">
+              <a:schemeClr val="accent1"/>
+            </a:fillRef>
+            <a:effectRef idx="0">
+              <a:schemeClr val="accent1"/>
+            </a:effectRef>
+            <a:fontRef idx="minor">
+              <a:schemeClr val="tx1"/>
+            </a:fontRef>
+          </p:style>
+        </p:cxnSp>
+        <p:cxnSp>
+          <p:nvCxnSpPr>
+            <p:cNvPr id="4" name="Straight Arrow Connector 3">
+              <a:extLst>
+                <a:ext uri="{FF2B5EF4-FFF2-40B4-BE49-F238E27FC236}">
+                  <a16:creationId xmlns:a16="http://schemas.microsoft.com/office/drawing/2014/main" id="{E4283999-9AF0-5A91-C58F-2AE46CCB5BBF}"/>
+                </a:ext>
+              </a:extLst>
+            </p:cNvPr>
+            <p:cNvCxnSpPr>
+              <a:cxnSpLocks/>
+            </p:cNvCxnSpPr>
+            <p:nvPr/>
+          </p:nvCxnSpPr>
+          <p:spPr>
+            <a:xfrm flipV="1">
+              <a:off x="3792270" y="0"/>
+              <a:ext cx="0" cy="4341894"/>
+            </a:xfrm>
+            <a:prstGeom prst="straightConnector1">
+              <a:avLst/>
+            </a:prstGeom>
+            <a:ln w="12700">
+              <a:tailEnd type="triangle"/>
+            </a:ln>
+          </p:spPr>
+          <p:style>
+            <a:lnRef idx="1">
+              <a:schemeClr val="accent1"/>
+            </a:lnRef>
+            <a:fillRef idx="0">
+              <a:schemeClr val="accent1"/>
+            </a:fillRef>
+            <a:effectRef idx="0">
+              <a:schemeClr val="accent1"/>
+            </a:effectRef>
+            <a:fontRef idx="minor">
+              <a:schemeClr val="tx1"/>
+            </a:fontRef>
+          </p:style>
+        </p:cxnSp>
+        <mc:AlternateContent xmlns:mc="http://schemas.openxmlformats.org/markup-compatibility/2006">
+          <mc:Choice xmlns:a14="http://schemas.microsoft.com/office/drawing/2010/main" Requires="a14">
+            <p:sp>
+              <p:nvSpPr>
+                <p:cNvPr id="5" name="TextBox 4">
+                  <a:extLst>
+                    <a:ext uri="{FF2B5EF4-FFF2-40B4-BE49-F238E27FC236}">
+                      <a16:creationId xmlns:a16="http://schemas.microsoft.com/office/drawing/2014/main" id="{0665F56A-04DC-C338-11E1-10BD74BA436C}"/>
+                    </a:ext>
+                  </a:extLst>
+                </p:cNvPr>
+                <p:cNvSpPr txBox="1"/>
+                <p:nvPr/>
+              </p:nvSpPr>
+              <p:spPr>
+                <a:xfrm>
+                  <a:off x="5458111" y="4341894"/>
+                  <a:ext cx="334579" cy="369332"/>
+                </a:xfrm>
+                <a:prstGeom prst="rect">
+                  <a:avLst/>
+                </a:prstGeom>
+                <a:noFill/>
+              </p:spPr>
+              <p:txBody>
+                <a:bodyPr wrap="none" rtlCol="0">
+                  <a:spAutoFit/>
+                </a:bodyPr>
+                <a:lstStyle/>
+                <a:p>
+                  <a:pPr/>
+                  <a14:m>
+                    <m:oMathPara xmlns:m="http://schemas.openxmlformats.org/officeDocument/2006/math">
+                      <m:oMathParaPr>
+                        <m:jc m:val="centerGroup"/>
+                      </m:oMathParaPr>
+                      <m:oMath xmlns:m="http://schemas.openxmlformats.org/officeDocument/2006/math">
+                        <m:r>
+                          <a:rPr lang="en-GB" b="0" i="1" smtClean="0">
+                            <a:latin typeface="Cambria Math" panose="02040503050406030204" pitchFamily="18" charset="0"/>
+                          </a:rPr>
+                          <m:t>𝑡</m:t>
+                        </m:r>
+                      </m:oMath>
+                    </m:oMathPara>
+                  </a14:m>
+                  <a:endParaRPr lang="en-US" dirty="0"/>
+                </a:p>
+              </p:txBody>
+            </p:sp>
+          </mc:Choice>
+          <mc:Fallback>
+            <p:sp>
+              <p:nvSpPr>
+                <p:cNvPr id="5" name="TextBox 4">
+                  <a:extLst>
+                    <a:ext uri="{FF2B5EF4-FFF2-40B4-BE49-F238E27FC236}">
+                      <a16:creationId xmlns:a16="http://schemas.microsoft.com/office/drawing/2014/main" id="{0665F56A-04DC-C338-11E1-10BD74BA436C}"/>
+                    </a:ext>
+                  </a:extLst>
+                </p:cNvPr>
+                <p:cNvSpPr txBox="1">
+                  <a:spLocks noRot="1" noChangeAspect="1" noMove="1" noResize="1" noEditPoints="1" noAdjustHandles="1" noChangeArrowheads="1" noChangeShapeType="1" noTextEdit="1"/>
+                </p:cNvSpPr>
+                <p:nvPr/>
+              </p:nvSpPr>
+              <p:spPr>
+                <a:xfrm>
+                  <a:off x="5458111" y="4341894"/>
+                  <a:ext cx="334579" cy="369332"/>
+                </a:xfrm>
+                <a:prstGeom prst="rect">
+                  <a:avLst/>
+                </a:prstGeom>
+                <a:blipFill>
+                  <a:blip r:embed="rId2"/>
+                  <a:stretch>
+                    <a:fillRect/>
+                  </a:stretch>
+                </a:blipFill>
+              </p:spPr>
+              <p:txBody>
+                <a:bodyPr/>
+                <a:lstStyle/>
+                <a:p>
+                  <a:r>
+                    <a:rPr lang="en-US">
+                      <a:noFill/>
+                    </a:rPr>
+                    <a:t> </a:t>
+                  </a:r>
+                </a:p>
+              </p:txBody>
+            </p:sp>
+          </mc:Fallback>
+        </mc:AlternateContent>
+        <p:sp>
+          <p:nvSpPr>
+            <p:cNvPr id="15" name="Rectangle 14">
+              <a:extLst>
+                <a:ext uri="{FF2B5EF4-FFF2-40B4-BE49-F238E27FC236}">
+                  <a16:creationId xmlns:a16="http://schemas.microsoft.com/office/drawing/2014/main" id="{E2988E49-B7FB-33A3-B534-6D258EB8B268}"/>
+                </a:ext>
+              </a:extLst>
+            </p:cNvPr>
+            <p:cNvSpPr/>
+            <p:nvPr/>
+          </p:nvSpPr>
+          <p:spPr>
+            <a:xfrm>
+              <a:off x="3238317" y="3094757"/>
+              <a:ext cx="1107906" cy="1255091"/>
+            </a:xfrm>
+            <a:prstGeom prst="rect">
+              <a:avLst/>
+            </a:prstGeom>
+            <a:noFill/>
+            <a:ln w="12700">
+              <a:solidFill>
+                <a:schemeClr val="accent6"/>
+              </a:solidFill>
+            </a:ln>
+          </p:spPr>
+          <p:style>
+            <a:lnRef idx="2">
+              <a:schemeClr val="accent1">
+                <a:shade val="50000"/>
+              </a:schemeClr>
+            </a:lnRef>
+            <a:fillRef idx="1">
+              <a:schemeClr val="accent1"/>
+            </a:fillRef>
+            <a:effectRef idx="0">
+              <a:schemeClr val="accent1"/>
+            </a:effectRef>
+            <a:fontRef idx="minor">
+              <a:schemeClr val="lt1"/>
+            </a:fontRef>
+          </p:style>
+          <p:txBody>
+            <a:bodyPr rtlCol="0" anchor="ctr"/>
+            <a:lstStyle/>
+            <a:p>
+              <a:pPr algn="ctr"/>
+              <a:endParaRPr lang="en-US"/>
+            </a:p>
+          </p:txBody>
+        </p:sp>
+        <p:sp>
+          <p:nvSpPr>
+            <p:cNvPr id="16" name="Rectangle 15">
+              <a:extLst>
+                <a:ext uri="{FF2B5EF4-FFF2-40B4-BE49-F238E27FC236}">
+                  <a16:creationId xmlns:a16="http://schemas.microsoft.com/office/drawing/2014/main" id="{D1166462-510E-8982-42BD-C207B1CFFEEF}"/>
+                </a:ext>
+              </a:extLst>
+            </p:cNvPr>
+            <p:cNvSpPr/>
+            <p:nvPr/>
+          </p:nvSpPr>
+          <p:spPr>
+            <a:xfrm>
+              <a:off x="3500264" y="1775266"/>
+              <a:ext cx="584012" cy="2574582"/>
+            </a:xfrm>
+            <a:prstGeom prst="rect">
+              <a:avLst/>
+            </a:prstGeom>
+            <a:noFill/>
+            <a:ln w="12700">
+              <a:solidFill>
+                <a:schemeClr val="accent6"/>
+              </a:solidFill>
+            </a:ln>
+          </p:spPr>
+          <p:style>
+            <a:lnRef idx="2">
+              <a:schemeClr val="accent1">
+                <a:shade val="50000"/>
+              </a:schemeClr>
+            </a:lnRef>
+            <a:fillRef idx="1">
+              <a:schemeClr val="accent1"/>
+            </a:fillRef>
+            <a:effectRef idx="0">
+              <a:schemeClr val="accent1"/>
+            </a:effectRef>
+            <a:fontRef idx="minor">
+              <a:schemeClr val="lt1"/>
+            </a:fontRef>
+          </p:style>
+          <p:txBody>
+            <a:bodyPr rtlCol="0" anchor="ctr"/>
+            <a:lstStyle/>
+            <a:p>
+              <a:pPr algn="ctr"/>
+              <a:endParaRPr lang="en-US"/>
+            </a:p>
+          </p:txBody>
+        </p:sp>
+        <p:sp>
+          <p:nvSpPr>
+            <p:cNvPr id="17" name="Rectangle 16">
+              <a:extLst>
+                <a:ext uri="{FF2B5EF4-FFF2-40B4-BE49-F238E27FC236}">
+                  <a16:creationId xmlns:a16="http://schemas.microsoft.com/office/drawing/2014/main" id="{A0431ADB-D168-BFE0-3F5A-5CEE466E90FC}"/>
+                </a:ext>
+              </a:extLst>
+            </p:cNvPr>
+            <p:cNvSpPr/>
+            <p:nvPr/>
+          </p:nvSpPr>
+          <p:spPr>
+            <a:xfrm>
+              <a:off x="3624980" y="428372"/>
+              <a:ext cx="334580" cy="3921476"/>
+            </a:xfrm>
+            <a:prstGeom prst="rect">
+              <a:avLst/>
+            </a:prstGeom>
+            <a:noFill/>
+            <a:ln w="12700">
+              <a:solidFill>
+                <a:schemeClr val="accent6"/>
+              </a:solidFill>
+            </a:ln>
+          </p:spPr>
+          <p:style>
+            <a:lnRef idx="2">
+              <a:schemeClr val="accent1">
+                <a:shade val="50000"/>
+              </a:schemeClr>
+            </a:lnRef>
+            <a:fillRef idx="1">
+              <a:schemeClr val="accent1"/>
+            </a:fillRef>
+            <a:effectRef idx="0">
+              <a:schemeClr val="accent1"/>
+            </a:effectRef>
+            <a:fontRef idx="minor">
+              <a:schemeClr val="lt1"/>
+            </a:fontRef>
+          </p:style>
+          <p:txBody>
+            <a:bodyPr rtlCol="0" anchor="ctr"/>
+            <a:lstStyle/>
+            <a:p>
+              <a:pPr algn="ctr"/>
+              <a:endParaRPr lang="en-US"/>
+            </a:p>
+          </p:txBody>
+        </p:sp>
+        <mc:AlternateContent xmlns:mc="http://schemas.openxmlformats.org/markup-compatibility/2006">
+          <mc:Choice xmlns:a14="http://schemas.microsoft.com/office/drawing/2010/main" Requires="a14">
+            <p:sp>
+              <p:nvSpPr>
+                <p:cNvPr id="19" name="TextBox 18">
+                  <a:extLst>
+                    <a:ext uri="{FF2B5EF4-FFF2-40B4-BE49-F238E27FC236}">
+                      <a16:creationId xmlns:a16="http://schemas.microsoft.com/office/drawing/2014/main" id="{C4BC789E-3636-5C80-DF1F-69B4FD2AA929}"/>
+                    </a:ext>
+                  </a:extLst>
+                </p:cNvPr>
+                <p:cNvSpPr txBox="1"/>
+                <p:nvPr/>
+              </p:nvSpPr>
+              <p:spPr>
+                <a:xfrm>
+                  <a:off x="3959560" y="205108"/>
+                  <a:ext cx="365805" cy="612732"/>
+                </a:xfrm>
+                <a:prstGeom prst="rect">
+                  <a:avLst/>
+                </a:prstGeom>
+                <a:noFill/>
+              </p:spPr>
+              <p:txBody>
+                <a:bodyPr wrap="none" rtlCol="0">
+                  <a:spAutoFit/>
+                </a:bodyPr>
+                <a:lstStyle/>
+                <a:p>
+                  <a14:m>
+                    <m:oMathPara xmlns:m="http://schemas.openxmlformats.org/officeDocument/2006/math">
+                      <m:oMathParaPr>
+                        <m:jc m:val="centerGroup"/>
+                      </m:oMathParaPr>
+                      <m:oMath xmlns:m="http://schemas.openxmlformats.org/officeDocument/2006/math">
+                        <m:f>
+                          <m:fPr>
+                            <m:ctrlPr>
+                              <a:rPr lang="en-US" i="1" smtClean="0">
+                                <a:latin typeface="Cambria Math" panose="02040503050406030204" pitchFamily="18" charset="0"/>
+                              </a:rPr>
+                            </m:ctrlPr>
+                          </m:fPr>
+                          <m:num>
+                            <m:r>
+                              <a:rPr lang="en-GB" b="0" i="1" smtClean="0">
+                                <a:latin typeface="Cambria Math" panose="02040503050406030204" pitchFamily="18" charset="0"/>
+                              </a:rPr>
+                              <m:t>1</m:t>
+                            </m:r>
+                          </m:num>
+                          <m:den>
+                            <m:r>
+                              <a:rPr lang="en-US" i="1" smtClean="0">
+                                <a:latin typeface="Cambria Math" panose="02040503050406030204" pitchFamily="18" charset="0"/>
+                                <a:ea typeface="Cambria Math" panose="02040503050406030204" pitchFamily="18" charset="0"/>
+                              </a:rPr>
+                              <m:t>𝜖</m:t>
+                            </m:r>
+                          </m:den>
+                        </m:f>
+                      </m:oMath>
+                    </m:oMathPara>
+                  </a14:m>
+                  <a:endParaRPr lang="en-US" dirty="0"/>
+                </a:p>
+              </p:txBody>
+            </p:sp>
+          </mc:Choice>
+          <mc:Fallback>
+            <p:sp>
+              <p:nvSpPr>
+                <p:cNvPr id="19" name="TextBox 18">
+                  <a:extLst>
+                    <a:ext uri="{FF2B5EF4-FFF2-40B4-BE49-F238E27FC236}">
+                      <a16:creationId xmlns:a16="http://schemas.microsoft.com/office/drawing/2014/main" id="{C4BC789E-3636-5C80-DF1F-69B4FD2AA929}"/>
+                    </a:ext>
+                  </a:extLst>
+                </p:cNvPr>
+                <p:cNvSpPr txBox="1">
+                  <a:spLocks noRot="1" noChangeAspect="1" noMove="1" noResize="1" noEditPoints="1" noAdjustHandles="1" noChangeArrowheads="1" noChangeShapeType="1" noTextEdit="1"/>
+                </p:cNvSpPr>
+                <p:nvPr/>
+              </p:nvSpPr>
+              <p:spPr>
+                <a:xfrm>
+                  <a:off x="3959560" y="205108"/>
+                  <a:ext cx="365805" cy="612732"/>
+                </a:xfrm>
+                <a:prstGeom prst="rect">
+                  <a:avLst/>
+                </a:prstGeom>
+                <a:blipFill>
+                  <a:blip r:embed="rId3"/>
+                  <a:stretch>
+                    <a:fillRect/>
+                  </a:stretch>
+                </a:blipFill>
+              </p:spPr>
+              <p:txBody>
+                <a:bodyPr/>
+                <a:lstStyle/>
+                <a:p>
+                  <a:r>
+                    <a:rPr lang="en-US">
+                      <a:noFill/>
+                    </a:rPr>
+                    <a:t> </a:t>
+                  </a:r>
+                </a:p>
+              </p:txBody>
+            </p:sp>
+          </mc:Fallback>
+        </mc:AlternateContent>
+        <mc:AlternateContent xmlns:mc="http://schemas.openxmlformats.org/markup-compatibility/2006">
+          <mc:Choice xmlns:a14="http://schemas.microsoft.com/office/drawing/2010/main" Requires="a14">
+            <p:sp>
+              <p:nvSpPr>
+                <p:cNvPr id="20" name="TextBox 19">
+                  <a:extLst>
+                    <a:ext uri="{FF2B5EF4-FFF2-40B4-BE49-F238E27FC236}">
+                      <a16:creationId xmlns:a16="http://schemas.microsoft.com/office/drawing/2014/main" id="{E6A00ECA-E1A9-C476-E809-5B357EE0933D}"/>
+                    </a:ext>
+                  </a:extLst>
+                </p:cNvPr>
+                <p:cNvSpPr txBox="1"/>
+                <p:nvPr/>
+              </p:nvSpPr>
+              <p:spPr>
+                <a:xfrm>
+                  <a:off x="4251565" y="2680602"/>
+                  <a:ext cx="802720" cy="369332"/>
+                </a:xfrm>
+                <a:prstGeom prst="rect">
+                  <a:avLst/>
+                </a:prstGeom>
+                <a:noFill/>
+              </p:spPr>
+              <p:txBody>
+                <a:bodyPr wrap="none" rtlCol="0">
+                  <a:spAutoFit/>
+                </a:bodyPr>
+                <a:lstStyle/>
+                <a:p>
+                  <a14:m>
+                    <m:oMathPara xmlns:m="http://schemas.openxmlformats.org/officeDocument/2006/math">
+                      <m:oMathParaPr>
+                        <m:jc m:val="centerGroup"/>
+                      </m:oMathParaPr>
+                      <m:oMath xmlns:m="http://schemas.openxmlformats.org/officeDocument/2006/math">
+                        <m:r>
+                          <a:rPr lang="en-US" i="1" smtClean="0">
+                            <a:latin typeface="Cambria Math" panose="02040503050406030204" pitchFamily="18" charset="0"/>
+                            <a:ea typeface="Cambria Math" panose="02040503050406030204" pitchFamily="18" charset="0"/>
+                          </a:rPr>
+                          <m:t>𝜖</m:t>
+                        </m:r>
+                        <m:r>
+                          <a:rPr lang="en-US" i="1" smtClean="0">
+                            <a:latin typeface="Cambria Math" panose="02040503050406030204" pitchFamily="18" charset="0"/>
+                            <a:ea typeface="Cambria Math" panose="02040503050406030204" pitchFamily="18" charset="0"/>
+                          </a:rPr>
+                          <m:t>→0</m:t>
+                        </m:r>
+                      </m:oMath>
+                    </m:oMathPara>
+                  </a14:m>
+                  <a:endParaRPr lang="en-US" dirty="0"/>
+                </a:p>
+              </p:txBody>
+            </p:sp>
+          </mc:Choice>
+          <mc:Fallback>
+            <p:sp>
+              <p:nvSpPr>
+                <p:cNvPr id="20" name="TextBox 19">
+                  <a:extLst>
+                    <a:ext uri="{FF2B5EF4-FFF2-40B4-BE49-F238E27FC236}">
+                      <a16:creationId xmlns:a16="http://schemas.microsoft.com/office/drawing/2014/main" id="{E6A00ECA-E1A9-C476-E809-5B357EE0933D}"/>
+                    </a:ext>
+                  </a:extLst>
+                </p:cNvPr>
+                <p:cNvSpPr txBox="1">
+                  <a:spLocks noRot="1" noChangeAspect="1" noMove="1" noResize="1" noEditPoints="1" noAdjustHandles="1" noChangeArrowheads="1" noChangeShapeType="1" noTextEdit="1"/>
+                </p:cNvSpPr>
+                <p:nvPr/>
+              </p:nvSpPr>
+              <p:spPr>
+                <a:xfrm>
+                  <a:off x="4251565" y="2680602"/>
+                  <a:ext cx="802720" cy="369332"/>
+                </a:xfrm>
+                <a:prstGeom prst="rect">
+                  <a:avLst/>
+                </a:prstGeom>
+                <a:blipFill>
+                  <a:blip r:embed="rId4"/>
+                  <a:stretch>
+                    <a:fillRect/>
+                  </a:stretch>
+                </a:blipFill>
+              </p:spPr>
+              <p:txBody>
+                <a:bodyPr/>
+                <a:lstStyle/>
+                <a:p>
+                  <a:r>
+                    <a:rPr lang="en-US">
+                      <a:noFill/>
+                    </a:rPr>
+                    <a:t> </a:t>
+                  </a:r>
+                </a:p>
+              </p:txBody>
+            </p:sp>
+          </mc:Fallback>
+        </mc:AlternateContent>
+        <p:cxnSp>
+          <p:nvCxnSpPr>
+            <p:cNvPr id="22" name="Straight Connector 21">
+              <a:extLst>
+                <a:ext uri="{FF2B5EF4-FFF2-40B4-BE49-F238E27FC236}">
+                  <a16:creationId xmlns:a16="http://schemas.microsoft.com/office/drawing/2014/main" id="{16195427-504F-724D-FA73-96038F83469D}"/>
+                </a:ext>
+              </a:extLst>
+            </p:cNvPr>
+            <p:cNvCxnSpPr>
+              <a:cxnSpLocks/>
+            </p:cNvCxnSpPr>
+            <p:nvPr/>
+          </p:nvCxnSpPr>
+          <p:spPr>
+            <a:xfrm>
+              <a:off x="3624980" y="4526559"/>
+              <a:ext cx="0" cy="292575"/>
+            </a:xfrm>
+            <a:prstGeom prst="line">
+              <a:avLst/>
+            </a:prstGeom>
+          </p:spPr>
+          <p:style>
+            <a:lnRef idx="1">
+              <a:schemeClr val="accent1"/>
+            </a:lnRef>
+            <a:fillRef idx="0">
+              <a:schemeClr val="accent1"/>
+            </a:fillRef>
+            <a:effectRef idx="0">
+              <a:schemeClr val="accent1"/>
+            </a:effectRef>
+            <a:fontRef idx="minor">
+              <a:schemeClr val="tx1"/>
+            </a:fontRef>
+          </p:style>
+        </p:cxnSp>
+        <p:cxnSp>
+          <p:nvCxnSpPr>
+            <p:cNvPr id="23" name="Straight Connector 22">
+              <a:extLst>
+                <a:ext uri="{FF2B5EF4-FFF2-40B4-BE49-F238E27FC236}">
+                  <a16:creationId xmlns:a16="http://schemas.microsoft.com/office/drawing/2014/main" id="{052E45AB-92B7-55D8-F5D9-57A4D44E148C}"/>
+                </a:ext>
+              </a:extLst>
+            </p:cNvPr>
+            <p:cNvCxnSpPr>
+              <a:cxnSpLocks/>
+            </p:cNvCxnSpPr>
+            <p:nvPr/>
+          </p:nvCxnSpPr>
+          <p:spPr>
+            <a:xfrm>
+              <a:off x="3943416" y="4526559"/>
+              <a:ext cx="0" cy="292575"/>
+            </a:xfrm>
+            <a:prstGeom prst="line">
+              <a:avLst/>
+            </a:prstGeom>
+          </p:spPr>
+          <p:style>
+            <a:lnRef idx="1">
+              <a:schemeClr val="accent1"/>
+            </a:lnRef>
+            <a:fillRef idx="0">
+              <a:schemeClr val="accent1"/>
+            </a:fillRef>
+            <a:effectRef idx="0">
+              <a:schemeClr val="accent1"/>
+            </a:effectRef>
+            <a:fontRef idx="minor">
+              <a:schemeClr val="tx1"/>
+            </a:fontRef>
+          </p:style>
+        </p:cxnSp>
+        <p:cxnSp>
+          <p:nvCxnSpPr>
+            <p:cNvPr id="25" name="Straight Arrow Connector 24">
+              <a:extLst>
+                <a:ext uri="{FF2B5EF4-FFF2-40B4-BE49-F238E27FC236}">
+                  <a16:creationId xmlns:a16="http://schemas.microsoft.com/office/drawing/2014/main" id="{4D2C74AA-27EF-A17C-3A60-F85BE67759F8}"/>
+                </a:ext>
+              </a:extLst>
+            </p:cNvPr>
+            <p:cNvCxnSpPr/>
+            <p:nvPr/>
+          </p:nvCxnSpPr>
+          <p:spPr>
+            <a:xfrm flipH="1">
+              <a:off x="3943416" y="4711226"/>
+              <a:ext cx="491052" cy="0"/>
+            </a:xfrm>
+            <a:prstGeom prst="straightConnector1">
+              <a:avLst/>
+            </a:prstGeom>
+            <a:ln>
+              <a:tailEnd type="triangle"/>
+            </a:ln>
+          </p:spPr>
+          <p:style>
+            <a:lnRef idx="1">
+              <a:schemeClr val="accent1"/>
+            </a:lnRef>
+            <a:fillRef idx="0">
+              <a:schemeClr val="accent1"/>
+            </a:fillRef>
+            <a:effectRef idx="0">
+              <a:schemeClr val="accent1"/>
+            </a:effectRef>
+            <a:fontRef idx="minor">
+              <a:schemeClr val="tx1"/>
+            </a:fontRef>
+          </p:style>
+        </p:cxnSp>
+        <p:cxnSp>
+          <p:nvCxnSpPr>
+            <p:cNvPr id="26" name="Straight Arrow Connector 25">
+              <a:extLst>
+                <a:ext uri="{FF2B5EF4-FFF2-40B4-BE49-F238E27FC236}">
+                  <a16:creationId xmlns:a16="http://schemas.microsoft.com/office/drawing/2014/main" id="{50989E51-4C72-6D8F-31D7-515A66CEEA7C}"/>
+                </a:ext>
+              </a:extLst>
+            </p:cNvPr>
+            <p:cNvCxnSpPr>
+              <a:cxnSpLocks/>
+            </p:cNvCxnSpPr>
+            <p:nvPr/>
+          </p:nvCxnSpPr>
+          <p:spPr>
+            <a:xfrm flipH="1" flipV="1">
+              <a:off x="3133928" y="4706290"/>
+              <a:ext cx="491052" cy="0"/>
+            </a:xfrm>
+            <a:prstGeom prst="straightConnector1">
+              <a:avLst/>
+            </a:prstGeom>
+            <a:ln>
+              <a:headEnd type="triangle"/>
+              <a:tailEnd type="none"/>
+            </a:ln>
+          </p:spPr>
+          <p:style>
+            <a:lnRef idx="1">
+              <a:schemeClr val="accent1"/>
+            </a:lnRef>
+            <a:fillRef idx="0">
+              <a:schemeClr val="accent1"/>
+            </a:fillRef>
+            <a:effectRef idx="0">
+              <a:schemeClr val="accent1"/>
+            </a:effectRef>
+            <a:fontRef idx="minor">
+              <a:schemeClr val="tx1"/>
+            </a:fontRef>
+          </p:style>
+        </p:cxnSp>
+        <mc:AlternateContent xmlns:mc="http://schemas.openxmlformats.org/markup-compatibility/2006">
+          <mc:Choice xmlns:a14="http://schemas.microsoft.com/office/drawing/2010/main" Requires="a14">
+            <p:sp>
+              <p:nvSpPr>
+                <p:cNvPr id="27" name="TextBox 26">
+                  <a:extLst>
+                    <a:ext uri="{FF2B5EF4-FFF2-40B4-BE49-F238E27FC236}">
+                      <a16:creationId xmlns:a16="http://schemas.microsoft.com/office/drawing/2014/main" id="{9ACF9398-CE18-A462-299A-25EA023F5D22}"/>
+                    </a:ext>
+                  </a:extLst>
+                </p:cNvPr>
+                <p:cNvSpPr txBox="1"/>
+                <p:nvPr/>
+              </p:nvSpPr>
+              <p:spPr>
+                <a:xfrm>
+                  <a:off x="3980967" y="4369425"/>
+                  <a:ext cx="352276" cy="369332"/>
+                </a:xfrm>
+                <a:prstGeom prst="rect">
+                  <a:avLst/>
+                </a:prstGeom>
+                <a:noFill/>
+              </p:spPr>
+              <p:txBody>
+                <a:bodyPr wrap="none" rtlCol="0">
+                  <a:spAutoFit/>
+                </a:bodyPr>
+                <a:lstStyle/>
+                <a:p>
+                  <a14:m>
+                    <m:oMathPara xmlns:m="http://schemas.openxmlformats.org/officeDocument/2006/math">
+                      <m:oMathParaPr>
+                        <m:jc m:val="centerGroup"/>
+                      </m:oMathParaPr>
+                      <m:oMath xmlns:m="http://schemas.openxmlformats.org/officeDocument/2006/math">
+                        <m:r>
+                          <a:rPr lang="en-US" i="1" smtClean="0">
+                            <a:latin typeface="Cambria Math" panose="02040503050406030204" pitchFamily="18" charset="0"/>
+                            <a:ea typeface="Cambria Math" panose="02040503050406030204" pitchFamily="18" charset="0"/>
+                          </a:rPr>
+                          <m:t>𝜖</m:t>
+                        </m:r>
+                      </m:oMath>
+                    </m:oMathPara>
+                  </a14:m>
+                  <a:endParaRPr lang="en-US" dirty="0"/>
+                </a:p>
+              </p:txBody>
+            </p:sp>
+          </mc:Choice>
+          <mc:Fallback>
+            <p:sp>
+              <p:nvSpPr>
+                <p:cNvPr id="27" name="TextBox 26">
+                  <a:extLst>
+                    <a:ext uri="{FF2B5EF4-FFF2-40B4-BE49-F238E27FC236}">
+                      <a16:creationId xmlns:a16="http://schemas.microsoft.com/office/drawing/2014/main" id="{9ACF9398-CE18-A462-299A-25EA023F5D22}"/>
+                    </a:ext>
+                  </a:extLst>
+                </p:cNvPr>
+                <p:cNvSpPr txBox="1">
+                  <a:spLocks noRot="1" noChangeAspect="1" noMove="1" noResize="1" noEditPoints="1" noAdjustHandles="1" noChangeArrowheads="1" noChangeShapeType="1" noTextEdit="1"/>
+                </p:cNvSpPr>
+                <p:nvPr/>
+              </p:nvSpPr>
+              <p:spPr>
+                <a:xfrm>
+                  <a:off x="3980967" y="4369425"/>
+                  <a:ext cx="352276" cy="369332"/>
+                </a:xfrm>
+                <a:prstGeom prst="rect">
+                  <a:avLst/>
+                </a:prstGeom>
+                <a:blipFill>
+                  <a:blip r:embed="rId5"/>
+                  <a:stretch>
+                    <a:fillRect/>
+                  </a:stretch>
+                </a:blipFill>
+              </p:spPr>
+              <p:txBody>
+                <a:bodyPr/>
+                <a:lstStyle/>
+                <a:p>
+                  <a:r>
+                    <a:rPr lang="en-US">
+                      <a:noFill/>
+                    </a:rPr>
+                    <a:t> </a:t>
+                  </a:r>
+                </a:p>
+              </p:txBody>
+            </p:sp>
+          </mc:Fallback>
+        </mc:AlternateContent>
+      </p:grpSp>
+    </p:spTree>
+    <p:extLst>
+      <p:ext uri="{BB962C8B-B14F-4D97-AF65-F5344CB8AC3E}">
+        <p14:creationId xmlns:p14="http://schemas.microsoft.com/office/powerpoint/2010/main" val="2227440330"/>
       </p:ext>
     </p:extLst>
   </p:cSld>

--- a/signals_and_systems/signals/pictures/pictures.pptx
+++ b/signals_and_systems/signals/pictures/pictures.pptx
@@ -11,6 +11,9 @@
     <p:sldId id="259" r:id="rId5"/>
     <p:sldId id="260" r:id="rId6"/>
     <p:sldId id="261" r:id="rId7"/>
+    <p:sldId id="262" r:id="rId8"/>
+    <p:sldId id="263" r:id="rId9"/>
+    <p:sldId id="264" r:id="rId10"/>
   </p:sldIdLst>
   <p:sldSz cx="12192000" cy="6858000"/>
   <p:notesSz cx="6858000" cy="9144000"/>
@@ -266,7 +269,7 @@
           <a:p>
             <a:fld id="{B10F6587-41BA-BF40-9DBB-A8B5303664B6}" type="datetimeFigureOut">
               <a:rPr lang="en-US" smtClean="0"/>
-              <a:t>12/2/22</a:t>
+              <a:t>12/23/22</a:t>
             </a:fld>
             <a:endParaRPr lang="en-US"/>
           </a:p>
@@ -466,7 +469,7 @@
           <a:p>
             <a:fld id="{B10F6587-41BA-BF40-9DBB-A8B5303664B6}" type="datetimeFigureOut">
               <a:rPr lang="en-US" smtClean="0"/>
-              <a:t>12/2/22</a:t>
+              <a:t>12/23/22</a:t>
             </a:fld>
             <a:endParaRPr lang="en-US"/>
           </a:p>
@@ -676,7 +679,7 @@
           <a:p>
             <a:fld id="{B10F6587-41BA-BF40-9DBB-A8B5303664B6}" type="datetimeFigureOut">
               <a:rPr lang="en-US" smtClean="0"/>
-              <a:t>12/2/22</a:t>
+              <a:t>12/23/22</a:t>
             </a:fld>
             <a:endParaRPr lang="en-US"/>
           </a:p>
@@ -876,7 +879,7 @@
           <a:p>
             <a:fld id="{B10F6587-41BA-BF40-9DBB-A8B5303664B6}" type="datetimeFigureOut">
               <a:rPr lang="en-US" smtClean="0"/>
-              <a:t>12/2/22</a:t>
+              <a:t>12/23/22</a:t>
             </a:fld>
             <a:endParaRPr lang="en-US"/>
           </a:p>
@@ -1152,7 +1155,7 @@
           <a:p>
             <a:fld id="{B10F6587-41BA-BF40-9DBB-A8B5303664B6}" type="datetimeFigureOut">
               <a:rPr lang="en-US" smtClean="0"/>
-              <a:t>12/2/22</a:t>
+              <a:t>12/23/22</a:t>
             </a:fld>
             <a:endParaRPr lang="en-US"/>
           </a:p>
@@ -1420,7 +1423,7 @@
           <a:p>
             <a:fld id="{B10F6587-41BA-BF40-9DBB-A8B5303664B6}" type="datetimeFigureOut">
               <a:rPr lang="en-US" smtClean="0"/>
-              <a:t>12/2/22</a:t>
+              <a:t>12/23/22</a:t>
             </a:fld>
             <a:endParaRPr lang="en-US"/>
           </a:p>
@@ -1835,7 +1838,7 @@
           <a:p>
             <a:fld id="{B10F6587-41BA-BF40-9DBB-A8B5303664B6}" type="datetimeFigureOut">
               <a:rPr lang="en-US" smtClean="0"/>
-              <a:t>12/2/22</a:t>
+              <a:t>12/23/22</a:t>
             </a:fld>
             <a:endParaRPr lang="en-US"/>
           </a:p>
@@ -1977,7 +1980,7 @@
           <a:p>
             <a:fld id="{B10F6587-41BA-BF40-9DBB-A8B5303664B6}" type="datetimeFigureOut">
               <a:rPr lang="en-US" smtClean="0"/>
-              <a:t>12/2/22</a:t>
+              <a:t>12/23/22</a:t>
             </a:fld>
             <a:endParaRPr lang="en-US"/>
           </a:p>
@@ -2090,7 +2093,7 @@
           <a:p>
             <a:fld id="{B10F6587-41BA-BF40-9DBB-A8B5303664B6}" type="datetimeFigureOut">
               <a:rPr lang="en-US" smtClean="0"/>
-              <a:t>12/2/22</a:t>
+              <a:t>12/23/22</a:t>
             </a:fld>
             <a:endParaRPr lang="en-US"/>
           </a:p>
@@ -2403,7 +2406,7 @@
           <a:p>
             <a:fld id="{B10F6587-41BA-BF40-9DBB-A8B5303664B6}" type="datetimeFigureOut">
               <a:rPr lang="en-US" smtClean="0"/>
-              <a:t>12/2/22</a:t>
+              <a:t>12/23/22</a:t>
             </a:fld>
             <a:endParaRPr lang="en-US"/>
           </a:p>
@@ -2692,7 +2695,7 @@
           <a:p>
             <a:fld id="{B10F6587-41BA-BF40-9DBB-A8B5303664B6}" type="datetimeFigureOut">
               <a:rPr lang="en-US" smtClean="0"/>
-              <a:t>12/2/22</a:t>
+              <a:t>12/23/22</a:t>
             </a:fld>
             <a:endParaRPr lang="en-US"/>
           </a:p>
@@ -2935,7 +2938,7 @@
           <a:p>
             <a:fld id="{B10F6587-41BA-BF40-9DBB-A8B5303664B6}" type="datetimeFigureOut">
               <a:rPr lang="en-US" smtClean="0"/>
-              <a:t>12/2/22</a:t>
+              <a:t>12/23/22</a:t>
             </a:fld>
             <a:endParaRPr lang="en-US"/>
           </a:p>
@@ -15926,8 +15929,8 @@
             </a:fontRef>
           </p:style>
         </p:cxnSp>
-        <mc:AlternateContent xmlns:mc="http://schemas.openxmlformats.org/markup-compatibility/2006">
-          <mc:Choice xmlns:a14="http://schemas.microsoft.com/office/drawing/2010/main" Requires="a14">
+        <mc:AlternateContent xmlns:mc="http://schemas.openxmlformats.org/markup-compatibility/2006" xmlns:a14="http://schemas.microsoft.com/office/drawing/2010/main">
+          <mc:Choice Requires="a14">
             <p:sp>
               <p:nvSpPr>
                 <p:cNvPr id="5" name="TextBox 4">
@@ -15977,7 +15980,7 @@
               </p:txBody>
             </p:sp>
           </mc:Choice>
-          <mc:Fallback>
+          <mc:Fallback xmlns="">
             <p:sp>
               <p:nvSpPr>
                 <p:cNvPr id="5" name="TextBox 4">
@@ -16178,8 +16181,8 @@
             </a:p>
           </p:txBody>
         </p:sp>
-        <mc:AlternateContent xmlns:mc="http://schemas.openxmlformats.org/markup-compatibility/2006">
-          <mc:Choice xmlns:a14="http://schemas.microsoft.com/office/drawing/2010/main" Requires="a14">
+        <mc:AlternateContent xmlns:mc="http://schemas.openxmlformats.org/markup-compatibility/2006" xmlns:a14="http://schemas.microsoft.com/office/drawing/2010/main">
+          <mc:Choice Requires="a14">
             <p:sp>
               <p:nvSpPr>
                 <p:cNvPr id="19" name="TextBox 18">
@@ -16208,6 +16211,7 @@
                 </a:bodyPr>
                 <a:lstStyle/>
                 <a:p>
+                  <a:pPr/>
                   <a14:m>
                     <m:oMathPara xmlns:m="http://schemas.openxmlformats.org/officeDocument/2006/math">
                       <m:oMathParaPr>
@@ -16248,7 +16252,7 @@
               </p:txBody>
             </p:sp>
           </mc:Choice>
-          <mc:Fallback>
+          <mc:Fallback xmlns="">
             <p:sp>
               <p:nvSpPr>
                 <p:cNvPr id="19" name="TextBox 18">
@@ -16293,8 +16297,8 @@
             </p:sp>
           </mc:Fallback>
         </mc:AlternateContent>
-        <mc:AlternateContent xmlns:mc="http://schemas.openxmlformats.org/markup-compatibility/2006">
-          <mc:Choice xmlns:a14="http://schemas.microsoft.com/office/drawing/2010/main" Requires="a14">
+        <mc:AlternateContent xmlns:mc="http://schemas.openxmlformats.org/markup-compatibility/2006" xmlns:a14="http://schemas.microsoft.com/office/drawing/2010/main">
+          <mc:Choice Requires="a14">
             <p:sp>
               <p:nvSpPr>
                 <p:cNvPr id="20" name="TextBox 19">
@@ -16323,6 +16327,7 @@
                 </a:bodyPr>
                 <a:lstStyle/>
                 <a:p>
+                  <a:pPr/>
                   <a14:m>
                     <m:oMathPara xmlns:m="http://schemas.openxmlformats.org/officeDocument/2006/math">
                       <m:oMathParaPr>
@@ -16351,7 +16356,7 @@
               </p:txBody>
             </p:sp>
           </mc:Choice>
-          <mc:Fallback>
+          <mc:Fallback xmlns="">
             <p:sp>
               <p:nvSpPr>
                 <p:cNvPr id="20" name="TextBox 19">
@@ -16553,8 +16558,8 @@
             </a:fontRef>
           </p:style>
         </p:cxnSp>
-        <mc:AlternateContent xmlns:mc="http://schemas.openxmlformats.org/markup-compatibility/2006">
-          <mc:Choice xmlns:a14="http://schemas.microsoft.com/office/drawing/2010/main" Requires="a14">
+        <mc:AlternateContent xmlns:mc="http://schemas.openxmlformats.org/markup-compatibility/2006" xmlns:a14="http://schemas.microsoft.com/office/drawing/2010/main">
+          <mc:Choice Requires="a14">
             <p:sp>
               <p:nvSpPr>
                 <p:cNvPr id="27" name="TextBox 26">
@@ -16583,6 +16588,7 @@
                 </a:bodyPr>
                 <a:lstStyle/>
                 <a:p>
+                  <a:pPr/>
                   <a14:m>
                     <m:oMathPara xmlns:m="http://schemas.openxmlformats.org/officeDocument/2006/math">
                       <m:oMathParaPr>
@@ -16604,7 +16610,7 @@
               </p:txBody>
             </p:sp>
           </mc:Choice>
-          <mc:Fallback>
+          <mc:Fallback xmlns="">
             <p:sp>
               <p:nvSpPr>
                 <p:cNvPr id="27" name="TextBox 26">
@@ -16654,6 +16660,6271 @@
     <p:extLst>
       <p:ext uri="{BB962C8B-B14F-4D97-AF65-F5344CB8AC3E}">
         <p14:creationId xmlns:p14="http://schemas.microsoft.com/office/powerpoint/2010/main" val="2227440330"/>
+      </p:ext>
+    </p:extLst>
+  </p:cSld>
+  <p:clrMapOvr>
+    <a:masterClrMapping/>
+  </p:clrMapOvr>
+</p:sld>
+</file>
+
+<file path=ppt/slides/slide7.xml><?xml version="1.0" encoding="utf-8"?>
+<p:sld xmlns:a="http://schemas.openxmlformats.org/drawingml/2006/main" xmlns:r="http://schemas.openxmlformats.org/officeDocument/2006/relationships" xmlns:p="http://schemas.openxmlformats.org/presentationml/2006/main">
+  <p:cSld>
+    <p:spTree>
+      <p:nvGrpSpPr>
+        <p:cNvPr id="1" name=""/>
+        <p:cNvGrpSpPr/>
+        <p:nvPr/>
+      </p:nvGrpSpPr>
+      <p:grpSpPr>
+        <a:xfrm>
+          <a:off x="0" y="0"/>
+          <a:ext cx="0" cy="0"/>
+          <a:chOff x="0" y="0"/>
+          <a:chExt cx="0" cy="0"/>
+        </a:xfrm>
+      </p:grpSpPr>
+      <p:grpSp>
+        <p:nvGrpSpPr>
+          <p:cNvPr id="24" name="Group 23">
+            <a:extLst>
+              <a:ext uri="{FF2B5EF4-FFF2-40B4-BE49-F238E27FC236}">
+                <a16:creationId xmlns:a16="http://schemas.microsoft.com/office/drawing/2014/main" id="{A4A977D2-2928-1766-44F8-326E8D3BAF8D}"/>
+              </a:ext>
+            </a:extLst>
+          </p:cNvPr>
+          <p:cNvGrpSpPr/>
+          <p:nvPr/>
+        </p:nvGrpSpPr>
+        <p:grpSpPr>
+          <a:xfrm>
+            <a:off x="2627587" y="1418161"/>
+            <a:ext cx="6952639" cy="1711978"/>
+            <a:chOff x="2627587" y="1418161"/>
+            <a:chExt cx="6952639" cy="1711978"/>
+          </a:xfrm>
+        </p:grpSpPr>
+        <p:sp>
+          <p:nvSpPr>
+            <p:cNvPr id="2" name="Rectangle 1">
+              <a:extLst>
+                <a:ext uri="{FF2B5EF4-FFF2-40B4-BE49-F238E27FC236}">
+                  <a16:creationId xmlns:a16="http://schemas.microsoft.com/office/drawing/2014/main" id="{413A89EA-0AE2-66D2-AD8C-A8C36BDFFD69}"/>
+                </a:ext>
+              </a:extLst>
+            </p:cNvPr>
+            <p:cNvSpPr/>
+            <p:nvPr/>
+          </p:nvSpPr>
+          <p:spPr>
+            <a:xfrm>
+              <a:off x="3531476" y="1608083"/>
+              <a:ext cx="1418896" cy="977462"/>
+            </a:xfrm>
+            <a:prstGeom prst="rect">
+              <a:avLst/>
+            </a:prstGeom>
+            <a:noFill/>
+            <a:ln w="19050"/>
+          </p:spPr>
+          <p:style>
+            <a:lnRef idx="2">
+              <a:schemeClr val="accent1">
+                <a:shade val="50000"/>
+              </a:schemeClr>
+            </a:lnRef>
+            <a:fillRef idx="1">
+              <a:schemeClr val="accent1"/>
+            </a:fillRef>
+            <a:effectRef idx="0">
+              <a:schemeClr val="accent1"/>
+            </a:effectRef>
+            <a:fontRef idx="minor">
+              <a:schemeClr val="lt1"/>
+            </a:fontRef>
+          </p:style>
+          <p:txBody>
+            <a:bodyPr rtlCol="0" anchor="ctr"/>
+            <a:lstStyle/>
+            <a:p>
+              <a:pPr algn="ctr"/>
+              <a:endParaRPr lang="en-US"/>
+            </a:p>
+          </p:txBody>
+        </p:sp>
+        <p:cxnSp>
+          <p:nvCxnSpPr>
+            <p:cNvPr id="4" name="Straight Arrow Connector 3">
+              <a:extLst>
+                <a:ext uri="{FF2B5EF4-FFF2-40B4-BE49-F238E27FC236}">
+                  <a16:creationId xmlns:a16="http://schemas.microsoft.com/office/drawing/2014/main" id="{B3C6F258-359F-B085-5D7B-C119600ECF02}"/>
+                </a:ext>
+              </a:extLst>
+            </p:cNvPr>
+            <p:cNvCxnSpPr/>
+            <p:nvPr/>
+          </p:nvCxnSpPr>
+          <p:spPr>
+            <a:xfrm>
+              <a:off x="2627587" y="2091558"/>
+              <a:ext cx="903889" cy="0"/>
+            </a:xfrm>
+            <a:prstGeom prst="straightConnector1">
+              <a:avLst/>
+            </a:prstGeom>
+            <a:ln w="19050">
+              <a:solidFill>
+                <a:schemeClr val="accent1"/>
+              </a:solidFill>
+              <a:tailEnd type="triangle"/>
+            </a:ln>
+          </p:spPr>
+          <p:style>
+            <a:lnRef idx="1">
+              <a:schemeClr val="accent1"/>
+            </a:lnRef>
+            <a:fillRef idx="0">
+              <a:schemeClr val="accent1"/>
+            </a:fillRef>
+            <a:effectRef idx="0">
+              <a:schemeClr val="accent1"/>
+            </a:effectRef>
+            <a:fontRef idx="minor">
+              <a:schemeClr val="tx1"/>
+            </a:fontRef>
+          </p:style>
+        </p:cxnSp>
+        <p:cxnSp>
+          <p:nvCxnSpPr>
+            <p:cNvPr id="5" name="Straight Arrow Connector 4">
+              <a:extLst>
+                <a:ext uri="{FF2B5EF4-FFF2-40B4-BE49-F238E27FC236}">
+                  <a16:creationId xmlns:a16="http://schemas.microsoft.com/office/drawing/2014/main" id="{36C8F30A-17EC-9168-9BD0-781B98FCEA08}"/>
+                </a:ext>
+              </a:extLst>
+            </p:cNvPr>
+            <p:cNvCxnSpPr/>
+            <p:nvPr/>
+          </p:nvCxnSpPr>
+          <p:spPr>
+            <a:xfrm>
+              <a:off x="4950372" y="2091558"/>
+              <a:ext cx="903889" cy="0"/>
+            </a:xfrm>
+            <a:prstGeom prst="straightConnector1">
+              <a:avLst/>
+            </a:prstGeom>
+            <a:ln w="19050">
+              <a:solidFill>
+                <a:schemeClr val="accent1"/>
+              </a:solidFill>
+              <a:tailEnd type="triangle"/>
+            </a:ln>
+          </p:spPr>
+          <p:style>
+            <a:lnRef idx="1">
+              <a:schemeClr val="accent1"/>
+            </a:lnRef>
+            <a:fillRef idx="0">
+              <a:schemeClr val="accent1"/>
+            </a:fillRef>
+            <a:effectRef idx="0">
+              <a:schemeClr val="accent1"/>
+            </a:effectRef>
+            <a:fontRef idx="minor">
+              <a:schemeClr val="tx1"/>
+            </a:fontRef>
+          </p:style>
+        </p:cxnSp>
+        <p:sp>
+          <p:nvSpPr>
+            <p:cNvPr id="6" name="TextBox 5">
+              <a:extLst>
+                <a:ext uri="{FF2B5EF4-FFF2-40B4-BE49-F238E27FC236}">
+                  <a16:creationId xmlns:a16="http://schemas.microsoft.com/office/drawing/2014/main" id="{93F895B8-FDB5-04AB-C3D8-7883C26F4AE2}"/>
+                </a:ext>
+              </a:extLst>
+            </p:cNvPr>
+            <p:cNvSpPr txBox="1"/>
+            <p:nvPr/>
+          </p:nvSpPr>
+          <p:spPr>
+            <a:xfrm>
+              <a:off x="3815359" y="1722226"/>
+              <a:ext cx="851130" cy="369332"/>
+            </a:xfrm>
+            <a:prstGeom prst="rect">
+              <a:avLst/>
+            </a:prstGeom>
+            <a:noFill/>
+          </p:spPr>
+          <p:txBody>
+            <a:bodyPr wrap="none" rtlCol="0">
+              <a:spAutoFit/>
+            </a:bodyPr>
+            <a:lstStyle/>
+            <a:p>
+              <a:r>
+                <a:rPr lang="en-US" dirty="0"/>
+                <a:t>System</a:t>
+              </a:r>
+            </a:p>
+          </p:txBody>
+        </p:sp>
+        <mc:AlternateContent xmlns:mc="http://schemas.openxmlformats.org/markup-compatibility/2006">
+          <mc:Choice xmlns:a14="http://schemas.microsoft.com/office/drawing/2010/main" Requires="a14">
+            <p:sp>
+              <p:nvSpPr>
+                <p:cNvPr id="7" name="TextBox 6">
+                  <a:extLst>
+                    <a:ext uri="{FF2B5EF4-FFF2-40B4-BE49-F238E27FC236}">
+                      <a16:creationId xmlns:a16="http://schemas.microsoft.com/office/drawing/2014/main" id="{36264128-31CA-B20E-D43A-9724EDCA920B}"/>
+                    </a:ext>
+                  </a:extLst>
+                </p:cNvPr>
+                <p:cNvSpPr txBox="1"/>
+                <p:nvPr/>
+              </p:nvSpPr>
+              <p:spPr>
+                <a:xfrm>
+                  <a:off x="4053530" y="2021035"/>
+                  <a:ext cx="381835" cy="369332"/>
+                </a:xfrm>
+                <a:prstGeom prst="rect">
+                  <a:avLst/>
+                </a:prstGeom>
+                <a:noFill/>
+              </p:spPr>
+              <p:txBody>
+                <a:bodyPr wrap="none" rtlCol="0">
+                  <a:spAutoFit/>
+                </a:bodyPr>
+                <a:lstStyle/>
+                <a:p>
+                  <a14:m>
+                    <m:oMathPara xmlns:m="http://schemas.openxmlformats.org/officeDocument/2006/math">
+                      <m:oMathParaPr>
+                        <m:jc m:val="centerGroup"/>
+                      </m:oMathParaPr>
+                      <m:oMath xmlns:m="http://schemas.openxmlformats.org/officeDocument/2006/math">
+                        <m:r>
+                          <m:rPr>
+                            <m:nor/>
+                          </m:rPr>
+                          <a:rPr lang="en-GB" b="1" i="0" smtClean="0">
+                            <a:latin typeface="Cambria Math" panose="02040503050406030204" pitchFamily="18" charset="0"/>
+                          </a:rPr>
+                          <m:t>T</m:t>
+                        </m:r>
+                      </m:oMath>
+                    </m:oMathPara>
+                  </a14:m>
+                  <a:endParaRPr lang="en-US" b="1" dirty="0"/>
+                </a:p>
+              </p:txBody>
+            </p:sp>
+          </mc:Choice>
+          <mc:Fallback>
+            <p:sp>
+              <p:nvSpPr>
+                <p:cNvPr id="7" name="TextBox 6">
+                  <a:extLst>
+                    <a:ext uri="{FF2B5EF4-FFF2-40B4-BE49-F238E27FC236}">
+                      <a16:creationId xmlns:a16="http://schemas.microsoft.com/office/drawing/2014/main" id="{36264128-31CA-B20E-D43A-9724EDCA920B}"/>
+                    </a:ext>
+                  </a:extLst>
+                </p:cNvPr>
+                <p:cNvSpPr txBox="1">
+                  <a:spLocks noRot="1" noChangeAspect="1" noMove="1" noResize="1" noEditPoints="1" noAdjustHandles="1" noChangeArrowheads="1" noChangeShapeType="1" noTextEdit="1"/>
+                </p:cNvSpPr>
+                <p:nvPr/>
+              </p:nvSpPr>
+              <p:spPr>
+                <a:xfrm>
+                  <a:off x="4053530" y="2021035"/>
+                  <a:ext cx="381835" cy="369332"/>
+                </a:xfrm>
+                <a:prstGeom prst="rect">
+                  <a:avLst/>
+                </a:prstGeom>
+                <a:blipFill>
+                  <a:blip r:embed="rId2"/>
+                  <a:stretch>
+                    <a:fillRect/>
+                  </a:stretch>
+                </a:blipFill>
+              </p:spPr>
+              <p:txBody>
+                <a:bodyPr/>
+                <a:lstStyle/>
+                <a:p>
+                  <a:r>
+                    <a:rPr lang="en-US">
+                      <a:noFill/>
+                    </a:rPr>
+                    <a:t> </a:t>
+                  </a:r>
+                </a:p>
+              </p:txBody>
+            </p:sp>
+          </mc:Fallback>
+        </mc:AlternateContent>
+        <mc:AlternateContent xmlns:mc="http://schemas.openxmlformats.org/markup-compatibility/2006">
+          <mc:Choice xmlns:a14="http://schemas.microsoft.com/office/drawing/2010/main" Requires="a14">
+            <p:sp>
+              <p:nvSpPr>
+                <p:cNvPr id="8" name="TextBox 7">
+                  <a:extLst>
+                    <a:ext uri="{FF2B5EF4-FFF2-40B4-BE49-F238E27FC236}">
+                      <a16:creationId xmlns:a16="http://schemas.microsoft.com/office/drawing/2014/main" id="{A1A3660A-04BB-81C1-F8BC-0F4070CA30C9}"/>
+                    </a:ext>
+                  </a:extLst>
+                </p:cNvPr>
+                <p:cNvSpPr txBox="1"/>
+                <p:nvPr/>
+              </p:nvSpPr>
+              <p:spPr>
+                <a:xfrm>
+                  <a:off x="2750851" y="1722226"/>
+                  <a:ext cx="367986" cy="369332"/>
+                </a:xfrm>
+                <a:prstGeom prst="rect">
+                  <a:avLst/>
+                </a:prstGeom>
+                <a:noFill/>
+              </p:spPr>
+              <p:txBody>
+                <a:bodyPr wrap="none" rtlCol="0">
+                  <a:spAutoFit/>
+                </a:bodyPr>
+                <a:lstStyle/>
+                <a:p>
+                  <a14:m>
+                    <m:oMathPara xmlns:m="http://schemas.openxmlformats.org/officeDocument/2006/math">
+                      <m:oMathParaPr>
+                        <m:jc m:val="centerGroup"/>
+                      </m:oMathParaPr>
+                      <m:oMath xmlns:m="http://schemas.openxmlformats.org/officeDocument/2006/math">
+                        <m:r>
+                          <a:rPr lang="en-GB" b="0" i="1" smtClean="0">
+                            <a:latin typeface="Cambria Math" panose="02040503050406030204" pitchFamily="18" charset="0"/>
+                          </a:rPr>
+                          <m:t>𝑥</m:t>
+                        </m:r>
+                      </m:oMath>
+                    </m:oMathPara>
+                  </a14:m>
+                  <a:endParaRPr lang="en-US" dirty="0"/>
+                </a:p>
+              </p:txBody>
+            </p:sp>
+          </mc:Choice>
+          <mc:Fallback>
+            <p:sp>
+              <p:nvSpPr>
+                <p:cNvPr id="8" name="TextBox 7">
+                  <a:extLst>
+                    <a:ext uri="{FF2B5EF4-FFF2-40B4-BE49-F238E27FC236}">
+                      <a16:creationId xmlns:a16="http://schemas.microsoft.com/office/drawing/2014/main" id="{A1A3660A-04BB-81C1-F8BC-0F4070CA30C9}"/>
+                    </a:ext>
+                  </a:extLst>
+                </p:cNvPr>
+                <p:cNvSpPr txBox="1">
+                  <a:spLocks noRot="1" noChangeAspect="1" noMove="1" noResize="1" noEditPoints="1" noAdjustHandles="1" noChangeArrowheads="1" noChangeShapeType="1" noTextEdit="1"/>
+                </p:cNvSpPr>
+                <p:nvPr/>
+              </p:nvSpPr>
+              <p:spPr>
+                <a:xfrm>
+                  <a:off x="2750851" y="1722226"/>
+                  <a:ext cx="367986" cy="369332"/>
+                </a:xfrm>
+                <a:prstGeom prst="rect">
+                  <a:avLst/>
+                </a:prstGeom>
+                <a:blipFill>
+                  <a:blip r:embed="rId3"/>
+                  <a:stretch>
+                    <a:fillRect/>
+                  </a:stretch>
+                </a:blipFill>
+              </p:spPr>
+              <p:txBody>
+                <a:bodyPr/>
+                <a:lstStyle/>
+                <a:p>
+                  <a:r>
+                    <a:rPr lang="en-US">
+                      <a:noFill/>
+                    </a:rPr>
+                    <a:t> </a:t>
+                  </a:r>
+                </a:p>
+              </p:txBody>
+            </p:sp>
+          </mc:Fallback>
+        </mc:AlternateContent>
+        <mc:AlternateContent xmlns:mc="http://schemas.openxmlformats.org/markup-compatibility/2006">
+          <mc:Choice xmlns:a14="http://schemas.microsoft.com/office/drawing/2010/main" Requires="a14">
+            <p:sp>
+              <p:nvSpPr>
+                <p:cNvPr id="9" name="TextBox 8">
+                  <a:extLst>
+                    <a:ext uri="{FF2B5EF4-FFF2-40B4-BE49-F238E27FC236}">
+                      <a16:creationId xmlns:a16="http://schemas.microsoft.com/office/drawing/2014/main" id="{0589AF7E-A8CA-022A-7081-CE1BB036FBAD}"/>
+                    </a:ext>
+                  </a:extLst>
+                </p:cNvPr>
+                <p:cNvSpPr txBox="1"/>
+                <p:nvPr/>
+              </p:nvSpPr>
+              <p:spPr>
+                <a:xfrm>
+                  <a:off x="5356811" y="1669676"/>
+                  <a:ext cx="371384" cy="369332"/>
+                </a:xfrm>
+                <a:prstGeom prst="rect">
+                  <a:avLst/>
+                </a:prstGeom>
+                <a:noFill/>
+              </p:spPr>
+              <p:txBody>
+                <a:bodyPr wrap="none" rtlCol="0">
+                  <a:spAutoFit/>
+                </a:bodyPr>
+                <a:lstStyle/>
+                <a:p>
+                  <a14:m>
+                    <m:oMathPara xmlns:m="http://schemas.openxmlformats.org/officeDocument/2006/math">
+                      <m:oMathParaPr>
+                        <m:jc m:val="centerGroup"/>
+                      </m:oMathParaPr>
+                      <m:oMath xmlns:m="http://schemas.openxmlformats.org/officeDocument/2006/math">
+                        <m:r>
+                          <a:rPr lang="en-GB" b="0" i="1" smtClean="0">
+                            <a:latin typeface="Cambria Math" panose="02040503050406030204" pitchFamily="18" charset="0"/>
+                          </a:rPr>
+                          <m:t>𝑦</m:t>
+                        </m:r>
+                      </m:oMath>
+                    </m:oMathPara>
+                  </a14:m>
+                  <a:endParaRPr lang="en-US" dirty="0"/>
+                </a:p>
+              </p:txBody>
+            </p:sp>
+          </mc:Choice>
+          <mc:Fallback>
+            <p:sp>
+              <p:nvSpPr>
+                <p:cNvPr id="9" name="TextBox 8">
+                  <a:extLst>
+                    <a:ext uri="{FF2B5EF4-FFF2-40B4-BE49-F238E27FC236}">
+                      <a16:creationId xmlns:a16="http://schemas.microsoft.com/office/drawing/2014/main" id="{0589AF7E-A8CA-022A-7081-CE1BB036FBAD}"/>
+                    </a:ext>
+                  </a:extLst>
+                </p:cNvPr>
+                <p:cNvSpPr txBox="1">
+                  <a:spLocks noRot="1" noChangeAspect="1" noMove="1" noResize="1" noEditPoints="1" noAdjustHandles="1" noChangeArrowheads="1" noChangeShapeType="1" noTextEdit="1"/>
+                </p:cNvSpPr>
+                <p:nvPr/>
+              </p:nvSpPr>
+              <p:spPr>
+                <a:xfrm>
+                  <a:off x="5356811" y="1669676"/>
+                  <a:ext cx="371384" cy="369332"/>
+                </a:xfrm>
+                <a:prstGeom prst="rect">
+                  <a:avLst/>
+                </a:prstGeom>
+                <a:blipFill>
+                  <a:blip r:embed="rId4"/>
+                  <a:stretch>
+                    <a:fillRect b="-6667"/>
+                  </a:stretch>
+                </a:blipFill>
+              </p:spPr>
+              <p:txBody>
+                <a:bodyPr/>
+                <a:lstStyle/>
+                <a:p>
+                  <a:r>
+                    <a:rPr lang="en-US">
+                      <a:noFill/>
+                    </a:rPr>
+                    <a:t> </a:t>
+                  </a:r>
+                </a:p>
+              </p:txBody>
+            </p:sp>
+          </mc:Fallback>
+        </mc:AlternateContent>
+        <p:sp>
+          <p:nvSpPr>
+            <p:cNvPr id="10" name="TextBox 9">
+              <a:extLst>
+                <a:ext uri="{FF2B5EF4-FFF2-40B4-BE49-F238E27FC236}">
+                  <a16:creationId xmlns:a16="http://schemas.microsoft.com/office/drawing/2014/main" id="{466AF8C8-5108-AA45-5F5B-0AF499226E54}"/>
+                </a:ext>
+              </a:extLst>
+            </p:cNvPr>
+            <p:cNvSpPr txBox="1"/>
+            <p:nvPr/>
+          </p:nvSpPr>
+          <p:spPr>
+            <a:xfrm>
+              <a:off x="4018748" y="2760807"/>
+              <a:ext cx="444352" cy="369332"/>
+            </a:xfrm>
+            <a:prstGeom prst="rect">
+              <a:avLst/>
+            </a:prstGeom>
+            <a:noFill/>
+          </p:spPr>
+          <p:txBody>
+            <a:bodyPr wrap="none" rtlCol="0">
+              <a:spAutoFit/>
+            </a:bodyPr>
+            <a:lstStyle/>
+            <a:p>
+              <a:r>
+                <a:rPr lang="en-US" dirty="0"/>
+                <a:t>(</a:t>
+              </a:r>
+              <a:r>
+                <a:rPr lang="en-US" i="1" dirty="0"/>
+                <a:t>a</a:t>
+              </a:r>
+              <a:r>
+                <a:rPr lang="en-US" dirty="0"/>
+                <a:t>)</a:t>
+              </a:r>
+            </a:p>
+          </p:txBody>
+        </p:sp>
+        <p:sp>
+          <p:nvSpPr>
+            <p:cNvPr id="11" name="Rectangle 10">
+              <a:extLst>
+                <a:ext uri="{FF2B5EF4-FFF2-40B4-BE49-F238E27FC236}">
+                  <a16:creationId xmlns:a16="http://schemas.microsoft.com/office/drawing/2014/main" id="{C75E44A5-16BE-6663-771D-BD8A419840B0}"/>
+                </a:ext>
+              </a:extLst>
+            </p:cNvPr>
+            <p:cNvSpPr/>
+            <p:nvPr/>
+          </p:nvSpPr>
+          <p:spPr>
+            <a:xfrm>
+              <a:off x="7241630" y="1602827"/>
+              <a:ext cx="1418896" cy="977462"/>
+            </a:xfrm>
+            <a:prstGeom prst="rect">
+              <a:avLst/>
+            </a:prstGeom>
+            <a:noFill/>
+            <a:ln w="19050"/>
+          </p:spPr>
+          <p:style>
+            <a:lnRef idx="2">
+              <a:schemeClr val="accent1">
+                <a:shade val="50000"/>
+              </a:schemeClr>
+            </a:lnRef>
+            <a:fillRef idx="1">
+              <a:schemeClr val="accent1"/>
+            </a:fillRef>
+            <a:effectRef idx="0">
+              <a:schemeClr val="accent1"/>
+            </a:effectRef>
+            <a:fontRef idx="minor">
+              <a:schemeClr val="lt1"/>
+            </a:fontRef>
+          </p:style>
+          <p:txBody>
+            <a:bodyPr rtlCol="0" anchor="ctr"/>
+            <a:lstStyle/>
+            <a:p>
+              <a:pPr algn="ctr"/>
+              <a:endParaRPr lang="en-US"/>
+            </a:p>
+          </p:txBody>
+        </p:sp>
+        <p:cxnSp>
+          <p:nvCxnSpPr>
+            <p:cNvPr id="12" name="Straight Arrow Connector 11">
+              <a:extLst>
+                <a:ext uri="{FF2B5EF4-FFF2-40B4-BE49-F238E27FC236}">
+                  <a16:creationId xmlns:a16="http://schemas.microsoft.com/office/drawing/2014/main" id="{D4CD1838-0F49-F552-CBB7-C50524BC5F90}"/>
+                </a:ext>
+              </a:extLst>
+            </p:cNvPr>
+            <p:cNvCxnSpPr>
+              <a:cxnSpLocks/>
+            </p:cNvCxnSpPr>
+            <p:nvPr/>
+          </p:nvCxnSpPr>
+          <p:spPr>
+            <a:xfrm>
+              <a:off x="6337741" y="1839119"/>
+              <a:ext cx="903889" cy="0"/>
+            </a:xfrm>
+            <a:prstGeom prst="straightConnector1">
+              <a:avLst/>
+            </a:prstGeom>
+            <a:ln w="19050">
+              <a:solidFill>
+                <a:schemeClr val="accent1"/>
+              </a:solidFill>
+              <a:tailEnd type="triangle"/>
+            </a:ln>
+          </p:spPr>
+          <p:style>
+            <a:lnRef idx="1">
+              <a:schemeClr val="accent1"/>
+            </a:lnRef>
+            <a:fillRef idx="0">
+              <a:schemeClr val="accent1"/>
+            </a:fillRef>
+            <a:effectRef idx="0">
+              <a:schemeClr val="accent1"/>
+            </a:effectRef>
+            <a:fontRef idx="minor">
+              <a:schemeClr val="tx1"/>
+            </a:fontRef>
+          </p:style>
+        </p:cxnSp>
+        <p:cxnSp>
+          <p:nvCxnSpPr>
+            <p:cNvPr id="13" name="Straight Arrow Connector 12">
+              <a:extLst>
+                <a:ext uri="{FF2B5EF4-FFF2-40B4-BE49-F238E27FC236}">
+                  <a16:creationId xmlns:a16="http://schemas.microsoft.com/office/drawing/2014/main" id="{2B41B730-D59D-8AC0-8C9B-25617FC0510D}"/>
+                </a:ext>
+              </a:extLst>
+            </p:cNvPr>
+            <p:cNvCxnSpPr>
+              <a:cxnSpLocks/>
+            </p:cNvCxnSpPr>
+            <p:nvPr/>
+          </p:nvCxnSpPr>
+          <p:spPr>
+            <a:xfrm>
+              <a:off x="8676337" y="1839119"/>
+              <a:ext cx="903889" cy="0"/>
+            </a:xfrm>
+            <a:prstGeom prst="straightConnector1">
+              <a:avLst/>
+            </a:prstGeom>
+            <a:ln w="19050">
+              <a:solidFill>
+                <a:schemeClr val="accent1"/>
+              </a:solidFill>
+              <a:tailEnd type="triangle"/>
+            </a:ln>
+          </p:spPr>
+          <p:style>
+            <a:lnRef idx="1">
+              <a:schemeClr val="accent1"/>
+            </a:lnRef>
+            <a:fillRef idx="0">
+              <a:schemeClr val="accent1"/>
+            </a:fillRef>
+            <a:effectRef idx="0">
+              <a:schemeClr val="accent1"/>
+            </a:effectRef>
+            <a:fontRef idx="minor">
+              <a:schemeClr val="tx1"/>
+            </a:fontRef>
+          </p:style>
+        </p:cxnSp>
+        <p:sp>
+          <p:nvSpPr>
+            <p:cNvPr id="14" name="TextBox 13">
+              <a:extLst>
+                <a:ext uri="{FF2B5EF4-FFF2-40B4-BE49-F238E27FC236}">
+                  <a16:creationId xmlns:a16="http://schemas.microsoft.com/office/drawing/2014/main" id="{28632299-9047-9E18-416A-09316AA0423D}"/>
+                </a:ext>
+              </a:extLst>
+            </p:cNvPr>
+            <p:cNvSpPr txBox="1"/>
+            <p:nvPr/>
+          </p:nvSpPr>
+          <p:spPr>
+            <a:xfrm>
+              <a:off x="7525513" y="1716970"/>
+              <a:ext cx="851130" cy="369332"/>
+            </a:xfrm>
+            <a:prstGeom prst="rect">
+              <a:avLst/>
+            </a:prstGeom>
+            <a:noFill/>
+          </p:spPr>
+          <p:txBody>
+            <a:bodyPr wrap="none" rtlCol="0">
+              <a:spAutoFit/>
+            </a:bodyPr>
+            <a:lstStyle/>
+            <a:p>
+              <a:r>
+                <a:rPr lang="en-US" dirty="0"/>
+                <a:t>System</a:t>
+              </a:r>
+            </a:p>
+          </p:txBody>
+        </p:sp>
+        <mc:AlternateContent xmlns:mc="http://schemas.openxmlformats.org/markup-compatibility/2006">
+          <mc:Choice xmlns:a14="http://schemas.microsoft.com/office/drawing/2010/main" Requires="a14">
+            <p:sp>
+              <p:nvSpPr>
+                <p:cNvPr id="15" name="TextBox 14">
+                  <a:extLst>
+                    <a:ext uri="{FF2B5EF4-FFF2-40B4-BE49-F238E27FC236}">
+                      <a16:creationId xmlns:a16="http://schemas.microsoft.com/office/drawing/2014/main" id="{A07144C8-1D71-A346-BA54-2B937CBBB3B1}"/>
+                    </a:ext>
+                  </a:extLst>
+                </p:cNvPr>
+                <p:cNvSpPr txBox="1"/>
+                <p:nvPr/>
+              </p:nvSpPr>
+              <p:spPr>
+                <a:xfrm>
+                  <a:off x="7763684" y="2015779"/>
+                  <a:ext cx="381835" cy="369332"/>
+                </a:xfrm>
+                <a:prstGeom prst="rect">
+                  <a:avLst/>
+                </a:prstGeom>
+                <a:noFill/>
+              </p:spPr>
+              <p:txBody>
+                <a:bodyPr wrap="none" rtlCol="0">
+                  <a:spAutoFit/>
+                </a:bodyPr>
+                <a:lstStyle/>
+                <a:p>
+                  <a14:m>
+                    <m:oMathPara xmlns:m="http://schemas.openxmlformats.org/officeDocument/2006/math">
+                      <m:oMathParaPr>
+                        <m:jc m:val="centerGroup"/>
+                      </m:oMathParaPr>
+                      <m:oMath xmlns:m="http://schemas.openxmlformats.org/officeDocument/2006/math">
+                        <m:r>
+                          <m:rPr>
+                            <m:nor/>
+                          </m:rPr>
+                          <a:rPr lang="en-GB" b="1" i="0" smtClean="0">
+                            <a:latin typeface="Cambria Math" panose="02040503050406030204" pitchFamily="18" charset="0"/>
+                          </a:rPr>
+                          <m:t>T</m:t>
+                        </m:r>
+                      </m:oMath>
+                    </m:oMathPara>
+                  </a14:m>
+                  <a:endParaRPr lang="en-US" b="1" dirty="0"/>
+                </a:p>
+              </p:txBody>
+            </p:sp>
+          </mc:Choice>
+          <mc:Fallback>
+            <p:sp>
+              <p:nvSpPr>
+                <p:cNvPr id="15" name="TextBox 14">
+                  <a:extLst>
+                    <a:ext uri="{FF2B5EF4-FFF2-40B4-BE49-F238E27FC236}">
+                      <a16:creationId xmlns:a16="http://schemas.microsoft.com/office/drawing/2014/main" id="{A07144C8-1D71-A346-BA54-2B937CBBB3B1}"/>
+                    </a:ext>
+                  </a:extLst>
+                </p:cNvPr>
+                <p:cNvSpPr txBox="1">
+                  <a:spLocks noRot="1" noChangeAspect="1" noMove="1" noResize="1" noEditPoints="1" noAdjustHandles="1" noChangeArrowheads="1" noChangeShapeType="1" noTextEdit="1"/>
+                </p:cNvSpPr>
+                <p:nvPr/>
+              </p:nvSpPr>
+              <p:spPr>
+                <a:xfrm>
+                  <a:off x="7763684" y="2015779"/>
+                  <a:ext cx="381835" cy="369332"/>
+                </a:xfrm>
+                <a:prstGeom prst="rect">
+                  <a:avLst/>
+                </a:prstGeom>
+                <a:blipFill>
+                  <a:blip r:embed="rId5"/>
+                  <a:stretch>
+                    <a:fillRect/>
+                  </a:stretch>
+                </a:blipFill>
+              </p:spPr>
+              <p:txBody>
+                <a:bodyPr/>
+                <a:lstStyle/>
+                <a:p>
+                  <a:r>
+                    <a:rPr lang="en-US">
+                      <a:noFill/>
+                    </a:rPr>
+                    <a:t> </a:t>
+                  </a:r>
+                </a:p>
+              </p:txBody>
+            </p:sp>
+          </mc:Fallback>
+        </mc:AlternateContent>
+        <mc:AlternateContent xmlns:mc="http://schemas.openxmlformats.org/markup-compatibility/2006">
+          <mc:Choice xmlns:a14="http://schemas.microsoft.com/office/drawing/2010/main" Requires="a14">
+            <p:sp>
+              <p:nvSpPr>
+                <p:cNvPr id="16" name="TextBox 15">
+                  <a:extLst>
+                    <a:ext uri="{FF2B5EF4-FFF2-40B4-BE49-F238E27FC236}">
+                      <a16:creationId xmlns:a16="http://schemas.microsoft.com/office/drawing/2014/main" id="{ACDC15C0-68EB-CBB5-FC4A-DFB3FBAF2B80}"/>
+                    </a:ext>
+                  </a:extLst>
+                </p:cNvPr>
+                <p:cNvSpPr txBox="1"/>
+                <p:nvPr/>
+              </p:nvSpPr>
+              <p:spPr>
+                <a:xfrm>
+                  <a:off x="6374424" y="1418161"/>
+                  <a:ext cx="460767" cy="369332"/>
+                </a:xfrm>
+                <a:prstGeom prst="rect">
+                  <a:avLst/>
+                </a:prstGeom>
+                <a:noFill/>
+              </p:spPr>
+              <p:txBody>
+                <a:bodyPr wrap="none" rtlCol="0">
+                  <a:spAutoFit/>
+                </a:bodyPr>
+                <a:lstStyle/>
+                <a:p>
+                  <a14:m>
+                    <m:oMathPara xmlns:m="http://schemas.openxmlformats.org/officeDocument/2006/math">
+                      <m:oMathParaPr>
+                        <m:jc m:val="centerGroup"/>
+                      </m:oMathParaPr>
+                      <m:oMath xmlns:m="http://schemas.openxmlformats.org/officeDocument/2006/math">
+                        <m:sSub>
+                          <m:sSubPr>
+                            <m:ctrlPr>
+                              <a:rPr lang="en-US" i="1" smtClean="0">
+                                <a:latin typeface="Cambria Math" panose="02040503050406030204" pitchFamily="18" charset="0"/>
+                              </a:rPr>
+                            </m:ctrlPr>
+                          </m:sSubPr>
+                          <m:e>
+                            <m:r>
+                              <a:rPr lang="en-GB" b="0" i="1" smtClean="0">
+                                <a:latin typeface="Cambria Math" panose="02040503050406030204" pitchFamily="18" charset="0"/>
+                              </a:rPr>
+                              <m:t>𝑥</m:t>
+                            </m:r>
+                          </m:e>
+                          <m:sub>
+                            <m:r>
+                              <a:rPr lang="en-GB" b="0" i="1" smtClean="0">
+                                <a:latin typeface="Cambria Math" panose="02040503050406030204" pitchFamily="18" charset="0"/>
+                              </a:rPr>
+                              <m:t>1</m:t>
+                            </m:r>
+                          </m:sub>
+                        </m:sSub>
+                      </m:oMath>
+                    </m:oMathPara>
+                  </a14:m>
+                  <a:endParaRPr lang="en-US" dirty="0"/>
+                </a:p>
+              </p:txBody>
+            </p:sp>
+          </mc:Choice>
+          <mc:Fallback>
+            <p:sp>
+              <p:nvSpPr>
+                <p:cNvPr id="16" name="TextBox 15">
+                  <a:extLst>
+                    <a:ext uri="{FF2B5EF4-FFF2-40B4-BE49-F238E27FC236}">
+                      <a16:creationId xmlns:a16="http://schemas.microsoft.com/office/drawing/2014/main" id="{ACDC15C0-68EB-CBB5-FC4A-DFB3FBAF2B80}"/>
+                    </a:ext>
+                  </a:extLst>
+                </p:cNvPr>
+                <p:cNvSpPr txBox="1">
+                  <a:spLocks noRot="1" noChangeAspect="1" noMove="1" noResize="1" noEditPoints="1" noAdjustHandles="1" noChangeArrowheads="1" noChangeShapeType="1" noTextEdit="1"/>
+                </p:cNvSpPr>
+                <p:nvPr/>
+              </p:nvSpPr>
+              <p:spPr>
+                <a:xfrm>
+                  <a:off x="6374424" y="1418161"/>
+                  <a:ext cx="460767" cy="369332"/>
+                </a:xfrm>
+                <a:prstGeom prst="rect">
+                  <a:avLst/>
+                </a:prstGeom>
+                <a:blipFill>
+                  <a:blip r:embed="rId6"/>
+                  <a:stretch>
+                    <a:fillRect/>
+                  </a:stretch>
+                </a:blipFill>
+              </p:spPr>
+              <p:txBody>
+                <a:bodyPr/>
+                <a:lstStyle/>
+                <a:p>
+                  <a:r>
+                    <a:rPr lang="en-US">
+                      <a:noFill/>
+                    </a:rPr>
+                    <a:t> </a:t>
+                  </a:r>
+                </a:p>
+              </p:txBody>
+            </p:sp>
+          </mc:Fallback>
+        </mc:AlternateContent>
+        <p:cxnSp>
+          <p:nvCxnSpPr>
+            <p:cNvPr id="18" name="Straight Arrow Connector 17">
+              <a:extLst>
+                <a:ext uri="{FF2B5EF4-FFF2-40B4-BE49-F238E27FC236}">
+                  <a16:creationId xmlns:a16="http://schemas.microsoft.com/office/drawing/2014/main" id="{A28ACA97-C3CD-2E21-A52D-13E192618B59}"/>
+                </a:ext>
+              </a:extLst>
+            </p:cNvPr>
+            <p:cNvCxnSpPr/>
+            <p:nvPr/>
+          </p:nvCxnSpPr>
+          <p:spPr>
+            <a:xfrm>
+              <a:off x="6337741" y="2385110"/>
+              <a:ext cx="903889" cy="0"/>
+            </a:xfrm>
+            <a:prstGeom prst="straightConnector1">
+              <a:avLst/>
+            </a:prstGeom>
+            <a:ln w="19050">
+              <a:solidFill>
+                <a:schemeClr val="accent1"/>
+              </a:solidFill>
+              <a:tailEnd type="triangle"/>
+            </a:ln>
+          </p:spPr>
+          <p:style>
+            <a:lnRef idx="1">
+              <a:schemeClr val="accent1"/>
+            </a:lnRef>
+            <a:fillRef idx="0">
+              <a:schemeClr val="accent1"/>
+            </a:fillRef>
+            <a:effectRef idx="0">
+              <a:schemeClr val="accent1"/>
+            </a:effectRef>
+            <a:fontRef idx="minor">
+              <a:schemeClr val="tx1"/>
+            </a:fontRef>
+          </p:style>
+        </p:cxnSp>
+        <mc:AlternateContent xmlns:mc="http://schemas.openxmlformats.org/markup-compatibility/2006">
+          <mc:Choice xmlns:a14="http://schemas.microsoft.com/office/drawing/2010/main" Requires="a14">
+            <p:sp>
+              <p:nvSpPr>
+                <p:cNvPr id="19" name="TextBox 18">
+                  <a:extLst>
+                    <a:ext uri="{FF2B5EF4-FFF2-40B4-BE49-F238E27FC236}">
+                      <a16:creationId xmlns:a16="http://schemas.microsoft.com/office/drawing/2014/main" id="{152AAE0F-DCC8-C6F8-CB7F-577A146E7F05}"/>
+                    </a:ext>
+                  </a:extLst>
+                </p:cNvPr>
+                <p:cNvSpPr txBox="1"/>
+                <p:nvPr/>
+              </p:nvSpPr>
+              <p:spPr>
+                <a:xfrm>
+                  <a:off x="6393213" y="1975240"/>
+                  <a:ext cx="466089" cy="369332"/>
+                </a:xfrm>
+                <a:prstGeom prst="rect">
+                  <a:avLst/>
+                </a:prstGeom>
+                <a:noFill/>
+              </p:spPr>
+              <p:txBody>
+                <a:bodyPr wrap="none" rtlCol="0">
+                  <a:spAutoFit/>
+                </a:bodyPr>
+                <a:lstStyle/>
+                <a:p>
+                  <a14:m>
+                    <m:oMathPara xmlns:m="http://schemas.openxmlformats.org/officeDocument/2006/math">
+                      <m:oMathParaPr>
+                        <m:jc m:val="centerGroup"/>
+                      </m:oMathParaPr>
+                      <m:oMath xmlns:m="http://schemas.openxmlformats.org/officeDocument/2006/math">
+                        <m:sSub>
+                          <m:sSubPr>
+                            <m:ctrlPr>
+                              <a:rPr lang="en-US" i="1" smtClean="0">
+                                <a:latin typeface="Cambria Math" panose="02040503050406030204" pitchFamily="18" charset="0"/>
+                              </a:rPr>
+                            </m:ctrlPr>
+                          </m:sSubPr>
+                          <m:e>
+                            <m:r>
+                              <a:rPr lang="en-GB" b="0" i="1" smtClean="0">
+                                <a:latin typeface="Cambria Math" panose="02040503050406030204" pitchFamily="18" charset="0"/>
+                              </a:rPr>
+                              <m:t>𝑥</m:t>
+                            </m:r>
+                          </m:e>
+                          <m:sub>
+                            <m:r>
+                              <a:rPr lang="en-GB" b="0" i="1" smtClean="0">
+                                <a:latin typeface="Cambria Math" panose="02040503050406030204" pitchFamily="18" charset="0"/>
+                              </a:rPr>
+                              <m:t>2</m:t>
+                            </m:r>
+                          </m:sub>
+                        </m:sSub>
+                      </m:oMath>
+                    </m:oMathPara>
+                  </a14:m>
+                  <a:endParaRPr lang="en-US" dirty="0"/>
+                </a:p>
+              </p:txBody>
+            </p:sp>
+          </mc:Choice>
+          <mc:Fallback>
+            <p:sp>
+              <p:nvSpPr>
+                <p:cNvPr id="19" name="TextBox 18">
+                  <a:extLst>
+                    <a:ext uri="{FF2B5EF4-FFF2-40B4-BE49-F238E27FC236}">
+                      <a16:creationId xmlns:a16="http://schemas.microsoft.com/office/drawing/2014/main" id="{152AAE0F-DCC8-C6F8-CB7F-577A146E7F05}"/>
+                    </a:ext>
+                  </a:extLst>
+                </p:cNvPr>
+                <p:cNvSpPr txBox="1">
+                  <a:spLocks noRot="1" noChangeAspect="1" noMove="1" noResize="1" noEditPoints="1" noAdjustHandles="1" noChangeArrowheads="1" noChangeShapeType="1" noTextEdit="1"/>
+                </p:cNvSpPr>
+                <p:nvPr/>
+              </p:nvSpPr>
+              <p:spPr>
+                <a:xfrm>
+                  <a:off x="6393213" y="1975240"/>
+                  <a:ext cx="466089" cy="369332"/>
+                </a:xfrm>
+                <a:prstGeom prst="rect">
+                  <a:avLst/>
+                </a:prstGeom>
+                <a:blipFill>
+                  <a:blip r:embed="rId7"/>
+                  <a:stretch>
+                    <a:fillRect/>
+                  </a:stretch>
+                </a:blipFill>
+              </p:spPr>
+              <p:txBody>
+                <a:bodyPr/>
+                <a:lstStyle/>
+                <a:p>
+                  <a:r>
+                    <a:rPr lang="en-US">
+                      <a:noFill/>
+                    </a:rPr>
+                    <a:t> </a:t>
+                  </a:r>
+                </a:p>
+              </p:txBody>
+            </p:sp>
+          </mc:Fallback>
+        </mc:AlternateContent>
+        <mc:AlternateContent xmlns:mc="http://schemas.openxmlformats.org/markup-compatibility/2006">
+          <mc:Choice xmlns:a14="http://schemas.microsoft.com/office/drawing/2010/main" Requires="a14">
+            <p:sp>
+              <p:nvSpPr>
+                <p:cNvPr id="20" name="TextBox 19">
+                  <a:extLst>
+                    <a:ext uri="{FF2B5EF4-FFF2-40B4-BE49-F238E27FC236}">
+                      <a16:creationId xmlns:a16="http://schemas.microsoft.com/office/drawing/2014/main" id="{075CED82-2252-08FA-72F7-899230F0826F}"/>
+                    </a:ext>
+                  </a:extLst>
+                </p:cNvPr>
+                <p:cNvSpPr txBox="1"/>
+                <p:nvPr/>
+              </p:nvSpPr>
+              <p:spPr>
+                <a:xfrm>
+                  <a:off x="9094918" y="1418161"/>
+                  <a:ext cx="460767" cy="369332"/>
+                </a:xfrm>
+                <a:prstGeom prst="rect">
+                  <a:avLst/>
+                </a:prstGeom>
+                <a:noFill/>
+              </p:spPr>
+              <p:txBody>
+                <a:bodyPr wrap="none" rtlCol="0">
+                  <a:spAutoFit/>
+                </a:bodyPr>
+                <a:lstStyle/>
+                <a:p>
+                  <a14:m>
+                    <m:oMathPara xmlns:m="http://schemas.openxmlformats.org/officeDocument/2006/math">
+                      <m:oMathParaPr>
+                        <m:jc m:val="centerGroup"/>
+                      </m:oMathParaPr>
+                      <m:oMath xmlns:m="http://schemas.openxmlformats.org/officeDocument/2006/math">
+                        <m:sSub>
+                          <m:sSubPr>
+                            <m:ctrlPr>
+                              <a:rPr lang="en-US" i="1" smtClean="0">
+                                <a:latin typeface="Cambria Math" panose="02040503050406030204" pitchFamily="18" charset="0"/>
+                              </a:rPr>
+                            </m:ctrlPr>
+                          </m:sSubPr>
+                          <m:e>
+                            <m:r>
+                              <a:rPr lang="en-GB" b="0" i="1" smtClean="0">
+                                <a:latin typeface="Cambria Math" panose="02040503050406030204" pitchFamily="18" charset="0"/>
+                              </a:rPr>
+                              <m:t>𝑦</m:t>
+                            </m:r>
+                          </m:e>
+                          <m:sub>
+                            <m:r>
+                              <a:rPr lang="en-GB" b="0" i="1" smtClean="0">
+                                <a:latin typeface="Cambria Math" panose="02040503050406030204" pitchFamily="18" charset="0"/>
+                              </a:rPr>
+                              <m:t>1</m:t>
+                            </m:r>
+                          </m:sub>
+                        </m:sSub>
+                      </m:oMath>
+                    </m:oMathPara>
+                  </a14:m>
+                  <a:endParaRPr lang="en-US" dirty="0"/>
+                </a:p>
+              </p:txBody>
+            </p:sp>
+          </mc:Choice>
+          <mc:Fallback>
+            <p:sp>
+              <p:nvSpPr>
+                <p:cNvPr id="20" name="TextBox 19">
+                  <a:extLst>
+                    <a:ext uri="{FF2B5EF4-FFF2-40B4-BE49-F238E27FC236}">
+                      <a16:creationId xmlns:a16="http://schemas.microsoft.com/office/drawing/2014/main" id="{075CED82-2252-08FA-72F7-899230F0826F}"/>
+                    </a:ext>
+                  </a:extLst>
+                </p:cNvPr>
+                <p:cNvSpPr txBox="1">
+                  <a:spLocks noRot="1" noChangeAspect="1" noMove="1" noResize="1" noEditPoints="1" noAdjustHandles="1" noChangeArrowheads="1" noChangeShapeType="1" noTextEdit="1"/>
+                </p:cNvSpPr>
+                <p:nvPr/>
+              </p:nvSpPr>
+              <p:spPr>
+                <a:xfrm>
+                  <a:off x="9094918" y="1418161"/>
+                  <a:ext cx="460767" cy="369332"/>
+                </a:xfrm>
+                <a:prstGeom prst="rect">
+                  <a:avLst/>
+                </a:prstGeom>
+                <a:blipFill>
+                  <a:blip r:embed="rId8"/>
+                  <a:stretch>
+                    <a:fillRect b="-10000"/>
+                  </a:stretch>
+                </a:blipFill>
+              </p:spPr>
+              <p:txBody>
+                <a:bodyPr/>
+                <a:lstStyle/>
+                <a:p>
+                  <a:r>
+                    <a:rPr lang="en-US">
+                      <a:noFill/>
+                    </a:rPr>
+                    <a:t> </a:t>
+                  </a:r>
+                </a:p>
+              </p:txBody>
+            </p:sp>
+          </mc:Fallback>
+        </mc:AlternateContent>
+        <p:cxnSp>
+          <p:nvCxnSpPr>
+            <p:cNvPr id="21" name="Straight Arrow Connector 20">
+              <a:extLst>
+                <a:ext uri="{FF2B5EF4-FFF2-40B4-BE49-F238E27FC236}">
+                  <a16:creationId xmlns:a16="http://schemas.microsoft.com/office/drawing/2014/main" id="{ED42049D-390E-D111-302E-C4EDA0E565BC}"/>
+                </a:ext>
+              </a:extLst>
+            </p:cNvPr>
+            <p:cNvCxnSpPr/>
+            <p:nvPr/>
+          </p:nvCxnSpPr>
+          <p:spPr>
+            <a:xfrm>
+              <a:off x="8660525" y="2385110"/>
+              <a:ext cx="903889" cy="0"/>
+            </a:xfrm>
+            <a:prstGeom prst="straightConnector1">
+              <a:avLst/>
+            </a:prstGeom>
+            <a:ln w="19050">
+              <a:solidFill>
+                <a:schemeClr val="accent1"/>
+              </a:solidFill>
+              <a:tailEnd type="triangle"/>
+            </a:ln>
+          </p:spPr>
+          <p:style>
+            <a:lnRef idx="1">
+              <a:schemeClr val="accent1"/>
+            </a:lnRef>
+            <a:fillRef idx="0">
+              <a:schemeClr val="accent1"/>
+            </a:fillRef>
+            <a:effectRef idx="0">
+              <a:schemeClr val="accent1"/>
+            </a:effectRef>
+            <a:fontRef idx="minor">
+              <a:schemeClr val="tx1"/>
+            </a:fontRef>
+          </p:style>
+        </p:cxnSp>
+        <mc:AlternateContent xmlns:mc="http://schemas.openxmlformats.org/markup-compatibility/2006">
+          <mc:Choice xmlns:a14="http://schemas.microsoft.com/office/drawing/2010/main" Requires="a14">
+            <p:sp>
+              <p:nvSpPr>
+                <p:cNvPr id="22" name="TextBox 21">
+                  <a:extLst>
+                    <a:ext uri="{FF2B5EF4-FFF2-40B4-BE49-F238E27FC236}">
+                      <a16:creationId xmlns:a16="http://schemas.microsoft.com/office/drawing/2014/main" id="{507DA923-7497-F06A-7264-F7CF99ACC03F}"/>
+                    </a:ext>
+                  </a:extLst>
+                </p:cNvPr>
+                <p:cNvSpPr txBox="1"/>
+                <p:nvPr/>
+              </p:nvSpPr>
+              <p:spPr>
+                <a:xfrm>
+                  <a:off x="9112469" y="1975240"/>
+                  <a:ext cx="467757" cy="369332"/>
+                </a:xfrm>
+                <a:prstGeom prst="rect">
+                  <a:avLst/>
+                </a:prstGeom>
+                <a:noFill/>
+              </p:spPr>
+              <p:txBody>
+                <a:bodyPr wrap="none" rtlCol="0">
+                  <a:spAutoFit/>
+                </a:bodyPr>
+                <a:lstStyle/>
+                <a:p>
+                  <a14:m>
+                    <m:oMathPara xmlns:m="http://schemas.openxmlformats.org/officeDocument/2006/math">
+                      <m:oMathParaPr>
+                        <m:jc m:val="centerGroup"/>
+                      </m:oMathParaPr>
+                      <m:oMath xmlns:m="http://schemas.openxmlformats.org/officeDocument/2006/math">
+                        <m:sSub>
+                          <m:sSubPr>
+                            <m:ctrlPr>
+                              <a:rPr lang="en-US" i="1" smtClean="0">
+                                <a:latin typeface="Cambria Math" panose="02040503050406030204" pitchFamily="18" charset="0"/>
+                              </a:rPr>
+                            </m:ctrlPr>
+                          </m:sSubPr>
+                          <m:e>
+                            <m:r>
+                              <a:rPr lang="en-GB" b="0" i="1" smtClean="0">
+                                <a:latin typeface="Cambria Math" panose="02040503050406030204" pitchFamily="18" charset="0"/>
+                              </a:rPr>
+                              <m:t>𝑦</m:t>
+                            </m:r>
+                          </m:e>
+                          <m:sub>
+                            <m:r>
+                              <a:rPr lang="en-GB" b="0" i="1" smtClean="0">
+                                <a:latin typeface="Cambria Math" panose="02040503050406030204" pitchFamily="18" charset="0"/>
+                              </a:rPr>
+                              <m:t>2</m:t>
+                            </m:r>
+                          </m:sub>
+                        </m:sSub>
+                      </m:oMath>
+                    </m:oMathPara>
+                  </a14:m>
+                  <a:endParaRPr lang="en-US" dirty="0"/>
+                </a:p>
+              </p:txBody>
+            </p:sp>
+          </mc:Choice>
+          <mc:Fallback>
+            <p:sp>
+              <p:nvSpPr>
+                <p:cNvPr id="22" name="TextBox 21">
+                  <a:extLst>
+                    <a:ext uri="{FF2B5EF4-FFF2-40B4-BE49-F238E27FC236}">
+                      <a16:creationId xmlns:a16="http://schemas.microsoft.com/office/drawing/2014/main" id="{507DA923-7497-F06A-7264-F7CF99ACC03F}"/>
+                    </a:ext>
+                  </a:extLst>
+                </p:cNvPr>
+                <p:cNvSpPr txBox="1">
+                  <a:spLocks noRot="1" noChangeAspect="1" noMove="1" noResize="1" noEditPoints="1" noAdjustHandles="1" noChangeArrowheads="1" noChangeShapeType="1" noTextEdit="1"/>
+                </p:cNvSpPr>
+                <p:nvPr/>
+              </p:nvSpPr>
+              <p:spPr>
+                <a:xfrm>
+                  <a:off x="9112469" y="1975240"/>
+                  <a:ext cx="467757" cy="369332"/>
+                </a:xfrm>
+                <a:prstGeom prst="rect">
+                  <a:avLst/>
+                </a:prstGeom>
+                <a:blipFill>
+                  <a:blip r:embed="rId9"/>
+                  <a:stretch>
+                    <a:fillRect b="-6667"/>
+                  </a:stretch>
+                </a:blipFill>
+              </p:spPr>
+              <p:txBody>
+                <a:bodyPr/>
+                <a:lstStyle/>
+                <a:p>
+                  <a:r>
+                    <a:rPr lang="en-US">
+                      <a:noFill/>
+                    </a:rPr>
+                    <a:t> </a:t>
+                  </a:r>
+                </a:p>
+              </p:txBody>
+            </p:sp>
+          </mc:Fallback>
+        </mc:AlternateContent>
+        <p:sp>
+          <p:nvSpPr>
+            <p:cNvPr id="23" name="TextBox 22">
+              <a:extLst>
+                <a:ext uri="{FF2B5EF4-FFF2-40B4-BE49-F238E27FC236}">
+                  <a16:creationId xmlns:a16="http://schemas.microsoft.com/office/drawing/2014/main" id="{86E9120A-E893-01A5-35CD-AB62E298F21E}"/>
+                </a:ext>
+              </a:extLst>
+            </p:cNvPr>
+            <p:cNvSpPr txBox="1"/>
+            <p:nvPr/>
+          </p:nvSpPr>
+          <p:spPr>
+            <a:xfrm>
+              <a:off x="7728901" y="2745467"/>
+              <a:ext cx="647741" cy="369332"/>
+            </a:xfrm>
+            <a:prstGeom prst="rect">
+              <a:avLst/>
+            </a:prstGeom>
+            <a:noFill/>
+          </p:spPr>
+          <p:txBody>
+            <a:bodyPr wrap="square" rtlCol="0">
+              <a:spAutoFit/>
+            </a:bodyPr>
+            <a:lstStyle/>
+            <a:p>
+              <a:r>
+                <a:rPr lang="en-US" dirty="0"/>
+                <a:t>(</a:t>
+              </a:r>
+              <a:r>
+                <a:rPr lang="en-US" i="1" dirty="0"/>
+                <a:t>b</a:t>
+              </a:r>
+              <a:r>
+                <a:rPr lang="en-US" dirty="0"/>
+                <a:t>)</a:t>
+              </a:r>
+            </a:p>
+          </p:txBody>
+        </p:sp>
+      </p:grpSp>
+      <p:grpSp>
+        <p:nvGrpSpPr>
+          <p:cNvPr id="53" name="Group 52">
+            <a:extLst>
+              <a:ext uri="{FF2B5EF4-FFF2-40B4-BE49-F238E27FC236}">
+                <a16:creationId xmlns:a16="http://schemas.microsoft.com/office/drawing/2014/main" id="{24417A21-492C-C512-AC44-61D3B289E009}"/>
+              </a:ext>
+            </a:extLst>
+          </p:cNvPr>
+          <p:cNvGrpSpPr/>
+          <p:nvPr/>
+        </p:nvGrpSpPr>
+        <p:grpSpPr>
+          <a:xfrm>
+            <a:off x="2581842" y="4004399"/>
+            <a:ext cx="7169643" cy="1522056"/>
+            <a:chOff x="2581842" y="4004399"/>
+            <a:chExt cx="7169643" cy="1522056"/>
+          </a:xfrm>
+        </p:grpSpPr>
+        <p:sp>
+          <p:nvSpPr>
+            <p:cNvPr id="26" name="Rectangle 25">
+              <a:extLst>
+                <a:ext uri="{FF2B5EF4-FFF2-40B4-BE49-F238E27FC236}">
+                  <a16:creationId xmlns:a16="http://schemas.microsoft.com/office/drawing/2014/main" id="{858B838D-3B46-2BC0-6102-40D5073EBF0A}"/>
+                </a:ext>
+              </a:extLst>
+            </p:cNvPr>
+            <p:cNvSpPr/>
+            <p:nvPr/>
+          </p:nvSpPr>
+          <p:spPr>
+            <a:xfrm>
+              <a:off x="3538493" y="4004399"/>
+              <a:ext cx="1418896" cy="977462"/>
+            </a:xfrm>
+            <a:prstGeom prst="rect">
+              <a:avLst/>
+            </a:prstGeom>
+            <a:noFill/>
+            <a:ln w="19050"/>
+          </p:spPr>
+          <p:style>
+            <a:lnRef idx="2">
+              <a:schemeClr val="accent1">
+                <a:shade val="50000"/>
+              </a:schemeClr>
+            </a:lnRef>
+            <a:fillRef idx="1">
+              <a:schemeClr val="accent1"/>
+            </a:fillRef>
+            <a:effectRef idx="0">
+              <a:schemeClr val="accent1"/>
+            </a:effectRef>
+            <a:fontRef idx="minor">
+              <a:schemeClr val="lt1"/>
+            </a:fontRef>
+          </p:style>
+          <p:txBody>
+            <a:bodyPr rtlCol="0" anchor="ctr"/>
+            <a:lstStyle/>
+            <a:p>
+              <a:pPr algn="ctr"/>
+              <a:endParaRPr lang="en-US"/>
+            </a:p>
+          </p:txBody>
+        </p:sp>
+        <p:cxnSp>
+          <p:nvCxnSpPr>
+            <p:cNvPr id="27" name="Straight Arrow Connector 26">
+              <a:extLst>
+                <a:ext uri="{FF2B5EF4-FFF2-40B4-BE49-F238E27FC236}">
+                  <a16:creationId xmlns:a16="http://schemas.microsoft.com/office/drawing/2014/main" id="{CBEE7D59-7531-3BA0-5D48-24304773C612}"/>
+                </a:ext>
+              </a:extLst>
+            </p:cNvPr>
+            <p:cNvCxnSpPr/>
+            <p:nvPr/>
+          </p:nvCxnSpPr>
+          <p:spPr>
+            <a:xfrm>
+              <a:off x="2634604" y="4487874"/>
+              <a:ext cx="903889" cy="0"/>
+            </a:xfrm>
+            <a:prstGeom prst="straightConnector1">
+              <a:avLst/>
+            </a:prstGeom>
+            <a:ln w="19050">
+              <a:solidFill>
+                <a:schemeClr val="accent1"/>
+              </a:solidFill>
+              <a:tailEnd type="triangle"/>
+            </a:ln>
+          </p:spPr>
+          <p:style>
+            <a:lnRef idx="1">
+              <a:schemeClr val="accent1"/>
+            </a:lnRef>
+            <a:fillRef idx="0">
+              <a:schemeClr val="accent1"/>
+            </a:fillRef>
+            <a:effectRef idx="0">
+              <a:schemeClr val="accent1"/>
+            </a:effectRef>
+            <a:fontRef idx="minor">
+              <a:schemeClr val="tx1"/>
+            </a:fontRef>
+          </p:style>
+        </p:cxnSp>
+        <p:cxnSp>
+          <p:nvCxnSpPr>
+            <p:cNvPr id="28" name="Straight Arrow Connector 27">
+              <a:extLst>
+                <a:ext uri="{FF2B5EF4-FFF2-40B4-BE49-F238E27FC236}">
+                  <a16:creationId xmlns:a16="http://schemas.microsoft.com/office/drawing/2014/main" id="{5D53E181-EC7F-BB58-1280-85A30D2C1593}"/>
+                </a:ext>
+              </a:extLst>
+            </p:cNvPr>
+            <p:cNvCxnSpPr/>
+            <p:nvPr/>
+          </p:nvCxnSpPr>
+          <p:spPr>
+            <a:xfrm>
+              <a:off x="4957389" y="4487874"/>
+              <a:ext cx="903889" cy="0"/>
+            </a:xfrm>
+            <a:prstGeom prst="straightConnector1">
+              <a:avLst/>
+            </a:prstGeom>
+            <a:ln w="19050">
+              <a:solidFill>
+                <a:schemeClr val="accent1"/>
+              </a:solidFill>
+              <a:tailEnd type="triangle"/>
+            </a:ln>
+          </p:spPr>
+          <p:style>
+            <a:lnRef idx="1">
+              <a:schemeClr val="accent1"/>
+            </a:lnRef>
+            <a:fillRef idx="0">
+              <a:schemeClr val="accent1"/>
+            </a:fillRef>
+            <a:effectRef idx="0">
+              <a:schemeClr val="accent1"/>
+            </a:effectRef>
+            <a:fontRef idx="minor">
+              <a:schemeClr val="tx1"/>
+            </a:fontRef>
+          </p:style>
+        </p:cxnSp>
+        <p:sp>
+          <p:nvSpPr>
+            <p:cNvPr id="29" name="TextBox 28">
+              <a:extLst>
+                <a:ext uri="{FF2B5EF4-FFF2-40B4-BE49-F238E27FC236}">
+                  <a16:creationId xmlns:a16="http://schemas.microsoft.com/office/drawing/2014/main" id="{5DBA1ED0-DC0C-5601-C08C-431D3C587CA1}"/>
+                </a:ext>
+              </a:extLst>
+            </p:cNvPr>
+            <p:cNvSpPr txBox="1"/>
+            <p:nvPr/>
+          </p:nvSpPr>
+          <p:spPr>
+            <a:xfrm>
+              <a:off x="3822376" y="4118542"/>
+              <a:ext cx="851130" cy="369332"/>
+            </a:xfrm>
+            <a:prstGeom prst="rect">
+              <a:avLst/>
+            </a:prstGeom>
+            <a:noFill/>
+          </p:spPr>
+          <p:txBody>
+            <a:bodyPr wrap="none" rtlCol="0">
+              <a:spAutoFit/>
+            </a:bodyPr>
+            <a:lstStyle/>
+            <a:p>
+              <a:r>
+                <a:rPr lang="en-US" dirty="0"/>
+                <a:t>System</a:t>
+              </a:r>
+            </a:p>
+          </p:txBody>
+        </p:sp>
+        <mc:AlternateContent xmlns:mc="http://schemas.openxmlformats.org/markup-compatibility/2006">
+          <mc:Choice xmlns:a14="http://schemas.microsoft.com/office/drawing/2010/main" Requires="a14">
+            <p:sp>
+              <p:nvSpPr>
+                <p:cNvPr id="30" name="TextBox 29">
+                  <a:extLst>
+                    <a:ext uri="{FF2B5EF4-FFF2-40B4-BE49-F238E27FC236}">
+                      <a16:creationId xmlns:a16="http://schemas.microsoft.com/office/drawing/2014/main" id="{231D98E6-78ED-F291-0911-9F764D905C83}"/>
+                    </a:ext>
+                  </a:extLst>
+                </p:cNvPr>
+                <p:cNvSpPr txBox="1"/>
+                <p:nvPr/>
+              </p:nvSpPr>
+              <p:spPr>
+                <a:xfrm>
+                  <a:off x="4060547" y="4417351"/>
+                  <a:ext cx="381835" cy="369332"/>
+                </a:xfrm>
+                <a:prstGeom prst="rect">
+                  <a:avLst/>
+                </a:prstGeom>
+                <a:noFill/>
+              </p:spPr>
+              <p:txBody>
+                <a:bodyPr wrap="none" rtlCol="0">
+                  <a:spAutoFit/>
+                </a:bodyPr>
+                <a:lstStyle/>
+                <a:p>
+                  <a14:m>
+                    <m:oMathPara xmlns:m="http://schemas.openxmlformats.org/officeDocument/2006/math">
+                      <m:oMathParaPr>
+                        <m:jc m:val="centerGroup"/>
+                      </m:oMathParaPr>
+                      <m:oMath xmlns:m="http://schemas.openxmlformats.org/officeDocument/2006/math">
+                        <m:r>
+                          <m:rPr>
+                            <m:nor/>
+                          </m:rPr>
+                          <a:rPr lang="en-GB" b="1" i="0" smtClean="0">
+                            <a:latin typeface="Cambria Math" panose="02040503050406030204" pitchFamily="18" charset="0"/>
+                          </a:rPr>
+                          <m:t>T</m:t>
+                        </m:r>
+                      </m:oMath>
+                    </m:oMathPara>
+                  </a14:m>
+                  <a:endParaRPr lang="en-US" b="1" dirty="0"/>
+                </a:p>
+              </p:txBody>
+            </p:sp>
+          </mc:Choice>
+          <mc:Fallback>
+            <p:sp>
+              <p:nvSpPr>
+                <p:cNvPr id="30" name="TextBox 29">
+                  <a:extLst>
+                    <a:ext uri="{FF2B5EF4-FFF2-40B4-BE49-F238E27FC236}">
+                      <a16:creationId xmlns:a16="http://schemas.microsoft.com/office/drawing/2014/main" id="{231D98E6-78ED-F291-0911-9F764D905C83}"/>
+                    </a:ext>
+                  </a:extLst>
+                </p:cNvPr>
+                <p:cNvSpPr txBox="1">
+                  <a:spLocks noRot="1" noChangeAspect="1" noMove="1" noResize="1" noEditPoints="1" noAdjustHandles="1" noChangeArrowheads="1" noChangeShapeType="1" noTextEdit="1"/>
+                </p:cNvSpPr>
+                <p:nvPr/>
+              </p:nvSpPr>
+              <p:spPr>
+                <a:xfrm>
+                  <a:off x="4060547" y="4417351"/>
+                  <a:ext cx="381835" cy="369332"/>
+                </a:xfrm>
+                <a:prstGeom prst="rect">
+                  <a:avLst/>
+                </a:prstGeom>
+                <a:blipFill>
+                  <a:blip r:embed="rId10"/>
+                  <a:stretch>
+                    <a:fillRect/>
+                  </a:stretch>
+                </a:blipFill>
+              </p:spPr>
+              <p:txBody>
+                <a:bodyPr/>
+                <a:lstStyle/>
+                <a:p>
+                  <a:r>
+                    <a:rPr lang="en-US">
+                      <a:noFill/>
+                    </a:rPr>
+                    <a:t> </a:t>
+                  </a:r>
+                </a:p>
+              </p:txBody>
+            </p:sp>
+          </mc:Fallback>
+        </mc:AlternateContent>
+        <mc:AlternateContent xmlns:mc="http://schemas.openxmlformats.org/markup-compatibility/2006">
+          <mc:Choice xmlns:a14="http://schemas.microsoft.com/office/drawing/2010/main" Requires="a14">
+            <p:sp>
+              <p:nvSpPr>
+                <p:cNvPr id="31" name="TextBox 30">
+                  <a:extLst>
+                    <a:ext uri="{FF2B5EF4-FFF2-40B4-BE49-F238E27FC236}">
+                      <a16:creationId xmlns:a16="http://schemas.microsoft.com/office/drawing/2014/main" id="{35221E14-85DB-51D6-B0C8-3CC8CC8E9B72}"/>
+                    </a:ext>
+                  </a:extLst>
+                </p:cNvPr>
+                <p:cNvSpPr txBox="1"/>
+                <p:nvPr/>
+              </p:nvSpPr>
+              <p:spPr>
+                <a:xfrm>
+                  <a:off x="2581842" y="4118542"/>
+                  <a:ext cx="657359" cy="369332"/>
+                </a:xfrm>
+                <a:prstGeom prst="rect">
+                  <a:avLst/>
+                </a:prstGeom>
+                <a:noFill/>
+              </p:spPr>
+              <p:txBody>
+                <a:bodyPr wrap="none" rtlCol="0">
+                  <a:spAutoFit/>
+                </a:bodyPr>
+                <a:lstStyle/>
+                <a:p>
+                  <a14:m>
+                    <m:oMathPara xmlns:m="http://schemas.openxmlformats.org/officeDocument/2006/math">
+                      <m:oMathParaPr>
+                        <m:jc m:val="centerGroup"/>
+                      </m:oMathParaPr>
+                      <m:oMath xmlns:m="http://schemas.openxmlformats.org/officeDocument/2006/math">
+                        <m:r>
+                          <a:rPr lang="en-GB" b="0" i="1" smtClean="0">
+                            <a:latin typeface="Cambria Math" panose="02040503050406030204" pitchFamily="18" charset="0"/>
+                          </a:rPr>
+                          <m:t>𝑥</m:t>
+                        </m:r>
+                        <m:r>
+                          <a:rPr lang="en-GB" b="0" i="1" smtClean="0">
+                            <a:latin typeface="Cambria Math" panose="02040503050406030204" pitchFamily="18" charset="0"/>
+                          </a:rPr>
+                          <m:t>(</m:t>
+                        </m:r>
+                        <m:r>
+                          <a:rPr lang="en-GB" b="0" i="1" smtClean="0">
+                            <a:latin typeface="Cambria Math" panose="02040503050406030204" pitchFamily="18" charset="0"/>
+                          </a:rPr>
+                          <m:t>𝑡</m:t>
+                        </m:r>
+                        <m:r>
+                          <a:rPr lang="en-GB" b="0" i="1" smtClean="0">
+                            <a:latin typeface="Cambria Math" panose="02040503050406030204" pitchFamily="18" charset="0"/>
+                          </a:rPr>
+                          <m:t>)</m:t>
+                        </m:r>
+                      </m:oMath>
+                    </m:oMathPara>
+                  </a14:m>
+                  <a:endParaRPr lang="en-US" dirty="0"/>
+                </a:p>
+              </p:txBody>
+            </p:sp>
+          </mc:Choice>
+          <mc:Fallback>
+            <p:sp>
+              <p:nvSpPr>
+                <p:cNvPr id="31" name="TextBox 30">
+                  <a:extLst>
+                    <a:ext uri="{FF2B5EF4-FFF2-40B4-BE49-F238E27FC236}">
+                      <a16:creationId xmlns:a16="http://schemas.microsoft.com/office/drawing/2014/main" id="{35221E14-85DB-51D6-B0C8-3CC8CC8E9B72}"/>
+                    </a:ext>
+                  </a:extLst>
+                </p:cNvPr>
+                <p:cNvSpPr txBox="1">
+                  <a:spLocks noRot="1" noChangeAspect="1" noMove="1" noResize="1" noEditPoints="1" noAdjustHandles="1" noChangeArrowheads="1" noChangeShapeType="1" noTextEdit="1"/>
+                </p:cNvSpPr>
+                <p:nvPr/>
+              </p:nvSpPr>
+              <p:spPr>
+                <a:xfrm>
+                  <a:off x="2581842" y="4118542"/>
+                  <a:ext cx="657359" cy="369332"/>
+                </a:xfrm>
+                <a:prstGeom prst="rect">
+                  <a:avLst/>
+                </a:prstGeom>
+                <a:blipFill>
+                  <a:blip r:embed="rId11"/>
+                  <a:stretch>
+                    <a:fillRect b="-13333"/>
+                  </a:stretch>
+                </a:blipFill>
+              </p:spPr>
+              <p:txBody>
+                <a:bodyPr/>
+                <a:lstStyle/>
+                <a:p>
+                  <a:r>
+                    <a:rPr lang="en-US">
+                      <a:noFill/>
+                    </a:rPr>
+                    <a:t> </a:t>
+                  </a:r>
+                </a:p>
+              </p:txBody>
+            </p:sp>
+          </mc:Fallback>
+        </mc:AlternateContent>
+        <mc:AlternateContent xmlns:mc="http://schemas.openxmlformats.org/markup-compatibility/2006">
+          <mc:Choice xmlns:a14="http://schemas.microsoft.com/office/drawing/2010/main" Requires="a14">
+            <p:sp>
+              <p:nvSpPr>
+                <p:cNvPr id="32" name="TextBox 31">
+                  <a:extLst>
+                    <a:ext uri="{FF2B5EF4-FFF2-40B4-BE49-F238E27FC236}">
+                      <a16:creationId xmlns:a16="http://schemas.microsoft.com/office/drawing/2014/main" id="{B1C9EE7A-2D01-350C-1654-B442535F7320}"/>
+                    </a:ext>
+                  </a:extLst>
+                </p:cNvPr>
+                <p:cNvSpPr txBox="1"/>
+                <p:nvPr/>
+              </p:nvSpPr>
+              <p:spPr>
+                <a:xfrm>
+                  <a:off x="5363828" y="4065992"/>
+                  <a:ext cx="660758" cy="369332"/>
+                </a:xfrm>
+                <a:prstGeom prst="rect">
+                  <a:avLst/>
+                </a:prstGeom>
+                <a:noFill/>
+              </p:spPr>
+              <p:txBody>
+                <a:bodyPr wrap="none" rtlCol="0">
+                  <a:spAutoFit/>
+                </a:bodyPr>
+                <a:lstStyle/>
+                <a:p>
+                  <a14:m>
+                    <m:oMathPara xmlns:m="http://schemas.openxmlformats.org/officeDocument/2006/math">
+                      <m:oMathParaPr>
+                        <m:jc m:val="centerGroup"/>
+                      </m:oMathParaPr>
+                      <m:oMath xmlns:m="http://schemas.openxmlformats.org/officeDocument/2006/math">
+                        <m:r>
+                          <a:rPr lang="en-GB" b="0" i="1" smtClean="0">
+                            <a:latin typeface="Cambria Math" panose="02040503050406030204" pitchFamily="18" charset="0"/>
+                          </a:rPr>
+                          <m:t>𝑦</m:t>
+                        </m:r>
+                        <m:r>
+                          <a:rPr lang="en-GB" b="0" i="1" smtClean="0">
+                            <a:latin typeface="Cambria Math" panose="02040503050406030204" pitchFamily="18" charset="0"/>
+                          </a:rPr>
+                          <m:t>(</m:t>
+                        </m:r>
+                        <m:r>
+                          <a:rPr lang="en-GB" b="0" i="1" smtClean="0">
+                            <a:latin typeface="Cambria Math" panose="02040503050406030204" pitchFamily="18" charset="0"/>
+                          </a:rPr>
+                          <m:t>𝑡</m:t>
+                        </m:r>
+                        <m:r>
+                          <a:rPr lang="en-GB" b="0" i="1" smtClean="0">
+                            <a:latin typeface="Cambria Math" panose="02040503050406030204" pitchFamily="18" charset="0"/>
+                          </a:rPr>
+                          <m:t>)</m:t>
+                        </m:r>
+                      </m:oMath>
+                    </m:oMathPara>
+                  </a14:m>
+                  <a:endParaRPr lang="en-US" dirty="0"/>
+                </a:p>
+              </p:txBody>
+            </p:sp>
+          </mc:Choice>
+          <mc:Fallback>
+            <p:sp>
+              <p:nvSpPr>
+                <p:cNvPr id="32" name="TextBox 31">
+                  <a:extLst>
+                    <a:ext uri="{FF2B5EF4-FFF2-40B4-BE49-F238E27FC236}">
+                      <a16:creationId xmlns:a16="http://schemas.microsoft.com/office/drawing/2014/main" id="{B1C9EE7A-2D01-350C-1654-B442535F7320}"/>
+                    </a:ext>
+                  </a:extLst>
+                </p:cNvPr>
+                <p:cNvSpPr txBox="1">
+                  <a:spLocks noRot="1" noChangeAspect="1" noMove="1" noResize="1" noEditPoints="1" noAdjustHandles="1" noChangeArrowheads="1" noChangeShapeType="1" noTextEdit="1"/>
+                </p:cNvSpPr>
+                <p:nvPr/>
+              </p:nvSpPr>
+              <p:spPr>
+                <a:xfrm>
+                  <a:off x="5363828" y="4065992"/>
+                  <a:ext cx="660758" cy="369332"/>
+                </a:xfrm>
+                <a:prstGeom prst="rect">
+                  <a:avLst/>
+                </a:prstGeom>
+                <a:blipFill>
+                  <a:blip r:embed="rId12"/>
+                  <a:stretch>
+                    <a:fillRect b="-13333"/>
+                  </a:stretch>
+                </a:blipFill>
+              </p:spPr>
+              <p:txBody>
+                <a:bodyPr/>
+                <a:lstStyle/>
+                <a:p>
+                  <a:r>
+                    <a:rPr lang="en-US">
+                      <a:noFill/>
+                    </a:rPr>
+                    <a:t> </a:t>
+                  </a:r>
+                </a:p>
+              </p:txBody>
+            </p:sp>
+          </mc:Fallback>
+        </mc:AlternateContent>
+        <p:sp>
+          <p:nvSpPr>
+            <p:cNvPr id="33" name="TextBox 32">
+              <a:extLst>
+                <a:ext uri="{FF2B5EF4-FFF2-40B4-BE49-F238E27FC236}">
+                  <a16:creationId xmlns:a16="http://schemas.microsoft.com/office/drawing/2014/main" id="{1B583392-032B-F08E-E6A9-78AA90DB6367}"/>
+                </a:ext>
+              </a:extLst>
+            </p:cNvPr>
+            <p:cNvSpPr txBox="1"/>
+            <p:nvPr/>
+          </p:nvSpPr>
+          <p:spPr>
+            <a:xfrm>
+              <a:off x="4025765" y="5157123"/>
+              <a:ext cx="444352" cy="369332"/>
+            </a:xfrm>
+            <a:prstGeom prst="rect">
+              <a:avLst/>
+            </a:prstGeom>
+            <a:noFill/>
+          </p:spPr>
+          <p:txBody>
+            <a:bodyPr wrap="none" rtlCol="0">
+              <a:spAutoFit/>
+            </a:bodyPr>
+            <a:lstStyle/>
+            <a:p>
+              <a:r>
+                <a:rPr lang="en-US" dirty="0"/>
+                <a:t>(</a:t>
+              </a:r>
+              <a:r>
+                <a:rPr lang="en-US" i="1" dirty="0"/>
+                <a:t>a</a:t>
+              </a:r>
+              <a:r>
+                <a:rPr lang="en-US" dirty="0"/>
+                <a:t>)</a:t>
+              </a:r>
+            </a:p>
+          </p:txBody>
+        </p:sp>
+        <p:sp>
+          <p:nvSpPr>
+            <p:cNvPr id="45" name="TextBox 44">
+              <a:extLst>
+                <a:ext uri="{FF2B5EF4-FFF2-40B4-BE49-F238E27FC236}">
+                  <a16:creationId xmlns:a16="http://schemas.microsoft.com/office/drawing/2014/main" id="{E5EB387D-DB9F-3719-FFC3-99FEB0F80EB0}"/>
+                </a:ext>
+              </a:extLst>
+            </p:cNvPr>
+            <p:cNvSpPr txBox="1"/>
+            <p:nvPr/>
+          </p:nvSpPr>
+          <p:spPr>
+            <a:xfrm>
+              <a:off x="7735918" y="5141783"/>
+              <a:ext cx="647741" cy="369332"/>
+            </a:xfrm>
+            <a:prstGeom prst="rect">
+              <a:avLst/>
+            </a:prstGeom>
+            <a:noFill/>
+          </p:spPr>
+          <p:txBody>
+            <a:bodyPr wrap="square" rtlCol="0">
+              <a:spAutoFit/>
+            </a:bodyPr>
+            <a:lstStyle/>
+            <a:p>
+              <a:r>
+                <a:rPr lang="en-US" dirty="0"/>
+                <a:t>(</a:t>
+              </a:r>
+              <a:r>
+                <a:rPr lang="en-US" i="1" dirty="0"/>
+                <a:t>b</a:t>
+              </a:r>
+              <a:r>
+                <a:rPr lang="en-US" dirty="0"/>
+                <a:t>)</a:t>
+              </a:r>
+            </a:p>
+          </p:txBody>
+        </p:sp>
+        <p:sp>
+          <p:nvSpPr>
+            <p:cNvPr id="46" name="Rectangle 45">
+              <a:extLst>
+                <a:ext uri="{FF2B5EF4-FFF2-40B4-BE49-F238E27FC236}">
+                  <a16:creationId xmlns:a16="http://schemas.microsoft.com/office/drawing/2014/main" id="{B32779D4-0BC6-05FD-8055-553E6D7153E9}"/>
+                </a:ext>
+              </a:extLst>
+            </p:cNvPr>
+            <p:cNvSpPr/>
+            <p:nvPr/>
+          </p:nvSpPr>
+          <p:spPr>
+            <a:xfrm>
+              <a:off x="7257441" y="4004399"/>
+              <a:ext cx="1418896" cy="977462"/>
+            </a:xfrm>
+            <a:prstGeom prst="rect">
+              <a:avLst/>
+            </a:prstGeom>
+            <a:noFill/>
+            <a:ln w="19050"/>
+          </p:spPr>
+          <p:style>
+            <a:lnRef idx="2">
+              <a:schemeClr val="accent1">
+                <a:shade val="50000"/>
+              </a:schemeClr>
+            </a:lnRef>
+            <a:fillRef idx="1">
+              <a:schemeClr val="accent1"/>
+            </a:fillRef>
+            <a:effectRef idx="0">
+              <a:schemeClr val="accent1"/>
+            </a:effectRef>
+            <a:fontRef idx="minor">
+              <a:schemeClr val="lt1"/>
+            </a:fontRef>
+          </p:style>
+          <p:txBody>
+            <a:bodyPr rtlCol="0" anchor="ctr"/>
+            <a:lstStyle/>
+            <a:p>
+              <a:pPr algn="ctr"/>
+              <a:endParaRPr lang="en-US"/>
+            </a:p>
+          </p:txBody>
+        </p:sp>
+        <p:cxnSp>
+          <p:nvCxnSpPr>
+            <p:cNvPr id="47" name="Straight Arrow Connector 46">
+              <a:extLst>
+                <a:ext uri="{FF2B5EF4-FFF2-40B4-BE49-F238E27FC236}">
+                  <a16:creationId xmlns:a16="http://schemas.microsoft.com/office/drawing/2014/main" id="{B3BD95FB-77E5-F5F5-8CA6-967767BBDC09}"/>
+                </a:ext>
+              </a:extLst>
+            </p:cNvPr>
+            <p:cNvCxnSpPr/>
+            <p:nvPr/>
+          </p:nvCxnSpPr>
+          <p:spPr>
+            <a:xfrm>
+              <a:off x="6353552" y="4487874"/>
+              <a:ext cx="903889" cy="0"/>
+            </a:xfrm>
+            <a:prstGeom prst="straightConnector1">
+              <a:avLst/>
+            </a:prstGeom>
+            <a:ln w="19050">
+              <a:solidFill>
+                <a:schemeClr val="accent1"/>
+              </a:solidFill>
+              <a:tailEnd type="triangle"/>
+            </a:ln>
+          </p:spPr>
+          <p:style>
+            <a:lnRef idx="1">
+              <a:schemeClr val="accent1"/>
+            </a:lnRef>
+            <a:fillRef idx="0">
+              <a:schemeClr val="accent1"/>
+            </a:fillRef>
+            <a:effectRef idx="0">
+              <a:schemeClr val="accent1"/>
+            </a:effectRef>
+            <a:fontRef idx="minor">
+              <a:schemeClr val="tx1"/>
+            </a:fontRef>
+          </p:style>
+        </p:cxnSp>
+        <p:cxnSp>
+          <p:nvCxnSpPr>
+            <p:cNvPr id="48" name="Straight Arrow Connector 47">
+              <a:extLst>
+                <a:ext uri="{FF2B5EF4-FFF2-40B4-BE49-F238E27FC236}">
+                  <a16:creationId xmlns:a16="http://schemas.microsoft.com/office/drawing/2014/main" id="{697D2D59-18D4-6990-88DF-CBE3DCEED11B}"/>
+                </a:ext>
+              </a:extLst>
+            </p:cNvPr>
+            <p:cNvCxnSpPr/>
+            <p:nvPr/>
+          </p:nvCxnSpPr>
+          <p:spPr>
+            <a:xfrm>
+              <a:off x="8676337" y="4487874"/>
+              <a:ext cx="903889" cy="0"/>
+            </a:xfrm>
+            <a:prstGeom prst="straightConnector1">
+              <a:avLst/>
+            </a:prstGeom>
+            <a:ln w="19050">
+              <a:solidFill>
+                <a:schemeClr val="accent1"/>
+              </a:solidFill>
+              <a:tailEnd type="triangle"/>
+            </a:ln>
+          </p:spPr>
+          <p:style>
+            <a:lnRef idx="1">
+              <a:schemeClr val="accent1"/>
+            </a:lnRef>
+            <a:fillRef idx="0">
+              <a:schemeClr val="accent1"/>
+            </a:fillRef>
+            <a:effectRef idx="0">
+              <a:schemeClr val="accent1"/>
+            </a:effectRef>
+            <a:fontRef idx="minor">
+              <a:schemeClr val="tx1"/>
+            </a:fontRef>
+          </p:style>
+        </p:cxnSp>
+        <p:sp>
+          <p:nvSpPr>
+            <p:cNvPr id="49" name="TextBox 48">
+              <a:extLst>
+                <a:ext uri="{FF2B5EF4-FFF2-40B4-BE49-F238E27FC236}">
+                  <a16:creationId xmlns:a16="http://schemas.microsoft.com/office/drawing/2014/main" id="{890C1469-8572-000F-69FE-7DAEC5B1BCF1}"/>
+                </a:ext>
+              </a:extLst>
+            </p:cNvPr>
+            <p:cNvSpPr txBox="1"/>
+            <p:nvPr/>
+          </p:nvSpPr>
+          <p:spPr>
+            <a:xfrm>
+              <a:off x="7541324" y="4118542"/>
+              <a:ext cx="851130" cy="369332"/>
+            </a:xfrm>
+            <a:prstGeom prst="rect">
+              <a:avLst/>
+            </a:prstGeom>
+            <a:noFill/>
+          </p:spPr>
+          <p:txBody>
+            <a:bodyPr wrap="none" rtlCol="0">
+              <a:spAutoFit/>
+            </a:bodyPr>
+            <a:lstStyle/>
+            <a:p>
+              <a:r>
+                <a:rPr lang="en-US" dirty="0"/>
+                <a:t>System</a:t>
+              </a:r>
+            </a:p>
+          </p:txBody>
+        </p:sp>
+        <mc:AlternateContent xmlns:mc="http://schemas.openxmlformats.org/markup-compatibility/2006">
+          <mc:Choice xmlns:a14="http://schemas.microsoft.com/office/drawing/2010/main" Requires="a14">
+            <p:sp>
+              <p:nvSpPr>
+                <p:cNvPr id="50" name="TextBox 49">
+                  <a:extLst>
+                    <a:ext uri="{FF2B5EF4-FFF2-40B4-BE49-F238E27FC236}">
+                      <a16:creationId xmlns:a16="http://schemas.microsoft.com/office/drawing/2014/main" id="{ACF71F0E-A612-1782-73EA-69E4B56D625C}"/>
+                    </a:ext>
+                  </a:extLst>
+                </p:cNvPr>
+                <p:cNvSpPr txBox="1"/>
+                <p:nvPr/>
+              </p:nvSpPr>
+              <p:spPr>
+                <a:xfrm>
+                  <a:off x="7779495" y="4417351"/>
+                  <a:ext cx="381835" cy="369332"/>
+                </a:xfrm>
+                <a:prstGeom prst="rect">
+                  <a:avLst/>
+                </a:prstGeom>
+                <a:noFill/>
+              </p:spPr>
+              <p:txBody>
+                <a:bodyPr wrap="none" rtlCol="0">
+                  <a:spAutoFit/>
+                </a:bodyPr>
+                <a:lstStyle/>
+                <a:p>
+                  <a14:m>
+                    <m:oMathPara xmlns:m="http://schemas.openxmlformats.org/officeDocument/2006/math">
+                      <m:oMathParaPr>
+                        <m:jc m:val="centerGroup"/>
+                      </m:oMathParaPr>
+                      <m:oMath xmlns:m="http://schemas.openxmlformats.org/officeDocument/2006/math">
+                        <m:r>
+                          <m:rPr>
+                            <m:nor/>
+                          </m:rPr>
+                          <a:rPr lang="en-GB" b="1" i="0" smtClean="0">
+                            <a:latin typeface="Cambria Math" panose="02040503050406030204" pitchFamily="18" charset="0"/>
+                          </a:rPr>
+                          <m:t>T</m:t>
+                        </m:r>
+                      </m:oMath>
+                    </m:oMathPara>
+                  </a14:m>
+                  <a:endParaRPr lang="en-US" b="1" dirty="0"/>
+                </a:p>
+              </p:txBody>
+            </p:sp>
+          </mc:Choice>
+          <mc:Fallback>
+            <p:sp>
+              <p:nvSpPr>
+                <p:cNvPr id="50" name="TextBox 49">
+                  <a:extLst>
+                    <a:ext uri="{FF2B5EF4-FFF2-40B4-BE49-F238E27FC236}">
+                      <a16:creationId xmlns:a16="http://schemas.microsoft.com/office/drawing/2014/main" id="{ACF71F0E-A612-1782-73EA-69E4B56D625C}"/>
+                    </a:ext>
+                  </a:extLst>
+                </p:cNvPr>
+                <p:cNvSpPr txBox="1">
+                  <a:spLocks noRot="1" noChangeAspect="1" noMove="1" noResize="1" noEditPoints="1" noAdjustHandles="1" noChangeArrowheads="1" noChangeShapeType="1" noTextEdit="1"/>
+                </p:cNvSpPr>
+                <p:nvPr/>
+              </p:nvSpPr>
+              <p:spPr>
+                <a:xfrm>
+                  <a:off x="7779495" y="4417351"/>
+                  <a:ext cx="381835" cy="369332"/>
+                </a:xfrm>
+                <a:prstGeom prst="rect">
+                  <a:avLst/>
+                </a:prstGeom>
+                <a:blipFill>
+                  <a:blip r:embed="rId13"/>
+                  <a:stretch>
+                    <a:fillRect/>
+                  </a:stretch>
+                </a:blipFill>
+              </p:spPr>
+              <p:txBody>
+                <a:bodyPr/>
+                <a:lstStyle/>
+                <a:p>
+                  <a:r>
+                    <a:rPr lang="en-US">
+                      <a:noFill/>
+                    </a:rPr>
+                    <a:t> </a:t>
+                  </a:r>
+                </a:p>
+              </p:txBody>
+            </p:sp>
+          </mc:Fallback>
+        </mc:AlternateContent>
+        <mc:AlternateContent xmlns:mc="http://schemas.openxmlformats.org/markup-compatibility/2006">
+          <mc:Choice xmlns:a14="http://schemas.microsoft.com/office/drawing/2010/main" Requires="a14">
+            <p:sp>
+              <p:nvSpPr>
+                <p:cNvPr id="51" name="TextBox 50">
+                  <a:extLst>
+                    <a:ext uri="{FF2B5EF4-FFF2-40B4-BE49-F238E27FC236}">
+                      <a16:creationId xmlns:a16="http://schemas.microsoft.com/office/drawing/2014/main" id="{598702CF-9275-1836-AA32-18E88AC4F5A6}"/>
+                    </a:ext>
+                  </a:extLst>
+                </p:cNvPr>
+                <p:cNvSpPr txBox="1"/>
+                <p:nvPr/>
+              </p:nvSpPr>
+              <p:spPr>
+                <a:xfrm>
+                  <a:off x="6282332" y="4108030"/>
+                  <a:ext cx="665310" cy="369332"/>
+                </a:xfrm>
+                <a:prstGeom prst="rect">
+                  <a:avLst/>
+                </a:prstGeom>
+                <a:noFill/>
+              </p:spPr>
+              <p:txBody>
+                <a:bodyPr wrap="none" rtlCol="0">
+                  <a:spAutoFit/>
+                </a:bodyPr>
+                <a:lstStyle/>
+                <a:p>
+                  <a14:m>
+                    <m:oMathPara xmlns:m="http://schemas.openxmlformats.org/officeDocument/2006/math">
+                      <m:oMathParaPr>
+                        <m:jc m:val="centerGroup"/>
+                      </m:oMathParaPr>
+                      <m:oMath xmlns:m="http://schemas.openxmlformats.org/officeDocument/2006/math">
+                        <m:r>
+                          <a:rPr lang="en-GB" b="0" i="1" smtClean="0">
+                            <a:latin typeface="Cambria Math" panose="02040503050406030204" pitchFamily="18" charset="0"/>
+                          </a:rPr>
+                          <m:t>𝑥</m:t>
+                        </m:r>
+                        <m:r>
+                          <a:rPr lang="en-GB" b="0" i="1" smtClean="0">
+                            <a:latin typeface="Cambria Math" panose="02040503050406030204" pitchFamily="18" charset="0"/>
+                          </a:rPr>
+                          <m:t>[</m:t>
+                        </m:r>
+                        <m:r>
+                          <a:rPr lang="en-GB" b="0" i="1" smtClean="0">
+                            <a:latin typeface="Cambria Math" panose="02040503050406030204" pitchFamily="18" charset="0"/>
+                          </a:rPr>
+                          <m:t>𝑛</m:t>
+                        </m:r>
+                        <m:r>
+                          <a:rPr lang="en-GB" b="0" i="1" smtClean="0">
+                            <a:latin typeface="Cambria Math" panose="02040503050406030204" pitchFamily="18" charset="0"/>
+                          </a:rPr>
+                          <m:t>]</m:t>
+                        </m:r>
+                      </m:oMath>
+                    </m:oMathPara>
+                  </a14:m>
+                  <a:endParaRPr lang="en-US" dirty="0"/>
+                </a:p>
+              </p:txBody>
+            </p:sp>
+          </mc:Choice>
+          <mc:Fallback>
+            <p:sp>
+              <p:nvSpPr>
+                <p:cNvPr id="51" name="TextBox 50">
+                  <a:extLst>
+                    <a:ext uri="{FF2B5EF4-FFF2-40B4-BE49-F238E27FC236}">
+                      <a16:creationId xmlns:a16="http://schemas.microsoft.com/office/drawing/2014/main" id="{598702CF-9275-1836-AA32-18E88AC4F5A6}"/>
+                    </a:ext>
+                  </a:extLst>
+                </p:cNvPr>
+                <p:cNvSpPr txBox="1">
+                  <a:spLocks noRot="1" noChangeAspect="1" noMove="1" noResize="1" noEditPoints="1" noAdjustHandles="1" noChangeArrowheads="1" noChangeShapeType="1" noTextEdit="1"/>
+                </p:cNvSpPr>
+                <p:nvPr/>
+              </p:nvSpPr>
+              <p:spPr>
+                <a:xfrm>
+                  <a:off x="6282332" y="4108030"/>
+                  <a:ext cx="665310" cy="369332"/>
+                </a:xfrm>
+                <a:prstGeom prst="rect">
+                  <a:avLst/>
+                </a:prstGeom>
+                <a:blipFill>
+                  <a:blip r:embed="rId14"/>
+                  <a:stretch>
+                    <a:fillRect b="-13333"/>
+                  </a:stretch>
+                </a:blipFill>
+              </p:spPr>
+              <p:txBody>
+                <a:bodyPr/>
+                <a:lstStyle/>
+                <a:p>
+                  <a:r>
+                    <a:rPr lang="en-US">
+                      <a:noFill/>
+                    </a:rPr>
+                    <a:t> </a:t>
+                  </a:r>
+                </a:p>
+              </p:txBody>
+            </p:sp>
+          </mc:Fallback>
+        </mc:AlternateContent>
+        <mc:AlternateContent xmlns:mc="http://schemas.openxmlformats.org/markup-compatibility/2006">
+          <mc:Choice xmlns:a14="http://schemas.microsoft.com/office/drawing/2010/main" Requires="a14">
+            <p:sp>
+              <p:nvSpPr>
+                <p:cNvPr id="52" name="TextBox 51">
+                  <a:extLst>
+                    <a:ext uri="{FF2B5EF4-FFF2-40B4-BE49-F238E27FC236}">
+                      <a16:creationId xmlns:a16="http://schemas.microsoft.com/office/drawing/2014/main" id="{7CC5C995-BEFB-2404-978D-F1F7D460457A}"/>
+                    </a:ext>
+                  </a:extLst>
+                </p:cNvPr>
+                <p:cNvSpPr txBox="1"/>
+                <p:nvPr/>
+              </p:nvSpPr>
+              <p:spPr>
+                <a:xfrm>
+                  <a:off x="9082776" y="4065992"/>
+                  <a:ext cx="668709" cy="369332"/>
+                </a:xfrm>
+                <a:prstGeom prst="rect">
+                  <a:avLst/>
+                </a:prstGeom>
+                <a:noFill/>
+              </p:spPr>
+              <p:txBody>
+                <a:bodyPr wrap="none" rtlCol="0">
+                  <a:spAutoFit/>
+                </a:bodyPr>
+                <a:lstStyle/>
+                <a:p>
+                  <a14:m>
+                    <m:oMathPara xmlns:m="http://schemas.openxmlformats.org/officeDocument/2006/math">
+                      <m:oMathParaPr>
+                        <m:jc m:val="centerGroup"/>
+                      </m:oMathParaPr>
+                      <m:oMath xmlns:m="http://schemas.openxmlformats.org/officeDocument/2006/math">
+                        <m:r>
+                          <a:rPr lang="en-GB" b="0" i="1" smtClean="0">
+                            <a:latin typeface="Cambria Math" panose="02040503050406030204" pitchFamily="18" charset="0"/>
+                          </a:rPr>
+                          <m:t>𝑦</m:t>
+                        </m:r>
+                        <m:r>
+                          <a:rPr lang="en-GB" b="0" i="1" smtClean="0">
+                            <a:latin typeface="Cambria Math" panose="02040503050406030204" pitchFamily="18" charset="0"/>
+                          </a:rPr>
+                          <m:t>[</m:t>
+                        </m:r>
+                        <m:r>
+                          <a:rPr lang="en-GB" b="0" i="1" smtClean="0">
+                            <a:latin typeface="Cambria Math" panose="02040503050406030204" pitchFamily="18" charset="0"/>
+                          </a:rPr>
+                          <m:t>𝑛</m:t>
+                        </m:r>
+                        <m:r>
+                          <a:rPr lang="en-GB" b="0" i="1" smtClean="0">
+                            <a:latin typeface="Cambria Math" panose="02040503050406030204" pitchFamily="18" charset="0"/>
+                          </a:rPr>
+                          <m:t>]</m:t>
+                        </m:r>
+                      </m:oMath>
+                    </m:oMathPara>
+                  </a14:m>
+                  <a:endParaRPr lang="en-US" dirty="0"/>
+                </a:p>
+              </p:txBody>
+            </p:sp>
+          </mc:Choice>
+          <mc:Fallback>
+            <p:sp>
+              <p:nvSpPr>
+                <p:cNvPr id="52" name="TextBox 51">
+                  <a:extLst>
+                    <a:ext uri="{FF2B5EF4-FFF2-40B4-BE49-F238E27FC236}">
+                      <a16:creationId xmlns:a16="http://schemas.microsoft.com/office/drawing/2014/main" id="{7CC5C995-BEFB-2404-978D-F1F7D460457A}"/>
+                    </a:ext>
+                  </a:extLst>
+                </p:cNvPr>
+                <p:cNvSpPr txBox="1">
+                  <a:spLocks noRot="1" noChangeAspect="1" noMove="1" noResize="1" noEditPoints="1" noAdjustHandles="1" noChangeArrowheads="1" noChangeShapeType="1" noTextEdit="1"/>
+                </p:cNvSpPr>
+                <p:nvPr/>
+              </p:nvSpPr>
+              <p:spPr>
+                <a:xfrm>
+                  <a:off x="9082776" y="4065992"/>
+                  <a:ext cx="668709" cy="369332"/>
+                </a:xfrm>
+                <a:prstGeom prst="rect">
+                  <a:avLst/>
+                </a:prstGeom>
+                <a:blipFill>
+                  <a:blip r:embed="rId15"/>
+                  <a:stretch>
+                    <a:fillRect b="-13333"/>
+                  </a:stretch>
+                </a:blipFill>
+              </p:spPr>
+              <p:txBody>
+                <a:bodyPr/>
+                <a:lstStyle/>
+                <a:p>
+                  <a:r>
+                    <a:rPr lang="en-US">
+                      <a:noFill/>
+                    </a:rPr>
+                    <a:t> </a:t>
+                  </a:r>
+                </a:p>
+              </p:txBody>
+            </p:sp>
+          </mc:Fallback>
+        </mc:AlternateContent>
+      </p:grpSp>
+    </p:spTree>
+    <p:extLst>
+      <p:ext uri="{BB962C8B-B14F-4D97-AF65-F5344CB8AC3E}">
+        <p14:creationId xmlns:p14="http://schemas.microsoft.com/office/powerpoint/2010/main" val="1652637113"/>
+      </p:ext>
+    </p:extLst>
+  </p:cSld>
+  <p:clrMapOvr>
+    <a:masterClrMapping/>
+  </p:clrMapOvr>
+</p:sld>
+</file>
+
+<file path=ppt/slides/slide8.xml><?xml version="1.0" encoding="utf-8"?>
+<p:sld xmlns:a="http://schemas.openxmlformats.org/drawingml/2006/main" xmlns:r="http://schemas.openxmlformats.org/officeDocument/2006/relationships" xmlns:p="http://schemas.openxmlformats.org/presentationml/2006/main">
+  <p:cSld>
+    <p:spTree>
+      <p:nvGrpSpPr>
+        <p:cNvPr id="1" name=""/>
+        <p:cNvGrpSpPr/>
+        <p:nvPr/>
+      </p:nvGrpSpPr>
+      <p:grpSpPr>
+        <a:xfrm>
+          <a:off x="0" y="0"/>
+          <a:ext cx="0" cy="0"/>
+          <a:chOff x="0" y="0"/>
+          <a:chExt cx="0" cy="0"/>
+        </a:xfrm>
+      </p:grpSpPr>
+      <p:grpSp>
+        <p:nvGrpSpPr>
+          <p:cNvPr id="25" name="Group 24">
+            <a:extLst>
+              <a:ext uri="{FF2B5EF4-FFF2-40B4-BE49-F238E27FC236}">
+                <a16:creationId xmlns:a16="http://schemas.microsoft.com/office/drawing/2014/main" id="{15F6512A-4D56-5DBB-D769-46286192E5D1}"/>
+              </a:ext>
+            </a:extLst>
+          </p:cNvPr>
+          <p:cNvGrpSpPr/>
+          <p:nvPr/>
+        </p:nvGrpSpPr>
+        <p:grpSpPr>
+          <a:xfrm>
+            <a:off x="4417307" y="3429000"/>
+            <a:ext cx="679450" cy="184150"/>
+            <a:chOff x="5410200" y="2863850"/>
+            <a:chExt cx="679450" cy="184150"/>
+          </a:xfrm>
+        </p:grpSpPr>
+        <p:cxnSp>
+          <p:nvCxnSpPr>
+            <p:cNvPr id="6" name="Straight Connector 5">
+              <a:extLst>
+                <a:ext uri="{FF2B5EF4-FFF2-40B4-BE49-F238E27FC236}">
+                  <a16:creationId xmlns:a16="http://schemas.microsoft.com/office/drawing/2014/main" id="{13655FE0-42AD-57DD-0193-D918070C2265}"/>
+                </a:ext>
+              </a:extLst>
+            </p:cNvPr>
+            <p:cNvCxnSpPr>
+              <a:cxnSpLocks/>
+            </p:cNvCxnSpPr>
+            <p:nvPr/>
+          </p:nvCxnSpPr>
+          <p:spPr>
+            <a:xfrm>
+              <a:off x="5410200" y="2960687"/>
+              <a:ext cx="98425" cy="0"/>
+            </a:xfrm>
+            <a:prstGeom prst="line">
+              <a:avLst/>
+            </a:prstGeom>
+            <a:ln w="12700">
+              <a:solidFill>
+                <a:schemeClr val="tx1"/>
+              </a:solidFill>
+            </a:ln>
+          </p:spPr>
+          <p:style>
+            <a:lnRef idx="1">
+              <a:schemeClr val="accent1"/>
+            </a:lnRef>
+            <a:fillRef idx="0">
+              <a:schemeClr val="accent1"/>
+            </a:fillRef>
+            <a:effectRef idx="0">
+              <a:schemeClr val="accent1"/>
+            </a:effectRef>
+            <a:fontRef idx="minor">
+              <a:schemeClr val="tx1"/>
+            </a:fontRef>
+          </p:style>
+        </p:cxnSp>
+        <p:cxnSp>
+          <p:nvCxnSpPr>
+            <p:cNvPr id="8" name="Straight Connector 7">
+              <a:extLst>
+                <a:ext uri="{FF2B5EF4-FFF2-40B4-BE49-F238E27FC236}">
+                  <a16:creationId xmlns:a16="http://schemas.microsoft.com/office/drawing/2014/main" id="{3D55C291-C3AE-103D-FA26-C6CB88EF9947}"/>
+                </a:ext>
+              </a:extLst>
+            </p:cNvPr>
+            <p:cNvCxnSpPr>
+              <a:cxnSpLocks/>
+            </p:cNvCxnSpPr>
+            <p:nvPr/>
+          </p:nvCxnSpPr>
+          <p:spPr>
+            <a:xfrm>
+              <a:off x="5508625" y="2955925"/>
+              <a:ext cx="38100" cy="92075"/>
+            </a:xfrm>
+            <a:prstGeom prst="line">
+              <a:avLst/>
+            </a:prstGeom>
+            <a:ln w="12700">
+              <a:solidFill>
+                <a:schemeClr val="tx1"/>
+              </a:solidFill>
+            </a:ln>
+          </p:spPr>
+          <p:style>
+            <a:lnRef idx="1">
+              <a:schemeClr val="accent1"/>
+            </a:lnRef>
+            <a:fillRef idx="0">
+              <a:schemeClr val="accent1"/>
+            </a:fillRef>
+            <a:effectRef idx="0">
+              <a:schemeClr val="accent1"/>
+            </a:effectRef>
+            <a:fontRef idx="minor">
+              <a:schemeClr val="tx1"/>
+            </a:fontRef>
+          </p:style>
+        </p:cxnSp>
+        <p:cxnSp>
+          <p:nvCxnSpPr>
+            <p:cNvPr id="10" name="Straight Connector 9">
+              <a:extLst>
+                <a:ext uri="{FF2B5EF4-FFF2-40B4-BE49-F238E27FC236}">
+                  <a16:creationId xmlns:a16="http://schemas.microsoft.com/office/drawing/2014/main" id="{FB1AAA95-196D-A68B-E38D-776CF7577695}"/>
+                </a:ext>
+              </a:extLst>
+            </p:cNvPr>
+            <p:cNvCxnSpPr>
+              <a:cxnSpLocks/>
+            </p:cNvCxnSpPr>
+            <p:nvPr/>
+          </p:nvCxnSpPr>
+          <p:spPr>
+            <a:xfrm flipV="1">
+              <a:off x="5546725" y="2863850"/>
+              <a:ext cx="63500" cy="174625"/>
+            </a:xfrm>
+            <a:prstGeom prst="line">
+              <a:avLst/>
+            </a:prstGeom>
+            <a:ln w="12700">
+              <a:solidFill>
+                <a:schemeClr val="tx1"/>
+              </a:solidFill>
+            </a:ln>
+          </p:spPr>
+          <p:style>
+            <a:lnRef idx="1">
+              <a:schemeClr val="accent1"/>
+            </a:lnRef>
+            <a:fillRef idx="0">
+              <a:schemeClr val="accent1"/>
+            </a:fillRef>
+            <a:effectRef idx="0">
+              <a:schemeClr val="accent1"/>
+            </a:effectRef>
+            <a:fontRef idx="minor">
+              <a:schemeClr val="tx1"/>
+            </a:fontRef>
+          </p:style>
+        </p:cxnSp>
+        <p:cxnSp>
+          <p:nvCxnSpPr>
+            <p:cNvPr id="12" name="Straight Connector 11">
+              <a:extLst>
+                <a:ext uri="{FF2B5EF4-FFF2-40B4-BE49-F238E27FC236}">
+                  <a16:creationId xmlns:a16="http://schemas.microsoft.com/office/drawing/2014/main" id="{83A6A4AA-4943-29D3-89A3-098A97E88E1A}"/>
+                </a:ext>
+              </a:extLst>
+            </p:cNvPr>
+            <p:cNvCxnSpPr>
+              <a:cxnSpLocks/>
+            </p:cNvCxnSpPr>
+            <p:nvPr/>
+          </p:nvCxnSpPr>
+          <p:spPr>
+            <a:xfrm>
+              <a:off x="5610225" y="2863850"/>
+              <a:ext cx="50800" cy="184150"/>
+            </a:xfrm>
+            <a:prstGeom prst="line">
+              <a:avLst/>
+            </a:prstGeom>
+            <a:ln w="12700">
+              <a:solidFill>
+                <a:schemeClr val="tx1"/>
+              </a:solidFill>
+            </a:ln>
+          </p:spPr>
+          <p:style>
+            <a:lnRef idx="1">
+              <a:schemeClr val="accent1"/>
+            </a:lnRef>
+            <a:fillRef idx="0">
+              <a:schemeClr val="accent1"/>
+            </a:fillRef>
+            <a:effectRef idx="0">
+              <a:schemeClr val="accent1"/>
+            </a:effectRef>
+            <a:fontRef idx="minor">
+              <a:schemeClr val="tx1"/>
+            </a:fontRef>
+          </p:style>
+        </p:cxnSp>
+        <p:cxnSp>
+          <p:nvCxnSpPr>
+            <p:cNvPr id="17" name="Straight Connector 16">
+              <a:extLst>
+                <a:ext uri="{FF2B5EF4-FFF2-40B4-BE49-F238E27FC236}">
+                  <a16:creationId xmlns:a16="http://schemas.microsoft.com/office/drawing/2014/main" id="{0C27DA1F-A306-416A-F60F-6980A4E3A401}"/>
+                </a:ext>
+              </a:extLst>
+            </p:cNvPr>
+            <p:cNvCxnSpPr>
+              <a:cxnSpLocks/>
+            </p:cNvCxnSpPr>
+            <p:nvPr/>
+          </p:nvCxnSpPr>
+          <p:spPr>
+            <a:xfrm flipV="1">
+              <a:off x="5661025" y="2863850"/>
+              <a:ext cx="63500" cy="174625"/>
+            </a:xfrm>
+            <a:prstGeom prst="line">
+              <a:avLst/>
+            </a:prstGeom>
+            <a:ln w="12700">
+              <a:solidFill>
+                <a:schemeClr val="tx1"/>
+              </a:solidFill>
+            </a:ln>
+          </p:spPr>
+          <p:style>
+            <a:lnRef idx="1">
+              <a:schemeClr val="accent1"/>
+            </a:lnRef>
+            <a:fillRef idx="0">
+              <a:schemeClr val="accent1"/>
+            </a:fillRef>
+            <a:effectRef idx="0">
+              <a:schemeClr val="accent1"/>
+            </a:effectRef>
+            <a:fontRef idx="minor">
+              <a:schemeClr val="tx1"/>
+            </a:fontRef>
+          </p:style>
+        </p:cxnSp>
+        <p:cxnSp>
+          <p:nvCxnSpPr>
+            <p:cNvPr id="18" name="Straight Connector 17">
+              <a:extLst>
+                <a:ext uri="{FF2B5EF4-FFF2-40B4-BE49-F238E27FC236}">
+                  <a16:creationId xmlns:a16="http://schemas.microsoft.com/office/drawing/2014/main" id="{F2F576A5-BEEB-573D-7667-94EDF25EA9BA}"/>
+                </a:ext>
+              </a:extLst>
+            </p:cNvPr>
+            <p:cNvCxnSpPr>
+              <a:cxnSpLocks/>
+            </p:cNvCxnSpPr>
+            <p:nvPr/>
+          </p:nvCxnSpPr>
+          <p:spPr>
+            <a:xfrm>
+              <a:off x="5724525" y="2863850"/>
+              <a:ext cx="50800" cy="184150"/>
+            </a:xfrm>
+            <a:prstGeom prst="line">
+              <a:avLst/>
+            </a:prstGeom>
+            <a:ln w="12700">
+              <a:solidFill>
+                <a:schemeClr val="tx1"/>
+              </a:solidFill>
+            </a:ln>
+          </p:spPr>
+          <p:style>
+            <a:lnRef idx="1">
+              <a:schemeClr val="accent1"/>
+            </a:lnRef>
+            <a:fillRef idx="0">
+              <a:schemeClr val="accent1"/>
+            </a:fillRef>
+            <a:effectRef idx="0">
+              <a:schemeClr val="accent1"/>
+            </a:effectRef>
+            <a:fontRef idx="minor">
+              <a:schemeClr val="tx1"/>
+            </a:fontRef>
+          </p:style>
+        </p:cxnSp>
+        <p:cxnSp>
+          <p:nvCxnSpPr>
+            <p:cNvPr id="20" name="Straight Connector 19">
+              <a:extLst>
+                <a:ext uri="{FF2B5EF4-FFF2-40B4-BE49-F238E27FC236}">
+                  <a16:creationId xmlns:a16="http://schemas.microsoft.com/office/drawing/2014/main" id="{668A04B0-594F-BC39-5872-7E1CAC71A46C}"/>
+                </a:ext>
+              </a:extLst>
+            </p:cNvPr>
+            <p:cNvCxnSpPr>
+              <a:cxnSpLocks/>
+            </p:cNvCxnSpPr>
+            <p:nvPr/>
+          </p:nvCxnSpPr>
+          <p:spPr>
+            <a:xfrm flipV="1">
+              <a:off x="5775325" y="2863850"/>
+              <a:ext cx="63500" cy="174625"/>
+            </a:xfrm>
+            <a:prstGeom prst="line">
+              <a:avLst/>
+            </a:prstGeom>
+            <a:ln w="12700">
+              <a:solidFill>
+                <a:schemeClr val="tx1"/>
+              </a:solidFill>
+            </a:ln>
+          </p:spPr>
+          <p:style>
+            <a:lnRef idx="1">
+              <a:schemeClr val="accent1"/>
+            </a:lnRef>
+            <a:fillRef idx="0">
+              <a:schemeClr val="accent1"/>
+            </a:fillRef>
+            <a:effectRef idx="0">
+              <a:schemeClr val="accent1"/>
+            </a:effectRef>
+            <a:fontRef idx="minor">
+              <a:schemeClr val="tx1"/>
+            </a:fontRef>
+          </p:style>
+        </p:cxnSp>
+        <p:cxnSp>
+          <p:nvCxnSpPr>
+            <p:cNvPr id="21" name="Straight Connector 20">
+              <a:extLst>
+                <a:ext uri="{FF2B5EF4-FFF2-40B4-BE49-F238E27FC236}">
+                  <a16:creationId xmlns:a16="http://schemas.microsoft.com/office/drawing/2014/main" id="{C812E524-D888-A74A-1D7E-164391822CE2}"/>
+                </a:ext>
+              </a:extLst>
+            </p:cNvPr>
+            <p:cNvCxnSpPr>
+              <a:cxnSpLocks/>
+            </p:cNvCxnSpPr>
+            <p:nvPr/>
+          </p:nvCxnSpPr>
+          <p:spPr>
+            <a:xfrm>
+              <a:off x="5838825" y="2863850"/>
+              <a:ext cx="50800" cy="184150"/>
+            </a:xfrm>
+            <a:prstGeom prst="line">
+              <a:avLst/>
+            </a:prstGeom>
+            <a:ln w="12700">
+              <a:solidFill>
+                <a:schemeClr val="tx1"/>
+              </a:solidFill>
+            </a:ln>
+          </p:spPr>
+          <p:style>
+            <a:lnRef idx="1">
+              <a:schemeClr val="accent1"/>
+            </a:lnRef>
+            <a:fillRef idx="0">
+              <a:schemeClr val="accent1"/>
+            </a:fillRef>
+            <a:effectRef idx="0">
+              <a:schemeClr val="accent1"/>
+            </a:effectRef>
+            <a:fontRef idx="minor">
+              <a:schemeClr val="tx1"/>
+            </a:fontRef>
+          </p:style>
+        </p:cxnSp>
+        <p:cxnSp>
+          <p:nvCxnSpPr>
+            <p:cNvPr id="22" name="Straight Connector 21">
+              <a:extLst>
+                <a:ext uri="{FF2B5EF4-FFF2-40B4-BE49-F238E27FC236}">
+                  <a16:creationId xmlns:a16="http://schemas.microsoft.com/office/drawing/2014/main" id="{1B6BD255-C032-3D51-B444-780AF8CE3978}"/>
+                </a:ext>
+              </a:extLst>
+            </p:cNvPr>
+            <p:cNvCxnSpPr>
+              <a:cxnSpLocks/>
+            </p:cNvCxnSpPr>
+            <p:nvPr/>
+          </p:nvCxnSpPr>
+          <p:spPr>
+            <a:xfrm flipV="1">
+              <a:off x="5889625" y="2863850"/>
+              <a:ext cx="63500" cy="174625"/>
+            </a:xfrm>
+            <a:prstGeom prst="line">
+              <a:avLst/>
+            </a:prstGeom>
+            <a:ln w="12700">
+              <a:solidFill>
+                <a:schemeClr val="tx1"/>
+              </a:solidFill>
+            </a:ln>
+          </p:spPr>
+          <p:style>
+            <a:lnRef idx="1">
+              <a:schemeClr val="accent1"/>
+            </a:lnRef>
+            <a:fillRef idx="0">
+              <a:schemeClr val="accent1"/>
+            </a:fillRef>
+            <a:effectRef idx="0">
+              <a:schemeClr val="accent1"/>
+            </a:effectRef>
+            <a:fontRef idx="minor">
+              <a:schemeClr val="tx1"/>
+            </a:fontRef>
+          </p:style>
+        </p:cxnSp>
+        <p:cxnSp>
+          <p:nvCxnSpPr>
+            <p:cNvPr id="23" name="Straight Connector 22">
+              <a:extLst>
+                <a:ext uri="{FF2B5EF4-FFF2-40B4-BE49-F238E27FC236}">
+                  <a16:creationId xmlns:a16="http://schemas.microsoft.com/office/drawing/2014/main" id="{C2AEF12E-0703-DE8C-88B7-1289777F2497}"/>
+                </a:ext>
+              </a:extLst>
+            </p:cNvPr>
+            <p:cNvCxnSpPr>
+              <a:cxnSpLocks/>
+            </p:cNvCxnSpPr>
+            <p:nvPr/>
+          </p:nvCxnSpPr>
+          <p:spPr>
+            <a:xfrm>
+              <a:off x="5953125" y="2863850"/>
+              <a:ext cx="38100" cy="92075"/>
+            </a:xfrm>
+            <a:prstGeom prst="line">
+              <a:avLst/>
+            </a:prstGeom>
+            <a:ln w="12700">
+              <a:solidFill>
+                <a:schemeClr val="tx1"/>
+              </a:solidFill>
+            </a:ln>
+          </p:spPr>
+          <p:style>
+            <a:lnRef idx="1">
+              <a:schemeClr val="accent1"/>
+            </a:lnRef>
+            <a:fillRef idx="0">
+              <a:schemeClr val="accent1"/>
+            </a:fillRef>
+            <a:effectRef idx="0">
+              <a:schemeClr val="accent1"/>
+            </a:effectRef>
+            <a:fontRef idx="minor">
+              <a:schemeClr val="tx1"/>
+            </a:fontRef>
+          </p:style>
+        </p:cxnSp>
+        <p:cxnSp>
+          <p:nvCxnSpPr>
+            <p:cNvPr id="24" name="Straight Connector 23">
+              <a:extLst>
+                <a:ext uri="{FF2B5EF4-FFF2-40B4-BE49-F238E27FC236}">
+                  <a16:creationId xmlns:a16="http://schemas.microsoft.com/office/drawing/2014/main" id="{2B37798A-217E-678D-F74E-D4B7B67B8B8B}"/>
+                </a:ext>
+              </a:extLst>
+            </p:cNvPr>
+            <p:cNvCxnSpPr>
+              <a:cxnSpLocks/>
+            </p:cNvCxnSpPr>
+            <p:nvPr/>
+          </p:nvCxnSpPr>
+          <p:spPr>
+            <a:xfrm>
+              <a:off x="5991225" y="2960687"/>
+              <a:ext cx="98425" cy="0"/>
+            </a:xfrm>
+            <a:prstGeom prst="line">
+              <a:avLst/>
+            </a:prstGeom>
+            <a:ln w="12700">
+              <a:solidFill>
+                <a:schemeClr val="tx1"/>
+              </a:solidFill>
+            </a:ln>
+          </p:spPr>
+          <p:style>
+            <a:lnRef idx="1">
+              <a:schemeClr val="accent1"/>
+            </a:lnRef>
+            <a:fillRef idx="0">
+              <a:schemeClr val="accent1"/>
+            </a:fillRef>
+            <a:effectRef idx="0">
+              <a:schemeClr val="accent1"/>
+            </a:effectRef>
+            <a:fontRef idx="minor">
+              <a:schemeClr val="tx1"/>
+            </a:fontRef>
+          </p:style>
+        </p:cxnSp>
+      </p:grpSp>
+      <p:grpSp>
+        <p:nvGrpSpPr>
+          <p:cNvPr id="63" name="Group 62">
+            <a:extLst>
+              <a:ext uri="{FF2B5EF4-FFF2-40B4-BE49-F238E27FC236}">
+                <a16:creationId xmlns:a16="http://schemas.microsoft.com/office/drawing/2014/main" id="{18B98D5D-B3B6-BB50-5947-FCFBE996D5AD}"/>
+              </a:ext>
+            </a:extLst>
+          </p:cNvPr>
+          <p:cNvGrpSpPr/>
+          <p:nvPr/>
+        </p:nvGrpSpPr>
+        <p:grpSpPr>
+          <a:xfrm>
+            <a:off x="765592" y="333202"/>
+            <a:ext cx="2924162" cy="1810266"/>
+            <a:chOff x="5058678" y="2710934"/>
+            <a:chExt cx="2924162" cy="1810266"/>
+          </a:xfrm>
+        </p:grpSpPr>
+        <p:grpSp>
+          <p:nvGrpSpPr>
+            <p:cNvPr id="26" name="Group 25">
+              <a:extLst>
+                <a:ext uri="{FF2B5EF4-FFF2-40B4-BE49-F238E27FC236}">
+                  <a16:creationId xmlns:a16="http://schemas.microsoft.com/office/drawing/2014/main" id="{0BEBAFAB-171D-9E17-5DFA-38B7BECCDF04}"/>
+                </a:ext>
+              </a:extLst>
+            </p:cNvPr>
+            <p:cNvGrpSpPr/>
+            <p:nvPr/>
+          </p:nvGrpSpPr>
+          <p:grpSpPr>
+            <a:xfrm rot="5400000">
+              <a:off x="6359525" y="3489325"/>
+              <a:ext cx="679450" cy="184150"/>
+              <a:chOff x="5410200" y="2863850"/>
+              <a:chExt cx="679450" cy="184150"/>
+            </a:xfrm>
+          </p:grpSpPr>
+          <p:cxnSp>
+            <p:nvCxnSpPr>
+              <p:cNvPr id="27" name="Straight Connector 26">
+                <a:extLst>
+                  <a:ext uri="{FF2B5EF4-FFF2-40B4-BE49-F238E27FC236}">
+                    <a16:creationId xmlns:a16="http://schemas.microsoft.com/office/drawing/2014/main" id="{1F336B5A-D8EA-65C5-A647-12CDFF7C853C}"/>
+                  </a:ext>
+                </a:extLst>
+              </p:cNvPr>
+              <p:cNvCxnSpPr>
+                <a:cxnSpLocks/>
+              </p:cNvCxnSpPr>
+              <p:nvPr/>
+            </p:nvCxnSpPr>
+            <p:spPr>
+              <a:xfrm>
+                <a:off x="5410200" y="2960687"/>
+                <a:ext cx="98425" cy="0"/>
+              </a:xfrm>
+              <a:prstGeom prst="line">
+                <a:avLst/>
+              </a:prstGeom>
+              <a:ln w="12700">
+                <a:solidFill>
+                  <a:schemeClr val="tx1"/>
+                </a:solidFill>
+              </a:ln>
+            </p:spPr>
+            <p:style>
+              <a:lnRef idx="1">
+                <a:schemeClr val="accent1"/>
+              </a:lnRef>
+              <a:fillRef idx="0">
+                <a:schemeClr val="accent1"/>
+              </a:fillRef>
+              <a:effectRef idx="0">
+                <a:schemeClr val="accent1"/>
+              </a:effectRef>
+              <a:fontRef idx="minor">
+                <a:schemeClr val="tx1"/>
+              </a:fontRef>
+            </p:style>
+          </p:cxnSp>
+          <p:cxnSp>
+            <p:nvCxnSpPr>
+              <p:cNvPr id="28" name="Straight Connector 27">
+                <a:extLst>
+                  <a:ext uri="{FF2B5EF4-FFF2-40B4-BE49-F238E27FC236}">
+                    <a16:creationId xmlns:a16="http://schemas.microsoft.com/office/drawing/2014/main" id="{9FA0799C-C4A5-B990-0B59-5394C8402DDB}"/>
+                  </a:ext>
+                </a:extLst>
+              </p:cNvPr>
+              <p:cNvCxnSpPr>
+                <a:cxnSpLocks/>
+              </p:cNvCxnSpPr>
+              <p:nvPr/>
+            </p:nvCxnSpPr>
+            <p:spPr>
+              <a:xfrm>
+                <a:off x="5508625" y="2955925"/>
+                <a:ext cx="38100" cy="92075"/>
+              </a:xfrm>
+              <a:prstGeom prst="line">
+                <a:avLst/>
+              </a:prstGeom>
+              <a:ln w="12700">
+                <a:solidFill>
+                  <a:schemeClr val="tx1"/>
+                </a:solidFill>
+              </a:ln>
+            </p:spPr>
+            <p:style>
+              <a:lnRef idx="1">
+                <a:schemeClr val="accent1"/>
+              </a:lnRef>
+              <a:fillRef idx="0">
+                <a:schemeClr val="accent1"/>
+              </a:fillRef>
+              <a:effectRef idx="0">
+                <a:schemeClr val="accent1"/>
+              </a:effectRef>
+              <a:fontRef idx="minor">
+                <a:schemeClr val="tx1"/>
+              </a:fontRef>
+            </p:style>
+          </p:cxnSp>
+          <p:cxnSp>
+            <p:nvCxnSpPr>
+              <p:cNvPr id="29" name="Straight Connector 28">
+                <a:extLst>
+                  <a:ext uri="{FF2B5EF4-FFF2-40B4-BE49-F238E27FC236}">
+                    <a16:creationId xmlns:a16="http://schemas.microsoft.com/office/drawing/2014/main" id="{6AC8579B-B399-0C26-6DBD-3396A54D9B9E}"/>
+                  </a:ext>
+                </a:extLst>
+              </p:cNvPr>
+              <p:cNvCxnSpPr>
+                <a:cxnSpLocks/>
+              </p:cNvCxnSpPr>
+              <p:nvPr/>
+            </p:nvCxnSpPr>
+            <p:spPr>
+              <a:xfrm flipV="1">
+                <a:off x="5546725" y="2863850"/>
+                <a:ext cx="63500" cy="174625"/>
+              </a:xfrm>
+              <a:prstGeom prst="line">
+                <a:avLst/>
+              </a:prstGeom>
+              <a:ln w="12700">
+                <a:solidFill>
+                  <a:schemeClr val="tx1"/>
+                </a:solidFill>
+              </a:ln>
+            </p:spPr>
+            <p:style>
+              <a:lnRef idx="1">
+                <a:schemeClr val="accent1"/>
+              </a:lnRef>
+              <a:fillRef idx="0">
+                <a:schemeClr val="accent1"/>
+              </a:fillRef>
+              <a:effectRef idx="0">
+                <a:schemeClr val="accent1"/>
+              </a:effectRef>
+              <a:fontRef idx="minor">
+                <a:schemeClr val="tx1"/>
+              </a:fontRef>
+            </p:style>
+          </p:cxnSp>
+          <p:cxnSp>
+            <p:nvCxnSpPr>
+              <p:cNvPr id="30" name="Straight Connector 29">
+                <a:extLst>
+                  <a:ext uri="{FF2B5EF4-FFF2-40B4-BE49-F238E27FC236}">
+                    <a16:creationId xmlns:a16="http://schemas.microsoft.com/office/drawing/2014/main" id="{3DF700E7-90FD-724B-FD97-6E6095F7D37E}"/>
+                  </a:ext>
+                </a:extLst>
+              </p:cNvPr>
+              <p:cNvCxnSpPr>
+                <a:cxnSpLocks/>
+              </p:cNvCxnSpPr>
+              <p:nvPr/>
+            </p:nvCxnSpPr>
+            <p:spPr>
+              <a:xfrm>
+                <a:off x="5610225" y="2863850"/>
+                <a:ext cx="50800" cy="184150"/>
+              </a:xfrm>
+              <a:prstGeom prst="line">
+                <a:avLst/>
+              </a:prstGeom>
+              <a:ln w="12700">
+                <a:solidFill>
+                  <a:schemeClr val="tx1"/>
+                </a:solidFill>
+              </a:ln>
+            </p:spPr>
+            <p:style>
+              <a:lnRef idx="1">
+                <a:schemeClr val="accent1"/>
+              </a:lnRef>
+              <a:fillRef idx="0">
+                <a:schemeClr val="accent1"/>
+              </a:fillRef>
+              <a:effectRef idx="0">
+                <a:schemeClr val="accent1"/>
+              </a:effectRef>
+              <a:fontRef idx="minor">
+                <a:schemeClr val="tx1"/>
+              </a:fontRef>
+            </p:style>
+          </p:cxnSp>
+          <p:cxnSp>
+            <p:nvCxnSpPr>
+              <p:cNvPr id="31" name="Straight Connector 30">
+                <a:extLst>
+                  <a:ext uri="{FF2B5EF4-FFF2-40B4-BE49-F238E27FC236}">
+                    <a16:creationId xmlns:a16="http://schemas.microsoft.com/office/drawing/2014/main" id="{02F86FDE-C2C7-8957-F0DF-22AFBC285C53}"/>
+                  </a:ext>
+                </a:extLst>
+              </p:cNvPr>
+              <p:cNvCxnSpPr>
+                <a:cxnSpLocks/>
+              </p:cNvCxnSpPr>
+              <p:nvPr/>
+            </p:nvCxnSpPr>
+            <p:spPr>
+              <a:xfrm flipV="1">
+                <a:off x="5661025" y="2863850"/>
+                <a:ext cx="63500" cy="174625"/>
+              </a:xfrm>
+              <a:prstGeom prst="line">
+                <a:avLst/>
+              </a:prstGeom>
+              <a:ln w="12700">
+                <a:solidFill>
+                  <a:schemeClr val="tx1"/>
+                </a:solidFill>
+              </a:ln>
+            </p:spPr>
+            <p:style>
+              <a:lnRef idx="1">
+                <a:schemeClr val="accent1"/>
+              </a:lnRef>
+              <a:fillRef idx="0">
+                <a:schemeClr val="accent1"/>
+              </a:fillRef>
+              <a:effectRef idx="0">
+                <a:schemeClr val="accent1"/>
+              </a:effectRef>
+              <a:fontRef idx="minor">
+                <a:schemeClr val="tx1"/>
+              </a:fontRef>
+            </p:style>
+          </p:cxnSp>
+          <p:cxnSp>
+            <p:nvCxnSpPr>
+              <p:cNvPr id="32" name="Straight Connector 31">
+                <a:extLst>
+                  <a:ext uri="{FF2B5EF4-FFF2-40B4-BE49-F238E27FC236}">
+                    <a16:creationId xmlns:a16="http://schemas.microsoft.com/office/drawing/2014/main" id="{B350E483-1CE0-55F4-EBAF-60D8BF8E0D77}"/>
+                  </a:ext>
+                </a:extLst>
+              </p:cNvPr>
+              <p:cNvCxnSpPr>
+                <a:cxnSpLocks/>
+              </p:cNvCxnSpPr>
+              <p:nvPr/>
+            </p:nvCxnSpPr>
+            <p:spPr>
+              <a:xfrm>
+                <a:off x="5724525" y="2863850"/>
+                <a:ext cx="50800" cy="184150"/>
+              </a:xfrm>
+              <a:prstGeom prst="line">
+                <a:avLst/>
+              </a:prstGeom>
+              <a:ln w="12700">
+                <a:solidFill>
+                  <a:schemeClr val="tx1"/>
+                </a:solidFill>
+              </a:ln>
+            </p:spPr>
+            <p:style>
+              <a:lnRef idx="1">
+                <a:schemeClr val="accent1"/>
+              </a:lnRef>
+              <a:fillRef idx="0">
+                <a:schemeClr val="accent1"/>
+              </a:fillRef>
+              <a:effectRef idx="0">
+                <a:schemeClr val="accent1"/>
+              </a:effectRef>
+              <a:fontRef idx="minor">
+                <a:schemeClr val="tx1"/>
+              </a:fontRef>
+            </p:style>
+          </p:cxnSp>
+          <p:cxnSp>
+            <p:nvCxnSpPr>
+              <p:cNvPr id="33" name="Straight Connector 32">
+                <a:extLst>
+                  <a:ext uri="{FF2B5EF4-FFF2-40B4-BE49-F238E27FC236}">
+                    <a16:creationId xmlns:a16="http://schemas.microsoft.com/office/drawing/2014/main" id="{E7B41B1E-E3BD-D011-040E-B3381727ED5A}"/>
+                  </a:ext>
+                </a:extLst>
+              </p:cNvPr>
+              <p:cNvCxnSpPr>
+                <a:cxnSpLocks/>
+              </p:cNvCxnSpPr>
+              <p:nvPr/>
+            </p:nvCxnSpPr>
+            <p:spPr>
+              <a:xfrm flipV="1">
+                <a:off x="5775325" y="2863850"/>
+                <a:ext cx="63500" cy="174625"/>
+              </a:xfrm>
+              <a:prstGeom prst="line">
+                <a:avLst/>
+              </a:prstGeom>
+              <a:ln w="12700">
+                <a:solidFill>
+                  <a:schemeClr val="tx1"/>
+                </a:solidFill>
+              </a:ln>
+            </p:spPr>
+            <p:style>
+              <a:lnRef idx="1">
+                <a:schemeClr val="accent1"/>
+              </a:lnRef>
+              <a:fillRef idx="0">
+                <a:schemeClr val="accent1"/>
+              </a:fillRef>
+              <a:effectRef idx="0">
+                <a:schemeClr val="accent1"/>
+              </a:effectRef>
+              <a:fontRef idx="minor">
+                <a:schemeClr val="tx1"/>
+              </a:fontRef>
+            </p:style>
+          </p:cxnSp>
+          <p:cxnSp>
+            <p:nvCxnSpPr>
+              <p:cNvPr id="34" name="Straight Connector 33">
+                <a:extLst>
+                  <a:ext uri="{FF2B5EF4-FFF2-40B4-BE49-F238E27FC236}">
+                    <a16:creationId xmlns:a16="http://schemas.microsoft.com/office/drawing/2014/main" id="{9BE50ABD-C7F0-D730-94B1-39FF6F037391}"/>
+                  </a:ext>
+                </a:extLst>
+              </p:cNvPr>
+              <p:cNvCxnSpPr>
+                <a:cxnSpLocks/>
+              </p:cNvCxnSpPr>
+              <p:nvPr/>
+            </p:nvCxnSpPr>
+            <p:spPr>
+              <a:xfrm>
+                <a:off x="5838825" y="2863850"/>
+                <a:ext cx="50800" cy="184150"/>
+              </a:xfrm>
+              <a:prstGeom prst="line">
+                <a:avLst/>
+              </a:prstGeom>
+              <a:ln w="12700">
+                <a:solidFill>
+                  <a:schemeClr val="tx1"/>
+                </a:solidFill>
+              </a:ln>
+            </p:spPr>
+            <p:style>
+              <a:lnRef idx="1">
+                <a:schemeClr val="accent1"/>
+              </a:lnRef>
+              <a:fillRef idx="0">
+                <a:schemeClr val="accent1"/>
+              </a:fillRef>
+              <a:effectRef idx="0">
+                <a:schemeClr val="accent1"/>
+              </a:effectRef>
+              <a:fontRef idx="minor">
+                <a:schemeClr val="tx1"/>
+              </a:fontRef>
+            </p:style>
+          </p:cxnSp>
+          <p:cxnSp>
+            <p:nvCxnSpPr>
+              <p:cNvPr id="35" name="Straight Connector 34">
+                <a:extLst>
+                  <a:ext uri="{FF2B5EF4-FFF2-40B4-BE49-F238E27FC236}">
+                    <a16:creationId xmlns:a16="http://schemas.microsoft.com/office/drawing/2014/main" id="{D3A8A67E-19F5-A9EB-4AEF-84BADAB7C361}"/>
+                  </a:ext>
+                </a:extLst>
+              </p:cNvPr>
+              <p:cNvCxnSpPr>
+                <a:cxnSpLocks/>
+              </p:cNvCxnSpPr>
+              <p:nvPr/>
+            </p:nvCxnSpPr>
+            <p:spPr>
+              <a:xfrm flipV="1">
+                <a:off x="5889625" y="2863850"/>
+                <a:ext cx="63500" cy="174625"/>
+              </a:xfrm>
+              <a:prstGeom prst="line">
+                <a:avLst/>
+              </a:prstGeom>
+              <a:ln w="12700">
+                <a:solidFill>
+                  <a:schemeClr val="tx1"/>
+                </a:solidFill>
+              </a:ln>
+            </p:spPr>
+            <p:style>
+              <a:lnRef idx="1">
+                <a:schemeClr val="accent1"/>
+              </a:lnRef>
+              <a:fillRef idx="0">
+                <a:schemeClr val="accent1"/>
+              </a:fillRef>
+              <a:effectRef idx="0">
+                <a:schemeClr val="accent1"/>
+              </a:effectRef>
+              <a:fontRef idx="minor">
+                <a:schemeClr val="tx1"/>
+              </a:fontRef>
+            </p:style>
+          </p:cxnSp>
+          <p:cxnSp>
+            <p:nvCxnSpPr>
+              <p:cNvPr id="36" name="Straight Connector 35">
+                <a:extLst>
+                  <a:ext uri="{FF2B5EF4-FFF2-40B4-BE49-F238E27FC236}">
+                    <a16:creationId xmlns:a16="http://schemas.microsoft.com/office/drawing/2014/main" id="{C8701860-E1F7-D300-29B2-60B119892BEF}"/>
+                  </a:ext>
+                </a:extLst>
+              </p:cNvPr>
+              <p:cNvCxnSpPr>
+                <a:cxnSpLocks/>
+              </p:cNvCxnSpPr>
+              <p:nvPr/>
+            </p:nvCxnSpPr>
+            <p:spPr>
+              <a:xfrm>
+                <a:off x="5953125" y="2863850"/>
+                <a:ext cx="38100" cy="92075"/>
+              </a:xfrm>
+              <a:prstGeom prst="line">
+                <a:avLst/>
+              </a:prstGeom>
+              <a:ln w="12700">
+                <a:solidFill>
+                  <a:schemeClr val="tx1"/>
+                </a:solidFill>
+              </a:ln>
+            </p:spPr>
+            <p:style>
+              <a:lnRef idx="1">
+                <a:schemeClr val="accent1"/>
+              </a:lnRef>
+              <a:fillRef idx="0">
+                <a:schemeClr val="accent1"/>
+              </a:fillRef>
+              <a:effectRef idx="0">
+                <a:schemeClr val="accent1"/>
+              </a:effectRef>
+              <a:fontRef idx="minor">
+                <a:schemeClr val="tx1"/>
+              </a:fontRef>
+            </p:style>
+          </p:cxnSp>
+          <p:cxnSp>
+            <p:nvCxnSpPr>
+              <p:cNvPr id="37" name="Straight Connector 36">
+                <a:extLst>
+                  <a:ext uri="{FF2B5EF4-FFF2-40B4-BE49-F238E27FC236}">
+                    <a16:creationId xmlns:a16="http://schemas.microsoft.com/office/drawing/2014/main" id="{8C6B7903-8B95-FD02-9769-45D16C5A2933}"/>
+                  </a:ext>
+                </a:extLst>
+              </p:cNvPr>
+              <p:cNvCxnSpPr>
+                <a:cxnSpLocks/>
+              </p:cNvCxnSpPr>
+              <p:nvPr/>
+            </p:nvCxnSpPr>
+            <p:spPr>
+              <a:xfrm>
+                <a:off x="5991225" y="2960687"/>
+                <a:ext cx="98425" cy="0"/>
+              </a:xfrm>
+              <a:prstGeom prst="line">
+                <a:avLst/>
+              </a:prstGeom>
+              <a:ln w="12700">
+                <a:solidFill>
+                  <a:schemeClr val="tx1"/>
+                </a:solidFill>
+              </a:ln>
+            </p:spPr>
+            <p:style>
+              <a:lnRef idx="1">
+                <a:schemeClr val="accent1"/>
+              </a:lnRef>
+              <a:fillRef idx="0">
+                <a:schemeClr val="accent1"/>
+              </a:fillRef>
+              <a:effectRef idx="0">
+                <a:schemeClr val="accent1"/>
+              </a:effectRef>
+              <a:fontRef idx="minor">
+                <a:schemeClr val="tx1"/>
+              </a:fontRef>
+            </p:style>
+          </p:cxnSp>
+        </p:grpSp>
+        <p:cxnSp>
+          <p:nvCxnSpPr>
+            <p:cNvPr id="39" name="Straight Connector 38">
+              <a:extLst>
+                <a:ext uri="{FF2B5EF4-FFF2-40B4-BE49-F238E27FC236}">
+                  <a16:creationId xmlns:a16="http://schemas.microsoft.com/office/drawing/2014/main" id="{C6E0A073-E8AC-6237-8D0B-960626F7467A}"/>
+                </a:ext>
+              </a:extLst>
+            </p:cNvPr>
+            <p:cNvCxnSpPr>
+              <a:cxnSpLocks/>
+            </p:cNvCxnSpPr>
+            <p:nvPr/>
+          </p:nvCxnSpPr>
+          <p:spPr>
+            <a:xfrm>
+              <a:off x="6691312" y="3921126"/>
+              <a:ext cx="0" cy="400049"/>
+            </a:xfrm>
+            <a:prstGeom prst="line">
+              <a:avLst/>
+            </a:prstGeom>
+            <a:ln w="12700">
+              <a:solidFill>
+                <a:schemeClr val="tx1"/>
+              </a:solidFill>
+            </a:ln>
+          </p:spPr>
+          <p:style>
+            <a:lnRef idx="1">
+              <a:schemeClr val="accent1"/>
+            </a:lnRef>
+            <a:fillRef idx="0">
+              <a:schemeClr val="accent1"/>
+            </a:fillRef>
+            <a:effectRef idx="0">
+              <a:schemeClr val="accent1"/>
+            </a:effectRef>
+            <a:fontRef idx="minor">
+              <a:schemeClr val="tx1"/>
+            </a:fontRef>
+          </p:style>
+        </p:cxnSp>
+        <p:cxnSp>
+          <p:nvCxnSpPr>
+            <p:cNvPr id="40" name="Straight Connector 39">
+              <a:extLst>
+                <a:ext uri="{FF2B5EF4-FFF2-40B4-BE49-F238E27FC236}">
+                  <a16:creationId xmlns:a16="http://schemas.microsoft.com/office/drawing/2014/main" id="{17A905F2-ED22-6FCB-6732-1AB38A46184E}"/>
+                </a:ext>
+              </a:extLst>
+            </p:cNvPr>
+            <p:cNvCxnSpPr/>
+            <p:nvPr/>
+          </p:nvCxnSpPr>
+          <p:spPr>
+            <a:xfrm>
+              <a:off x="6694488" y="2847975"/>
+              <a:ext cx="0" cy="400049"/>
+            </a:xfrm>
+            <a:prstGeom prst="line">
+              <a:avLst/>
+            </a:prstGeom>
+            <a:ln w="12700">
+              <a:solidFill>
+                <a:schemeClr val="tx1"/>
+              </a:solidFill>
+            </a:ln>
+          </p:spPr>
+          <p:style>
+            <a:lnRef idx="1">
+              <a:schemeClr val="accent1"/>
+            </a:lnRef>
+            <a:fillRef idx="0">
+              <a:schemeClr val="accent1"/>
+            </a:fillRef>
+            <a:effectRef idx="0">
+              <a:schemeClr val="accent1"/>
+            </a:effectRef>
+            <a:fontRef idx="minor">
+              <a:schemeClr val="tx1"/>
+            </a:fontRef>
+          </p:style>
+        </p:cxnSp>
+        <p:cxnSp>
+          <p:nvCxnSpPr>
+            <p:cNvPr id="42" name="Straight Arrow Connector 41">
+              <a:extLst>
+                <a:ext uri="{FF2B5EF4-FFF2-40B4-BE49-F238E27FC236}">
+                  <a16:creationId xmlns:a16="http://schemas.microsoft.com/office/drawing/2014/main" id="{3991BFDE-AD61-CB1C-6AF9-47E7398D0679}"/>
+                </a:ext>
+              </a:extLst>
+            </p:cNvPr>
+            <p:cNvCxnSpPr/>
+            <p:nvPr/>
+          </p:nvCxnSpPr>
+          <p:spPr>
+            <a:xfrm>
+              <a:off x="6694488" y="2960687"/>
+              <a:ext cx="0" cy="217488"/>
+            </a:xfrm>
+            <a:prstGeom prst="straightConnector1">
+              <a:avLst/>
+            </a:prstGeom>
+            <a:ln w="12700">
+              <a:solidFill>
+                <a:schemeClr val="tx1"/>
+              </a:solidFill>
+              <a:tailEnd type="triangle"/>
+            </a:ln>
+          </p:spPr>
+          <p:style>
+            <a:lnRef idx="1">
+              <a:schemeClr val="accent1"/>
+            </a:lnRef>
+            <a:fillRef idx="0">
+              <a:schemeClr val="accent1"/>
+            </a:fillRef>
+            <a:effectRef idx="0">
+              <a:schemeClr val="accent1"/>
+            </a:effectRef>
+            <a:fontRef idx="minor">
+              <a:schemeClr val="tx1"/>
+            </a:fontRef>
+          </p:style>
+        </p:cxnSp>
+        <p:grpSp>
+          <p:nvGrpSpPr>
+            <p:cNvPr id="58" name="Group 57">
+              <a:extLst>
+                <a:ext uri="{FF2B5EF4-FFF2-40B4-BE49-F238E27FC236}">
+                  <a16:creationId xmlns:a16="http://schemas.microsoft.com/office/drawing/2014/main" id="{879B163B-3947-ABFA-9380-EE8E80086B83}"/>
+                </a:ext>
+              </a:extLst>
+            </p:cNvPr>
+            <p:cNvGrpSpPr/>
+            <p:nvPr/>
+          </p:nvGrpSpPr>
+          <p:grpSpPr>
+            <a:xfrm>
+              <a:off x="6397625" y="4321175"/>
+              <a:ext cx="587375" cy="200025"/>
+              <a:chOff x="6397625" y="4321175"/>
+              <a:chExt cx="587375" cy="200025"/>
+            </a:xfrm>
+          </p:grpSpPr>
+          <p:cxnSp>
+            <p:nvCxnSpPr>
+              <p:cNvPr id="44" name="Straight Connector 43">
+                <a:extLst>
+                  <a:ext uri="{FF2B5EF4-FFF2-40B4-BE49-F238E27FC236}">
+                    <a16:creationId xmlns:a16="http://schemas.microsoft.com/office/drawing/2014/main" id="{4B63D93E-76FA-96D2-8FF0-417963569D80}"/>
+                  </a:ext>
+                </a:extLst>
+              </p:cNvPr>
+              <p:cNvCxnSpPr>
+                <a:cxnSpLocks/>
+              </p:cNvCxnSpPr>
+              <p:nvPr/>
+            </p:nvCxnSpPr>
+            <p:spPr>
+              <a:xfrm>
+                <a:off x="6397625" y="4321175"/>
+                <a:ext cx="587375" cy="0"/>
+              </a:xfrm>
+              <a:prstGeom prst="line">
+                <a:avLst/>
+              </a:prstGeom>
+              <a:ln w="12700">
+                <a:solidFill>
+                  <a:schemeClr val="tx1"/>
+                </a:solidFill>
+              </a:ln>
+            </p:spPr>
+            <p:style>
+              <a:lnRef idx="1">
+                <a:schemeClr val="accent1"/>
+              </a:lnRef>
+              <a:fillRef idx="0">
+                <a:schemeClr val="accent1"/>
+              </a:fillRef>
+              <a:effectRef idx="0">
+                <a:schemeClr val="accent1"/>
+              </a:effectRef>
+              <a:fontRef idx="minor">
+                <a:schemeClr val="tx1"/>
+              </a:fontRef>
+            </p:style>
+          </p:cxnSp>
+          <p:cxnSp>
+            <p:nvCxnSpPr>
+              <p:cNvPr id="46" name="Straight Connector 45">
+                <a:extLst>
+                  <a:ext uri="{FF2B5EF4-FFF2-40B4-BE49-F238E27FC236}">
+                    <a16:creationId xmlns:a16="http://schemas.microsoft.com/office/drawing/2014/main" id="{0971DEEE-846B-4E98-28FA-34926476A5E9}"/>
+                  </a:ext>
+                </a:extLst>
+              </p:cNvPr>
+              <p:cNvCxnSpPr>
+                <a:cxnSpLocks/>
+              </p:cNvCxnSpPr>
+              <p:nvPr/>
+            </p:nvCxnSpPr>
+            <p:spPr>
+              <a:xfrm>
+                <a:off x="6544468" y="4422775"/>
+                <a:ext cx="293688" cy="0"/>
+              </a:xfrm>
+              <a:prstGeom prst="line">
+                <a:avLst/>
+              </a:prstGeom>
+              <a:ln w="12700">
+                <a:solidFill>
+                  <a:schemeClr val="tx1"/>
+                </a:solidFill>
+              </a:ln>
+            </p:spPr>
+            <p:style>
+              <a:lnRef idx="1">
+                <a:schemeClr val="accent1"/>
+              </a:lnRef>
+              <a:fillRef idx="0">
+                <a:schemeClr val="accent1"/>
+              </a:fillRef>
+              <a:effectRef idx="0">
+                <a:schemeClr val="accent1"/>
+              </a:effectRef>
+              <a:fontRef idx="minor">
+                <a:schemeClr val="tx1"/>
+              </a:fontRef>
+            </p:style>
+          </p:cxnSp>
+          <p:cxnSp>
+            <p:nvCxnSpPr>
+              <p:cNvPr id="52" name="Straight Connector 51">
+                <a:extLst>
+                  <a:ext uri="{FF2B5EF4-FFF2-40B4-BE49-F238E27FC236}">
+                    <a16:creationId xmlns:a16="http://schemas.microsoft.com/office/drawing/2014/main" id="{49F858A7-EFC6-AA07-8B21-C721FE518D62}"/>
+                  </a:ext>
+                </a:extLst>
+              </p:cNvPr>
+              <p:cNvCxnSpPr>
+                <a:cxnSpLocks/>
+              </p:cNvCxnSpPr>
+              <p:nvPr/>
+            </p:nvCxnSpPr>
+            <p:spPr>
+              <a:xfrm>
+                <a:off x="6668294" y="4521200"/>
+                <a:ext cx="46037" cy="0"/>
+              </a:xfrm>
+              <a:prstGeom prst="line">
+                <a:avLst/>
+              </a:prstGeom>
+              <a:ln w="12700">
+                <a:solidFill>
+                  <a:schemeClr val="tx1"/>
+                </a:solidFill>
+              </a:ln>
+            </p:spPr>
+            <p:style>
+              <a:lnRef idx="1">
+                <a:schemeClr val="accent1"/>
+              </a:lnRef>
+              <a:fillRef idx="0">
+                <a:schemeClr val="accent1"/>
+              </a:fillRef>
+              <a:effectRef idx="0">
+                <a:schemeClr val="accent1"/>
+              </a:effectRef>
+              <a:fontRef idx="minor">
+                <a:schemeClr val="tx1"/>
+              </a:fontRef>
+            </p:style>
+          </p:cxnSp>
+        </p:grpSp>
+        <mc:AlternateContent xmlns:mc="http://schemas.openxmlformats.org/markup-compatibility/2006">
+          <mc:Choice xmlns:a14="http://schemas.microsoft.com/office/drawing/2010/main" Requires="a14">
+            <p:sp>
+              <p:nvSpPr>
+                <p:cNvPr id="53" name="TextBox 52">
+                  <a:extLst>
+                    <a:ext uri="{FF2B5EF4-FFF2-40B4-BE49-F238E27FC236}">
+                      <a16:creationId xmlns:a16="http://schemas.microsoft.com/office/drawing/2014/main" id="{A7C8DBFA-3D7F-8CCB-FC20-443353C61EAB}"/>
+                    </a:ext>
+                  </a:extLst>
+                </p:cNvPr>
+                <p:cNvSpPr txBox="1"/>
+                <p:nvPr/>
+              </p:nvSpPr>
+              <p:spPr>
+                <a:xfrm>
+                  <a:off x="6745288" y="3365500"/>
+                  <a:ext cx="391774" cy="369332"/>
+                </a:xfrm>
+                <a:prstGeom prst="rect">
+                  <a:avLst/>
+                </a:prstGeom>
+                <a:noFill/>
+              </p:spPr>
+              <p:txBody>
+                <a:bodyPr wrap="none" rtlCol="0">
+                  <a:spAutoFit/>
+                </a:bodyPr>
+                <a:lstStyle/>
+                <a:p>
+                  <a14:m>
+                    <m:oMathPara xmlns:m="http://schemas.openxmlformats.org/officeDocument/2006/math">
+                      <m:oMathParaPr>
+                        <m:jc m:val="centerGroup"/>
+                      </m:oMathParaPr>
+                      <m:oMath xmlns:m="http://schemas.openxmlformats.org/officeDocument/2006/math">
+                        <m:r>
+                          <a:rPr lang="en-GB" b="0" i="1" smtClean="0">
+                            <a:latin typeface="Cambria Math" panose="02040503050406030204" pitchFamily="18" charset="0"/>
+                          </a:rPr>
+                          <m:t>𝑅</m:t>
+                        </m:r>
+                      </m:oMath>
+                    </m:oMathPara>
+                  </a14:m>
+                  <a:endParaRPr lang="en-US" dirty="0"/>
+                </a:p>
+              </p:txBody>
+            </p:sp>
+          </mc:Choice>
+          <mc:Fallback>
+            <p:sp>
+              <p:nvSpPr>
+                <p:cNvPr id="53" name="TextBox 52">
+                  <a:extLst>
+                    <a:ext uri="{FF2B5EF4-FFF2-40B4-BE49-F238E27FC236}">
+                      <a16:creationId xmlns:a16="http://schemas.microsoft.com/office/drawing/2014/main" id="{A7C8DBFA-3D7F-8CCB-FC20-443353C61EAB}"/>
+                    </a:ext>
+                  </a:extLst>
+                </p:cNvPr>
+                <p:cNvSpPr txBox="1">
+                  <a:spLocks noRot="1" noChangeAspect="1" noMove="1" noResize="1" noEditPoints="1" noAdjustHandles="1" noChangeArrowheads="1" noChangeShapeType="1" noTextEdit="1"/>
+                </p:cNvSpPr>
+                <p:nvPr/>
+              </p:nvSpPr>
+              <p:spPr>
+                <a:xfrm>
+                  <a:off x="6745288" y="3365500"/>
+                  <a:ext cx="391774" cy="369332"/>
+                </a:xfrm>
+                <a:prstGeom prst="rect">
+                  <a:avLst/>
+                </a:prstGeom>
+                <a:blipFill>
+                  <a:blip r:embed="rId2"/>
+                  <a:stretch>
+                    <a:fillRect/>
+                  </a:stretch>
+                </a:blipFill>
+              </p:spPr>
+              <p:txBody>
+                <a:bodyPr/>
+                <a:lstStyle/>
+                <a:p>
+                  <a:r>
+                    <a:rPr lang="en-US">
+                      <a:noFill/>
+                    </a:rPr>
+                    <a:t> </a:t>
+                  </a:r>
+                </a:p>
+              </p:txBody>
+            </p:sp>
+          </mc:Fallback>
+        </mc:AlternateContent>
+        <mc:AlternateContent xmlns:mc="http://schemas.openxmlformats.org/markup-compatibility/2006">
+          <mc:Choice xmlns:a14="http://schemas.microsoft.com/office/drawing/2010/main" Requires="a14">
+            <p:sp>
+              <p:nvSpPr>
+                <p:cNvPr id="54" name="TextBox 53">
+                  <a:extLst>
+                    <a:ext uri="{FF2B5EF4-FFF2-40B4-BE49-F238E27FC236}">
+                      <a16:creationId xmlns:a16="http://schemas.microsoft.com/office/drawing/2014/main" id="{7483665C-060A-D806-051A-E2567FF01A64}"/>
+                    </a:ext>
+                  </a:extLst>
+                </p:cNvPr>
+                <p:cNvSpPr txBox="1"/>
+                <p:nvPr/>
+              </p:nvSpPr>
+              <p:spPr>
+                <a:xfrm>
+                  <a:off x="6654463" y="2710934"/>
+                  <a:ext cx="1328377" cy="369332"/>
+                </a:xfrm>
+                <a:prstGeom prst="rect">
+                  <a:avLst/>
+                </a:prstGeom>
+                <a:noFill/>
+              </p:spPr>
+              <p:txBody>
+                <a:bodyPr wrap="none" rtlCol="0">
+                  <a:spAutoFit/>
+                </a:bodyPr>
+                <a:lstStyle/>
+                <a:p>
+                  <a14:m>
+                    <m:oMathPara xmlns:m="http://schemas.openxmlformats.org/officeDocument/2006/math">
+                      <m:oMathParaPr>
+                        <m:jc m:val="centerGroup"/>
+                      </m:oMathParaPr>
+                      <m:oMath xmlns:m="http://schemas.openxmlformats.org/officeDocument/2006/math">
+                        <m:r>
+                          <a:rPr lang="en-GB" b="0" i="1" smtClean="0">
+                            <a:latin typeface="Cambria Math" panose="02040503050406030204" pitchFamily="18" charset="0"/>
+                          </a:rPr>
+                          <m:t>𝑥</m:t>
+                        </m:r>
+                        <m:d>
+                          <m:dPr>
+                            <m:ctrlPr>
+                              <a:rPr lang="en-GB" b="0" i="1" smtClean="0">
+                                <a:latin typeface="Cambria Math" panose="02040503050406030204" pitchFamily="18" charset="0"/>
+                              </a:rPr>
+                            </m:ctrlPr>
+                          </m:dPr>
+                          <m:e>
+                            <m:r>
+                              <a:rPr lang="en-GB" b="0" i="1" smtClean="0">
+                                <a:latin typeface="Cambria Math" panose="02040503050406030204" pitchFamily="18" charset="0"/>
+                              </a:rPr>
+                              <m:t>𝑡</m:t>
+                            </m:r>
+                          </m:e>
+                        </m:d>
+                        <m:r>
+                          <a:rPr lang="en-GB" b="0" i="1" smtClean="0">
+                            <a:latin typeface="Cambria Math" panose="02040503050406030204" pitchFamily="18" charset="0"/>
+                          </a:rPr>
+                          <m:t>=</m:t>
+                        </m:r>
+                        <m:r>
+                          <a:rPr lang="en-GB" b="0" i="1" smtClean="0">
+                            <a:latin typeface="Cambria Math" panose="02040503050406030204" pitchFamily="18" charset="0"/>
+                          </a:rPr>
+                          <m:t>𝑖</m:t>
+                        </m:r>
+                        <m:r>
+                          <a:rPr lang="en-GB" b="0" i="1" smtClean="0">
+                            <a:latin typeface="Cambria Math" panose="02040503050406030204" pitchFamily="18" charset="0"/>
+                          </a:rPr>
+                          <m:t>(</m:t>
+                        </m:r>
+                        <m:r>
+                          <a:rPr lang="en-GB" b="0" i="1" smtClean="0">
+                            <a:latin typeface="Cambria Math" panose="02040503050406030204" pitchFamily="18" charset="0"/>
+                          </a:rPr>
+                          <m:t>𝑡</m:t>
+                        </m:r>
+                        <m:r>
+                          <a:rPr lang="en-GB" b="0" i="1" smtClean="0">
+                            <a:latin typeface="Cambria Math" panose="02040503050406030204" pitchFamily="18" charset="0"/>
+                          </a:rPr>
+                          <m:t>)</m:t>
+                        </m:r>
+                      </m:oMath>
+                    </m:oMathPara>
+                  </a14:m>
+                  <a:endParaRPr lang="en-US" dirty="0"/>
+                </a:p>
+              </p:txBody>
+            </p:sp>
+          </mc:Choice>
+          <mc:Fallback>
+            <p:sp>
+              <p:nvSpPr>
+                <p:cNvPr id="54" name="TextBox 53">
+                  <a:extLst>
+                    <a:ext uri="{FF2B5EF4-FFF2-40B4-BE49-F238E27FC236}">
+                      <a16:creationId xmlns:a16="http://schemas.microsoft.com/office/drawing/2014/main" id="{7483665C-060A-D806-051A-E2567FF01A64}"/>
+                    </a:ext>
+                  </a:extLst>
+                </p:cNvPr>
+                <p:cNvSpPr txBox="1">
+                  <a:spLocks noRot="1" noChangeAspect="1" noMove="1" noResize="1" noEditPoints="1" noAdjustHandles="1" noChangeArrowheads="1" noChangeShapeType="1" noTextEdit="1"/>
+                </p:cNvSpPr>
+                <p:nvPr/>
+              </p:nvSpPr>
+              <p:spPr>
+                <a:xfrm>
+                  <a:off x="6654463" y="2710934"/>
+                  <a:ext cx="1328377" cy="369332"/>
+                </a:xfrm>
+                <a:prstGeom prst="rect">
+                  <a:avLst/>
+                </a:prstGeom>
+                <a:blipFill>
+                  <a:blip r:embed="rId3"/>
+                  <a:stretch>
+                    <a:fillRect b="-13333"/>
+                  </a:stretch>
+                </a:blipFill>
+              </p:spPr>
+              <p:txBody>
+                <a:bodyPr/>
+                <a:lstStyle/>
+                <a:p>
+                  <a:r>
+                    <a:rPr lang="en-US">
+                      <a:noFill/>
+                    </a:rPr>
+                    <a:t> </a:t>
+                  </a:r>
+                </a:p>
+              </p:txBody>
+            </p:sp>
+          </mc:Fallback>
+        </mc:AlternateContent>
+        <p:cxnSp>
+          <p:nvCxnSpPr>
+            <p:cNvPr id="56" name="Straight Arrow Connector 55">
+              <a:extLst>
+                <a:ext uri="{FF2B5EF4-FFF2-40B4-BE49-F238E27FC236}">
+                  <a16:creationId xmlns:a16="http://schemas.microsoft.com/office/drawing/2014/main" id="{BF927F4B-3001-D851-937B-FD28BCA8160E}"/>
+                </a:ext>
+              </a:extLst>
+            </p:cNvPr>
+            <p:cNvCxnSpPr/>
+            <p:nvPr/>
+          </p:nvCxnSpPr>
+          <p:spPr>
+            <a:xfrm flipV="1">
+              <a:off x="6372225" y="3290888"/>
+              <a:ext cx="0" cy="630238"/>
+            </a:xfrm>
+            <a:prstGeom prst="straightConnector1">
+              <a:avLst/>
+            </a:prstGeom>
+            <a:ln>
+              <a:tailEnd type="triangle"/>
+            </a:ln>
+          </p:spPr>
+          <p:style>
+            <a:lnRef idx="1">
+              <a:schemeClr val="accent1"/>
+            </a:lnRef>
+            <a:fillRef idx="0">
+              <a:schemeClr val="accent1"/>
+            </a:fillRef>
+            <a:effectRef idx="0">
+              <a:schemeClr val="accent1"/>
+            </a:effectRef>
+            <a:fontRef idx="minor">
+              <a:schemeClr val="tx1"/>
+            </a:fontRef>
+          </p:style>
+        </p:cxnSp>
+        <mc:AlternateContent xmlns:mc="http://schemas.openxmlformats.org/markup-compatibility/2006">
+          <mc:Choice xmlns:a14="http://schemas.microsoft.com/office/drawing/2010/main" Requires="a14">
+            <p:sp>
+              <p:nvSpPr>
+                <p:cNvPr id="57" name="TextBox 56">
+                  <a:extLst>
+                    <a:ext uri="{FF2B5EF4-FFF2-40B4-BE49-F238E27FC236}">
+                      <a16:creationId xmlns:a16="http://schemas.microsoft.com/office/drawing/2014/main" id="{466B7418-FEC7-B4C7-646A-309778DE3F77}"/>
+                    </a:ext>
+                  </a:extLst>
+                </p:cNvPr>
+                <p:cNvSpPr txBox="1"/>
+                <p:nvPr/>
+              </p:nvSpPr>
+              <p:spPr>
+                <a:xfrm>
+                  <a:off x="5058678" y="3421341"/>
+                  <a:ext cx="1382494" cy="369332"/>
+                </a:xfrm>
+                <a:prstGeom prst="rect">
+                  <a:avLst/>
+                </a:prstGeom>
+                <a:noFill/>
+              </p:spPr>
+              <p:txBody>
+                <a:bodyPr wrap="none" rtlCol="0">
+                  <a:spAutoFit/>
+                </a:bodyPr>
+                <a:lstStyle/>
+                <a:p>
+                  <a14:m>
+                    <m:oMathPara xmlns:m="http://schemas.openxmlformats.org/officeDocument/2006/math">
+                      <m:oMathParaPr>
+                        <m:jc m:val="centerGroup"/>
+                      </m:oMathParaPr>
+                      <m:oMath xmlns:m="http://schemas.openxmlformats.org/officeDocument/2006/math">
+                        <m:r>
+                          <a:rPr lang="en-GB" b="0" i="1" smtClean="0">
+                            <a:latin typeface="Cambria Math" panose="02040503050406030204" pitchFamily="18" charset="0"/>
+                          </a:rPr>
+                          <m:t>𝑦</m:t>
+                        </m:r>
+                        <m:d>
+                          <m:dPr>
+                            <m:ctrlPr>
+                              <a:rPr lang="en-GB" b="0" i="1" smtClean="0">
+                                <a:latin typeface="Cambria Math" panose="02040503050406030204" pitchFamily="18" charset="0"/>
+                              </a:rPr>
+                            </m:ctrlPr>
+                          </m:dPr>
+                          <m:e>
+                            <m:r>
+                              <a:rPr lang="en-GB" b="0" i="1" smtClean="0">
+                                <a:latin typeface="Cambria Math" panose="02040503050406030204" pitchFamily="18" charset="0"/>
+                              </a:rPr>
+                              <m:t>𝑡</m:t>
+                            </m:r>
+                          </m:e>
+                        </m:d>
+                        <m:r>
+                          <a:rPr lang="en-GB" b="0" i="1" smtClean="0">
+                            <a:latin typeface="Cambria Math" panose="02040503050406030204" pitchFamily="18" charset="0"/>
+                          </a:rPr>
+                          <m:t>=</m:t>
+                        </m:r>
+                        <m:r>
+                          <a:rPr lang="en-GB" b="0" i="1" smtClean="0">
+                            <a:latin typeface="Cambria Math" panose="02040503050406030204" pitchFamily="18" charset="0"/>
+                          </a:rPr>
+                          <m:t>𝑣</m:t>
+                        </m:r>
+                        <m:r>
+                          <a:rPr lang="en-GB" b="0" i="1" smtClean="0">
+                            <a:latin typeface="Cambria Math" panose="02040503050406030204" pitchFamily="18" charset="0"/>
+                          </a:rPr>
+                          <m:t>(</m:t>
+                        </m:r>
+                        <m:r>
+                          <a:rPr lang="en-GB" b="0" i="1" smtClean="0">
+                            <a:latin typeface="Cambria Math" panose="02040503050406030204" pitchFamily="18" charset="0"/>
+                          </a:rPr>
+                          <m:t>𝑡</m:t>
+                        </m:r>
+                        <m:r>
+                          <a:rPr lang="en-GB" b="0" i="1" smtClean="0">
+                            <a:latin typeface="Cambria Math" panose="02040503050406030204" pitchFamily="18" charset="0"/>
+                          </a:rPr>
+                          <m:t>)</m:t>
+                        </m:r>
+                      </m:oMath>
+                    </m:oMathPara>
+                  </a14:m>
+                  <a:endParaRPr lang="en-US" dirty="0"/>
+                </a:p>
+              </p:txBody>
+            </p:sp>
+          </mc:Choice>
+          <mc:Fallback>
+            <p:sp>
+              <p:nvSpPr>
+                <p:cNvPr id="57" name="TextBox 56">
+                  <a:extLst>
+                    <a:ext uri="{FF2B5EF4-FFF2-40B4-BE49-F238E27FC236}">
+                      <a16:creationId xmlns:a16="http://schemas.microsoft.com/office/drawing/2014/main" id="{466B7418-FEC7-B4C7-646A-309778DE3F77}"/>
+                    </a:ext>
+                  </a:extLst>
+                </p:cNvPr>
+                <p:cNvSpPr txBox="1">
+                  <a:spLocks noRot="1" noChangeAspect="1" noMove="1" noResize="1" noEditPoints="1" noAdjustHandles="1" noChangeArrowheads="1" noChangeShapeType="1" noTextEdit="1"/>
+                </p:cNvSpPr>
+                <p:nvPr/>
+              </p:nvSpPr>
+              <p:spPr>
+                <a:xfrm>
+                  <a:off x="5058678" y="3421341"/>
+                  <a:ext cx="1382494" cy="369332"/>
+                </a:xfrm>
+                <a:prstGeom prst="rect">
+                  <a:avLst/>
+                </a:prstGeom>
+                <a:blipFill>
+                  <a:blip r:embed="rId4"/>
+                  <a:stretch>
+                    <a:fillRect b="-13333"/>
+                  </a:stretch>
+                </a:blipFill>
+              </p:spPr>
+              <p:txBody>
+                <a:bodyPr/>
+                <a:lstStyle/>
+                <a:p>
+                  <a:r>
+                    <a:rPr lang="en-US">
+                      <a:noFill/>
+                    </a:rPr>
+                    <a:t> </a:t>
+                  </a:r>
+                </a:p>
+              </p:txBody>
+            </p:sp>
+          </mc:Fallback>
+        </mc:AlternateContent>
+      </p:grpSp>
+      <p:grpSp>
+        <p:nvGrpSpPr>
+          <p:cNvPr id="59" name="Group 58">
+            <a:extLst>
+              <a:ext uri="{FF2B5EF4-FFF2-40B4-BE49-F238E27FC236}">
+                <a16:creationId xmlns:a16="http://schemas.microsoft.com/office/drawing/2014/main" id="{8B25D576-156F-534C-A343-2286308476EC}"/>
+              </a:ext>
+            </a:extLst>
+          </p:cNvPr>
+          <p:cNvGrpSpPr/>
+          <p:nvPr/>
+        </p:nvGrpSpPr>
+        <p:grpSpPr>
+          <a:xfrm>
+            <a:off x="3559261" y="3429000"/>
+            <a:ext cx="587375" cy="200025"/>
+            <a:chOff x="6397625" y="4321175"/>
+            <a:chExt cx="587375" cy="200025"/>
+          </a:xfrm>
+        </p:grpSpPr>
+        <p:cxnSp>
+          <p:nvCxnSpPr>
+            <p:cNvPr id="60" name="Straight Connector 59">
+              <a:extLst>
+                <a:ext uri="{FF2B5EF4-FFF2-40B4-BE49-F238E27FC236}">
+                  <a16:creationId xmlns:a16="http://schemas.microsoft.com/office/drawing/2014/main" id="{D2DE07CD-04A1-E97B-FDEA-76B2BA6804C9}"/>
+                </a:ext>
+              </a:extLst>
+            </p:cNvPr>
+            <p:cNvCxnSpPr>
+              <a:cxnSpLocks/>
+            </p:cNvCxnSpPr>
+            <p:nvPr/>
+          </p:nvCxnSpPr>
+          <p:spPr>
+            <a:xfrm>
+              <a:off x="6397625" y="4321175"/>
+              <a:ext cx="587375" cy="0"/>
+            </a:xfrm>
+            <a:prstGeom prst="line">
+              <a:avLst/>
+            </a:prstGeom>
+            <a:ln w="12700">
+              <a:solidFill>
+                <a:schemeClr val="tx1"/>
+              </a:solidFill>
+            </a:ln>
+          </p:spPr>
+          <p:style>
+            <a:lnRef idx="1">
+              <a:schemeClr val="accent1"/>
+            </a:lnRef>
+            <a:fillRef idx="0">
+              <a:schemeClr val="accent1"/>
+            </a:fillRef>
+            <a:effectRef idx="0">
+              <a:schemeClr val="accent1"/>
+            </a:effectRef>
+            <a:fontRef idx="minor">
+              <a:schemeClr val="tx1"/>
+            </a:fontRef>
+          </p:style>
+        </p:cxnSp>
+        <p:cxnSp>
+          <p:nvCxnSpPr>
+            <p:cNvPr id="61" name="Straight Connector 60">
+              <a:extLst>
+                <a:ext uri="{FF2B5EF4-FFF2-40B4-BE49-F238E27FC236}">
+                  <a16:creationId xmlns:a16="http://schemas.microsoft.com/office/drawing/2014/main" id="{0F9E8948-455F-5C2A-08CA-466C5F0E9191}"/>
+                </a:ext>
+              </a:extLst>
+            </p:cNvPr>
+            <p:cNvCxnSpPr>
+              <a:cxnSpLocks/>
+            </p:cNvCxnSpPr>
+            <p:nvPr/>
+          </p:nvCxnSpPr>
+          <p:spPr>
+            <a:xfrm>
+              <a:off x="6544468" y="4422775"/>
+              <a:ext cx="293688" cy="0"/>
+            </a:xfrm>
+            <a:prstGeom prst="line">
+              <a:avLst/>
+            </a:prstGeom>
+            <a:ln w="12700">
+              <a:solidFill>
+                <a:schemeClr val="tx1"/>
+              </a:solidFill>
+            </a:ln>
+          </p:spPr>
+          <p:style>
+            <a:lnRef idx="1">
+              <a:schemeClr val="accent1"/>
+            </a:lnRef>
+            <a:fillRef idx="0">
+              <a:schemeClr val="accent1"/>
+            </a:fillRef>
+            <a:effectRef idx="0">
+              <a:schemeClr val="accent1"/>
+            </a:effectRef>
+            <a:fontRef idx="minor">
+              <a:schemeClr val="tx1"/>
+            </a:fontRef>
+          </p:style>
+        </p:cxnSp>
+        <p:cxnSp>
+          <p:nvCxnSpPr>
+            <p:cNvPr id="62" name="Straight Connector 61">
+              <a:extLst>
+                <a:ext uri="{FF2B5EF4-FFF2-40B4-BE49-F238E27FC236}">
+                  <a16:creationId xmlns:a16="http://schemas.microsoft.com/office/drawing/2014/main" id="{D836652A-73BE-27A0-D567-10C420416197}"/>
+                </a:ext>
+              </a:extLst>
+            </p:cNvPr>
+            <p:cNvCxnSpPr>
+              <a:cxnSpLocks/>
+            </p:cNvCxnSpPr>
+            <p:nvPr/>
+          </p:nvCxnSpPr>
+          <p:spPr>
+            <a:xfrm>
+              <a:off x="6668294" y="4521200"/>
+              <a:ext cx="46037" cy="0"/>
+            </a:xfrm>
+            <a:prstGeom prst="line">
+              <a:avLst/>
+            </a:prstGeom>
+            <a:ln w="12700">
+              <a:solidFill>
+                <a:schemeClr val="tx1"/>
+              </a:solidFill>
+            </a:ln>
+          </p:spPr>
+          <p:style>
+            <a:lnRef idx="1">
+              <a:schemeClr val="accent1"/>
+            </a:lnRef>
+            <a:fillRef idx="0">
+              <a:schemeClr val="accent1"/>
+            </a:fillRef>
+            <a:effectRef idx="0">
+              <a:schemeClr val="accent1"/>
+            </a:effectRef>
+            <a:fontRef idx="minor">
+              <a:schemeClr val="tx1"/>
+            </a:fontRef>
+          </p:style>
+        </p:cxnSp>
+      </p:grpSp>
+      <p:grpSp>
+        <p:nvGrpSpPr>
+          <p:cNvPr id="96" name="Group 95">
+            <a:extLst>
+              <a:ext uri="{FF2B5EF4-FFF2-40B4-BE49-F238E27FC236}">
+                <a16:creationId xmlns:a16="http://schemas.microsoft.com/office/drawing/2014/main" id="{55C32DD8-7D79-98B9-155B-9101B37D4C33}"/>
+              </a:ext>
+            </a:extLst>
+          </p:cNvPr>
+          <p:cNvGrpSpPr/>
+          <p:nvPr/>
+        </p:nvGrpSpPr>
+        <p:grpSpPr>
+          <a:xfrm>
+            <a:off x="6184108" y="337453"/>
+            <a:ext cx="2924162" cy="1810266"/>
+            <a:chOff x="6184108" y="337453"/>
+            <a:chExt cx="2924162" cy="1810266"/>
+          </a:xfrm>
+        </p:grpSpPr>
+        <p:cxnSp>
+          <p:nvCxnSpPr>
+            <p:cNvPr id="67" name="Straight Connector 66">
+              <a:extLst>
+                <a:ext uri="{FF2B5EF4-FFF2-40B4-BE49-F238E27FC236}">
+                  <a16:creationId xmlns:a16="http://schemas.microsoft.com/office/drawing/2014/main" id="{8BC81B0F-F861-9D8C-7126-811BDF9E446F}"/>
+                </a:ext>
+              </a:extLst>
+            </p:cNvPr>
+            <p:cNvCxnSpPr>
+              <a:cxnSpLocks/>
+            </p:cNvCxnSpPr>
+            <p:nvPr/>
+          </p:nvCxnSpPr>
+          <p:spPr>
+            <a:xfrm>
+              <a:off x="7816742" y="1292568"/>
+              <a:ext cx="0" cy="655126"/>
+            </a:xfrm>
+            <a:prstGeom prst="line">
+              <a:avLst/>
+            </a:prstGeom>
+            <a:ln w="12700">
+              <a:solidFill>
+                <a:schemeClr val="tx1"/>
+              </a:solidFill>
+            </a:ln>
+          </p:spPr>
+          <p:style>
+            <a:lnRef idx="1">
+              <a:schemeClr val="accent1"/>
+            </a:lnRef>
+            <a:fillRef idx="0">
+              <a:schemeClr val="accent1"/>
+            </a:fillRef>
+            <a:effectRef idx="0">
+              <a:schemeClr val="accent1"/>
+            </a:effectRef>
+            <a:fontRef idx="minor">
+              <a:schemeClr val="tx1"/>
+            </a:fontRef>
+          </p:style>
+        </p:cxnSp>
+        <p:cxnSp>
+          <p:nvCxnSpPr>
+            <p:cNvPr id="68" name="Straight Connector 67">
+              <a:extLst>
+                <a:ext uri="{FF2B5EF4-FFF2-40B4-BE49-F238E27FC236}">
+                  <a16:creationId xmlns:a16="http://schemas.microsoft.com/office/drawing/2014/main" id="{5C12E806-3C29-09DE-5F49-A3D70949BB9A}"/>
+                </a:ext>
+              </a:extLst>
+            </p:cNvPr>
+            <p:cNvCxnSpPr>
+              <a:cxnSpLocks/>
+            </p:cNvCxnSpPr>
+            <p:nvPr/>
+          </p:nvCxnSpPr>
+          <p:spPr>
+            <a:xfrm>
+              <a:off x="7816742" y="474494"/>
+              <a:ext cx="0" cy="672024"/>
+            </a:xfrm>
+            <a:prstGeom prst="line">
+              <a:avLst/>
+            </a:prstGeom>
+            <a:ln w="12700">
+              <a:solidFill>
+                <a:schemeClr val="tx1"/>
+              </a:solidFill>
+            </a:ln>
+          </p:spPr>
+          <p:style>
+            <a:lnRef idx="1">
+              <a:schemeClr val="accent1"/>
+            </a:lnRef>
+            <a:fillRef idx="0">
+              <a:schemeClr val="accent1"/>
+            </a:fillRef>
+            <a:effectRef idx="0">
+              <a:schemeClr val="accent1"/>
+            </a:effectRef>
+            <a:fontRef idx="minor">
+              <a:schemeClr val="tx1"/>
+            </a:fontRef>
+          </p:style>
+        </p:cxnSp>
+        <p:cxnSp>
+          <p:nvCxnSpPr>
+            <p:cNvPr id="69" name="Straight Arrow Connector 68">
+              <a:extLst>
+                <a:ext uri="{FF2B5EF4-FFF2-40B4-BE49-F238E27FC236}">
+                  <a16:creationId xmlns:a16="http://schemas.microsoft.com/office/drawing/2014/main" id="{21C78239-B855-F53A-8605-CA3549BCC623}"/>
+                </a:ext>
+              </a:extLst>
+            </p:cNvPr>
+            <p:cNvCxnSpPr>
+              <a:cxnSpLocks/>
+            </p:cNvCxnSpPr>
+            <p:nvPr/>
+          </p:nvCxnSpPr>
+          <p:spPr>
+            <a:xfrm>
+              <a:off x="7816742" y="587206"/>
+              <a:ext cx="0" cy="217488"/>
+            </a:xfrm>
+            <a:prstGeom prst="straightConnector1">
+              <a:avLst/>
+            </a:prstGeom>
+            <a:ln w="12700">
+              <a:solidFill>
+                <a:schemeClr val="tx1"/>
+              </a:solidFill>
+              <a:tailEnd type="triangle"/>
+            </a:ln>
+          </p:spPr>
+          <p:style>
+            <a:lnRef idx="1">
+              <a:schemeClr val="accent1"/>
+            </a:lnRef>
+            <a:fillRef idx="0">
+              <a:schemeClr val="accent1"/>
+            </a:fillRef>
+            <a:effectRef idx="0">
+              <a:schemeClr val="accent1"/>
+            </a:effectRef>
+            <a:fontRef idx="minor">
+              <a:schemeClr val="tx1"/>
+            </a:fontRef>
+          </p:style>
+        </p:cxnSp>
+        <p:grpSp>
+          <p:nvGrpSpPr>
+            <p:cNvPr id="70" name="Group 69">
+              <a:extLst>
+                <a:ext uri="{FF2B5EF4-FFF2-40B4-BE49-F238E27FC236}">
+                  <a16:creationId xmlns:a16="http://schemas.microsoft.com/office/drawing/2014/main" id="{D765B97F-45E6-F0C7-1891-1FDD3B2819FC}"/>
+                </a:ext>
+              </a:extLst>
+            </p:cNvPr>
+            <p:cNvGrpSpPr/>
+            <p:nvPr/>
+          </p:nvGrpSpPr>
+          <p:grpSpPr>
+            <a:xfrm>
+              <a:off x="7523055" y="1947694"/>
+              <a:ext cx="587375" cy="200025"/>
+              <a:chOff x="6397625" y="4321175"/>
+              <a:chExt cx="587375" cy="200025"/>
+            </a:xfrm>
+          </p:grpSpPr>
+          <p:cxnSp>
+            <p:nvCxnSpPr>
+              <p:cNvPr id="75" name="Straight Connector 74">
+                <a:extLst>
+                  <a:ext uri="{FF2B5EF4-FFF2-40B4-BE49-F238E27FC236}">
+                    <a16:creationId xmlns:a16="http://schemas.microsoft.com/office/drawing/2014/main" id="{4C5667B3-AE44-EA7D-8576-C7CBBEC397FB}"/>
+                  </a:ext>
+                </a:extLst>
+              </p:cNvPr>
+              <p:cNvCxnSpPr>
+                <a:cxnSpLocks/>
+              </p:cNvCxnSpPr>
+              <p:nvPr/>
+            </p:nvCxnSpPr>
+            <p:spPr>
+              <a:xfrm>
+                <a:off x="6397625" y="4321175"/>
+                <a:ext cx="587375" cy="0"/>
+              </a:xfrm>
+              <a:prstGeom prst="line">
+                <a:avLst/>
+              </a:prstGeom>
+              <a:ln w="12700">
+                <a:solidFill>
+                  <a:schemeClr val="tx1"/>
+                </a:solidFill>
+              </a:ln>
+            </p:spPr>
+            <p:style>
+              <a:lnRef idx="1">
+                <a:schemeClr val="accent1"/>
+              </a:lnRef>
+              <a:fillRef idx="0">
+                <a:schemeClr val="accent1"/>
+              </a:fillRef>
+              <a:effectRef idx="0">
+                <a:schemeClr val="accent1"/>
+              </a:effectRef>
+              <a:fontRef idx="minor">
+                <a:schemeClr val="tx1"/>
+              </a:fontRef>
+            </p:style>
+          </p:cxnSp>
+          <p:cxnSp>
+            <p:nvCxnSpPr>
+              <p:cNvPr id="76" name="Straight Connector 75">
+                <a:extLst>
+                  <a:ext uri="{FF2B5EF4-FFF2-40B4-BE49-F238E27FC236}">
+                    <a16:creationId xmlns:a16="http://schemas.microsoft.com/office/drawing/2014/main" id="{9B607BEE-0875-86B0-2664-599DD2657EF0}"/>
+                  </a:ext>
+                </a:extLst>
+              </p:cNvPr>
+              <p:cNvCxnSpPr>
+                <a:cxnSpLocks/>
+              </p:cNvCxnSpPr>
+              <p:nvPr/>
+            </p:nvCxnSpPr>
+            <p:spPr>
+              <a:xfrm>
+                <a:off x="6544468" y="4422775"/>
+                <a:ext cx="293688" cy="0"/>
+              </a:xfrm>
+              <a:prstGeom prst="line">
+                <a:avLst/>
+              </a:prstGeom>
+              <a:ln w="12700">
+                <a:solidFill>
+                  <a:schemeClr val="tx1"/>
+                </a:solidFill>
+              </a:ln>
+            </p:spPr>
+            <p:style>
+              <a:lnRef idx="1">
+                <a:schemeClr val="accent1"/>
+              </a:lnRef>
+              <a:fillRef idx="0">
+                <a:schemeClr val="accent1"/>
+              </a:fillRef>
+              <a:effectRef idx="0">
+                <a:schemeClr val="accent1"/>
+              </a:effectRef>
+              <a:fontRef idx="minor">
+                <a:schemeClr val="tx1"/>
+              </a:fontRef>
+            </p:style>
+          </p:cxnSp>
+          <p:cxnSp>
+            <p:nvCxnSpPr>
+              <p:cNvPr id="77" name="Straight Connector 76">
+                <a:extLst>
+                  <a:ext uri="{FF2B5EF4-FFF2-40B4-BE49-F238E27FC236}">
+                    <a16:creationId xmlns:a16="http://schemas.microsoft.com/office/drawing/2014/main" id="{4444166F-2B69-2FC3-2EF4-8947BC142D92}"/>
+                  </a:ext>
+                </a:extLst>
+              </p:cNvPr>
+              <p:cNvCxnSpPr>
+                <a:cxnSpLocks/>
+              </p:cNvCxnSpPr>
+              <p:nvPr/>
+            </p:nvCxnSpPr>
+            <p:spPr>
+              <a:xfrm>
+                <a:off x="6668294" y="4521200"/>
+                <a:ext cx="46037" cy="0"/>
+              </a:xfrm>
+              <a:prstGeom prst="line">
+                <a:avLst/>
+              </a:prstGeom>
+              <a:ln w="12700">
+                <a:solidFill>
+                  <a:schemeClr val="tx1"/>
+                </a:solidFill>
+              </a:ln>
+            </p:spPr>
+            <p:style>
+              <a:lnRef idx="1">
+                <a:schemeClr val="accent1"/>
+              </a:lnRef>
+              <a:fillRef idx="0">
+                <a:schemeClr val="accent1"/>
+              </a:fillRef>
+              <a:effectRef idx="0">
+                <a:schemeClr val="accent1"/>
+              </a:effectRef>
+              <a:fontRef idx="minor">
+                <a:schemeClr val="tx1"/>
+              </a:fontRef>
+            </p:style>
+          </p:cxnSp>
+        </p:grpSp>
+        <mc:AlternateContent xmlns:mc="http://schemas.openxmlformats.org/markup-compatibility/2006">
+          <mc:Choice xmlns:a14="http://schemas.microsoft.com/office/drawing/2010/main" Requires="a14">
+            <p:sp>
+              <p:nvSpPr>
+                <p:cNvPr id="71" name="TextBox 70">
+                  <a:extLst>
+                    <a:ext uri="{FF2B5EF4-FFF2-40B4-BE49-F238E27FC236}">
+                      <a16:creationId xmlns:a16="http://schemas.microsoft.com/office/drawing/2014/main" id="{74135B32-6F4F-486F-AE22-2A599F79C52C}"/>
+                    </a:ext>
+                  </a:extLst>
+                </p:cNvPr>
+                <p:cNvSpPr txBox="1"/>
+                <p:nvPr/>
+              </p:nvSpPr>
+              <p:spPr>
+                <a:xfrm>
+                  <a:off x="7952077" y="1019002"/>
+                  <a:ext cx="391774" cy="369332"/>
+                </a:xfrm>
+                <a:prstGeom prst="rect">
+                  <a:avLst/>
+                </a:prstGeom>
+                <a:noFill/>
+              </p:spPr>
+              <p:txBody>
+                <a:bodyPr wrap="none" rtlCol="0">
+                  <a:spAutoFit/>
+                </a:bodyPr>
+                <a:lstStyle/>
+                <a:p>
+                  <a14:m>
+                    <m:oMathPara xmlns:m="http://schemas.openxmlformats.org/officeDocument/2006/math">
+                      <m:oMathParaPr>
+                        <m:jc m:val="centerGroup"/>
+                      </m:oMathParaPr>
+                      <m:oMath xmlns:m="http://schemas.openxmlformats.org/officeDocument/2006/math">
+                        <m:r>
+                          <a:rPr lang="en-GB" b="0" i="1" smtClean="0">
+                            <a:latin typeface="Cambria Math" panose="02040503050406030204" pitchFamily="18" charset="0"/>
+                          </a:rPr>
+                          <m:t>𝐶</m:t>
+                        </m:r>
+                      </m:oMath>
+                    </m:oMathPara>
+                  </a14:m>
+                  <a:endParaRPr lang="en-US" dirty="0"/>
+                </a:p>
+              </p:txBody>
+            </p:sp>
+          </mc:Choice>
+          <mc:Fallback>
+            <p:sp>
+              <p:nvSpPr>
+                <p:cNvPr id="71" name="TextBox 70">
+                  <a:extLst>
+                    <a:ext uri="{FF2B5EF4-FFF2-40B4-BE49-F238E27FC236}">
+                      <a16:creationId xmlns:a16="http://schemas.microsoft.com/office/drawing/2014/main" id="{74135B32-6F4F-486F-AE22-2A599F79C52C}"/>
+                    </a:ext>
+                  </a:extLst>
+                </p:cNvPr>
+                <p:cNvSpPr txBox="1">
+                  <a:spLocks noRot="1" noChangeAspect="1" noMove="1" noResize="1" noEditPoints="1" noAdjustHandles="1" noChangeArrowheads="1" noChangeShapeType="1" noTextEdit="1"/>
+                </p:cNvSpPr>
+                <p:nvPr/>
+              </p:nvSpPr>
+              <p:spPr>
+                <a:xfrm>
+                  <a:off x="7952077" y="1019002"/>
+                  <a:ext cx="391774" cy="369332"/>
+                </a:xfrm>
+                <a:prstGeom prst="rect">
+                  <a:avLst/>
+                </a:prstGeom>
+                <a:blipFill>
+                  <a:blip r:embed="rId5"/>
+                  <a:stretch>
+                    <a:fillRect/>
+                  </a:stretch>
+                </a:blipFill>
+              </p:spPr>
+              <p:txBody>
+                <a:bodyPr/>
+                <a:lstStyle/>
+                <a:p>
+                  <a:r>
+                    <a:rPr lang="en-US">
+                      <a:noFill/>
+                    </a:rPr>
+                    <a:t> </a:t>
+                  </a:r>
+                </a:p>
+              </p:txBody>
+            </p:sp>
+          </mc:Fallback>
+        </mc:AlternateContent>
+        <mc:AlternateContent xmlns:mc="http://schemas.openxmlformats.org/markup-compatibility/2006">
+          <mc:Choice xmlns:a14="http://schemas.microsoft.com/office/drawing/2010/main" Requires="a14">
+            <p:sp>
+              <p:nvSpPr>
+                <p:cNvPr id="72" name="TextBox 71">
+                  <a:extLst>
+                    <a:ext uri="{FF2B5EF4-FFF2-40B4-BE49-F238E27FC236}">
+                      <a16:creationId xmlns:a16="http://schemas.microsoft.com/office/drawing/2014/main" id="{49668346-69F2-3168-A84D-84392AD4808A}"/>
+                    </a:ext>
+                  </a:extLst>
+                </p:cNvPr>
+                <p:cNvSpPr txBox="1"/>
+                <p:nvPr/>
+              </p:nvSpPr>
+              <p:spPr>
+                <a:xfrm>
+                  <a:off x="7779893" y="337453"/>
+                  <a:ext cx="1328377" cy="369332"/>
+                </a:xfrm>
+                <a:prstGeom prst="rect">
+                  <a:avLst/>
+                </a:prstGeom>
+                <a:noFill/>
+              </p:spPr>
+              <p:txBody>
+                <a:bodyPr wrap="none" rtlCol="0">
+                  <a:spAutoFit/>
+                </a:bodyPr>
+                <a:lstStyle/>
+                <a:p>
+                  <a14:m>
+                    <m:oMathPara xmlns:m="http://schemas.openxmlformats.org/officeDocument/2006/math">
+                      <m:oMathParaPr>
+                        <m:jc m:val="centerGroup"/>
+                      </m:oMathParaPr>
+                      <m:oMath xmlns:m="http://schemas.openxmlformats.org/officeDocument/2006/math">
+                        <m:r>
+                          <a:rPr lang="en-GB" b="0" i="1" smtClean="0">
+                            <a:latin typeface="Cambria Math" panose="02040503050406030204" pitchFamily="18" charset="0"/>
+                          </a:rPr>
+                          <m:t>𝑥</m:t>
+                        </m:r>
+                        <m:d>
+                          <m:dPr>
+                            <m:ctrlPr>
+                              <a:rPr lang="en-GB" b="0" i="1" smtClean="0">
+                                <a:latin typeface="Cambria Math" panose="02040503050406030204" pitchFamily="18" charset="0"/>
+                              </a:rPr>
+                            </m:ctrlPr>
+                          </m:dPr>
+                          <m:e>
+                            <m:r>
+                              <a:rPr lang="en-GB" b="0" i="1" smtClean="0">
+                                <a:latin typeface="Cambria Math" panose="02040503050406030204" pitchFamily="18" charset="0"/>
+                              </a:rPr>
+                              <m:t>𝑡</m:t>
+                            </m:r>
+                          </m:e>
+                        </m:d>
+                        <m:r>
+                          <a:rPr lang="en-GB" b="0" i="1" smtClean="0">
+                            <a:latin typeface="Cambria Math" panose="02040503050406030204" pitchFamily="18" charset="0"/>
+                          </a:rPr>
+                          <m:t>=</m:t>
+                        </m:r>
+                        <m:r>
+                          <a:rPr lang="en-GB" b="0" i="1" smtClean="0">
+                            <a:latin typeface="Cambria Math" panose="02040503050406030204" pitchFamily="18" charset="0"/>
+                          </a:rPr>
+                          <m:t>𝑖</m:t>
+                        </m:r>
+                        <m:r>
+                          <a:rPr lang="en-GB" b="0" i="1" smtClean="0">
+                            <a:latin typeface="Cambria Math" panose="02040503050406030204" pitchFamily="18" charset="0"/>
+                          </a:rPr>
+                          <m:t>(</m:t>
+                        </m:r>
+                        <m:r>
+                          <a:rPr lang="en-GB" b="0" i="1" smtClean="0">
+                            <a:latin typeface="Cambria Math" panose="02040503050406030204" pitchFamily="18" charset="0"/>
+                          </a:rPr>
+                          <m:t>𝑡</m:t>
+                        </m:r>
+                        <m:r>
+                          <a:rPr lang="en-GB" b="0" i="1" smtClean="0">
+                            <a:latin typeface="Cambria Math" panose="02040503050406030204" pitchFamily="18" charset="0"/>
+                          </a:rPr>
+                          <m:t>)</m:t>
+                        </m:r>
+                      </m:oMath>
+                    </m:oMathPara>
+                  </a14:m>
+                  <a:endParaRPr lang="en-US" dirty="0"/>
+                </a:p>
+              </p:txBody>
+            </p:sp>
+          </mc:Choice>
+          <mc:Fallback>
+            <p:sp>
+              <p:nvSpPr>
+                <p:cNvPr id="72" name="TextBox 71">
+                  <a:extLst>
+                    <a:ext uri="{FF2B5EF4-FFF2-40B4-BE49-F238E27FC236}">
+                      <a16:creationId xmlns:a16="http://schemas.microsoft.com/office/drawing/2014/main" id="{49668346-69F2-3168-A84D-84392AD4808A}"/>
+                    </a:ext>
+                  </a:extLst>
+                </p:cNvPr>
+                <p:cNvSpPr txBox="1">
+                  <a:spLocks noRot="1" noChangeAspect="1" noMove="1" noResize="1" noEditPoints="1" noAdjustHandles="1" noChangeArrowheads="1" noChangeShapeType="1" noTextEdit="1"/>
+                </p:cNvSpPr>
+                <p:nvPr/>
+              </p:nvSpPr>
+              <p:spPr>
+                <a:xfrm>
+                  <a:off x="7779893" y="337453"/>
+                  <a:ext cx="1328377" cy="369332"/>
+                </a:xfrm>
+                <a:prstGeom prst="rect">
+                  <a:avLst/>
+                </a:prstGeom>
+                <a:blipFill>
+                  <a:blip r:embed="rId6"/>
+                  <a:stretch>
+                    <a:fillRect b="-16667"/>
+                  </a:stretch>
+                </a:blipFill>
+              </p:spPr>
+              <p:txBody>
+                <a:bodyPr/>
+                <a:lstStyle/>
+                <a:p>
+                  <a:r>
+                    <a:rPr lang="en-US">
+                      <a:noFill/>
+                    </a:rPr>
+                    <a:t> </a:t>
+                  </a:r>
+                </a:p>
+              </p:txBody>
+            </p:sp>
+          </mc:Fallback>
+        </mc:AlternateContent>
+        <p:cxnSp>
+          <p:nvCxnSpPr>
+            <p:cNvPr id="73" name="Straight Arrow Connector 72">
+              <a:extLst>
+                <a:ext uri="{FF2B5EF4-FFF2-40B4-BE49-F238E27FC236}">
+                  <a16:creationId xmlns:a16="http://schemas.microsoft.com/office/drawing/2014/main" id="{52F5ECA4-CE3C-77B8-BE70-8483AC9366C0}"/>
+                </a:ext>
+              </a:extLst>
+            </p:cNvPr>
+            <p:cNvCxnSpPr/>
+            <p:nvPr/>
+          </p:nvCxnSpPr>
+          <p:spPr>
+            <a:xfrm flipV="1">
+              <a:off x="7497655" y="917407"/>
+              <a:ext cx="0" cy="630238"/>
+            </a:xfrm>
+            <a:prstGeom prst="straightConnector1">
+              <a:avLst/>
+            </a:prstGeom>
+            <a:ln>
+              <a:tailEnd type="triangle"/>
+            </a:ln>
+          </p:spPr>
+          <p:style>
+            <a:lnRef idx="1">
+              <a:schemeClr val="accent1"/>
+            </a:lnRef>
+            <a:fillRef idx="0">
+              <a:schemeClr val="accent1"/>
+            </a:fillRef>
+            <a:effectRef idx="0">
+              <a:schemeClr val="accent1"/>
+            </a:effectRef>
+            <a:fontRef idx="minor">
+              <a:schemeClr val="tx1"/>
+            </a:fontRef>
+          </p:style>
+        </p:cxnSp>
+        <mc:AlternateContent xmlns:mc="http://schemas.openxmlformats.org/markup-compatibility/2006">
+          <mc:Choice xmlns:a14="http://schemas.microsoft.com/office/drawing/2010/main" Requires="a14">
+            <p:sp>
+              <p:nvSpPr>
+                <p:cNvPr id="74" name="TextBox 73">
+                  <a:extLst>
+                    <a:ext uri="{FF2B5EF4-FFF2-40B4-BE49-F238E27FC236}">
+                      <a16:creationId xmlns:a16="http://schemas.microsoft.com/office/drawing/2014/main" id="{41AA42AF-47BA-42A5-0902-939C71EE660B}"/>
+                    </a:ext>
+                  </a:extLst>
+                </p:cNvPr>
+                <p:cNvSpPr txBox="1"/>
+                <p:nvPr/>
+              </p:nvSpPr>
+              <p:spPr>
+                <a:xfrm>
+                  <a:off x="6184108" y="1047860"/>
+                  <a:ext cx="1382494" cy="369332"/>
+                </a:xfrm>
+                <a:prstGeom prst="rect">
+                  <a:avLst/>
+                </a:prstGeom>
+                <a:noFill/>
+              </p:spPr>
+              <p:txBody>
+                <a:bodyPr wrap="none" rtlCol="0">
+                  <a:spAutoFit/>
+                </a:bodyPr>
+                <a:lstStyle/>
+                <a:p>
+                  <a14:m>
+                    <m:oMathPara xmlns:m="http://schemas.openxmlformats.org/officeDocument/2006/math">
+                      <m:oMathParaPr>
+                        <m:jc m:val="centerGroup"/>
+                      </m:oMathParaPr>
+                      <m:oMath xmlns:m="http://schemas.openxmlformats.org/officeDocument/2006/math">
+                        <m:r>
+                          <a:rPr lang="en-GB" b="0" i="1" smtClean="0">
+                            <a:latin typeface="Cambria Math" panose="02040503050406030204" pitchFamily="18" charset="0"/>
+                          </a:rPr>
+                          <m:t>𝑦</m:t>
+                        </m:r>
+                        <m:d>
+                          <m:dPr>
+                            <m:ctrlPr>
+                              <a:rPr lang="en-GB" b="0" i="1" smtClean="0">
+                                <a:latin typeface="Cambria Math" panose="02040503050406030204" pitchFamily="18" charset="0"/>
+                              </a:rPr>
+                            </m:ctrlPr>
+                          </m:dPr>
+                          <m:e>
+                            <m:r>
+                              <a:rPr lang="en-GB" b="0" i="1" smtClean="0">
+                                <a:latin typeface="Cambria Math" panose="02040503050406030204" pitchFamily="18" charset="0"/>
+                              </a:rPr>
+                              <m:t>𝑡</m:t>
+                            </m:r>
+                          </m:e>
+                        </m:d>
+                        <m:r>
+                          <a:rPr lang="en-GB" b="0" i="1" smtClean="0">
+                            <a:latin typeface="Cambria Math" panose="02040503050406030204" pitchFamily="18" charset="0"/>
+                          </a:rPr>
+                          <m:t>=</m:t>
+                        </m:r>
+                        <m:r>
+                          <a:rPr lang="en-GB" b="0" i="1" smtClean="0">
+                            <a:latin typeface="Cambria Math" panose="02040503050406030204" pitchFamily="18" charset="0"/>
+                          </a:rPr>
+                          <m:t>𝑣</m:t>
+                        </m:r>
+                        <m:r>
+                          <a:rPr lang="en-GB" b="0" i="1" smtClean="0">
+                            <a:latin typeface="Cambria Math" panose="02040503050406030204" pitchFamily="18" charset="0"/>
+                          </a:rPr>
+                          <m:t>(</m:t>
+                        </m:r>
+                        <m:r>
+                          <a:rPr lang="en-GB" b="0" i="1" smtClean="0">
+                            <a:latin typeface="Cambria Math" panose="02040503050406030204" pitchFamily="18" charset="0"/>
+                          </a:rPr>
+                          <m:t>𝑡</m:t>
+                        </m:r>
+                        <m:r>
+                          <a:rPr lang="en-GB" b="0" i="1" smtClean="0">
+                            <a:latin typeface="Cambria Math" panose="02040503050406030204" pitchFamily="18" charset="0"/>
+                          </a:rPr>
+                          <m:t>)</m:t>
+                        </m:r>
+                      </m:oMath>
+                    </m:oMathPara>
+                  </a14:m>
+                  <a:endParaRPr lang="en-US" dirty="0"/>
+                </a:p>
+              </p:txBody>
+            </p:sp>
+          </mc:Choice>
+          <mc:Fallback>
+            <p:sp>
+              <p:nvSpPr>
+                <p:cNvPr id="74" name="TextBox 73">
+                  <a:extLst>
+                    <a:ext uri="{FF2B5EF4-FFF2-40B4-BE49-F238E27FC236}">
+                      <a16:creationId xmlns:a16="http://schemas.microsoft.com/office/drawing/2014/main" id="{41AA42AF-47BA-42A5-0902-939C71EE660B}"/>
+                    </a:ext>
+                  </a:extLst>
+                </p:cNvPr>
+                <p:cNvSpPr txBox="1">
+                  <a:spLocks noRot="1" noChangeAspect="1" noMove="1" noResize="1" noEditPoints="1" noAdjustHandles="1" noChangeArrowheads="1" noChangeShapeType="1" noTextEdit="1"/>
+                </p:cNvSpPr>
+                <p:nvPr/>
+              </p:nvSpPr>
+              <p:spPr>
+                <a:xfrm>
+                  <a:off x="6184108" y="1047860"/>
+                  <a:ext cx="1382494" cy="369332"/>
+                </a:xfrm>
+                <a:prstGeom prst="rect">
+                  <a:avLst/>
+                </a:prstGeom>
+                <a:blipFill>
+                  <a:blip r:embed="rId7"/>
+                  <a:stretch>
+                    <a:fillRect b="-13333"/>
+                  </a:stretch>
+                </a:blipFill>
+              </p:spPr>
+              <p:txBody>
+                <a:bodyPr/>
+                <a:lstStyle/>
+                <a:p>
+                  <a:r>
+                    <a:rPr lang="en-US">
+                      <a:noFill/>
+                    </a:rPr>
+                    <a:t> </a:t>
+                  </a:r>
+                </a:p>
+              </p:txBody>
+            </p:sp>
+          </mc:Fallback>
+        </mc:AlternateContent>
+        <p:grpSp>
+          <p:nvGrpSpPr>
+            <p:cNvPr id="93" name="Group 92">
+              <a:extLst>
+                <a:ext uri="{FF2B5EF4-FFF2-40B4-BE49-F238E27FC236}">
+                  <a16:creationId xmlns:a16="http://schemas.microsoft.com/office/drawing/2014/main" id="{A1DBBFF7-6A6E-C5C2-EA31-E39843EB6658}"/>
+                </a:ext>
+              </a:extLst>
+            </p:cNvPr>
+            <p:cNvGrpSpPr/>
+            <p:nvPr/>
+          </p:nvGrpSpPr>
+          <p:grpSpPr>
+            <a:xfrm>
+              <a:off x="7681408" y="1170420"/>
+              <a:ext cx="270669" cy="84054"/>
+              <a:chOff x="3875967" y="1118434"/>
+              <a:chExt cx="270669" cy="84054"/>
+            </a:xfrm>
+          </p:grpSpPr>
+          <p:cxnSp>
+            <p:nvCxnSpPr>
+              <p:cNvPr id="91" name="Straight Connector 90">
+                <a:extLst>
+                  <a:ext uri="{FF2B5EF4-FFF2-40B4-BE49-F238E27FC236}">
+                    <a16:creationId xmlns:a16="http://schemas.microsoft.com/office/drawing/2014/main" id="{3E306138-9D83-113A-8798-463523C795EB}"/>
+                  </a:ext>
+                </a:extLst>
+              </p:cNvPr>
+              <p:cNvCxnSpPr/>
+              <p:nvPr/>
+            </p:nvCxnSpPr>
+            <p:spPr>
+              <a:xfrm>
+                <a:off x="3875967" y="1118434"/>
+                <a:ext cx="270669" cy="0"/>
+              </a:xfrm>
+              <a:prstGeom prst="line">
+                <a:avLst/>
+              </a:prstGeom>
+              <a:ln w="25400">
+                <a:solidFill>
+                  <a:schemeClr val="tx1"/>
+                </a:solidFill>
+              </a:ln>
+            </p:spPr>
+            <p:style>
+              <a:lnRef idx="1">
+                <a:schemeClr val="accent1"/>
+              </a:lnRef>
+              <a:fillRef idx="0">
+                <a:schemeClr val="accent1"/>
+              </a:fillRef>
+              <a:effectRef idx="0">
+                <a:schemeClr val="accent1"/>
+              </a:effectRef>
+              <a:fontRef idx="minor">
+                <a:schemeClr val="tx1"/>
+              </a:fontRef>
+            </p:style>
+          </p:cxnSp>
+          <p:cxnSp>
+            <p:nvCxnSpPr>
+              <p:cNvPr id="92" name="Straight Connector 91">
+                <a:extLst>
+                  <a:ext uri="{FF2B5EF4-FFF2-40B4-BE49-F238E27FC236}">
+                    <a16:creationId xmlns:a16="http://schemas.microsoft.com/office/drawing/2014/main" id="{61950B57-4372-446B-284A-C7F116184284}"/>
+                  </a:ext>
+                </a:extLst>
+              </p:cNvPr>
+              <p:cNvCxnSpPr/>
+              <p:nvPr/>
+            </p:nvCxnSpPr>
+            <p:spPr>
+              <a:xfrm>
+                <a:off x="3875967" y="1202488"/>
+                <a:ext cx="270669" cy="0"/>
+              </a:xfrm>
+              <a:prstGeom prst="line">
+                <a:avLst/>
+              </a:prstGeom>
+              <a:ln w="25400">
+                <a:solidFill>
+                  <a:schemeClr val="tx1"/>
+                </a:solidFill>
+              </a:ln>
+            </p:spPr>
+            <p:style>
+              <a:lnRef idx="1">
+                <a:schemeClr val="accent1"/>
+              </a:lnRef>
+              <a:fillRef idx="0">
+                <a:schemeClr val="accent1"/>
+              </a:fillRef>
+              <a:effectRef idx="0">
+                <a:schemeClr val="accent1"/>
+              </a:effectRef>
+              <a:fontRef idx="minor">
+                <a:schemeClr val="tx1"/>
+              </a:fontRef>
+            </p:style>
+          </p:cxnSp>
+        </p:grpSp>
+      </p:grpSp>
+    </p:spTree>
+    <p:extLst>
+      <p:ext uri="{BB962C8B-B14F-4D97-AF65-F5344CB8AC3E}">
+        <p14:creationId xmlns:p14="http://schemas.microsoft.com/office/powerpoint/2010/main" val="1746492286"/>
+      </p:ext>
+    </p:extLst>
+  </p:cSld>
+  <p:clrMapOvr>
+    <a:masterClrMapping/>
+  </p:clrMapOvr>
+</p:sld>
+</file>
+
+<file path=ppt/slides/slide9.xml><?xml version="1.0" encoding="utf-8"?>
+<p:sld xmlns:a="http://schemas.openxmlformats.org/drawingml/2006/main" xmlns:r="http://schemas.openxmlformats.org/officeDocument/2006/relationships" xmlns:p="http://schemas.openxmlformats.org/presentationml/2006/main">
+  <p:cSld>
+    <p:spTree>
+      <p:nvGrpSpPr>
+        <p:cNvPr id="1" name=""/>
+        <p:cNvGrpSpPr/>
+        <p:nvPr/>
+      </p:nvGrpSpPr>
+      <p:grpSpPr>
+        <a:xfrm>
+          <a:off x="0" y="0"/>
+          <a:ext cx="0" cy="0"/>
+          <a:chOff x="0" y="0"/>
+          <a:chExt cx="0" cy="0"/>
+        </a:xfrm>
+      </p:grpSpPr>
+      <p:grpSp>
+        <p:nvGrpSpPr>
+          <p:cNvPr id="27" name="Group 26">
+            <a:extLst>
+              <a:ext uri="{FF2B5EF4-FFF2-40B4-BE49-F238E27FC236}">
+                <a16:creationId xmlns:a16="http://schemas.microsoft.com/office/drawing/2014/main" id="{047273BF-2128-E09E-517E-22366BA018A0}"/>
+              </a:ext>
+            </a:extLst>
+          </p:cNvPr>
+          <p:cNvGrpSpPr/>
+          <p:nvPr/>
+        </p:nvGrpSpPr>
+        <p:grpSpPr>
+          <a:xfrm>
+            <a:off x="4094465" y="1079204"/>
+            <a:ext cx="4631088" cy="1414131"/>
+            <a:chOff x="4094465" y="1079204"/>
+            <a:chExt cx="4631088" cy="1414131"/>
+          </a:xfrm>
+        </p:grpSpPr>
+        <p:sp>
+          <p:nvSpPr>
+            <p:cNvPr id="4" name="Rectangle 3">
+              <a:extLst>
+                <a:ext uri="{FF2B5EF4-FFF2-40B4-BE49-F238E27FC236}">
+                  <a16:creationId xmlns:a16="http://schemas.microsoft.com/office/drawing/2014/main" id="{491144A7-5DED-CA3C-51E0-BF591B67E7CD}"/>
+                </a:ext>
+              </a:extLst>
+            </p:cNvPr>
+            <p:cNvSpPr/>
+            <p:nvPr/>
+          </p:nvSpPr>
+          <p:spPr>
+            <a:xfrm>
+              <a:off x="5810693" y="1079204"/>
+              <a:ext cx="1639186" cy="956931"/>
+            </a:xfrm>
+            <a:prstGeom prst="rect">
+              <a:avLst/>
+            </a:prstGeom>
+            <a:noFill/>
+            <a:ln w="19050">
+              <a:solidFill>
+                <a:schemeClr val="tx1"/>
+              </a:solidFill>
+            </a:ln>
+          </p:spPr>
+          <p:style>
+            <a:lnRef idx="2">
+              <a:schemeClr val="accent1">
+                <a:shade val="50000"/>
+              </a:schemeClr>
+            </a:lnRef>
+            <a:fillRef idx="1">
+              <a:schemeClr val="accent1"/>
+            </a:fillRef>
+            <a:effectRef idx="0">
+              <a:schemeClr val="accent1"/>
+            </a:effectRef>
+            <a:fontRef idx="minor">
+              <a:schemeClr val="lt1"/>
+            </a:fontRef>
+          </p:style>
+          <p:txBody>
+            <a:bodyPr rtlCol="0" anchor="ctr"/>
+            <a:lstStyle/>
+            <a:p>
+              <a:pPr algn="ctr"/>
+              <a:endParaRPr lang="en-US"/>
+            </a:p>
+          </p:txBody>
+        </p:sp>
+        <p:sp>
+          <p:nvSpPr>
+            <p:cNvPr id="5" name="TextBox 4">
+              <a:extLst>
+                <a:ext uri="{FF2B5EF4-FFF2-40B4-BE49-F238E27FC236}">
+                  <a16:creationId xmlns:a16="http://schemas.microsoft.com/office/drawing/2014/main" id="{FEB21CB0-4142-D41F-85C3-7F90BD42149D}"/>
+                </a:ext>
+              </a:extLst>
+            </p:cNvPr>
+            <p:cNvSpPr txBox="1"/>
+            <p:nvPr/>
+          </p:nvSpPr>
+          <p:spPr>
+            <a:xfrm>
+              <a:off x="6204721" y="1373003"/>
+              <a:ext cx="851130" cy="369332"/>
+            </a:xfrm>
+            <a:prstGeom prst="rect">
+              <a:avLst/>
+            </a:prstGeom>
+            <a:noFill/>
+          </p:spPr>
+          <p:txBody>
+            <a:bodyPr wrap="none" rtlCol="0">
+              <a:spAutoFit/>
+            </a:bodyPr>
+            <a:lstStyle/>
+            <a:p>
+              <a:r>
+                <a:rPr lang="en-US" dirty="0"/>
+                <a:t>System</a:t>
+              </a:r>
+            </a:p>
+          </p:txBody>
+        </p:sp>
+        <p:sp>
+          <p:nvSpPr>
+            <p:cNvPr id="6" name="Oval 5">
+              <a:extLst>
+                <a:ext uri="{FF2B5EF4-FFF2-40B4-BE49-F238E27FC236}">
+                  <a16:creationId xmlns:a16="http://schemas.microsoft.com/office/drawing/2014/main" id="{2CC32EBE-B0DA-F747-35C1-41C03FAD8616}"/>
+                </a:ext>
+              </a:extLst>
+            </p:cNvPr>
+            <p:cNvSpPr/>
+            <p:nvPr/>
+          </p:nvSpPr>
+          <p:spPr>
+            <a:xfrm>
+              <a:off x="4954772" y="1395522"/>
+              <a:ext cx="324294" cy="324294"/>
+            </a:xfrm>
+            <a:prstGeom prst="ellipse">
+              <a:avLst/>
+            </a:prstGeom>
+            <a:noFill/>
+            <a:ln w="19050">
+              <a:solidFill>
+                <a:schemeClr val="tx1"/>
+              </a:solidFill>
+            </a:ln>
+          </p:spPr>
+          <p:style>
+            <a:lnRef idx="2">
+              <a:schemeClr val="accent1">
+                <a:shade val="50000"/>
+              </a:schemeClr>
+            </a:lnRef>
+            <a:fillRef idx="1">
+              <a:schemeClr val="accent1"/>
+            </a:fillRef>
+            <a:effectRef idx="0">
+              <a:schemeClr val="accent1"/>
+            </a:effectRef>
+            <a:fontRef idx="minor">
+              <a:schemeClr val="lt1"/>
+            </a:fontRef>
+          </p:style>
+          <p:txBody>
+            <a:bodyPr rtlCol="0" anchor="ctr"/>
+            <a:lstStyle/>
+            <a:p>
+              <a:pPr algn="ctr"/>
+              <a:endParaRPr lang="en-US"/>
+            </a:p>
+          </p:txBody>
+        </p:sp>
+        <p:cxnSp>
+          <p:nvCxnSpPr>
+            <p:cNvPr id="8" name="Straight Arrow Connector 7">
+              <a:extLst>
+                <a:ext uri="{FF2B5EF4-FFF2-40B4-BE49-F238E27FC236}">
+                  <a16:creationId xmlns:a16="http://schemas.microsoft.com/office/drawing/2014/main" id="{76680916-503A-EA45-A898-CC9F48E2E36B}"/>
+                </a:ext>
+              </a:extLst>
+            </p:cNvPr>
+            <p:cNvCxnSpPr>
+              <a:cxnSpLocks/>
+            </p:cNvCxnSpPr>
+            <p:nvPr/>
+          </p:nvCxnSpPr>
+          <p:spPr>
+            <a:xfrm>
+              <a:off x="5279066" y="1557669"/>
+              <a:ext cx="531627" cy="1"/>
+            </a:xfrm>
+            <a:prstGeom prst="straightConnector1">
+              <a:avLst/>
+            </a:prstGeom>
+            <a:ln w="19050">
+              <a:tailEnd type="triangle"/>
+            </a:ln>
+          </p:spPr>
+          <p:style>
+            <a:lnRef idx="1">
+              <a:schemeClr val="dk1"/>
+            </a:lnRef>
+            <a:fillRef idx="0">
+              <a:schemeClr val="dk1"/>
+            </a:fillRef>
+            <a:effectRef idx="0">
+              <a:schemeClr val="dk1"/>
+            </a:effectRef>
+            <a:fontRef idx="minor">
+              <a:schemeClr val="tx1"/>
+            </a:fontRef>
+          </p:style>
+        </p:cxnSp>
+        <p:cxnSp>
+          <p:nvCxnSpPr>
+            <p:cNvPr id="9" name="Straight Arrow Connector 8">
+              <a:extLst>
+                <a:ext uri="{FF2B5EF4-FFF2-40B4-BE49-F238E27FC236}">
+                  <a16:creationId xmlns:a16="http://schemas.microsoft.com/office/drawing/2014/main" id="{46B0A68C-57F7-4893-F3B9-A4996F487DF7}"/>
+                </a:ext>
+              </a:extLst>
+            </p:cNvPr>
+            <p:cNvCxnSpPr>
+              <a:cxnSpLocks/>
+            </p:cNvCxnSpPr>
+            <p:nvPr/>
+          </p:nvCxnSpPr>
+          <p:spPr>
+            <a:xfrm>
+              <a:off x="4152277" y="1557669"/>
+              <a:ext cx="816934" cy="1"/>
+            </a:xfrm>
+            <a:prstGeom prst="straightConnector1">
+              <a:avLst/>
+            </a:prstGeom>
+            <a:ln w="19050">
+              <a:tailEnd type="triangle"/>
+            </a:ln>
+          </p:spPr>
+          <p:style>
+            <a:lnRef idx="1">
+              <a:schemeClr val="dk1"/>
+            </a:lnRef>
+            <a:fillRef idx="0">
+              <a:schemeClr val="dk1"/>
+            </a:fillRef>
+            <a:effectRef idx="0">
+              <a:schemeClr val="dk1"/>
+            </a:effectRef>
+            <a:fontRef idx="minor">
+              <a:schemeClr val="tx1"/>
+            </a:fontRef>
+          </p:style>
+        </p:cxnSp>
+        <p:cxnSp>
+          <p:nvCxnSpPr>
+            <p:cNvPr id="10" name="Straight Arrow Connector 9">
+              <a:extLst>
+                <a:ext uri="{FF2B5EF4-FFF2-40B4-BE49-F238E27FC236}">
+                  <a16:creationId xmlns:a16="http://schemas.microsoft.com/office/drawing/2014/main" id="{75F5EC8B-FDB0-0A8B-3AE2-F415D7310690}"/>
+                </a:ext>
+              </a:extLst>
+            </p:cNvPr>
+            <p:cNvCxnSpPr>
+              <a:cxnSpLocks/>
+            </p:cNvCxnSpPr>
+            <p:nvPr/>
+          </p:nvCxnSpPr>
+          <p:spPr>
+            <a:xfrm>
+              <a:off x="7449879" y="1557669"/>
+              <a:ext cx="1102241" cy="0"/>
+            </a:xfrm>
+            <a:prstGeom prst="straightConnector1">
+              <a:avLst/>
+            </a:prstGeom>
+            <a:ln w="19050">
+              <a:tailEnd type="triangle"/>
+            </a:ln>
+          </p:spPr>
+          <p:style>
+            <a:lnRef idx="1">
+              <a:schemeClr val="dk1"/>
+            </a:lnRef>
+            <a:fillRef idx="0">
+              <a:schemeClr val="dk1"/>
+            </a:fillRef>
+            <a:effectRef idx="0">
+              <a:schemeClr val="dk1"/>
+            </a:effectRef>
+            <a:fontRef idx="minor">
+              <a:schemeClr val="tx1"/>
+            </a:fontRef>
+          </p:style>
+        </p:cxnSp>
+        <p:cxnSp>
+          <p:nvCxnSpPr>
+            <p:cNvPr id="11" name="Straight Arrow Connector 10">
+              <a:extLst>
+                <a:ext uri="{FF2B5EF4-FFF2-40B4-BE49-F238E27FC236}">
+                  <a16:creationId xmlns:a16="http://schemas.microsoft.com/office/drawing/2014/main" id="{28586373-A677-8D2F-F2CD-CE4115DA0C2A}"/>
+                </a:ext>
+              </a:extLst>
+            </p:cNvPr>
+            <p:cNvCxnSpPr>
+              <a:cxnSpLocks/>
+            </p:cNvCxnSpPr>
+            <p:nvPr/>
+          </p:nvCxnSpPr>
+          <p:spPr>
+            <a:xfrm flipV="1">
+              <a:off x="5121611" y="1710069"/>
+              <a:ext cx="0" cy="783266"/>
+            </a:xfrm>
+            <a:prstGeom prst="straightConnector1">
+              <a:avLst/>
+            </a:prstGeom>
+            <a:ln w="19050">
+              <a:tailEnd type="triangle"/>
+            </a:ln>
+          </p:spPr>
+          <p:style>
+            <a:lnRef idx="1">
+              <a:schemeClr val="dk1"/>
+            </a:lnRef>
+            <a:fillRef idx="0">
+              <a:schemeClr val="dk1"/>
+            </a:fillRef>
+            <a:effectRef idx="0">
+              <a:schemeClr val="dk1"/>
+            </a:effectRef>
+            <a:fontRef idx="minor">
+              <a:schemeClr val="tx1"/>
+            </a:fontRef>
+          </p:style>
+        </p:cxnSp>
+        <p:cxnSp>
+          <p:nvCxnSpPr>
+            <p:cNvPr id="13" name="Straight Arrow Connector 12">
+              <a:extLst>
+                <a:ext uri="{FF2B5EF4-FFF2-40B4-BE49-F238E27FC236}">
+                  <a16:creationId xmlns:a16="http://schemas.microsoft.com/office/drawing/2014/main" id="{9E131F48-1DB9-2D6E-013B-7850D4F73036}"/>
+                </a:ext>
+              </a:extLst>
+            </p:cNvPr>
+            <p:cNvCxnSpPr>
+              <a:cxnSpLocks/>
+            </p:cNvCxnSpPr>
+            <p:nvPr/>
+          </p:nvCxnSpPr>
+          <p:spPr>
+            <a:xfrm flipH="1" flipV="1">
+              <a:off x="8143653" y="1557669"/>
+              <a:ext cx="262" cy="935666"/>
+            </a:xfrm>
+            <a:prstGeom prst="straightConnector1">
+              <a:avLst/>
+            </a:prstGeom>
+            <a:ln w="19050">
+              <a:headEnd type="none" w="med" len="med"/>
+              <a:tailEnd type="none" w="med" len="med"/>
+            </a:ln>
+          </p:spPr>
+          <p:style>
+            <a:lnRef idx="1">
+              <a:schemeClr val="dk1"/>
+            </a:lnRef>
+            <a:fillRef idx="0">
+              <a:schemeClr val="dk1"/>
+            </a:fillRef>
+            <a:effectRef idx="0">
+              <a:schemeClr val="dk1"/>
+            </a:effectRef>
+            <a:fontRef idx="minor">
+              <a:schemeClr val="tx1"/>
+            </a:fontRef>
+          </p:style>
+        </p:cxnSp>
+        <p:cxnSp>
+          <p:nvCxnSpPr>
+            <p:cNvPr id="16" name="Straight Connector 15">
+              <a:extLst>
+                <a:ext uri="{FF2B5EF4-FFF2-40B4-BE49-F238E27FC236}">
+                  <a16:creationId xmlns:a16="http://schemas.microsoft.com/office/drawing/2014/main" id="{A0362B16-D418-679C-09C5-8FC6BECD652E}"/>
+                </a:ext>
+              </a:extLst>
+            </p:cNvPr>
+            <p:cNvCxnSpPr>
+              <a:cxnSpLocks/>
+            </p:cNvCxnSpPr>
+            <p:nvPr/>
+          </p:nvCxnSpPr>
+          <p:spPr>
+            <a:xfrm>
+              <a:off x="5116919" y="2493335"/>
+              <a:ext cx="3026734" cy="0"/>
+            </a:xfrm>
+            <a:prstGeom prst="line">
+              <a:avLst/>
+            </a:prstGeom>
+            <a:ln w="19050"/>
+          </p:spPr>
+          <p:style>
+            <a:lnRef idx="1">
+              <a:schemeClr val="dk1"/>
+            </a:lnRef>
+            <a:fillRef idx="0">
+              <a:schemeClr val="dk1"/>
+            </a:fillRef>
+            <a:effectRef idx="0">
+              <a:schemeClr val="dk1"/>
+            </a:effectRef>
+            <a:fontRef idx="minor">
+              <a:schemeClr val="tx1"/>
+            </a:fontRef>
+          </p:style>
+        </p:cxnSp>
+        <mc:AlternateContent xmlns:mc="http://schemas.openxmlformats.org/markup-compatibility/2006">
+          <mc:Choice xmlns:a14="http://schemas.microsoft.com/office/drawing/2010/main" Requires="a14">
+            <p:sp>
+              <p:nvSpPr>
+                <p:cNvPr id="20" name="TextBox 19">
+                  <a:extLst>
+                    <a:ext uri="{FF2B5EF4-FFF2-40B4-BE49-F238E27FC236}">
+                      <a16:creationId xmlns:a16="http://schemas.microsoft.com/office/drawing/2014/main" id="{C55D2509-68A7-3FAB-8A83-A53AB11443D9}"/>
+                    </a:ext>
+                  </a:extLst>
+                </p:cNvPr>
+                <p:cNvSpPr txBox="1"/>
+                <p:nvPr/>
+              </p:nvSpPr>
+              <p:spPr>
+                <a:xfrm>
+                  <a:off x="8064795" y="1180280"/>
+                  <a:ext cx="660758" cy="369332"/>
+                </a:xfrm>
+                <a:prstGeom prst="rect">
+                  <a:avLst/>
+                </a:prstGeom>
+                <a:noFill/>
+              </p:spPr>
+              <p:txBody>
+                <a:bodyPr wrap="none" rtlCol="0">
+                  <a:spAutoFit/>
+                </a:bodyPr>
+                <a:lstStyle/>
+                <a:p>
+                  <a14:m>
+                    <m:oMathPara xmlns:m="http://schemas.openxmlformats.org/officeDocument/2006/math">
+                      <m:oMathParaPr>
+                        <m:jc m:val="centerGroup"/>
+                      </m:oMathParaPr>
+                      <m:oMath xmlns:m="http://schemas.openxmlformats.org/officeDocument/2006/math">
+                        <m:r>
+                          <a:rPr lang="en-GB" b="0" i="1" smtClean="0">
+                            <a:latin typeface="Cambria Math" panose="02040503050406030204" pitchFamily="18" charset="0"/>
+                          </a:rPr>
+                          <m:t>𝑦</m:t>
+                        </m:r>
+                        <m:r>
+                          <a:rPr lang="en-GB" b="0" i="1" smtClean="0">
+                            <a:latin typeface="Cambria Math" panose="02040503050406030204" pitchFamily="18" charset="0"/>
+                          </a:rPr>
+                          <m:t>(</m:t>
+                        </m:r>
+                        <m:r>
+                          <a:rPr lang="en-GB" b="0" i="1" smtClean="0">
+                            <a:latin typeface="Cambria Math" panose="02040503050406030204" pitchFamily="18" charset="0"/>
+                          </a:rPr>
+                          <m:t>𝑡</m:t>
+                        </m:r>
+                        <m:r>
+                          <a:rPr lang="en-GB" b="0" i="1" smtClean="0">
+                            <a:latin typeface="Cambria Math" panose="02040503050406030204" pitchFamily="18" charset="0"/>
+                          </a:rPr>
+                          <m:t>)</m:t>
+                        </m:r>
+                      </m:oMath>
+                    </m:oMathPara>
+                  </a14:m>
+                  <a:endParaRPr lang="en-US" dirty="0"/>
+                </a:p>
+              </p:txBody>
+            </p:sp>
+          </mc:Choice>
+          <mc:Fallback>
+            <p:sp>
+              <p:nvSpPr>
+                <p:cNvPr id="20" name="TextBox 19">
+                  <a:extLst>
+                    <a:ext uri="{FF2B5EF4-FFF2-40B4-BE49-F238E27FC236}">
+                      <a16:creationId xmlns:a16="http://schemas.microsoft.com/office/drawing/2014/main" id="{C55D2509-68A7-3FAB-8A83-A53AB11443D9}"/>
+                    </a:ext>
+                  </a:extLst>
+                </p:cNvPr>
+                <p:cNvSpPr txBox="1">
+                  <a:spLocks noRot="1" noChangeAspect="1" noMove="1" noResize="1" noEditPoints="1" noAdjustHandles="1" noChangeArrowheads="1" noChangeShapeType="1" noTextEdit="1"/>
+                </p:cNvSpPr>
+                <p:nvPr/>
+              </p:nvSpPr>
+              <p:spPr>
+                <a:xfrm>
+                  <a:off x="8064795" y="1180280"/>
+                  <a:ext cx="660758" cy="369332"/>
+                </a:xfrm>
+                <a:prstGeom prst="rect">
+                  <a:avLst/>
+                </a:prstGeom>
+                <a:blipFill>
+                  <a:blip r:embed="rId2"/>
+                  <a:stretch>
+                    <a:fillRect b="-17241"/>
+                  </a:stretch>
+                </a:blipFill>
+              </p:spPr>
+              <p:txBody>
+                <a:bodyPr/>
+                <a:lstStyle/>
+                <a:p>
+                  <a:r>
+                    <a:rPr lang="en-US">
+                      <a:noFill/>
+                    </a:rPr>
+                    <a:t> </a:t>
+                  </a:r>
+                </a:p>
+              </p:txBody>
+            </p:sp>
+          </mc:Fallback>
+        </mc:AlternateContent>
+        <mc:AlternateContent xmlns:mc="http://schemas.openxmlformats.org/markup-compatibility/2006">
+          <mc:Choice xmlns:a14="http://schemas.microsoft.com/office/drawing/2010/main" Requires="a14">
+            <p:sp>
+              <p:nvSpPr>
+                <p:cNvPr id="21" name="TextBox 20">
+                  <a:extLst>
+                    <a:ext uri="{FF2B5EF4-FFF2-40B4-BE49-F238E27FC236}">
+                      <a16:creationId xmlns:a16="http://schemas.microsoft.com/office/drawing/2014/main" id="{E91357E2-A2C2-FA7A-2E62-44B874F7567B}"/>
+                    </a:ext>
+                  </a:extLst>
+                </p:cNvPr>
+                <p:cNvSpPr txBox="1"/>
+                <p:nvPr/>
+              </p:nvSpPr>
+              <p:spPr>
+                <a:xfrm>
+                  <a:off x="4094465" y="1180280"/>
+                  <a:ext cx="657359" cy="369332"/>
+                </a:xfrm>
+                <a:prstGeom prst="rect">
+                  <a:avLst/>
+                </a:prstGeom>
+                <a:noFill/>
+              </p:spPr>
+              <p:txBody>
+                <a:bodyPr wrap="none" rtlCol="0">
+                  <a:spAutoFit/>
+                </a:bodyPr>
+                <a:lstStyle/>
+                <a:p>
+                  <a14:m>
+                    <m:oMathPara xmlns:m="http://schemas.openxmlformats.org/officeDocument/2006/math">
+                      <m:oMathParaPr>
+                        <m:jc m:val="centerGroup"/>
+                      </m:oMathParaPr>
+                      <m:oMath xmlns:m="http://schemas.openxmlformats.org/officeDocument/2006/math">
+                        <m:r>
+                          <a:rPr lang="en-GB" b="0" i="1" smtClean="0">
+                            <a:latin typeface="Cambria Math" panose="02040503050406030204" pitchFamily="18" charset="0"/>
+                          </a:rPr>
+                          <m:t>𝑥</m:t>
+                        </m:r>
+                        <m:r>
+                          <a:rPr lang="en-GB" b="0" i="1" smtClean="0">
+                            <a:latin typeface="Cambria Math" panose="02040503050406030204" pitchFamily="18" charset="0"/>
+                          </a:rPr>
+                          <m:t>(</m:t>
+                        </m:r>
+                        <m:r>
+                          <a:rPr lang="en-GB" b="0" i="1" smtClean="0">
+                            <a:latin typeface="Cambria Math" panose="02040503050406030204" pitchFamily="18" charset="0"/>
+                          </a:rPr>
+                          <m:t>𝑡</m:t>
+                        </m:r>
+                        <m:r>
+                          <a:rPr lang="en-GB" b="0" i="1" smtClean="0">
+                            <a:latin typeface="Cambria Math" panose="02040503050406030204" pitchFamily="18" charset="0"/>
+                          </a:rPr>
+                          <m:t>)</m:t>
+                        </m:r>
+                      </m:oMath>
+                    </m:oMathPara>
+                  </a14:m>
+                  <a:endParaRPr lang="en-US" dirty="0"/>
+                </a:p>
+              </p:txBody>
+            </p:sp>
+          </mc:Choice>
+          <mc:Fallback>
+            <p:sp>
+              <p:nvSpPr>
+                <p:cNvPr id="21" name="TextBox 20">
+                  <a:extLst>
+                    <a:ext uri="{FF2B5EF4-FFF2-40B4-BE49-F238E27FC236}">
+                      <a16:creationId xmlns:a16="http://schemas.microsoft.com/office/drawing/2014/main" id="{E91357E2-A2C2-FA7A-2E62-44B874F7567B}"/>
+                    </a:ext>
+                  </a:extLst>
+                </p:cNvPr>
+                <p:cNvSpPr txBox="1">
+                  <a:spLocks noRot="1" noChangeAspect="1" noMove="1" noResize="1" noEditPoints="1" noAdjustHandles="1" noChangeArrowheads="1" noChangeShapeType="1" noTextEdit="1"/>
+                </p:cNvSpPr>
+                <p:nvPr/>
+              </p:nvSpPr>
+              <p:spPr>
+                <a:xfrm>
+                  <a:off x="4094465" y="1180280"/>
+                  <a:ext cx="657359" cy="369332"/>
+                </a:xfrm>
+                <a:prstGeom prst="rect">
+                  <a:avLst/>
+                </a:prstGeom>
+                <a:blipFill>
+                  <a:blip r:embed="rId3"/>
+                  <a:stretch>
+                    <a:fillRect b="-17241"/>
+                  </a:stretch>
+                </a:blipFill>
+              </p:spPr>
+              <p:txBody>
+                <a:bodyPr/>
+                <a:lstStyle/>
+                <a:p>
+                  <a:r>
+                    <a:rPr lang="en-US">
+                      <a:noFill/>
+                    </a:rPr>
+                    <a:t> </a:t>
+                  </a:r>
+                </a:p>
+              </p:txBody>
+            </p:sp>
+          </mc:Fallback>
+        </mc:AlternateContent>
+        <mc:AlternateContent xmlns:mc="http://schemas.openxmlformats.org/markup-compatibility/2006">
+          <mc:Choice xmlns:a14="http://schemas.microsoft.com/office/drawing/2010/main" Requires="a14">
+            <p:sp>
+              <p:nvSpPr>
+                <p:cNvPr id="22" name="TextBox 21">
+                  <a:extLst>
+                    <a:ext uri="{FF2B5EF4-FFF2-40B4-BE49-F238E27FC236}">
+                      <a16:creationId xmlns:a16="http://schemas.microsoft.com/office/drawing/2014/main" id="{FB022F53-2DF1-39DD-3117-7FEDDD8FFC76}"/>
+                    </a:ext>
+                  </a:extLst>
+                </p:cNvPr>
+                <p:cNvSpPr txBox="1"/>
+                <p:nvPr/>
+              </p:nvSpPr>
+              <p:spPr>
+                <a:xfrm>
+                  <a:off x="4610449" y="1210856"/>
+                  <a:ext cx="410690" cy="369332"/>
+                </a:xfrm>
+                <a:prstGeom prst="rect">
+                  <a:avLst/>
+                </a:prstGeom>
+                <a:noFill/>
+              </p:spPr>
+              <p:txBody>
+                <a:bodyPr wrap="none" rtlCol="0">
+                  <a:spAutoFit/>
+                </a:bodyPr>
+                <a:lstStyle/>
+                <a:p>
+                  <a14:m>
+                    <m:oMathPara xmlns:m="http://schemas.openxmlformats.org/officeDocument/2006/math">
+                      <m:oMathParaPr>
+                        <m:jc m:val="centerGroup"/>
+                      </m:oMathParaPr>
+                      <m:oMath xmlns:m="http://schemas.openxmlformats.org/officeDocument/2006/math">
+                        <m:r>
+                          <a:rPr lang="en-GB" b="0" i="1" smtClean="0">
+                            <a:latin typeface="Cambria Math" panose="02040503050406030204" pitchFamily="18" charset="0"/>
+                          </a:rPr>
+                          <m:t>+</m:t>
+                        </m:r>
+                      </m:oMath>
+                    </m:oMathPara>
+                  </a14:m>
+                  <a:endParaRPr lang="en-US" dirty="0"/>
+                </a:p>
+              </p:txBody>
+            </p:sp>
+          </mc:Choice>
+          <mc:Fallback>
+            <p:sp>
+              <p:nvSpPr>
+                <p:cNvPr id="22" name="TextBox 21">
+                  <a:extLst>
+                    <a:ext uri="{FF2B5EF4-FFF2-40B4-BE49-F238E27FC236}">
+                      <a16:creationId xmlns:a16="http://schemas.microsoft.com/office/drawing/2014/main" id="{FB022F53-2DF1-39DD-3117-7FEDDD8FFC76}"/>
+                    </a:ext>
+                  </a:extLst>
+                </p:cNvPr>
+                <p:cNvSpPr txBox="1">
+                  <a:spLocks noRot="1" noChangeAspect="1" noMove="1" noResize="1" noEditPoints="1" noAdjustHandles="1" noChangeArrowheads="1" noChangeShapeType="1" noTextEdit="1"/>
+                </p:cNvSpPr>
+                <p:nvPr/>
+              </p:nvSpPr>
+              <p:spPr>
+                <a:xfrm>
+                  <a:off x="4610449" y="1210856"/>
+                  <a:ext cx="410690" cy="369332"/>
+                </a:xfrm>
+                <a:prstGeom prst="rect">
+                  <a:avLst/>
+                </a:prstGeom>
+                <a:blipFill>
+                  <a:blip r:embed="rId4"/>
+                  <a:stretch>
+                    <a:fillRect/>
+                  </a:stretch>
+                </a:blipFill>
+              </p:spPr>
+              <p:txBody>
+                <a:bodyPr/>
+                <a:lstStyle/>
+                <a:p>
+                  <a:r>
+                    <a:rPr lang="en-US">
+                      <a:noFill/>
+                    </a:rPr>
+                    <a:t> </a:t>
+                  </a:r>
+                </a:p>
+              </p:txBody>
+            </p:sp>
+          </mc:Fallback>
+        </mc:AlternateContent>
+        <mc:AlternateContent xmlns:mc="http://schemas.openxmlformats.org/markup-compatibility/2006">
+          <mc:Choice xmlns:a14="http://schemas.microsoft.com/office/drawing/2010/main" Requires="a14">
+            <p:sp>
+              <p:nvSpPr>
+                <p:cNvPr id="23" name="TextBox 22">
+                  <a:extLst>
+                    <a:ext uri="{FF2B5EF4-FFF2-40B4-BE49-F238E27FC236}">
+                      <a16:creationId xmlns:a16="http://schemas.microsoft.com/office/drawing/2014/main" id="{44B50E80-9F8D-9F90-628D-6EC9B8387696}"/>
+                    </a:ext>
+                  </a:extLst>
+                </p:cNvPr>
+                <p:cNvSpPr txBox="1"/>
+                <p:nvPr/>
+              </p:nvSpPr>
+              <p:spPr>
+                <a:xfrm>
+                  <a:off x="4731262" y="1586540"/>
+                  <a:ext cx="410690" cy="369332"/>
+                </a:xfrm>
+                <a:prstGeom prst="rect">
+                  <a:avLst/>
+                </a:prstGeom>
+                <a:noFill/>
+              </p:spPr>
+              <p:txBody>
+                <a:bodyPr wrap="none" rtlCol="0">
+                  <a:spAutoFit/>
+                </a:bodyPr>
+                <a:lstStyle/>
+                <a:p>
+                  <a14:m>
+                    <m:oMathPara xmlns:m="http://schemas.openxmlformats.org/officeDocument/2006/math">
+                      <m:oMathParaPr>
+                        <m:jc m:val="centerGroup"/>
+                      </m:oMathParaPr>
+                      <m:oMath xmlns:m="http://schemas.openxmlformats.org/officeDocument/2006/math">
+                        <m:r>
+                          <a:rPr lang="en-GB" b="0" i="1" smtClean="0">
+                            <a:latin typeface="Cambria Math" panose="02040503050406030204" pitchFamily="18" charset="0"/>
+                          </a:rPr>
+                          <m:t>−</m:t>
+                        </m:r>
+                      </m:oMath>
+                    </m:oMathPara>
+                  </a14:m>
+                  <a:endParaRPr lang="en-US" dirty="0"/>
+                </a:p>
+              </p:txBody>
+            </p:sp>
+          </mc:Choice>
+          <mc:Fallback>
+            <p:sp>
+              <p:nvSpPr>
+                <p:cNvPr id="23" name="TextBox 22">
+                  <a:extLst>
+                    <a:ext uri="{FF2B5EF4-FFF2-40B4-BE49-F238E27FC236}">
+                      <a16:creationId xmlns:a16="http://schemas.microsoft.com/office/drawing/2014/main" id="{44B50E80-9F8D-9F90-628D-6EC9B8387696}"/>
+                    </a:ext>
+                  </a:extLst>
+                </p:cNvPr>
+                <p:cNvSpPr txBox="1">
+                  <a:spLocks noRot="1" noChangeAspect="1" noMove="1" noResize="1" noEditPoints="1" noAdjustHandles="1" noChangeArrowheads="1" noChangeShapeType="1" noTextEdit="1"/>
+                </p:cNvSpPr>
+                <p:nvPr/>
+              </p:nvSpPr>
+              <p:spPr>
+                <a:xfrm>
+                  <a:off x="4731262" y="1586540"/>
+                  <a:ext cx="410690" cy="369332"/>
+                </a:xfrm>
+                <a:prstGeom prst="rect">
+                  <a:avLst/>
+                </a:prstGeom>
+                <a:blipFill>
+                  <a:blip r:embed="rId5"/>
+                  <a:stretch>
+                    <a:fillRect/>
+                  </a:stretch>
+                </a:blipFill>
+              </p:spPr>
+              <p:txBody>
+                <a:bodyPr/>
+                <a:lstStyle/>
+                <a:p>
+                  <a:r>
+                    <a:rPr lang="en-US">
+                      <a:noFill/>
+                    </a:rPr>
+                    <a:t> </a:t>
+                  </a:r>
+                </a:p>
+              </p:txBody>
+            </p:sp>
+          </mc:Fallback>
+        </mc:AlternateContent>
+        <mc:AlternateContent xmlns:mc="http://schemas.openxmlformats.org/markup-compatibility/2006">
+          <mc:Choice xmlns:a14="http://schemas.microsoft.com/office/drawing/2010/main" Requires="a14">
+            <p:sp>
+              <p:nvSpPr>
+                <p:cNvPr id="24" name="TextBox 23">
+                  <a:extLst>
+                    <a:ext uri="{FF2B5EF4-FFF2-40B4-BE49-F238E27FC236}">
+                      <a16:creationId xmlns:a16="http://schemas.microsoft.com/office/drawing/2014/main" id="{3759D9C0-9C4D-6184-A331-97CD7CDA6CAC}"/>
+                    </a:ext>
+                  </a:extLst>
+                </p:cNvPr>
+                <p:cNvSpPr txBox="1"/>
+                <p:nvPr/>
+              </p:nvSpPr>
+              <p:spPr>
+                <a:xfrm>
+                  <a:off x="4795824" y="1370249"/>
+                  <a:ext cx="746310" cy="390492"/>
+                </a:xfrm>
+                <a:prstGeom prst="rect">
+                  <a:avLst/>
+                </a:prstGeom>
+                <a:noFill/>
+              </p:spPr>
+              <p:txBody>
+                <a:bodyPr wrap="square" rtlCol="0">
+                  <a:spAutoFit/>
+                </a:bodyPr>
+                <a:lstStyle/>
+                <a:p>
+                  <a14:m>
+                    <m:oMathPara xmlns:m="http://schemas.openxmlformats.org/officeDocument/2006/math">
+                      <m:oMathParaPr>
+                        <m:jc m:val="centerGroup"/>
+                      </m:oMathParaPr>
+                      <m:oMath xmlns:m="http://schemas.openxmlformats.org/officeDocument/2006/math">
+                        <m:nary>
+                          <m:naryPr>
+                            <m:chr m:val="∑"/>
+                            <m:subHide m:val="on"/>
+                            <m:supHide m:val="on"/>
+                            <m:ctrlPr>
+                              <a:rPr lang="en-US" sz="800" i="1" smtClean="0">
+                                <a:latin typeface="Cambria Math" panose="02040503050406030204" pitchFamily="18" charset="0"/>
+                              </a:rPr>
+                            </m:ctrlPr>
+                          </m:naryPr>
+                          <m:sub/>
+                          <m:sup/>
+                          <m:e/>
+                        </m:nary>
+                      </m:oMath>
+                    </m:oMathPara>
+                  </a14:m>
+                  <a:endParaRPr lang="en-US" sz="800" dirty="0"/>
+                </a:p>
+              </p:txBody>
+            </p:sp>
+          </mc:Choice>
+          <mc:Fallback>
+            <p:sp>
+              <p:nvSpPr>
+                <p:cNvPr id="24" name="TextBox 23">
+                  <a:extLst>
+                    <a:ext uri="{FF2B5EF4-FFF2-40B4-BE49-F238E27FC236}">
+                      <a16:creationId xmlns:a16="http://schemas.microsoft.com/office/drawing/2014/main" id="{3759D9C0-9C4D-6184-A331-97CD7CDA6CAC}"/>
+                    </a:ext>
+                  </a:extLst>
+                </p:cNvPr>
+                <p:cNvSpPr txBox="1">
+                  <a:spLocks noRot="1" noChangeAspect="1" noMove="1" noResize="1" noEditPoints="1" noAdjustHandles="1" noChangeArrowheads="1" noChangeShapeType="1" noTextEdit="1"/>
+                </p:cNvSpPr>
+                <p:nvPr/>
+              </p:nvSpPr>
+              <p:spPr>
+                <a:xfrm>
+                  <a:off x="4795824" y="1370249"/>
+                  <a:ext cx="746310" cy="390492"/>
+                </a:xfrm>
+                <a:prstGeom prst="rect">
+                  <a:avLst/>
+                </a:prstGeom>
+                <a:blipFill>
+                  <a:blip r:embed="rId6"/>
+                  <a:stretch>
+                    <a:fillRect l="-16667" t="-100000" b="-141935"/>
+                  </a:stretch>
+                </a:blipFill>
+              </p:spPr>
+              <p:txBody>
+                <a:bodyPr/>
+                <a:lstStyle/>
+                <a:p>
+                  <a:r>
+                    <a:rPr lang="en-US">
+                      <a:noFill/>
+                    </a:rPr>
+                    <a:t> </a:t>
+                  </a:r>
+                </a:p>
+              </p:txBody>
+            </p:sp>
+          </mc:Fallback>
+        </mc:AlternateContent>
+        <mc:AlternateContent xmlns:mc="http://schemas.openxmlformats.org/markup-compatibility/2006">
+          <mc:Choice xmlns:a14="http://schemas.microsoft.com/office/drawing/2010/main" Requires="a14">
+            <p:sp>
+              <p:nvSpPr>
+                <p:cNvPr id="26" name="TextBox 25">
+                  <a:extLst>
+                    <a:ext uri="{FF2B5EF4-FFF2-40B4-BE49-F238E27FC236}">
+                      <a16:creationId xmlns:a16="http://schemas.microsoft.com/office/drawing/2014/main" id="{C898FA2F-F804-75C5-61F0-E669B2CD2021}"/>
+                    </a:ext>
+                  </a:extLst>
+                </p:cNvPr>
+                <p:cNvSpPr txBox="1"/>
+                <p:nvPr/>
+              </p:nvSpPr>
+              <p:spPr>
+                <a:xfrm>
+                  <a:off x="4830682" y="1180215"/>
+                  <a:ext cx="1455207" cy="369397"/>
+                </a:xfrm>
+                <a:prstGeom prst="rect">
+                  <a:avLst/>
+                </a:prstGeom>
+                <a:noFill/>
+              </p:spPr>
+              <p:txBody>
+                <a:bodyPr wrap="none" rtlCol="0">
+                  <a:spAutoFit/>
+                </a:bodyPr>
+                <a:lstStyle/>
+                <a:p>
+                  <a14:m>
+                    <m:oMathPara xmlns:m="http://schemas.openxmlformats.org/officeDocument/2006/math">
+                      <m:oMathParaPr>
+                        <m:jc m:val="centerGroup"/>
+                      </m:oMathParaPr>
+                      <m:oMath xmlns:m="http://schemas.openxmlformats.org/officeDocument/2006/math">
+                        <m:r>
+                          <a:rPr lang="en-GB" b="0" i="1" smtClean="0">
+                            <a:latin typeface="Cambria Math" panose="02040503050406030204" pitchFamily="18" charset="0"/>
+                          </a:rPr>
+                          <m:t>𝑒</m:t>
+                        </m:r>
+                        <m:d>
+                          <m:dPr>
+                            <m:ctrlPr>
+                              <a:rPr lang="en-GB" b="0" i="1" smtClean="0">
+                                <a:latin typeface="Cambria Math" panose="02040503050406030204" pitchFamily="18" charset="0"/>
+                              </a:rPr>
+                            </m:ctrlPr>
+                          </m:dPr>
+                          <m:e>
+                            <m:r>
+                              <a:rPr lang="en-GB" b="0" i="1" smtClean="0">
+                                <a:latin typeface="Cambria Math" panose="02040503050406030204" pitchFamily="18" charset="0"/>
+                              </a:rPr>
+                              <m:t>𝑡</m:t>
+                            </m:r>
+                          </m:e>
+                        </m:d>
+                      </m:oMath>
+                    </m:oMathPara>
+                  </a14:m>
+                  <a:br>
+                    <a:rPr lang="en-GB" b="0" dirty="0"/>
+                  </a:br>
+                  <a:endParaRPr lang="en-US" dirty="0"/>
+                </a:p>
+              </p:txBody>
+            </p:sp>
+          </mc:Choice>
+          <mc:Fallback>
+            <p:sp>
+              <p:nvSpPr>
+                <p:cNvPr id="26" name="TextBox 25">
+                  <a:extLst>
+                    <a:ext uri="{FF2B5EF4-FFF2-40B4-BE49-F238E27FC236}">
+                      <a16:creationId xmlns:a16="http://schemas.microsoft.com/office/drawing/2014/main" id="{C898FA2F-F804-75C5-61F0-E669B2CD2021}"/>
+                    </a:ext>
+                  </a:extLst>
+                </p:cNvPr>
+                <p:cNvSpPr txBox="1">
+                  <a:spLocks noRot="1" noChangeAspect="1" noMove="1" noResize="1" noEditPoints="1" noAdjustHandles="1" noChangeArrowheads="1" noChangeShapeType="1" noTextEdit="1"/>
+                </p:cNvSpPr>
+                <p:nvPr/>
+              </p:nvSpPr>
+              <p:spPr>
+                <a:xfrm>
+                  <a:off x="4830682" y="1180215"/>
+                  <a:ext cx="1455207" cy="369397"/>
+                </a:xfrm>
+                <a:prstGeom prst="rect">
+                  <a:avLst/>
+                </a:prstGeom>
+                <a:blipFill>
+                  <a:blip r:embed="rId7"/>
+                  <a:stretch>
+                    <a:fillRect/>
+                  </a:stretch>
+                </a:blipFill>
+              </p:spPr>
+              <p:txBody>
+                <a:bodyPr/>
+                <a:lstStyle/>
+                <a:p>
+                  <a:r>
+                    <a:rPr lang="en-US">
+                      <a:noFill/>
+                    </a:rPr>
+                    <a:t> </a:t>
+                  </a:r>
+                </a:p>
+              </p:txBody>
+            </p:sp>
+          </mc:Fallback>
+        </mc:AlternateContent>
+      </p:grpSp>
+    </p:spTree>
+    <p:extLst>
+      <p:ext uri="{BB962C8B-B14F-4D97-AF65-F5344CB8AC3E}">
+        <p14:creationId xmlns:p14="http://schemas.microsoft.com/office/powerpoint/2010/main" val="4112394708"/>
       </p:ext>
     </p:extLst>
   </p:cSld>
